--- a/08_Javascript_Classes.pptx
+++ b/08_Javascript_Classes.pptx
@@ -5,7 +5,7 @@
     <p:sldMasterId id="2147483805" r:id="rId4"/>
   </p:sldMasterIdLst>
   <p:notesMasterIdLst>
-    <p:notesMasterId r:id="rId21"/>
+    <p:notesMasterId r:id="rId35"/>
   </p:notesMasterIdLst>
   <p:sldIdLst>
     <p:sldId id="276" r:id="rId5"/>
@@ -23,7 +23,21 @@
     <p:sldId id="287" r:id="rId17"/>
     <p:sldId id="295" r:id="rId18"/>
     <p:sldId id="296" r:id="rId19"/>
-    <p:sldId id="278" r:id="rId20"/>
+    <p:sldId id="297" r:id="rId20"/>
+    <p:sldId id="298" r:id="rId21"/>
+    <p:sldId id="299" r:id="rId22"/>
+    <p:sldId id="300" r:id="rId23"/>
+    <p:sldId id="301" r:id="rId24"/>
+    <p:sldId id="302" r:id="rId25"/>
+    <p:sldId id="303" r:id="rId26"/>
+    <p:sldId id="304" r:id="rId27"/>
+    <p:sldId id="305" r:id="rId28"/>
+    <p:sldId id="307" r:id="rId29"/>
+    <p:sldId id="306" r:id="rId30"/>
+    <p:sldId id="308" r:id="rId31"/>
+    <p:sldId id="309" r:id="rId32"/>
+    <p:sldId id="310" r:id="rId33"/>
+    <p:sldId id="278" r:id="rId34"/>
   </p:sldIdLst>
   <p:sldSz cx="12192000" cy="6858000"/>
   <p:notesSz cx="6858000" cy="9144000"/>
@@ -212,7 +226,7 @@
           <a:p>
             <a:fld id="{C76DF261-2E64-46EA-8978-57B2C7401E71}" type="datetimeFigureOut">
               <a:rPr lang="en-US" smtClean="0"/>
-              <a:t>3/4/2022</a:t>
+              <a:t>3/5/2022</a:t>
             </a:fld>
             <a:endParaRPr lang="en-US"/>
           </a:p>
@@ -1690,7 +1704,463 @@
     </p:spTree>
     <p:extLst>
       <p:ext uri="{BB962C8B-B14F-4D97-AF65-F5344CB8AC3E}">
-        <p14:creationId xmlns:p14="http://schemas.microsoft.com/office/powerpoint/2010/main" val="2884698715"/>
+        <p14:creationId xmlns:p14="http://schemas.microsoft.com/office/powerpoint/2010/main" val="2395814173"/>
+      </p:ext>
+    </p:extLst>
+  </p:cSld>
+  <p:clrMapOvr>
+    <a:masterClrMapping/>
+  </p:clrMapOvr>
+</p:notes>
+</file>
+
+<file path=ppt/notesSlides/notesSlide17.xml><?xml version="1.0" encoding="utf-8"?>
+<p:notes xmlns:a="http://schemas.openxmlformats.org/drawingml/2006/main" xmlns:r="http://schemas.openxmlformats.org/officeDocument/2006/relationships" xmlns:p="http://schemas.openxmlformats.org/presentationml/2006/main">
+  <p:cSld>
+    <p:spTree>
+      <p:nvGrpSpPr>
+        <p:cNvPr id="1" name=""/>
+        <p:cNvGrpSpPr/>
+        <p:nvPr/>
+      </p:nvGrpSpPr>
+      <p:grpSpPr>
+        <a:xfrm>
+          <a:off x="0" y="0"/>
+          <a:ext cx="0" cy="0"/>
+          <a:chOff x="0" y="0"/>
+          <a:chExt cx="0" cy="0"/>
+        </a:xfrm>
+      </p:grpSpPr>
+      <p:sp>
+        <p:nvSpPr>
+          <p:cNvPr id="2" name="Slide Image Placeholder 1"/>
+          <p:cNvSpPr>
+            <a:spLocks noGrp="1" noRot="1" noChangeAspect="1"/>
+          </p:cNvSpPr>
+          <p:nvPr>
+            <p:ph type="sldImg"/>
+          </p:nvPr>
+        </p:nvSpPr>
+        <p:spPr/>
+      </p:sp>
+      <p:sp>
+        <p:nvSpPr>
+          <p:cNvPr id="3" name="Notes Placeholder 2"/>
+          <p:cNvSpPr>
+            <a:spLocks noGrp="1"/>
+          </p:cNvSpPr>
+          <p:nvPr>
+            <p:ph type="body" idx="1"/>
+          </p:nvPr>
+        </p:nvSpPr>
+        <p:spPr/>
+        <p:txBody>
+          <a:bodyPr/>
+          <a:lstStyle/>
+          <a:p>
+            <a:pPr algn="just"/>
+            <a:r>
+              <a:rPr lang="en-US" dirty="0"/>
+              <a:t>Sorry for interrupting the story, but I need to introduce some basic terminology.</a:t>
+            </a:r>
+          </a:p>
+          <a:p>
+            <a:pPr algn="just"/>
+            <a:endParaRPr lang="en-US" dirty="0"/>
+          </a:p>
+          <a:p>
+            <a:pPr algn="just"/>
+            <a:r>
+              <a:rPr lang="en-US" dirty="0"/>
+              <a:t>Alice’s web browser is about to send an HTTP request to a web server—specifically, to the URL </a:t>
+            </a:r>
+            <a:r>
+              <a:rPr lang="en-US" dirty="0">
+                <a:hlinkClick r:id="rId3"/>
+              </a:rPr>
+              <a:t>http://www.youtypeitwepostit.com/</a:t>
+            </a:r>
+            <a:r>
+              <a:rPr lang="en-US" dirty="0"/>
+              <a:t>. One web server may host many different URLs, and each URL grants access to a different bit of the data on the server.</a:t>
+            </a:r>
+          </a:p>
+          <a:p>
+            <a:pPr algn="just"/>
+            <a:endParaRPr lang="en-US" dirty="0"/>
+          </a:p>
+          <a:p>
+            <a:pPr algn="just"/>
+            <a:r>
+              <a:rPr lang="en-US" dirty="0"/>
+              <a:t>We say that a URL is the URL of some thing: a product, a user, the home page. The technical term for the thing named by a URL is </a:t>
+            </a:r>
+            <a:r>
+              <a:rPr lang="en-US" b="1" i="1" dirty="0"/>
+              <a:t>resource</a:t>
+            </a:r>
+            <a:r>
+              <a:rPr lang="en-US" dirty="0"/>
+              <a:t>.</a:t>
+            </a:r>
+          </a:p>
+          <a:p>
+            <a:pPr algn="just"/>
+            <a:endParaRPr lang="en-US" dirty="0"/>
+          </a:p>
+          <a:p>
+            <a:pPr algn="just"/>
+            <a:r>
+              <a:rPr lang="en-US" dirty="0"/>
+              <a:t>The URL </a:t>
+            </a:r>
+            <a:r>
+              <a:rPr lang="en-US" dirty="0">
+                <a:hlinkClick r:id="rId3"/>
+              </a:rPr>
+              <a:t>http://www.youtypeitwepostit.com/</a:t>
+            </a:r>
+            <a:r>
+              <a:rPr lang="en-US" dirty="0"/>
+              <a:t> identifies a resource—probably the home page of the website advertised on the billboard. But you won’t know for sure until we resume the story and Alice’s web browser sends the HTTP request.</a:t>
+            </a:r>
+          </a:p>
+          <a:p>
+            <a:endParaRPr lang="en-US" dirty="0"/>
+          </a:p>
+        </p:txBody>
+      </p:sp>
+      <p:sp>
+        <p:nvSpPr>
+          <p:cNvPr id="4" name="Slide Number Placeholder 3"/>
+          <p:cNvSpPr>
+            <a:spLocks noGrp="1"/>
+          </p:cNvSpPr>
+          <p:nvPr>
+            <p:ph type="sldNum" sz="quarter" idx="5"/>
+          </p:nvPr>
+        </p:nvSpPr>
+        <p:spPr/>
+        <p:txBody>
+          <a:bodyPr/>
+          <a:lstStyle/>
+          <a:p>
+            <a:fld id="{2E22A873-933D-4D09-931E-CDFDF5E37688}" type="slidenum">
+              <a:rPr lang="en-US" smtClean="0"/>
+              <a:t>17</a:t>
+            </a:fld>
+            <a:endParaRPr lang="en-US"/>
+          </a:p>
+        </p:txBody>
+      </p:sp>
+    </p:spTree>
+    <p:extLst>
+      <p:ext uri="{BB962C8B-B14F-4D97-AF65-F5344CB8AC3E}">
+        <p14:creationId xmlns:p14="http://schemas.microsoft.com/office/powerpoint/2010/main" val="3658317590"/>
+      </p:ext>
+    </p:extLst>
+  </p:cSld>
+  <p:clrMapOvr>
+    <a:masterClrMapping/>
+  </p:clrMapOvr>
+</p:notes>
+</file>
+
+<file path=ppt/notesSlides/notesSlide18.xml><?xml version="1.0" encoding="utf-8"?>
+<p:notes xmlns:a="http://schemas.openxmlformats.org/drawingml/2006/main" xmlns:r="http://schemas.openxmlformats.org/officeDocument/2006/relationships" xmlns:p="http://schemas.openxmlformats.org/presentationml/2006/main">
+  <p:cSld>
+    <p:spTree>
+      <p:nvGrpSpPr>
+        <p:cNvPr id="1" name=""/>
+        <p:cNvGrpSpPr/>
+        <p:nvPr/>
+      </p:nvGrpSpPr>
+      <p:grpSpPr>
+        <a:xfrm>
+          <a:off x="0" y="0"/>
+          <a:ext cx="0" cy="0"/>
+          <a:chOff x="0" y="0"/>
+          <a:chExt cx="0" cy="0"/>
+        </a:xfrm>
+      </p:grpSpPr>
+      <p:sp>
+        <p:nvSpPr>
+          <p:cNvPr id="2" name="Slide Image Placeholder 1"/>
+          <p:cNvSpPr>
+            <a:spLocks noGrp="1" noRot="1" noChangeAspect="1"/>
+          </p:cNvSpPr>
+          <p:nvPr>
+            <p:ph type="sldImg"/>
+          </p:nvPr>
+        </p:nvSpPr>
+        <p:spPr/>
+      </p:sp>
+      <p:sp>
+        <p:nvSpPr>
+          <p:cNvPr id="3" name="Notes Placeholder 2"/>
+          <p:cNvSpPr>
+            <a:spLocks noGrp="1"/>
+          </p:cNvSpPr>
+          <p:nvPr>
+            <p:ph type="body" idx="1"/>
+          </p:nvPr>
+        </p:nvSpPr>
+        <p:spPr/>
+        <p:txBody>
+          <a:bodyPr/>
+          <a:lstStyle/>
+          <a:p>
+            <a:pPr algn="just"/>
+            <a:r>
+              <a:rPr lang="en-US" dirty="0"/>
+              <a:t>Sorry for interrupting the story, but I need to introduce some basic terminology.</a:t>
+            </a:r>
+          </a:p>
+          <a:p>
+            <a:pPr algn="just"/>
+            <a:endParaRPr lang="en-US" dirty="0"/>
+          </a:p>
+          <a:p>
+            <a:pPr algn="just"/>
+            <a:r>
+              <a:rPr lang="en-US" dirty="0"/>
+              <a:t>Alice’s web browser is about to send an HTTP request to a web server—specifically, to the URL </a:t>
+            </a:r>
+            <a:r>
+              <a:rPr lang="en-US" dirty="0">
+                <a:hlinkClick r:id="rId3"/>
+              </a:rPr>
+              <a:t>http://www.youtypeitwepostit.com/</a:t>
+            </a:r>
+            <a:r>
+              <a:rPr lang="en-US" dirty="0"/>
+              <a:t>. One web server may host many different URLs, and each URL grants access to a different bit of the data on the server.</a:t>
+            </a:r>
+          </a:p>
+          <a:p>
+            <a:pPr algn="just"/>
+            <a:endParaRPr lang="en-US" dirty="0"/>
+          </a:p>
+          <a:p>
+            <a:pPr algn="just"/>
+            <a:r>
+              <a:rPr lang="en-US" dirty="0"/>
+              <a:t>We say that a URL is the URL of some thing: a product, a user, the home page. The technical term for the thing named by a URL is </a:t>
+            </a:r>
+            <a:r>
+              <a:rPr lang="en-US" b="1" i="1" dirty="0"/>
+              <a:t>resource</a:t>
+            </a:r>
+            <a:r>
+              <a:rPr lang="en-US" dirty="0"/>
+              <a:t>.</a:t>
+            </a:r>
+          </a:p>
+          <a:p>
+            <a:pPr algn="just"/>
+            <a:endParaRPr lang="en-US" dirty="0"/>
+          </a:p>
+          <a:p>
+            <a:pPr algn="just"/>
+            <a:r>
+              <a:rPr lang="en-US" dirty="0"/>
+              <a:t>The URL </a:t>
+            </a:r>
+            <a:r>
+              <a:rPr lang="en-US" dirty="0">
+                <a:hlinkClick r:id="rId3"/>
+              </a:rPr>
+              <a:t>http://www.youtypeitwepostit.com/</a:t>
+            </a:r>
+            <a:r>
+              <a:rPr lang="en-US" dirty="0"/>
+              <a:t> identifies a resource—probably the home page of the website advertised on the billboard. But you won’t know for sure until we resume the story and Alice’s web browser sends the HTTP request.</a:t>
+            </a:r>
+          </a:p>
+          <a:p>
+            <a:endParaRPr lang="en-US" dirty="0"/>
+          </a:p>
+        </p:txBody>
+      </p:sp>
+      <p:sp>
+        <p:nvSpPr>
+          <p:cNvPr id="4" name="Slide Number Placeholder 3"/>
+          <p:cNvSpPr>
+            <a:spLocks noGrp="1"/>
+          </p:cNvSpPr>
+          <p:nvPr>
+            <p:ph type="sldNum" sz="quarter" idx="5"/>
+          </p:nvPr>
+        </p:nvSpPr>
+        <p:spPr/>
+        <p:txBody>
+          <a:bodyPr/>
+          <a:lstStyle/>
+          <a:p>
+            <a:fld id="{2E22A873-933D-4D09-931E-CDFDF5E37688}" type="slidenum">
+              <a:rPr lang="en-US" smtClean="0"/>
+              <a:t>18</a:t>
+            </a:fld>
+            <a:endParaRPr lang="en-US"/>
+          </a:p>
+        </p:txBody>
+      </p:sp>
+    </p:spTree>
+    <p:extLst>
+      <p:ext uri="{BB962C8B-B14F-4D97-AF65-F5344CB8AC3E}">
+        <p14:creationId xmlns:p14="http://schemas.microsoft.com/office/powerpoint/2010/main" val="2249985060"/>
+      </p:ext>
+    </p:extLst>
+  </p:cSld>
+  <p:clrMapOvr>
+    <a:masterClrMapping/>
+  </p:clrMapOvr>
+</p:notes>
+</file>
+
+<file path=ppt/notesSlides/notesSlide19.xml><?xml version="1.0" encoding="utf-8"?>
+<p:notes xmlns:a="http://schemas.openxmlformats.org/drawingml/2006/main" xmlns:r="http://schemas.openxmlformats.org/officeDocument/2006/relationships" xmlns:p="http://schemas.openxmlformats.org/presentationml/2006/main">
+  <p:cSld>
+    <p:spTree>
+      <p:nvGrpSpPr>
+        <p:cNvPr id="1" name=""/>
+        <p:cNvGrpSpPr/>
+        <p:nvPr/>
+      </p:nvGrpSpPr>
+      <p:grpSpPr>
+        <a:xfrm>
+          <a:off x="0" y="0"/>
+          <a:ext cx="0" cy="0"/>
+          <a:chOff x="0" y="0"/>
+          <a:chExt cx="0" cy="0"/>
+        </a:xfrm>
+      </p:grpSpPr>
+      <p:sp>
+        <p:nvSpPr>
+          <p:cNvPr id="2" name="Slide Image Placeholder 1"/>
+          <p:cNvSpPr>
+            <a:spLocks noGrp="1" noRot="1" noChangeAspect="1"/>
+          </p:cNvSpPr>
+          <p:nvPr>
+            <p:ph type="sldImg"/>
+          </p:nvPr>
+        </p:nvSpPr>
+        <p:spPr/>
+      </p:sp>
+      <p:sp>
+        <p:nvSpPr>
+          <p:cNvPr id="3" name="Notes Placeholder 2"/>
+          <p:cNvSpPr>
+            <a:spLocks noGrp="1"/>
+          </p:cNvSpPr>
+          <p:nvPr>
+            <p:ph type="body" idx="1"/>
+          </p:nvPr>
+        </p:nvSpPr>
+        <p:spPr/>
+        <p:txBody>
+          <a:bodyPr/>
+          <a:lstStyle/>
+          <a:p>
+            <a:pPr algn="just"/>
+            <a:r>
+              <a:rPr lang="en-US" dirty="0"/>
+              <a:t>Sorry for interrupting the story, but I need to introduce some basic terminology.</a:t>
+            </a:r>
+          </a:p>
+          <a:p>
+            <a:pPr algn="just"/>
+            <a:endParaRPr lang="en-US" dirty="0"/>
+          </a:p>
+          <a:p>
+            <a:pPr algn="just"/>
+            <a:r>
+              <a:rPr lang="en-US" dirty="0"/>
+              <a:t>Alice’s web browser is about to send an HTTP request to a web server—specifically, to the URL </a:t>
+            </a:r>
+            <a:r>
+              <a:rPr lang="en-US" dirty="0">
+                <a:hlinkClick r:id="rId3"/>
+              </a:rPr>
+              <a:t>http://www.youtypeitwepostit.com/</a:t>
+            </a:r>
+            <a:r>
+              <a:rPr lang="en-US" dirty="0"/>
+              <a:t>. One web server may host many different URLs, and each URL grants access to a different bit of the data on the server.</a:t>
+            </a:r>
+          </a:p>
+          <a:p>
+            <a:pPr algn="just"/>
+            <a:endParaRPr lang="en-US" dirty="0"/>
+          </a:p>
+          <a:p>
+            <a:pPr algn="just"/>
+            <a:r>
+              <a:rPr lang="en-US" dirty="0"/>
+              <a:t>We say that a URL is the URL of some thing: a product, a user, the home page. The technical term for the thing named by a URL is </a:t>
+            </a:r>
+            <a:r>
+              <a:rPr lang="en-US" b="1" i="1" dirty="0"/>
+              <a:t>resource</a:t>
+            </a:r>
+            <a:r>
+              <a:rPr lang="en-US" dirty="0"/>
+              <a:t>.</a:t>
+            </a:r>
+          </a:p>
+          <a:p>
+            <a:pPr algn="just"/>
+            <a:endParaRPr lang="en-US" dirty="0"/>
+          </a:p>
+          <a:p>
+            <a:pPr algn="just"/>
+            <a:r>
+              <a:rPr lang="en-US" dirty="0"/>
+              <a:t>The URL </a:t>
+            </a:r>
+            <a:r>
+              <a:rPr lang="en-US" dirty="0">
+                <a:hlinkClick r:id="rId3"/>
+              </a:rPr>
+              <a:t>http://www.youtypeitwepostit.com/</a:t>
+            </a:r>
+            <a:r>
+              <a:rPr lang="en-US" dirty="0"/>
+              <a:t> identifies a resource—probably the home page of the website advertised on the billboard. But you won’t know for sure until we resume the story and Alice’s web browser sends the HTTP request.</a:t>
+            </a:r>
+          </a:p>
+          <a:p>
+            <a:endParaRPr lang="en-US" dirty="0"/>
+          </a:p>
+        </p:txBody>
+      </p:sp>
+      <p:sp>
+        <p:nvSpPr>
+          <p:cNvPr id="4" name="Slide Number Placeholder 3"/>
+          <p:cNvSpPr>
+            <a:spLocks noGrp="1"/>
+          </p:cNvSpPr>
+          <p:nvPr>
+            <p:ph type="sldNum" sz="quarter" idx="5"/>
+          </p:nvPr>
+        </p:nvSpPr>
+        <p:spPr/>
+        <p:txBody>
+          <a:bodyPr/>
+          <a:lstStyle/>
+          <a:p>
+            <a:fld id="{2E22A873-933D-4D09-931E-CDFDF5E37688}" type="slidenum">
+              <a:rPr lang="en-US" smtClean="0"/>
+              <a:t>19</a:t>
+            </a:fld>
+            <a:endParaRPr lang="en-US"/>
+          </a:p>
+        </p:txBody>
+      </p:sp>
+    </p:spTree>
+    <p:extLst>
+      <p:ext uri="{BB962C8B-B14F-4D97-AF65-F5344CB8AC3E}">
+        <p14:creationId xmlns:p14="http://schemas.microsoft.com/office/powerpoint/2010/main" val="820301914"/>
       </p:ext>
     </p:extLst>
   </p:cSld>
@@ -1852,6 +2322,1526 @@
 </p:notes>
 </file>
 
+<file path=ppt/notesSlides/notesSlide20.xml><?xml version="1.0" encoding="utf-8"?>
+<p:notes xmlns:a="http://schemas.openxmlformats.org/drawingml/2006/main" xmlns:r="http://schemas.openxmlformats.org/officeDocument/2006/relationships" xmlns:p="http://schemas.openxmlformats.org/presentationml/2006/main">
+  <p:cSld>
+    <p:spTree>
+      <p:nvGrpSpPr>
+        <p:cNvPr id="1" name=""/>
+        <p:cNvGrpSpPr/>
+        <p:nvPr/>
+      </p:nvGrpSpPr>
+      <p:grpSpPr>
+        <a:xfrm>
+          <a:off x="0" y="0"/>
+          <a:ext cx="0" cy="0"/>
+          <a:chOff x="0" y="0"/>
+          <a:chExt cx="0" cy="0"/>
+        </a:xfrm>
+      </p:grpSpPr>
+      <p:sp>
+        <p:nvSpPr>
+          <p:cNvPr id="2" name="Slide Image Placeholder 1"/>
+          <p:cNvSpPr>
+            <a:spLocks noGrp="1" noRot="1" noChangeAspect="1"/>
+          </p:cNvSpPr>
+          <p:nvPr>
+            <p:ph type="sldImg"/>
+          </p:nvPr>
+        </p:nvSpPr>
+        <p:spPr/>
+      </p:sp>
+      <p:sp>
+        <p:nvSpPr>
+          <p:cNvPr id="3" name="Notes Placeholder 2"/>
+          <p:cNvSpPr>
+            <a:spLocks noGrp="1"/>
+          </p:cNvSpPr>
+          <p:nvPr>
+            <p:ph type="body" idx="1"/>
+          </p:nvPr>
+        </p:nvSpPr>
+        <p:spPr/>
+        <p:txBody>
+          <a:bodyPr/>
+          <a:lstStyle/>
+          <a:p>
+            <a:pPr algn="just"/>
+            <a:r>
+              <a:rPr lang="en-US" dirty="0"/>
+              <a:t>Sorry for interrupting the story, but I need to introduce some basic terminology.</a:t>
+            </a:r>
+          </a:p>
+          <a:p>
+            <a:pPr algn="just"/>
+            <a:endParaRPr lang="en-US" dirty="0"/>
+          </a:p>
+          <a:p>
+            <a:pPr algn="just"/>
+            <a:r>
+              <a:rPr lang="en-US" dirty="0"/>
+              <a:t>Alice’s web browser is about to send an HTTP request to a web server—specifically, to the URL </a:t>
+            </a:r>
+            <a:r>
+              <a:rPr lang="en-US" dirty="0">
+                <a:hlinkClick r:id="rId3"/>
+              </a:rPr>
+              <a:t>http://www.youtypeitwepostit.com/</a:t>
+            </a:r>
+            <a:r>
+              <a:rPr lang="en-US" dirty="0"/>
+              <a:t>. One web server may host many different URLs, and each URL grants access to a different bit of the data on the server.</a:t>
+            </a:r>
+          </a:p>
+          <a:p>
+            <a:pPr algn="just"/>
+            <a:endParaRPr lang="en-US" dirty="0"/>
+          </a:p>
+          <a:p>
+            <a:pPr algn="just"/>
+            <a:r>
+              <a:rPr lang="en-US" dirty="0"/>
+              <a:t>We say that a URL is the URL of some thing: a product, a user, the home page. The technical term for the thing named by a URL is </a:t>
+            </a:r>
+            <a:r>
+              <a:rPr lang="en-US" b="1" i="1" dirty="0"/>
+              <a:t>resource</a:t>
+            </a:r>
+            <a:r>
+              <a:rPr lang="en-US" dirty="0"/>
+              <a:t>.</a:t>
+            </a:r>
+          </a:p>
+          <a:p>
+            <a:pPr algn="just"/>
+            <a:endParaRPr lang="en-US" dirty="0"/>
+          </a:p>
+          <a:p>
+            <a:pPr algn="just"/>
+            <a:r>
+              <a:rPr lang="en-US" dirty="0"/>
+              <a:t>The URL </a:t>
+            </a:r>
+            <a:r>
+              <a:rPr lang="en-US" dirty="0">
+                <a:hlinkClick r:id="rId3"/>
+              </a:rPr>
+              <a:t>http://www.youtypeitwepostit.com/</a:t>
+            </a:r>
+            <a:r>
+              <a:rPr lang="en-US" dirty="0"/>
+              <a:t> identifies a resource—probably the home page of the website advertised on the billboard. But you won’t know for sure until we resume the story and Alice’s web browser sends the HTTP request.</a:t>
+            </a:r>
+          </a:p>
+          <a:p>
+            <a:endParaRPr lang="en-US" dirty="0"/>
+          </a:p>
+        </p:txBody>
+      </p:sp>
+      <p:sp>
+        <p:nvSpPr>
+          <p:cNvPr id="4" name="Slide Number Placeholder 3"/>
+          <p:cNvSpPr>
+            <a:spLocks noGrp="1"/>
+          </p:cNvSpPr>
+          <p:nvPr>
+            <p:ph type="sldNum" sz="quarter" idx="5"/>
+          </p:nvPr>
+        </p:nvSpPr>
+        <p:spPr/>
+        <p:txBody>
+          <a:bodyPr/>
+          <a:lstStyle/>
+          <a:p>
+            <a:fld id="{2E22A873-933D-4D09-931E-CDFDF5E37688}" type="slidenum">
+              <a:rPr lang="en-US" smtClean="0"/>
+              <a:t>20</a:t>
+            </a:fld>
+            <a:endParaRPr lang="en-US"/>
+          </a:p>
+        </p:txBody>
+      </p:sp>
+    </p:spTree>
+    <p:extLst>
+      <p:ext uri="{BB962C8B-B14F-4D97-AF65-F5344CB8AC3E}">
+        <p14:creationId xmlns:p14="http://schemas.microsoft.com/office/powerpoint/2010/main" val="1048343806"/>
+      </p:ext>
+    </p:extLst>
+  </p:cSld>
+  <p:clrMapOvr>
+    <a:masterClrMapping/>
+  </p:clrMapOvr>
+</p:notes>
+</file>
+
+<file path=ppt/notesSlides/notesSlide21.xml><?xml version="1.0" encoding="utf-8"?>
+<p:notes xmlns:a="http://schemas.openxmlformats.org/drawingml/2006/main" xmlns:r="http://schemas.openxmlformats.org/officeDocument/2006/relationships" xmlns:p="http://schemas.openxmlformats.org/presentationml/2006/main">
+  <p:cSld>
+    <p:spTree>
+      <p:nvGrpSpPr>
+        <p:cNvPr id="1" name=""/>
+        <p:cNvGrpSpPr/>
+        <p:nvPr/>
+      </p:nvGrpSpPr>
+      <p:grpSpPr>
+        <a:xfrm>
+          <a:off x="0" y="0"/>
+          <a:ext cx="0" cy="0"/>
+          <a:chOff x="0" y="0"/>
+          <a:chExt cx="0" cy="0"/>
+        </a:xfrm>
+      </p:grpSpPr>
+      <p:sp>
+        <p:nvSpPr>
+          <p:cNvPr id="2" name="Slide Image Placeholder 1"/>
+          <p:cNvSpPr>
+            <a:spLocks noGrp="1" noRot="1" noChangeAspect="1"/>
+          </p:cNvSpPr>
+          <p:nvPr>
+            <p:ph type="sldImg"/>
+          </p:nvPr>
+        </p:nvSpPr>
+        <p:spPr/>
+      </p:sp>
+      <p:sp>
+        <p:nvSpPr>
+          <p:cNvPr id="3" name="Notes Placeholder 2"/>
+          <p:cNvSpPr>
+            <a:spLocks noGrp="1"/>
+          </p:cNvSpPr>
+          <p:nvPr>
+            <p:ph type="body" idx="1"/>
+          </p:nvPr>
+        </p:nvSpPr>
+        <p:spPr/>
+        <p:txBody>
+          <a:bodyPr/>
+          <a:lstStyle/>
+          <a:p>
+            <a:pPr algn="just"/>
+            <a:r>
+              <a:rPr lang="en-US" dirty="0"/>
+              <a:t>Sorry for interrupting the story, but I need to introduce some basic terminology.</a:t>
+            </a:r>
+          </a:p>
+          <a:p>
+            <a:pPr algn="just"/>
+            <a:endParaRPr lang="en-US" dirty="0"/>
+          </a:p>
+          <a:p>
+            <a:pPr algn="just"/>
+            <a:r>
+              <a:rPr lang="en-US" dirty="0"/>
+              <a:t>Alice’s web browser is about to send an HTTP request to a web server—specifically, to the URL </a:t>
+            </a:r>
+            <a:r>
+              <a:rPr lang="en-US" dirty="0">
+                <a:hlinkClick r:id="rId3"/>
+              </a:rPr>
+              <a:t>http://www.youtypeitwepostit.com/</a:t>
+            </a:r>
+            <a:r>
+              <a:rPr lang="en-US" dirty="0"/>
+              <a:t>. One web server may host many different URLs, and each URL grants access to a different bit of the data on the server.</a:t>
+            </a:r>
+          </a:p>
+          <a:p>
+            <a:pPr algn="just"/>
+            <a:endParaRPr lang="en-US" dirty="0"/>
+          </a:p>
+          <a:p>
+            <a:pPr algn="just"/>
+            <a:r>
+              <a:rPr lang="en-US" dirty="0"/>
+              <a:t>We say that a URL is the URL of some thing: a product, a user, the home page. The technical term for the thing named by a URL is </a:t>
+            </a:r>
+            <a:r>
+              <a:rPr lang="en-US" b="1" i="1" dirty="0"/>
+              <a:t>resource</a:t>
+            </a:r>
+            <a:r>
+              <a:rPr lang="en-US" dirty="0"/>
+              <a:t>.</a:t>
+            </a:r>
+          </a:p>
+          <a:p>
+            <a:pPr algn="just"/>
+            <a:endParaRPr lang="en-US" dirty="0"/>
+          </a:p>
+          <a:p>
+            <a:pPr algn="just"/>
+            <a:r>
+              <a:rPr lang="en-US" dirty="0"/>
+              <a:t>The URL </a:t>
+            </a:r>
+            <a:r>
+              <a:rPr lang="en-US" dirty="0">
+                <a:hlinkClick r:id="rId3"/>
+              </a:rPr>
+              <a:t>http://www.youtypeitwepostit.com/</a:t>
+            </a:r>
+            <a:r>
+              <a:rPr lang="en-US" dirty="0"/>
+              <a:t> identifies a resource—probably the home page of the website advertised on the billboard. But you won’t know for sure until we resume the story and Alice’s web browser sends the HTTP request.</a:t>
+            </a:r>
+          </a:p>
+          <a:p>
+            <a:endParaRPr lang="en-US" dirty="0"/>
+          </a:p>
+        </p:txBody>
+      </p:sp>
+      <p:sp>
+        <p:nvSpPr>
+          <p:cNvPr id="4" name="Slide Number Placeholder 3"/>
+          <p:cNvSpPr>
+            <a:spLocks noGrp="1"/>
+          </p:cNvSpPr>
+          <p:nvPr>
+            <p:ph type="sldNum" sz="quarter" idx="5"/>
+          </p:nvPr>
+        </p:nvSpPr>
+        <p:spPr/>
+        <p:txBody>
+          <a:bodyPr/>
+          <a:lstStyle/>
+          <a:p>
+            <a:fld id="{2E22A873-933D-4D09-931E-CDFDF5E37688}" type="slidenum">
+              <a:rPr lang="en-US" smtClean="0"/>
+              <a:t>21</a:t>
+            </a:fld>
+            <a:endParaRPr lang="en-US"/>
+          </a:p>
+        </p:txBody>
+      </p:sp>
+    </p:spTree>
+    <p:extLst>
+      <p:ext uri="{BB962C8B-B14F-4D97-AF65-F5344CB8AC3E}">
+        <p14:creationId xmlns:p14="http://schemas.microsoft.com/office/powerpoint/2010/main" val="2933223023"/>
+      </p:ext>
+    </p:extLst>
+  </p:cSld>
+  <p:clrMapOvr>
+    <a:masterClrMapping/>
+  </p:clrMapOvr>
+</p:notes>
+</file>
+
+<file path=ppt/notesSlides/notesSlide22.xml><?xml version="1.0" encoding="utf-8"?>
+<p:notes xmlns:a="http://schemas.openxmlformats.org/drawingml/2006/main" xmlns:r="http://schemas.openxmlformats.org/officeDocument/2006/relationships" xmlns:p="http://schemas.openxmlformats.org/presentationml/2006/main">
+  <p:cSld>
+    <p:spTree>
+      <p:nvGrpSpPr>
+        <p:cNvPr id="1" name=""/>
+        <p:cNvGrpSpPr/>
+        <p:nvPr/>
+      </p:nvGrpSpPr>
+      <p:grpSpPr>
+        <a:xfrm>
+          <a:off x="0" y="0"/>
+          <a:ext cx="0" cy="0"/>
+          <a:chOff x="0" y="0"/>
+          <a:chExt cx="0" cy="0"/>
+        </a:xfrm>
+      </p:grpSpPr>
+      <p:sp>
+        <p:nvSpPr>
+          <p:cNvPr id="2" name="Slide Image Placeholder 1"/>
+          <p:cNvSpPr>
+            <a:spLocks noGrp="1" noRot="1" noChangeAspect="1"/>
+          </p:cNvSpPr>
+          <p:nvPr>
+            <p:ph type="sldImg"/>
+          </p:nvPr>
+        </p:nvSpPr>
+        <p:spPr/>
+      </p:sp>
+      <p:sp>
+        <p:nvSpPr>
+          <p:cNvPr id="3" name="Notes Placeholder 2"/>
+          <p:cNvSpPr>
+            <a:spLocks noGrp="1"/>
+          </p:cNvSpPr>
+          <p:nvPr>
+            <p:ph type="body" idx="1"/>
+          </p:nvPr>
+        </p:nvSpPr>
+        <p:spPr/>
+        <p:txBody>
+          <a:bodyPr/>
+          <a:lstStyle/>
+          <a:p>
+            <a:pPr algn="just"/>
+            <a:r>
+              <a:rPr lang="en-US" dirty="0"/>
+              <a:t>Sorry for interrupting the story, but I need to introduce some basic terminology.</a:t>
+            </a:r>
+          </a:p>
+          <a:p>
+            <a:pPr algn="just"/>
+            <a:endParaRPr lang="en-US" dirty="0"/>
+          </a:p>
+          <a:p>
+            <a:pPr algn="just"/>
+            <a:r>
+              <a:rPr lang="en-US" dirty="0"/>
+              <a:t>Alice’s web browser is about to send an HTTP request to a web server—specifically, to the URL </a:t>
+            </a:r>
+            <a:r>
+              <a:rPr lang="en-US" dirty="0">
+                <a:hlinkClick r:id="rId3"/>
+              </a:rPr>
+              <a:t>http://www.youtypeitwepostit.com/</a:t>
+            </a:r>
+            <a:r>
+              <a:rPr lang="en-US" dirty="0"/>
+              <a:t>. One web server may host many different URLs, and each URL grants access to a different bit of the data on the server.</a:t>
+            </a:r>
+          </a:p>
+          <a:p>
+            <a:pPr algn="just"/>
+            <a:endParaRPr lang="en-US" dirty="0"/>
+          </a:p>
+          <a:p>
+            <a:pPr algn="just"/>
+            <a:r>
+              <a:rPr lang="en-US" dirty="0"/>
+              <a:t>We say that a URL is the URL of some thing: a product, a user, the home page. The technical term for the thing named by a URL is </a:t>
+            </a:r>
+            <a:r>
+              <a:rPr lang="en-US" b="1" i="1" dirty="0"/>
+              <a:t>resource</a:t>
+            </a:r>
+            <a:r>
+              <a:rPr lang="en-US" dirty="0"/>
+              <a:t>.</a:t>
+            </a:r>
+          </a:p>
+          <a:p>
+            <a:pPr algn="just"/>
+            <a:endParaRPr lang="en-US" dirty="0"/>
+          </a:p>
+          <a:p>
+            <a:pPr algn="just"/>
+            <a:r>
+              <a:rPr lang="en-US" dirty="0"/>
+              <a:t>The URL </a:t>
+            </a:r>
+            <a:r>
+              <a:rPr lang="en-US" dirty="0">
+                <a:hlinkClick r:id="rId3"/>
+              </a:rPr>
+              <a:t>http://www.youtypeitwepostit.com/</a:t>
+            </a:r>
+            <a:r>
+              <a:rPr lang="en-US" dirty="0"/>
+              <a:t> identifies a resource—probably the home page of the website advertised on the billboard. But you won’t know for sure until we resume the story and Alice’s web browser sends the HTTP request.</a:t>
+            </a:r>
+          </a:p>
+          <a:p>
+            <a:endParaRPr lang="en-US" dirty="0"/>
+          </a:p>
+        </p:txBody>
+      </p:sp>
+      <p:sp>
+        <p:nvSpPr>
+          <p:cNvPr id="4" name="Slide Number Placeholder 3"/>
+          <p:cNvSpPr>
+            <a:spLocks noGrp="1"/>
+          </p:cNvSpPr>
+          <p:nvPr>
+            <p:ph type="sldNum" sz="quarter" idx="5"/>
+          </p:nvPr>
+        </p:nvSpPr>
+        <p:spPr/>
+        <p:txBody>
+          <a:bodyPr/>
+          <a:lstStyle/>
+          <a:p>
+            <a:fld id="{2E22A873-933D-4D09-931E-CDFDF5E37688}" type="slidenum">
+              <a:rPr lang="en-US" smtClean="0"/>
+              <a:t>22</a:t>
+            </a:fld>
+            <a:endParaRPr lang="en-US"/>
+          </a:p>
+        </p:txBody>
+      </p:sp>
+    </p:spTree>
+    <p:extLst>
+      <p:ext uri="{BB962C8B-B14F-4D97-AF65-F5344CB8AC3E}">
+        <p14:creationId xmlns:p14="http://schemas.microsoft.com/office/powerpoint/2010/main" val="1650257610"/>
+      </p:ext>
+    </p:extLst>
+  </p:cSld>
+  <p:clrMapOvr>
+    <a:masterClrMapping/>
+  </p:clrMapOvr>
+</p:notes>
+</file>
+
+<file path=ppt/notesSlides/notesSlide23.xml><?xml version="1.0" encoding="utf-8"?>
+<p:notes xmlns:a="http://schemas.openxmlformats.org/drawingml/2006/main" xmlns:r="http://schemas.openxmlformats.org/officeDocument/2006/relationships" xmlns:p="http://schemas.openxmlformats.org/presentationml/2006/main">
+  <p:cSld>
+    <p:spTree>
+      <p:nvGrpSpPr>
+        <p:cNvPr id="1" name=""/>
+        <p:cNvGrpSpPr/>
+        <p:nvPr/>
+      </p:nvGrpSpPr>
+      <p:grpSpPr>
+        <a:xfrm>
+          <a:off x="0" y="0"/>
+          <a:ext cx="0" cy="0"/>
+          <a:chOff x="0" y="0"/>
+          <a:chExt cx="0" cy="0"/>
+        </a:xfrm>
+      </p:grpSpPr>
+      <p:sp>
+        <p:nvSpPr>
+          <p:cNvPr id="2" name="Slide Image Placeholder 1"/>
+          <p:cNvSpPr>
+            <a:spLocks noGrp="1" noRot="1" noChangeAspect="1"/>
+          </p:cNvSpPr>
+          <p:nvPr>
+            <p:ph type="sldImg"/>
+          </p:nvPr>
+        </p:nvSpPr>
+        <p:spPr/>
+      </p:sp>
+      <p:sp>
+        <p:nvSpPr>
+          <p:cNvPr id="3" name="Notes Placeholder 2"/>
+          <p:cNvSpPr>
+            <a:spLocks noGrp="1"/>
+          </p:cNvSpPr>
+          <p:nvPr>
+            <p:ph type="body" idx="1"/>
+          </p:nvPr>
+        </p:nvSpPr>
+        <p:spPr/>
+        <p:txBody>
+          <a:bodyPr/>
+          <a:lstStyle/>
+          <a:p>
+            <a:pPr algn="just"/>
+            <a:r>
+              <a:rPr lang="en-US" dirty="0"/>
+              <a:t>Sorry for interrupting the story, but I need to introduce some basic terminology.</a:t>
+            </a:r>
+          </a:p>
+          <a:p>
+            <a:pPr algn="just"/>
+            <a:endParaRPr lang="en-US" dirty="0"/>
+          </a:p>
+          <a:p>
+            <a:pPr algn="just"/>
+            <a:r>
+              <a:rPr lang="en-US" dirty="0"/>
+              <a:t>Alice’s web browser is about to send an HTTP request to a web server—specifically, to the URL </a:t>
+            </a:r>
+            <a:r>
+              <a:rPr lang="en-US" dirty="0">
+                <a:hlinkClick r:id="rId3"/>
+              </a:rPr>
+              <a:t>http://www.youtypeitwepostit.com/</a:t>
+            </a:r>
+            <a:r>
+              <a:rPr lang="en-US" dirty="0"/>
+              <a:t>. One web server may host many different URLs, and each URL grants access to a different bit of the data on the server.</a:t>
+            </a:r>
+          </a:p>
+          <a:p>
+            <a:pPr algn="just"/>
+            <a:endParaRPr lang="en-US" dirty="0"/>
+          </a:p>
+          <a:p>
+            <a:pPr algn="just"/>
+            <a:r>
+              <a:rPr lang="en-US" dirty="0"/>
+              <a:t>We say that a URL is the URL of some thing: a product, a user, the home page. The technical term for the thing named by a URL is </a:t>
+            </a:r>
+            <a:r>
+              <a:rPr lang="en-US" b="1" i="1" dirty="0"/>
+              <a:t>resource</a:t>
+            </a:r>
+            <a:r>
+              <a:rPr lang="en-US" dirty="0"/>
+              <a:t>.</a:t>
+            </a:r>
+          </a:p>
+          <a:p>
+            <a:pPr algn="just"/>
+            <a:endParaRPr lang="en-US" dirty="0"/>
+          </a:p>
+          <a:p>
+            <a:pPr algn="just"/>
+            <a:r>
+              <a:rPr lang="en-US" dirty="0"/>
+              <a:t>The URL </a:t>
+            </a:r>
+            <a:r>
+              <a:rPr lang="en-US" dirty="0">
+                <a:hlinkClick r:id="rId3"/>
+              </a:rPr>
+              <a:t>http://www.youtypeitwepostit.com/</a:t>
+            </a:r>
+            <a:r>
+              <a:rPr lang="en-US" dirty="0"/>
+              <a:t> identifies a resource—probably the home page of the website advertised on the billboard. But you won’t know for sure until we resume the story and Alice’s web browser sends the HTTP request.</a:t>
+            </a:r>
+          </a:p>
+          <a:p>
+            <a:endParaRPr lang="en-US" dirty="0"/>
+          </a:p>
+        </p:txBody>
+      </p:sp>
+      <p:sp>
+        <p:nvSpPr>
+          <p:cNvPr id="4" name="Slide Number Placeholder 3"/>
+          <p:cNvSpPr>
+            <a:spLocks noGrp="1"/>
+          </p:cNvSpPr>
+          <p:nvPr>
+            <p:ph type="sldNum" sz="quarter" idx="5"/>
+          </p:nvPr>
+        </p:nvSpPr>
+        <p:spPr/>
+        <p:txBody>
+          <a:bodyPr/>
+          <a:lstStyle/>
+          <a:p>
+            <a:fld id="{2E22A873-933D-4D09-931E-CDFDF5E37688}" type="slidenum">
+              <a:rPr lang="en-US" smtClean="0"/>
+              <a:t>23</a:t>
+            </a:fld>
+            <a:endParaRPr lang="en-US"/>
+          </a:p>
+        </p:txBody>
+      </p:sp>
+    </p:spTree>
+    <p:extLst>
+      <p:ext uri="{BB962C8B-B14F-4D97-AF65-F5344CB8AC3E}">
+        <p14:creationId xmlns:p14="http://schemas.microsoft.com/office/powerpoint/2010/main" val="1947664661"/>
+      </p:ext>
+    </p:extLst>
+  </p:cSld>
+  <p:clrMapOvr>
+    <a:masterClrMapping/>
+  </p:clrMapOvr>
+</p:notes>
+</file>
+
+<file path=ppt/notesSlides/notesSlide24.xml><?xml version="1.0" encoding="utf-8"?>
+<p:notes xmlns:a="http://schemas.openxmlformats.org/drawingml/2006/main" xmlns:r="http://schemas.openxmlformats.org/officeDocument/2006/relationships" xmlns:p="http://schemas.openxmlformats.org/presentationml/2006/main">
+  <p:cSld>
+    <p:spTree>
+      <p:nvGrpSpPr>
+        <p:cNvPr id="1" name=""/>
+        <p:cNvGrpSpPr/>
+        <p:nvPr/>
+      </p:nvGrpSpPr>
+      <p:grpSpPr>
+        <a:xfrm>
+          <a:off x="0" y="0"/>
+          <a:ext cx="0" cy="0"/>
+          <a:chOff x="0" y="0"/>
+          <a:chExt cx="0" cy="0"/>
+        </a:xfrm>
+      </p:grpSpPr>
+      <p:sp>
+        <p:nvSpPr>
+          <p:cNvPr id="2" name="Slide Image Placeholder 1"/>
+          <p:cNvSpPr>
+            <a:spLocks noGrp="1" noRot="1" noChangeAspect="1"/>
+          </p:cNvSpPr>
+          <p:nvPr>
+            <p:ph type="sldImg"/>
+          </p:nvPr>
+        </p:nvSpPr>
+        <p:spPr/>
+      </p:sp>
+      <p:sp>
+        <p:nvSpPr>
+          <p:cNvPr id="3" name="Notes Placeholder 2"/>
+          <p:cNvSpPr>
+            <a:spLocks noGrp="1"/>
+          </p:cNvSpPr>
+          <p:nvPr>
+            <p:ph type="body" idx="1"/>
+          </p:nvPr>
+        </p:nvSpPr>
+        <p:spPr/>
+        <p:txBody>
+          <a:bodyPr/>
+          <a:lstStyle/>
+          <a:p>
+            <a:pPr algn="just"/>
+            <a:r>
+              <a:rPr lang="en-US" dirty="0"/>
+              <a:t>Sorry for interrupting the story, but I need to introduce some basic terminology.</a:t>
+            </a:r>
+          </a:p>
+          <a:p>
+            <a:pPr algn="just"/>
+            <a:endParaRPr lang="en-US" dirty="0"/>
+          </a:p>
+          <a:p>
+            <a:pPr algn="just"/>
+            <a:r>
+              <a:rPr lang="en-US" dirty="0"/>
+              <a:t>Alice’s web browser is about to send an HTTP request to a web server—specifically, to the URL </a:t>
+            </a:r>
+            <a:r>
+              <a:rPr lang="en-US" dirty="0">
+                <a:hlinkClick r:id="rId3"/>
+              </a:rPr>
+              <a:t>http://www.youtypeitwepostit.com/</a:t>
+            </a:r>
+            <a:r>
+              <a:rPr lang="en-US" dirty="0"/>
+              <a:t>. One web server may host many different URLs, and each URL grants access to a different bit of the data on the server.</a:t>
+            </a:r>
+          </a:p>
+          <a:p>
+            <a:pPr algn="just"/>
+            <a:endParaRPr lang="en-US" dirty="0"/>
+          </a:p>
+          <a:p>
+            <a:pPr algn="just"/>
+            <a:r>
+              <a:rPr lang="en-US" dirty="0"/>
+              <a:t>We say that a URL is the URL of some thing: a product, a user, the home page. The technical term for the thing named by a URL is </a:t>
+            </a:r>
+            <a:r>
+              <a:rPr lang="en-US" b="1" i="1" dirty="0"/>
+              <a:t>resource</a:t>
+            </a:r>
+            <a:r>
+              <a:rPr lang="en-US" dirty="0"/>
+              <a:t>.</a:t>
+            </a:r>
+          </a:p>
+          <a:p>
+            <a:pPr algn="just"/>
+            <a:endParaRPr lang="en-US" dirty="0"/>
+          </a:p>
+          <a:p>
+            <a:pPr algn="just"/>
+            <a:r>
+              <a:rPr lang="en-US" dirty="0"/>
+              <a:t>The URL </a:t>
+            </a:r>
+            <a:r>
+              <a:rPr lang="en-US" dirty="0">
+                <a:hlinkClick r:id="rId3"/>
+              </a:rPr>
+              <a:t>http://www.youtypeitwepostit.com/</a:t>
+            </a:r>
+            <a:r>
+              <a:rPr lang="en-US" dirty="0"/>
+              <a:t> identifies a resource—probably the home page of the website advertised on the billboard. But you won’t know for sure until we resume the story and Alice’s web browser sends the HTTP request.</a:t>
+            </a:r>
+          </a:p>
+          <a:p>
+            <a:endParaRPr lang="en-US" dirty="0"/>
+          </a:p>
+        </p:txBody>
+      </p:sp>
+      <p:sp>
+        <p:nvSpPr>
+          <p:cNvPr id="4" name="Slide Number Placeholder 3"/>
+          <p:cNvSpPr>
+            <a:spLocks noGrp="1"/>
+          </p:cNvSpPr>
+          <p:nvPr>
+            <p:ph type="sldNum" sz="quarter" idx="5"/>
+          </p:nvPr>
+        </p:nvSpPr>
+        <p:spPr/>
+        <p:txBody>
+          <a:bodyPr/>
+          <a:lstStyle/>
+          <a:p>
+            <a:fld id="{2E22A873-933D-4D09-931E-CDFDF5E37688}" type="slidenum">
+              <a:rPr lang="en-US" smtClean="0"/>
+              <a:t>24</a:t>
+            </a:fld>
+            <a:endParaRPr lang="en-US"/>
+          </a:p>
+        </p:txBody>
+      </p:sp>
+    </p:spTree>
+    <p:extLst>
+      <p:ext uri="{BB962C8B-B14F-4D97-AF65-F5344CB8AC3E}">
+        <p14:creationId xmlns:p14="http://schemas.microsoft.com/office/powerpoint/2010/main" val="605500086"/>
+      </p:ext>
+    </p:extLst>
+  </p:cSld>
+  <p:clrMapOvr>
+    <a:masterClrMapping/>
+  </p:clrMapOvr>
+</p:notes>
+</file>
+
+<file path=ppt/notesSlides/notesSlide25.xml><?xml version="1.0" encoding="utf-8"?>
+<p:notes xmlns:a="http://schemas.openxmlformats.org/drawingml/2006/main" xmlns:r="http://schemas.openxmlformats.org/officeDocument/2006/relationships" xmlns:p="http://schemas.openxmlformats.org/presentationml/2006/main">
+  <p:cSld>
+    <p:spTree>
+      <p:nvGrpSpPr>
+        <p:cNvPr id="1" name=""/>
+        <p:cNvGrpSpPr/>
+        <p:nvPr/>
+      </p:nvGrpSpPr>
+      <p:grpSpPr>
+        <a:xfrm>
+          <a:off x="0" y="0"/>
+          <a:ext cx="0" cy="0"/>
+          <a:chOff x="0" y="0"/>
+          <a:chExt cx="0" cy="0"/>
+        </a:xfrm>
+      </p:grpSpPr>
+      <p:sp>
+        <p:nvSpPr>
+          <p:cNvPr id="2" name="Slide Image Placeholder 1"/>
+          <p:cNvSpPr>
+            <a:spLocks noGrp="1" noRot="1" noChangeAspect="1"/>
+          </p:cNvSpPr>
+          <p:nvPr>
+            <p:ph type="sldImg"/>
+          </p:nvPr>
+        </p:nvSpPr>
+        <p:spPr/>
+      </p:sp>
+      <p:sp>
+        <p:nvSpPr>
+          <p:cNvPr id="3" name="Notes Placeholder 2"/>
+          <p:cNvSpPr>
+            <a:spLocks noGrp="1"/>
+          </p:cNvSpPr>
+          <p:nvPr>
+            <p:ph type="body" idx="1"/>
+          </p:nvPr>
+        </p:nvSpPr>
+        <p:spPr/>
+        <p:txBody>
+          <a:bodyPr/>
+          <a:lstStyle/>
+          <a:p>
+            <a:pPr algn="just"/>
+            <a:r>
+              <a:rPr lang="en-US" dirty="0"/>
+              <a:t>Sorry for interrupting the story, but I need to introduce some basic terminology.</a:t>
+            </a:r>
+          </a:p>
+          <a:p>
+            <a:pPr algn="just"/>
+            <a:endParaRPr lang="en-US" dirty="0"/>
+          </a:p>
+          <a:p>
+            <a:pPr algn="just"/>
+            <a:r>
+              <a:rPr lang="en-US" dirty="0"/>
+              <a:t>Alice’s web browser is about to send an HTTP request to a web server—specifically, to the URL </a:t>
+            </a:r>
+            <a:r>
+              <a:rPr lang="en-US" dirty="0">
+                <a:hlinkClick r:id="rId3"/>
+              </a:rPr>
+              <a:t>http://www.youtypeitwepostit.com/</a:t>
+            </a:r>
+            <a:r>
+              <a:rPr lang="en-US" dirty="0"/>
+              <a:t>. One web server may host many different URLs, and each URL grants access to a different bit of the data on the server.</a:t>
+            </a:r>
+          </a:p>
+          <a:p>
+            <a:pPr algn="just"/>
+            <a:endParaRPr lang="en-US" dirty="0"/>
+          </a:p>
+          <a:p>
+            <a:pPr algn="just"/>
+            <a:r>
+              <a:rPr lang="en-US" dirty="0"/>
+              <a:t>We say that a URL is the URL of some thing: a product, a user, the home page. The technical term for the thing named by a URL is </a:t>
+            </a:r>
+            <a:r>
+              <a:rPr lang="en-US" b="1" i="1" dirty="0"/>
+              <a:t>resource</a:t>
+            </a:r>
+            <a:r>
+              <a:rPr lang="en-US" dirty="0"/>
+              <a:t>.</a:t>
+            </a:r>
+          </a:p>
+          <a:p>
+            <a:pPr algn="just"/>
+            <a:endParaRPr lang="en-US" dirty="0"/>
+          </a:p>
+          <a:p>
+            <a:pPr algn="just"/>
+            <a:r>
+              <a:rPr lang="en-US" dirty="0"/>
+              <a:t>The URL </a:t>
+            </a:r>
+            <a:r>
+              <a:rPr lang="en-US" dirty="0">
+                <a:hlinkClick r:id="rId3"/>
+              </a:rPr>
+              <a:t>http://www.youtypeitwepostit.com/</a:t>
+            </a:r>
+            <a:r>
+              <a:rPr lang="en-US" dirty="0"/>
+              <a:t> identifies a resource—probably the home page of the website advertised on the billboard. But you won’t know for sure until we resume the story and Alice’s web browser sends the HTTP request.</a:t>
+            </a:r>
+          </a:p>
+          <a:p>
+            <a:endParaRPr lang="en-US" dirty="0"/>
+          </a:p>
+        </p:txBody>
+      </p:sp>
+      <p:sp>
+        <p:nvSpPr>
+          <p:cNvPr id="4" name="Slide Number Placeholder 3"/>
+          <p:cNvSpPr>
+            <a:spLocks noGrp="1"/>
+          </p:cNvSpPr>
+          <p:nvPr>
+            <p:ph type="sldNum" sz="quarter" idx="5"/>
+          </p:nvPr>
+        </p:nvSpPr>
+        <p:spPr/>
+        <p:txBody>
+          <a:bodyPr/>
+          <a:lstStyle/>
+          <a:p>
+            <a:fld id="{2E22A873-933D-4D09-931E-CDFDF5E37688}" type="slidenum">
+              <a:rPr lang="en-US" smtClean="0"/>
+              <a:t>25</a:t>
+            </a:fld>
+            <a:endParaRPr lang="en-US"/>
+          </a:p>
+        </p:txBody>
+      </p:sp>
+    </p:spTree>
+    <p:extLst>
+      <p:ext uri="{BB962C8B-B14F-4D97-AF65-F5344CB8AC3E}">
+        <p14:creationId xmlns:p14="http://schemas.microsoft.com/office/powerpoint/2010/main" val="1580469840"/>
+      </p:ext>
+    </p:extLst>
+  </p:cSld>
+  <p:clrMapOvr>
+    <a:masterClrMapping/>
+  </p:clrMapOvr>
+</p:notes>
+</file>
+
+<file path=ppt/notesSlides/notesSlide26.xml><?xml version="1.0" encoding="utf-8"?>
+<p:notes xmlns:a="http://schemas.openxmlformats.org/drawingml/2006/main" xmlns:r="http://schemas.openxmlformats.org/officeDocument/2006/relationships" xmlns:p="http://schemas.openxmlformats.org/presentationml/2006/main">
+  <p:cSld>
+    <p:spTree>
+      <p:nvGrpSpPr>
+        <p:cNvPr id="1" name=""/>
+        <p:cNvGrpSpPr/>
+        <p:nvPr/>
+      </p:nvGrpSpPr>
+      <p:grpSpPr>
+        <a:xfrm>
+          <a:off x="0" y="0"/>
+          <a:ext cx="0" cy="0"/>
+          <a:chOff x="0" y="0"/>
+          <a:chExt cx="0" cy="0"/>
+        </a:xfrm>
+      </p:grpSpPr>
+      <p:sp>
+        <p:nvSpPr>
+          <p:cNvPr id="2" name="Slide Image Placeholder 1"/>
+          <p:cNvSpPr>
+            <a:spLocks noGrp="1" noRot="1" noChangeAspect="1"/>
+          </p:cNvSpPr>
+          <p:nvPr>
+            <p:ph type="sldImg"/>
+          </p:nvPr>
+        </p:nvSpPr>
+        <p:spPr/>
+      </p:sp>
+      <p:sp>
+        <p:nvSpPr>
+          <p:cNvPr id="3" name="Notes Placeholder 2"/>
+          <p:cNvSpPr>
+            <a:spLocks noGrp="1"/>
+          </p:cNvSpPr>
+          <p:nvPr>
+            <p:ph type="body" idx="1"/>
+          </p:nvPr>
+        </p:nvSpPr>
+        <p:spPr/>
+        <p:txBody>
+          <a:bodyPr/>
+          <a:lstStyle/>
+          <a:p>
+            <a:pPr algn="just"/>
+            <a:r>
+              <a:rPr lang="en-US" dirty="0"/>
+              <a:t>Sorry for interrupting the story, but I need to introduce some basic terminology.</a:t>
+            </a:r>
+          </a:p>
+          <a:p>
+            <a:pPr algn="just"/>
+            <a:endParaRPr lang="en-US" dirty="0"/>
+          </a:p>
+          <a:p>
+            <a:pPr algn="just"/>
+            <a:r>
+              <a:rPr lang="en-US" dirty="0"/>
+              <a:t>Alice’s web browser is about to send an HTTP request to a web server—specifically, to the URL </a:t>
+            </a:r>
+            <a:r>
+              <a:rPr lang="en-US" dirty="0">
+                <a:hlinkClick r:id="rId3"/>
+              </a:rPr>
+              <a:t>http://www.youtypeitwepostit.com/</a:t>
+            </a:r>
+            <a:r>
+              <a:rPr lang="en-US" dirty="0"/>
+              <a:t>. One web server may host many different URLs, and each URL grants access to a different bit of the data on the server.</a:t>
+            </a:r>
+          </a:p>
+          <a:p>
+            <a:pPr algn="just"/>
+            <a:endParaRPr lang="en-US" dirty="0"/>
+          </a:p>
+          <a:p>
+            <a:pPr algn="just"/>
+            <a:r>
+              <a:rPr lang="en-US" dirty="0"/>
+              <a:t>We say that a URL is the URL of some thing: a product, a user, the home page. The technical term for the thing named by a URL is </a:t>
+            </a:r>
+            <a:r>
+              <a:rPr lang="en-US" b="1" i="1" dirty="0"/>
+              <a:t>resource</a:t>
+            </a:r>
+            <a:r>
+              <a:rPr lang="en-US" dirty="0"/>
+              <a:t>.</a:t>
+            </a:r>
+          </a:p>
+          <a:p>
+            <a:pPr algn="just"/>
+            <a:endParaRPr lang="en-US" dirty="0"/>
+          </a:p>
+          <a:p>
+            <a:pPr algn="just"/>
+            <a:r>
+              <a:rPr lang="en-US" dirty="0"/>
+              <a:t>The URL </a:t>
+            </a:r>
+            <a:r>
+              <a:rPr lang="en-US" dirty="0">
+                <a:hlinkClick r:id="rId3"/>
+              </a:rPr>
+              <a:t>http://www.youtypeitwepostit.com/</a:t>
+            </a:r>
+            <a:r>
+              <a:rPr lang="en-US" dirty="0"/>
+              <a:t> identifies a resource—probably the home page of the website advertised on the billboard. But you won’t know for sure until we resume the story and Alice’s web browser sends the HTTP request.</a:t>
+            </a:r>
+          </a:p>
+          <a:p>
+            <a:endParaRPr lang="en-US" dirty="0"/>
+          </a:p>
+        </p:txBody>
+      </p:sp>
+      <p:sp>
+        <p:nvSpPr>
+          <p:cNvPr id="4" name="Slide Number Placeholder 3"/>
+          <p:cNvSpPr>
+            <a:spLocks noGrp="1"/>
+          </p:cNvSpPr>
+          <p:nvPr>
+            <p:ph type="sldNum" sz="quarter" idx="5"/>
+          </p:nvPr>
+        </p:nvSpPr>
+        <p:spPr/>
+        <p:txBody>
+          <a:bodyPr/>
+          <a:lstStyle/>
+          <a:p>
+            <a:fld id="{2E22A873-933D-4D09-931E-CDFDF5E37688}" type="slidenum">
+              <a:rPr lang="en-US" smtClean="0"/>
+              <a:t>26</a:t>
+            </a:fld>
+            <a:endParaRPr lang="en-US"/>
+          </a:p>
+        </p:txBody>
+      </p:sp>
+    </p:spTree>
+    <p:extLst>
+      <p:ext uri="{BB962C8B-B14F-4D97-AF65-F5344CB8AC3E}">
+        <p14:creationId xmlns:p14="http://schemas.microsoft.com/office/powerpoint/2010/main" val="1711311353"/>
+      </p:ext>
+    </p:extLst>
+  </p:cSld>
+  <p:clrMapOvr>
+    <a:masterClrMapping/>
+  </p:clrMapOvr>
+</p:notes>
+</file>
+
+<file path=ppt/notesSlides/notesSlide27.xml><?xml version="1.0" encoding="utf-8"?>
+<p:notes xmlns:a="http://schemas.openxmlformats.org/drawingml/2006/main" xmlns:r="http://schemas.openxmlformats.org/officeDocument/2006/relationships" xmlns:p="http://schemas.openxmlformats.org/presentationml/2006/main">
+  <p:cSld>
+    <p:spTree>
+      <p:nvGrpSpPr>
+        <p:cNvPr id="1" name=""/>
+        <p:cNvGrpSpPr/>
+        <p:nvPr/>
+      </p:nvGrpSpPr>
+      <p:grpSpPr>
+        <a:xfrm>
+          <a:off x="0" y="0"/>
+          <a:ext cx="0" cy="0"/>
+          <a:chOff x="0" y="0"/>
+          <a:chExt cx="0" cy="0"/>
+        </a:xfrm>
+      </p:grpSpPr>
+      <p:sp>
+        <p:nvSpPr>
+          <p:cNvPr id="2" name="Slide Image Placeholder 1"/>
+          <p:cNvSpPr>
+            <a:spLocks noGrp="1" noRot="1" noChangeAspect="1"/>
+          </p:cNvSpPr>
+          <p:nvPr>
+            <p:ph type="sldImg"/>
+          </p:nvPr>
+        </p:nvSpPr>
+        <p:spPr/>
+      </p:sp>
+      <p:sp>
+        <p:nvSpPr>
+          <p:cNvPr id="3" name="Notes Placeholder 2"/>
+          <p:cNvSpPr>
+            <a:spLocks noGrp="1"/>
+          </p:cNvSpPr>
+          <p:nvPr>
+            <p:ph type="body" idx="1"/>
+          </p:nvPr>
+        </p:nvSpPr>
+        <p:spPr/>
+        <p:txBody>
+          <a:bodyPr/>
+          <a:lstStyle/>
+          <a:p>
+            <a:pPr algn="just"/>
+            <a:r>
+              <a:rPr lang="en-US" dirty="0"/>
+              <a:t>Sorry for interrupting the story, but I need to introduce some basic terminology.</a:t>
+            </a:r>
+          </a:p>
+          <a:p>
+            <a:pPr algn="just"/>
+            <a:endParaRPr lang="en-US" dirty="0"/>
+          </a:p>
+          <a:p>
+            <a:pPr algn="just"/>
+            <a:r>
+              <a:rPr lang="en-US" dirty="0"/>
+              <a:t>Alice’s web browser is about to send an HTTP request to a web server—specifically, to the URL </a:t>
+            </a:r>
+            <a:r>
+              <a:rPr lang="en-US" dirty="0">
+                <a:hlinkClick r:id="rId3"/>
+              </a:rPr>
+              <a:t>http://www.youtypeitwepostit.com/</a:t>
+            </a:r>
+            <a:r>
+              <a:rPr lang="en-US" dirty="0"/>
+              <a:t>. One web server may host many different URLs, and each URL grants access to a different bit of the data on the server.</a:t>
+            </a:r>
+          </a:p>
+          <a:p>
+            <a:pPr algn="just"/>
+            <a:endParaRPr lang="en-US" dirty="0"/>
+          </a:p>
+          <a:p>
+            <a:pPr algn="just"/>
+            <a:r>
+              <a:rPr lang="en-US" dirty="0"/>
+              <a:t>We say that a URL is the URL of some thing: a product, a user, the home page. The technical term for the thing named by a URL is </a:t>
+            </a:r>
+            <a:r>
+              <a:rPr lang="en-US" b="1" i="1" dirty="0"/>
+              <a:t>resource</a:t>
+            </a:r>
+            <a:r>
+              <a:rPr lang="en-US" dirty="0"/>
+              <a:t>.</a:t>
+            </a:r>
+          </a:p>
+          <a:p>
+            <a:pPr algn="just"/>
+            <a:endParaRPr lang="en-US" dirty="0"/>
+          </a:p>
+          <a:p>
+            <a:pPr algn="just"/>
+            <a:r>
+              <a:rPr lang="en-US" dirty="0"/>
+              <a:t>The URL </a:t>
+            </a:r>
+            <a:r>
+              <a:rPr lang="en-US" dirty="0">
+                <a:hlinkClick r:id="rId3"/>
+              </a:rPr>
+              <a:t>http://www.youtypeitwepostit.com/</a:t>
+            </a:r>
+            <a:r>
+              <a:rPr lang="en-US" dirty="0"/>
+              <a:t> identifies a resource—probably the home page of the website advertised on the billboard. But you won’t know for sure until we resume the story and Alice’s web browser sends the HTTP request.</a:t>
+            </a:r>
+          </a:p>
+          <a:p>
+            <a:endParaRPr lang="en-US" dirty="0"/>
+          </a:p>
+        </p:txBody>
+      </p:sp>
+      <p:sp>
+        <p:nvSpPr>
+          <p:cNvPr id="4" name="Slide Number Placeholder 3"/>
+          <p:cNvSpPr>
+            <a:spLocks noGrp="1"/>
+          </p:cNvSpPr>
+          <p:nvPr>
+            <p:ph type="sldNum" sz="quarter" idx="5"/>
+          </p:nvPr>
+        </p:nvSpPr>
+        <p:spPr/>
+        <p:txBody>
+          <a:bodyPr/>
+          <a:lstStyle/>
+          <a:p>
+            <a:fld id="{2E22A873-933D-4D09-931E-CDFDF5E37688}" type="slidenum">
+              <a:rPr lang="en-US" smtClean="0"/>
+              <a:t>27</a:t>
+            </a:fld>
+            <a:endParaRPr lang="en-US"/>
+          </a:p>
+        </p:txBody>
+      </p:sp>
+    </p:spTree>
+    <p:extLst>
+      <p:ext uri="{BB962C8B-B14F-4D97-AF65-F5344CB8AC3E}">
+        <p14:creationId xmlns:p14="http://schemas.microsoft.com/office/powerpoint/2010/main" val="2727535685"/>
+      </p:ext>
+    </p:extLst>
+  </p:cSld>
+  <p:clrMapOvr>
+    <a:masterClrMapping/>
+  </p:clrMapOvr>
+</p:notes>
+</file>
+
+<file path=ppt/notesSlides/notesSlide28.xml><?xml version="1.0" encoding="utf-8"?>
+<p:notes xmlns:a="http://schemas.openxmlformats.org/drawingml/2006/main" xmlns:r="http://schemas.openxmlformats.org/officeDocument/2006/relationships" xmlns:p="http://schemas.openxmlformats.org/presentationml/2006/main">
+  <p:cSld>
+    <p:spTree>
+      <p:nvGrpSpPr>
+        <p:cNvPr id="1" name=""/>
+        <p:cNvGrpSpPr/>
+        <p:nvPr/>
+      </p:nvGrpSpPr>
+      <p:grpSpPr>
+        <a:xfrm>
+          <a:off x="0" y="0"/>
+          <a:ext cx="0" cy="0"/>
+          <a:chOff x="0" y="0"/>
+          <a:chExt cx="0" cy="0"/>
+        </a:xfrm>
+      </p:grpSpPr>
+      <p:sp>
+        <p:nvSpPr>
+          <p:cNvPr id="2" name="Slide Image Placeholder 1"/>
+          <p:cNvSpPr>
+            <a:spLocks noGrp="1" noRot="1" noChangeAspect="1"/>
+          </p:cNvSpPr>
+          <p:nvPr>
+            <p:ph type="sldImg"/>
+          </p:nvPr>
+        </p:nvSpPr>
+        <p:spPr/>
+      </p:sp>
+      <p:sp>
+        <p:nvSpPr>
+          <p:cNvPr id="3" name="Notes Placeholder 2"/>
+          <p:cNvSpPr>
+            <a:spLocks noGrp="1"/>
+          </p:cNvSpPr>
+          <p:nvPr>
+            <p:ph type="body" idx="1"/>
+          </p:nvPr>
+        </p:nvSpPr>
+        <p:spPr/>
+        <p:txBody>
+          <a:bodyPr/>
+          <a:lstStyle/>
+          <a:p>
+            <a:pPr algn="just"/>
+            <a:r>
+              <a:rPr lang="en-US" dirty="0"/>
+              <a:t>Sorry for interrupting the story, but I need to introduce some basic terminology.</a:t>
+            </a:r>
+          </a:p>
+          <a:p>
+            <a:pPr algn="just"/>
+            <a:endParaRPr lang="en-US" dirty="0"/>
+          </a:p>
+          <a:p>
+            <a:pPr algn="just"/>
+            <a:r>
+              <a:rPr lang="en-US" dirty="0"/>
+              <a:t>Alice’s web browser is about to send an HTTP request to a web server—specifically, to the URL </a:t>
+            </a:r>
+            <a:r>
+              <a:rPr lang="en-US" dirty="0">
+                <a:hlinkClick r:id="rId3"/>
+              </a:rPr>
+              <a:t>http://www.youtypeitwepostit.com/</a:t>
+            </a:r>
+            <a:r>
+              <a:rPr lang="en-US" dirty="0"/>
+              <a:t>. One web server may host many different URLs, and each URL grants access to a different bit of the data on the server.</a:t>
+            </a:r>
+          </a:p>
+          <a:p>
+            <a:pPr algn="just"/>
+            <a:endParaRPr lang="en-US" dirty="0"/>
+          </a:p>
+          <a:p>
+            <a:pPr algn="just"/>
+            <a:r>
+              <a:rPr lang="en-US" dirty="0"/>
+              <a:t>We say that a URL is the URL of some thing: a product, a user, the home page. The technical term for the thing named by a URL is </a:t>
+            </a:r>
+            <a:r>
+              <a:rPr lang="en-US" b="1" i="1" dirty="0"/>
+              <a:t>resource</a:t>
+            </a:r>
+            <a:r>
+              <a:rPr lang="en-US" dirty="0"/>
+              <a:t>.</a:t>
+            </a:r>
+          </a:p>
+          <a:p>
+            <a:pPr algn="just"/>
+            <a:endParaRPr lang="en-US" dirty="0"/>
+          </a:p>
+          <a:p>
+            <a:pPr algn="just"/>
+            <a:r>
+              <a:rPr lang="en-US" dirty="0"/>
+              <a:t>The URL </a:t>
+            </a:r>
+            <a:r>
+              <a:rPr lang="en-US" dirty="0">
+                <a:hlinkClick r:id="rId3"/>
+              </a:rPr>
+              <a:t>http://www.youtypeitwepostit.com/</a:t>
+            </a:r>
+            <a:r>
+              <a:rPr lang="en-US" dirty="0"/>
+              <a:t> identifies a resource—probably the home page of the website advertised on the billboard. But you won’t know for sure until we resume the story and Alice’s web browser sends the HTTP request.</a:t>
+            </a:r>
+          </a:p>
+          <a:p>
+            <a:endParaRPr lang="en-US" dirty="0"/>
+          </a:p>
+        </p:txBody>
+      </p:sp>
+      <p:sp>
+        <p:nvSpPr>
+          <p:cNvPr id="4" name="Slide Number Placeholder 3"/>
+          <p:cNvSpPr>
+            <a:spLocks noGrp="1"/>
+          </p:cNvSpPr>
+          <p:nvPr>
+            <p:ph type="sldNum" sz="quarter" idx="5"/>
+          </p:nvPr>
+        </p:nvSpPr>
+        <p:spPr/>
+        <p:txBody>
+          <a:bodyPr/>
+          <a:lstStyle/>
+          <a:p>
+            <a:fld id="{2E22A873-933D-4D09-931E-CDFDF5E37688}" type="slidenum">
+              <a:rPr lang="en-US" smtClean="0"/>
+              <a:t>28</a:t>
+            </a:fld>
+            <a:endParaRPr lang="en-US"/>
+          </a:p>
+        </p:txBody>
+      </p:sp>
+    </p:spTree>
+    <p:extLst>
+      <p:ext uri="{BB962C8B-B14F-4D97-AF65-F5344CB8AC3E}">
+        <p14:creationId xmlns:p14="http://schemas.microsoft.com/office/powerpoint/2010/main" val="3826023625"/>
+      </p:ext>
+    </p:extLst>
+  </p:cSld>
+  <p:clrMapOvr>
+    <a:masterClrMapping/>
+  </p:clrMapOvr>
+</p:notes>
+</file>
+
+<file path=ppt/notesSlides/notesSlide29.xml><?xml version="1.0" encoding="utf-8"?>
+<p:notes xmlns:a="http://schemas.openxmlformats.org/drawingml/2006/main" xmlns:r="http://schemas.openxmlformats.org/officeDocument/2006/relationships" xmlns:p="http://schemas.openxmlformats.org/presentationml/2006/main">
+  <p:cSld>
+    <p:spTree>
+      <p:nvGrpSpPr>
+        <p:cNvPr id="1" name=""/>
+        <p:cNvGrpSpPr/>
+        <p:nvPr/>
+      </p:nvGrpSpPr>
+      <p:grpSpPr>
+        <a:xfrm>
+          <a:off x="0" y="0"/>
+          <a:ext cx="0" cy="0"/>
+          <a:chOff x="0" y="0"/>
+          <a:chExt cx="0" cy="0"/>
+        </a:xfrm>
+      </p:grpSpPr>
+      <p:sp>
+        <p:nvSpPr>
+          <p:cNvPr id="2" name="Slide Image Placeholder 1"/>
+          <p:cNvSpPr>
+            <a:spLocks noGrp="1" noRot="1" noChangeAspect="1"/>
+          </p:cNvSpPr>
+          <p:nvPr>
+            <p:ph type="sldImg"/>
+          </p:nvPr>
+        </p:nvSpPr>
+        <p:spPr/>
+      </p:sp>
+      <p:sp>
+        <p:nvSpPr>
+          <p:cNvPr id="3" name="Notes Placeholder 2"/>
+          <p:cNvSpPr>
+            <a:spLocks noGrp="1"/>
+          </p:cNvSpPr>
+          <p:nvPr>
+            <p:ph type="body" idx="1"/>
+          </p:nvPr>
+        </p:nvSpPr>
+        <p:spPr/>
+        <p:txBody>
+          <a:bodyPr/>
+          <a:lstStyle/>
+          <a:p>
+            <a:pPr algn="just"/>
+            <a:r>
+              <a:rPr lang="en-US" dirty="0"/>
+              <a:t>Sorry for interrupting the story, but I need to introduce some basic terminology.</a:t>
+            </a:r>
+          </a:p>
+          <a:p>
+            <a:pPr algn="just"/>
+            <a:endParaRPr lang="en-US" dirty="0"/>
+          </a:p>
+          <a:p>
+            <a:pPr algn="just"/>
+            <a:r>
+              <a:rPr lang="en-US" dirty="0"/>
+              <a:t>Alice’s web browser is about to send an HTTP request to a web server—specifically, to the URL </a:t>
+            </a:r>
+            <a:r>
+              <a:rPr lang="en-US" dirty="0">
+                <a:hlinkClick r:id="rId3"/>
+              </a:rPr>
+              <a:t>http://www.youtypeitwepostit.com/</a:t>
+            </a:r>
+            <a:r>
+              <a:rPr lang="en-US" dirty="0"/>
+              <a:t>. One web server may host many different URLs, and each URL grants access to a different bit of the data on the server.</a:t>
+            </a:r>
+          </a:p>
+          <a:p>
+            <a:pPr algn="just"/>
+            <a:endParaRPr lang="en-US" dirty="0"/>
+          </a:p>
+          <a:p>
+            <a:pPr algn="just"/>
+            <a:r>
+              <a:rPr lang="en-US" dirty="0"/>
+              <a:t>We say that a URL is the URL of some thing: a product, a user, the home page. The technical term for the thing named by a URL is </a:t>
+            </a:r>
+            <a:r>
+              <a:rPr lang="en-US" b="1" i="1" dirty="0"/>
+              <a:t>resource</a:t>
+            </a:r>
+            <a:r>
+              <a:rPr lang="en-US" dirty="0"/>
+              <a:t>.</a:t>
+            </a:r>
+          </a:p>
+          <a:p>
+            <a:pPr algn="just"/>
+            <a:endParaRPr lang="en-US" dirty="0"/>
+          </a:p>
+          <a:p>
+            <a:pPr algn="just"/>
+            <a:r>
+              <a:rPr lang="en-US" dirty="0"/>
+              <a:t>The URL </a:t>
+            </a:r>
+            <a:r>
+              <a:rPr lang="en-US" dirty="0">
+                <a:hlinkClick r:id="rId3"/>
+              </a:rPr>
+              <a:t>http://www.youtypeitwepostit.com/</a:t>
+            </a:r>
+            <a:r>
+              <a:rPr lang="en-US" dirty="0"/>
+              <a:t> identifies a resource—probably the home page of the website advertised on the billboard. But you won’t know for sure until we resume the story and Alice’s web browser sends the HTTP request.</a:t>
+            </a:r>
+          </a:p>
+          <a:p>
+            <a:endParaRPr lang="en-US" dirty="0"/>
+          </a:p>
+        </p:txBody>
+      </p:sp>
+      <p:sp>
+        <p:nvSpPr>
+          <p:cNvPr id="4" name="Slide Number Placeholder 3"/>
+          <p:cNvSpPr>
+            <a:spLocks noGrp="1"/>
+          </p:cNvSpPr>
+          <p:nvPr>
+            <p:ph type="sldNum" sz="quarter" idx="5"/>
+          </p:nvPr>
+        </p:nvSpPr>
+        <p:spPr/>
+        <p:txBody>
+          <a:bodyPr/>
+          <a:lstStyle/>
+          <a:p>
+            <a:fld id="{2E22A873-933D-4D09-931E-CDFDF5E37688}" type="slidenum">
+              <a:rPr lang="en-US" smtClean="0"/>
+              <a:t>29</a:t>
+            </a:fld>
+            <a:endParaRPr lang="en-US"/>
+          </a:p>
+        </p:txBody>
+      </p:sp>
+    </p:spTree>
+    <p:extLst>
+      <p:ext uri="{BB962C8B-B14F-4D97-AF65-F5344CB8AC3E}">
+        <p14:creationId xmlns:p14="http://schemas.microsoft.com/office/powerpoint/2010/main" val="2752895433"/>
+      </p:ext>
+    </p:extLst>
+  </p:cSld>
+  <p:clrMapOvr>
+    <a:masterClrMapping/>
+  </p:clrMapOvr>
+</p:notes>
+</file>
+
 <file path=ppt/notesSlides/notesSlide3.xml><?xml version="1.0" encoding="utf-8"?>
 <p:notes xmlns:a="http://schemas.openxmlformats.org/drawingml/2006/main" xmlns:r="http://schemas.openxmlformats.org/officeDocument/2006/relationships" xmlns:p="http://schemas.openxmlformats.org/presentationml/2006/main">
   <p:cSld>
@@ -1995,6 +3985,158 @@
     <p:extLst>
       <p:ext uri="{BB962C8B-B14F-4D97-AF65-F5344CB8AC3E}">
         <p14:creationId xmlns:p14="http://schemas.microsoft.com/office/powerpoint/2010/main" val="2747132286"/>
+      </p:ext>
+    </p:extLst>
+  </p:cSld>
+  <p:clrMapOvr>
+    <a:masterClrMapping/>
+  </p:clrMapOvr>
+</p:notes>
+</file>
+
+<file path=ppt/notesSlides/notesSlide30.xml><?xml version="1.0" encoding="utf-8"?>
+<p:notes xmlns:a="http://schemas.openxmlformats.org/drawingml/2006/main" xmlns:r="http://schemas.openxmlformats.org/officeDocument/2006/relationships" xmlns:p="http://schemas.openxmlformats.org/presentationml/2006/main">
+  <p:cSld>
+    <p:spTree>
+      <p:nvGrpSpPr>
+        <p:cNvPr id="1" name=""/>
+        <p:cNvGrpSpPr/>
+        <p:nvPr/>
+      </p:nvGrpSpPr>
+      <p:grpSpPr>
+        <a:xfrm>
+          <a:off x="0" y="0"/>
+          <a:ext cx="0" cy="0"/>
+          <a:chOff x="0" y="0"/>
+          <a:chExt cx="0" cy="0"/>
+        </a:xfrm>
+      </p:grpSpPr>
+      <p:sp>
+        <p:nvSpPr>
+          <p:cNvPr id="2" name="Slide Image Placeholder 1"/>
+          <p:cNvSpPr>
+            <a:spLocks noGrp="1" noRot="1" noChangeAspect="1"/>
+          </p:cNvSpPr>
+          <p:nvPr>
+            <p:ph type="sldImg"/>
+          </p:nvPr>
+        </p:nvSpPr>
+        <p:spPr/>
+      </p:sp>
+      <p:sp>
+        <p:nvSpPr>
+          <p:cNvPr id="3" name="Notes Placeholder 2"/>
+          <p:cNvSpPr>
+            <a:spLocks noGrp="1"/>
+          </p:cNvSpPr>
+          <p:nvPr>
+            <p:ph type="body" idx="1"/>
+          </p:nvPr>
+        </p:nvSpPr>
+        <p:spPr/>
+        <p:txBody>
+          <a:bodyPr/>
+          <a:lstStyle/>
+          <a:p>
+            <a:pPr algn="just"/>
+            <a:r>
+              <a:rPr lang="en-US" dirty="0"/>
+              <a:t>Sorry for interrupting the story, but I need to introduce some basic terminology.</a:t>
+            </a:r>
+          </a:p>
+          <a:p>
+            <a:pPr algn="just"/>
+            <a:endParaRPr lang="en-US" dirty="0"/>
+          </a:p>
+          <a:p>
+            <a:pPr algn="just"/>
+            <a:r>
+              <a:rPr lang="en-US" dirty="0"/>
+              <a:t>Alice’s web browser is about to send an HTTP request to a web server—specifically, to the URL </a:t>
+            </a:r>
+            <a:r>
+              <a:rPr lang="en-US" dirty="0">
+                <a:hlinkClick r:id="rId3"/>
+              </a:rPr>
+              <a:t>http://www.youtypeitwepostit.com/</a:t>
+            </a:r>
+            <a:r>
+              <a:rPr lang="en-US" dirty="0"/>
+              <a:t>. One web server may host many different URLs, and each URL grants access to a different bit of the data on the server.</a:t>
+            </a:r>
+          </a:p>
+          <a:p>
+            <a:pPr algn="just"/>
+            <a:endParaRPr lang="en-US" dirty="0"/>
+          </a:p>
+          <a:p>
+            <a:pPr algn="just"/>
+            <a:r>
+              <a:rPr lang="en-US" dirty="0"/>
+              <a:t>We say that a URL is the URL of some thing: a product, a user, the home page. The technical term for the thing named by a URL is </a:t>
+            </a:r>
+            <a:r>
+              <a:rPr lang="en-US" b="1" i="1" dirty="0"/>
+              <a:t>resource</a:t>
+            </a:r>
+            <a:r>
+              <a:rPr lang="en-US" dirty="0"/>
+              <a:t>.</a:t>
+            </a:r>
+          </a:p>
+          <a:p>
+            <a:pPr algn="just"/>
+            <a:endParaRPr lang="en-US" dirty="0"/>
+          </a:p>
+          <a:p>
+            <a:pPr algn="just"/>
+            <a:r>
+              <a:rPr lang="en-US" dirty="0"/>
+              <a:t>The URL </a:t>
+            </a:r>
+            <a:r>
+              <a:rPr lang="en-US" dirty="0">
+                <a:hlinkClick r:id="rId3"/>
+              </a:rPr>
+              <a:t>http://www.youtypeitwepostit.com/</a:t>
+            </a:r>
+            <a:r>
+              <a:rPr lang="en-US" dirty="0"/>
+              <a:t> identifies a resource—probably the home page of the website advertised on the billboard. But you won’t know for sure until we resume the story and Alice’s web browser sends the HTTP request.</a:t>
+            </a:r>
+          </a:p>
+          <a:p>
+            <a:endParaRPr lang="en-US" dirty="0"/>
+          </a:p>
+        </p:txBody>
+      </p:sp>
+      <p:sp>
+        <p:nvSpPr>
+          <p:cNvPr id="4" name="Slide Number Placeholder 3"/>
+          <p:cNvSpPr>
+            <a:spLocks noGrp="1"/>
+          </p:cNvSpPr>
+          <p:nvPr>
+            <p:ph type="sldNum" sz="quarter" idx="5"/>
+          </p:nvPr>
+        </p:nvSpPr>
+        <p:spPr/>
+        <p:txBody>
+          <a:bodyPr/>
+          <a:lstStyle/>
+          <a:p>
+            <a:fld id="{2E22A873-933D-4D09-931E-CDFDF5E37688}" type="slidenum">
+              <a:rPr lang="en-US" smtClean="0"/>
+              <a:t>30</a:t>
+            </a:fld>
+            <a:endParaRPr lang="en-US"/>
+          </a:p>
+        </p:txBody>
+      </p:sp>
+    </p:spTree>
+    <p:extLst>
+      <p:ext uri="{BB962C8B-B14F-4D97-AF65-F5344CB8AC3E}">
+        <p14:creationId xmlns:p14="http://schemas.microsoft.com/office/powerpoint/2010/main" val="2884698715"/>
       </p:ext>
     </p:extLst>
   </p:cSld>
@@ -3661,7 +5803,7 @@
           <a:p>
             <a:fld id="{1160EA64-D806-43AC-9DF2-F8C432F32B4C}" type="datetimeFigureOut">
               <a:rPr lang="en-US" smtClean="0"/>
-              <a:t>3/4/2022</a:t>
+              <a:t>3/5/2022</a:t>
             </a:fld>
             <a:endParaRPr lang="en-US" dirty="0"/>
           </a:p>
@@ -3913,7 +6055,7 @@
           <a:p>
             <a:fld id="{1160EA64-D806-43AC-9DF2-F8C432F32B4C}" type="datetimeFigureOut">
               <a:rPr lang="en-US" smtClean="0"/>
-              <a:t>3/4/2022</a:t>
+              <a:t>3/5/2022</a:t>
             </a:fld>
             <a:endParaRPr lang="en-US" dirty="0"/>
           </a:p>
@@ -4229,7 +6371,7 @@
           <a:p>
             <a:fld id="{1160EA64-D806-43AC-9DF2-F8C432F32B4C}" type="datetimeFigureOut">
               <a:rPr lang="en-US" smtClean="0"/>
-              <a:t>3/4/2022</a:t>
+              <a:t>3/5/2022</a:t>
             </a:fld>
             <a:endParaRPr lang="en-US" dirty="0"/>
           </a:p>
@@ -4564,7 +6706,7 @@
           <a:p>
             <a:fld id="{1160EA64-D806-43AC-9DF2-F8C432F32B4C}" type="datetimeFigureOut">
               <a:rPr lang="en-US" smtClean="0"/>
-              <a:t>3/4/2022</a:t>
+              <a:t>3/5/2022</a:t>
             </a:fld>
             <a:endParaRPr lang="en-US" dirty="0"/>
           </a:p>
@@ -4880,7 +7022,7 @@
           <a:p>
             <a:fld id="{1160EA64-D806-43AC-9DF2-F8C432F32B4C}" type="datetimeFigureOut">
               <a:rPr lang="en-US" smtClean="0"/>
-              <a:t>3/4/2022</a:t>
+              <a:t>3/5/2022</a:t>
             </a:fld>
             <a:endParaRPr lang="en-US" dirty="0"/>
           </a:p>
@@ -5275,7 +7417,7 @@
           <a:p>
             <a:fld id="{1160EA64-D806-43AC-9DF2-F8C432F32B4C}" type="datetimeFigureOut">
               <a:rPr lang="en-US" smtClean="0"/>
-              <a:t>3/4/2022</a:t>
+              <a:t>3/5/2022</a:t>
             </a:fld>
             <a:endParaRPr lang="en-US" dirty="0"/>
           </a:p>
@@ -5447,7 +7589,7 @@
           <a:p>
             <a:fld id="{E9F9C37B-1D36-470B-8223-D6C91242EC14}" type="datetimeFigureOut">
               <a:rPr lang="en-US" smtClean="0"/>
-              <a:t>3/4/2022</a:t>
+              <a:t>3/5/2022</a:t>
             </a:fld>
             <a:endParaRPr lang="en-US" dirty="0"/>
           </a:p>
@@ -5627,7 +7769,7 @@
           <a:p>
             <a:fld id="{67C6F52A-A82B-47A2-A83A-8C4C91F2D59F}" type="datetimeFigureOut">
               <a:rPr lang="en-US" smtClean="0"/>
-              <a:t>3/4/2022</a:t>
+              <a:t>3/5/2022</a:t>
             </a:fld>
             <a:endParaRPr lang="en-US" dirty="0"/>
           </a:p>
@@ -5797,7 +7939,7 @@
           <a:p>
             <a:fld id="{F070A7B3-6521-4DCA-87E5-044747A908C1}" type="datetimeFigureOut">
               <a:rPr lang="en-US" smtClean="0"/>
-              <a:t>3/4/2022</a:t>
+              <a:t>3/5/2022</a:t>
             </a:fld>
             <a:endParaRPr lang="en-US" dirty="0"/>
           </a:p>
@@ -6045,7 +8187,7 @@
           <a:p>
             <a:fld id="{1160EA64-D806-43AC-9DF2-F8C432F32B4C}" type="datetimeFigureOut">
               <a:rPr lang="en-US" smtClean="0"/>
-              <a:t>3/4/2022</a:t>
+              <a:t>3/5/2022</a:t>
             </a:fld>
             <a:endParaRPr lang="en-US" dirty="0"/>
           </a:p>
@@ -6278,7 +8420,7 @@
           <a:p>
             <a:fld id="{AB134690-1557-4C89-A502-4959FE7FAD70}" type="datetimeFigureOut">
               <a:rPr lang="en-US" smtClean="0"/>
-              <a:t>3/4/2022</a:t>
+              <a:t>3/5/2022</a:t>
             </a:fld>
             <a:endParaRPr lang="en-US" dirty="0"/>
           </a:p>
@@ -6652,7 +8794,7 @@
           <a:p>
             <a:fld id="{1160EA64-D806-43AC-9DF2-F8C432F32B4C}" type="datetimeFigureOut">
               <a:rPr lang="en-US" smtClean="0"/>
-              <a:t>3/4/2022</a:t>
+              <a:t>3/5/2022</a:t>
             </a:fld>
             <a:endParaRPr lang="en-US" dirty="0"/>
           </a:p>
@@ -6777,7 +8919,7 @@
           <a:p>
             <a:fld id="{E1037C31-9E7A-4F99-8774-A0E530DE1A42}" type="datetimeFigureOut">
               <a:rPr lang="en-US" smtClean="0"/>
-              <a:t>3/4/2022</a:t>
+              <a:t>3/5/2022</a:t>
             </a:fld>
             <a:endParaRPr lang="en-US" dirty="0"/>
           </a:p>
@@ -6872,7 +9014,7 @@
           <a:p>
             <a:fld id="{C278504F-A551-4DE0-9316-4DCD1D8CC752}" type="datetimeFigureOut">
               <a:rPr lang="en-US" smtClean="0"/>
-              <a:t>3/4/2022</a:t>
+              <a:t>3/5/2022</a:t>
             </a:fld>
             <a:endParaRPr lang="en-US" dirty="0"/>
           </a:p>
@@ -7127,7 +9269,7 @@
           <a:p>
             <a:fld id="{1160EA64-D806-43AC-9DF2-F8C432F32B4C}" type="datetimeFigureOut">
               <a:rPr lang="en-US" smtClean="0"/>
-              <a:t>3/4/2022</a:t>
+              <a:t>3/5/2022</a:t>
             </a:fld>
             <a:endParaRPr lang="en-US" dirty="0"/>
           </a:p>
@@ -7435,7 +9577,7 @@
             <a:fld id="{1160EA64-D806-43AC-9DF2-F8C432F32B4C}" type="datetimeFigureOut">
               <a:rPr lang="en-US" smtClean="0"/>
               <a:pPr/>
-              <a:t>3/4/2022</a:t>
+              <a:t>3/5/2022</a:t>
             </a:fld>
             <a:endParaRPr lang="en-US" dirty="0"/>
           </a:p>
@@ -8137,7 +10279,7 @@
           <a:p>
             <a:fld id="{1160EA64-D806-43AC-9DF2-F8C432F32B4C}" type="datetimeFigureOut">
               <a:rPr lang="en-US" smtClean="0"/>
-              <a:t>3/4/2022</a:t>
+              <a:t>3/5/2022</a:t>
             </a:fld>
             <a:endParaRPr lang="en-US" dirty="0"/>
           </a:p>
@@ -10613,6 +12755,6643 @@
                 <a:latin typeface="Segoe UI" panose="020B0502040204020203" pitchFamily="34" charset="0"/>
                 <a:cs typeface="Segoe UI" panose="020B0502040204020203" pitchFamily="34" charset="0"/>
               </a:rPr>
+              <a:t>Function Invocation</a:t>
+            </a:r>
+            <a:endParaRPr lang="en-US" b="1" dirty="0">
+              <a:solidFill>
+                <a:schemeClr val="tx1">
+                  <a:lumMod val="85000"/>
+                  <a:lumOff val="15000"/>
+                </a:schemeClr>
+              </a:solidFill>
+              <a:latin typeface="Segoe UI" panose="020B0502040204020203" pitchFamily="34" charset="0"/>
+              <a:cs typeface="Segoe UI" panose="020B0502040204020203" pitchFamily="34" charset="0"/>
+            </a:endParaRPr>
+          </a:p>
+        </p:txBody>
+      </p:sp>
+      <p:sp>
+        <p:nvSpPr>
+          <p:cNvPr id="3" name="TextBox 2">
+            <a:extLst>
+              <a:ext uri="{FF2B5EF4-FFF2-40B4-BE49-F238E27FC236}">
+                <a16:creationId xmlns:a16="http://schemas.microsoft.com/office/drawing/2014/main" id="{C895C44F-686B-467A-B89F-FA4A0CDDDA49}"/>
+              </a:ext>
+            </a:extLst>
+          </p:cNvPr>
+          <p:cNvSpPr txBox="1"/>
+          <p:nvPr/>
+        </p:nvSpPr>
+        <p:spPr>
+          <a:xfrm>
+            <a:off x="1605106" y="1625757"/>
+            <a:ext cx="9391548" cy="900246"/>
+          </a:xfrm>
+          <a:prstGeom prst="rect">
+            <a:avLst/>
+          </a:prstGeom>
+          <a:noFill/>
+        </p:spPr>
+        <p:txBody>
+          <a:bodyPr wrap="square" rtlCol="0">
+            <a:spAutoFit/>
+          </a:bodyPr>
+          <a:lstStyle/>
+          <a:p>
+            <a:pPr algn="just"/>
+            <a:r>
+              <a:rPr lang="en-US" sz="1750" dirty="0">
+                <a:latin typeface="Segoe UI" panose="020B0502040204020203" pitchFamily="34" charset="0"/>
+                <a:cs typeface="Segoe UI" panose="020B0502040204020203" pitchFamily="34" charset="0"/>
+              </a:rPr>
+              <a:t>An invocation expression consists of a </a:t>
+            </a:r>
+            <a:r>
+              <a:rPr lang="en-US" sz="1750" b="1" dirty="0">
+                <a:latin typeface="Segoe UI" panose="020B0502040204020203" pitchFamily="34" charset="0"/>
+                <a:cs typeface="Segoe UI" panose="020B0502040204020203" pitchFamily="34" charset="0"/>
+              </a:rPr>
+              <a:t>function expression </a:t>
+            </a:r>
+            <a:r>
+              <a:rPr lang="en-US" sz="1750" dirty="0">
+                <a:latin typeface="Segoe UI" panose="020B0502040204020203" pitchFamily="34" charset="0"/>
+                <a:cs typeface="Segoe UI" panose="020B0502040204020203" pitchFamily="34" charset="0"/>
+              </a:rPr>
+              <a:t>that evaluates to a function object followed by an </a:t>
+            </a:r>
+            <a:r>
+              <a:rPr lang="en-US" sz="1750" b="1" dirty="0">
+                <a:latin typeface="Segoe UI" panose="020B0502040204020203" pitchFamily="34" charset="0"/>
+                <a:cs typeface="Segoe UI" panose="020B0502040204020203" pitchFamily="34" charset="0"/>
+              </a:rPr>
+              <a:t>open parenthesis</a:t>
+            </a:r>
+            <a:r>
+              <a:rPr lang="en-US" sz="1750" dirty="0">
+                <a:latin typeface="Segoe UI" panose="020B0502040204020203" pitchFamily="34" charset="0"/>
+                <a:cs typeface="Segoe UI" panose="020B0502040204020203" pitchFamily="34" charset="0"/>
+              </a:rPr>
+              <a:t>, a comma-separated list of zero or more </a:t>
+            </a:r>
+            <a:r>
+              <a:rPr lang="en-US" sz="1750" b="1" dirty="0">
+                <a:latin typeface="Segoe UI" panose="020B0502040204020203" pitchFamily="34" charset="0"/>
+                <a:cs typeface="Segoe UI" panose="020B0502040204020203" pitchFamily="34" charset="0"/>
+              </a:rPr>
+              <a:t>argument</a:t>
+            </a:r>
+            <a:r>
+              <a:rPr lang="en-US" sz="1750" dirty="0">
+                <a:latin typeface="Segoe UI" panose="020B0502040204020203" pitchFamily="34" charset="0"/>
+                <a:cs typeface="Segoe UI" panose="020B0502040204020203" pitchFamily="34" charset="0"/>
+              </a:rPr>
+              <a:t> expressions, and a </a:t>
+            </a:r>
+            <a:r>
+              <a:rPr lang="en-US" sz="1750" b="1" dirty="0">
+                <a:latin typeface="Segoe UI" panose="020B0502040204020203" pitchFamily="34" charset="0"/>
+                <a:cs typeface="Segoe UI" panose="020B0502040204020203" pitchFamily="34" charset="0"/>
+              </a:rPr>
+              <a:t>close parenthesis</a:t>
+            </a:r>
+            <a:r>
+              <a:rPr lang="en-US" sz="1750" dirty="0">
+                <a:latin typeface="Segoe UI" panose="020B0502040204020203" pitchFamily="34" charset="0"/>
+                <a:cs typeface="Segoe UI" panose="020B0502040204020203" pitchFamily="34" charset="0"/>
+              </a:rPr>
+              <a:t>.</a:t>
+            </a:r>
+          </a:p>
+        </p:txBody>
+      </p:sp>
+      <p:sp>
+        <p:nvSpPr>
+          <p:cNvPr id="5" name="TextBox 4">
+            <a:extLst>
+              <a:ext uri="{FF2B5EF4-FFF2-40B4-BE49-F238E27FC236}">
+                <a16:creationId xmlns:a16="http://schemas.microsoft.com/office/drawing/2014/main" id="{3D7A9157-C0A3-46F2-B504-75C803788268}"/>
+              </a:ext>
+            </a:extLst>
+          </p:cNvPr>
+          <p:cNvSpPr txBox="1"/>
+          <p:nvPr/>
+        </p:nvSpPr>
+        <p:spPr>
+          <a:xfrm>
+            <a:off x="1605105" y="2841021"/>
+            <a:ext cx="6098958" cy="369332"/>
+          </a:xfrm>
+          <a:prstGeom prst="rect">
+            <a:avLst/>
+          </a:prstGeom>
+          <a:noFill/>
+          <a:ln w="57150">
+            <a:solidFill>
+              <a:srgbClr val="0070C0"/>
+            </a:solidFill>
+          </a:ln>
+        </p:spPr>
+        <p:txBody>
+          <a:bodyPr wrap="square">
+            <a:spAutoFit/>
+          </a:bodyPr>
+          <a:lstStyle/>
+          <a:p>
+            <a:r>
+              <a:rPr lang="en-US" b="1" dirty="0" err="1">
+                <a:solidFill>
+                  <a:srgbClr val="C00000"/>
+                </a:solidFill>
+              </a:rPr>
+              <a:t>printprops</a:t>
+            </a:r>
+            <a:r>
+              <a:rPr lang="en-US" dirty="0"/>
+              <a:t>({ x: 1 }); </a:t>
+            </a:r>
+          </a:p>
+        </p:txBody>
+      </p:sp>
+      <p:sp>
+        <p:nvSpPr>
+          <p:cNvPr id="7" name="TextBox 6">
+            <a:extLst>
+              <a:ext uri="{FF2B5EF4-FFF2-40B4-BE49-F238E27FC236}">
+                <a16:creationId xmlns:a16="http://schemas.microsoft.com/office/drawing/2014/main" id="{E7ED16C6-DBAD-4169-BC96-85CD9ABF048F}"/>
+              </a:ext>
+            </a:extLst>
+          </p:cNvPr>
+          <p:cNvSpPr txBox="1"/>
+          <p:nvPr/>
+        </p:nvSpPr>
+        <p:spPr>
+          <a:xfrm>
+            <a:off x="1605106" y="3525371"/>
+            <a:ext cx="6098958" cy="369332"/>
+          </a:xfrm>
+          <a:prstGeom prst="rect">
+            <a:avLst/>
+          </a:prstGeom>
+          <a:noFill/>
+          <a:ln w="57150">
+            <a:solidFill>
+              <a:srgbClr val="0070C0"/>
+            </a:solidFill>
+          </a:ln>
+        </p:spPr>
+        <p:txBody>
+          <a:bodyPr wrap="square">
+            <a:spAutoFit/>
+          </a:bodyPr>
+          <a:lstStyle/>
+          <a:p>
+            <a:r>
+              <a:rPr lang="en-US" dirty="0"/>
+              <a:t>let total = </a:t>
+            </a:r>
+            <a:r>
+              <a:rPr lang="en-US" b="1" dirty="0">
+                <a:solidFill>
+                  <a:srgbClr val="C00000"/>
+                </a:solidFill>
+              </a:rPr>
+              <a:t>distance</a:t>
+            </a:r>
+            <a:r>
+              <a:rPr lang="en-US" dirty="0"/>
+              <a:t>( 0,0,2,1) + </a:t>
+            </a:r>
+            <a:r>
+              <a:rPr lang="en-US" b="1" dirty="0">
+                <a:solidFill>
+                  <a:srgbClr val="C00000"/>
+                </a:solidFill>
+              </a:rPr>
+              <a:t>distance</a:t>
+            </a:r>
+            <a:r>
+              <a:rPr lang="en-US" dirty="0"/>
+              <a:t>(2,1,3,5); </a:t>
+            </a:r>
+          </a:p>
+        </p:txBody>
+      </p:sp>
+      <p:sp>
+        <p:nvSpPr>
+          <p:cNvPr id="9" name="TextBox 8">
+            <a:extLst>
+              <a:ext uri="{FF2B5EF4-FFF2-40B4-BE49-F238E27FC236}">
+                <a16:creationId xmlns:a16="http://schemas.microsoft.com/office/drawing/2014/main" id="{BBCB629E-50FB-45CE-A805-D07247684B59}"/>
+              </a:ext>
+            </a:extLst>
+          </p:cNvPr>
+          <p:cNvSpPr txBox="1"/>
+          <p:nvPr/>
+        </p:nvSpPr>
+        <p:spPr>
+          <a:xfrm>
+            <a:off x="1605105" y="4209721"/>
+            <a:ext cx="6098958" cy="369332"/>
+          </a:xfrm>
+          <a:prstGeom prst="rect">
+            <a:avLst/>
+          </a:prstGeom>
+          <a:noFill/>
+          <a:ln w="57150">
+            <a:solidFill>
+              <a:srgbClr val="0070C0"/>
+            </a:solidFill>
+          </a:ln>
+        </p:spPr>
+        <p:txBody>
+          <a:bodyPr wrap="square">
+            <a:spAutoFit/>
+          </a:bodyPr>
+          <a:lstStyle/>
+          <a:p>
+            <a:r>
+              <a:rPr lang="en-US" dirty="0"/>
+              <a:t>let probability = </a:t>
+            </a:r>
+            <a:r>
+              <a:rPr lang="en-US" b="1" dirty="0">
+                <a:solidFill>
+                  <a:srgbClr val="C00000"/>
+                </a:solidFill>
+              </a:rPr>
+              <a:t>factorial</a:t>
+            </a:r>
+            <a:r>
+              <a:rPr lang="en-US" dirty="0"/>
+              <a:t>(5) / </a:t>
+            </a:r>
+            <a:r>
+              <a:rPr lang="en-US" b="1" dirty="0">
+                <a:solidFill>
+                  <a:srgbClr val="C00000"/>
+                </a:solidFill>
+              </a:rPr>
+              <a:t>factorial</a:t>
+            </a:r>
+            <a:r>
+              <a:rPr lang="en-US" dirty="0"/>
+              <a:t>(13);</a:t>
+            </a:r>
+          </a:p>
+        </p:txBody>
+      </p:sp>
+      <p:sp>
+        <p:nvSpPr>
+          <p:cNvPr id="11" name="TextBox 10">
+            <a:extLst>
+              <a:ext uri="{FF2B5EF4-FFF2-40B4-BE49-F238E27FC236}">
+                <a16:creationId xmlns:a16="http://schemas.microsoft.com/office/drawing/2014/main" id="{0921938F-6976-4EF2-88E5-03C0BB73B59C}"/>
+              </a:ext>
+            </a:extLst>
+          </p:cNvPr>
+          <p:cNvSpPr txBox="1"/>
+          <p:nvPr/>
+        </p:nvSpPr>
+        <p:spPr>
+          <a:xfrm>
+            <a:off x="1605105" y="4894071"/>
+            <a:ext cx="6098958" cy="646331"/>
+          </a:xfrm>
+          <a:prstGeom prst="rect">
+            <a:avLst/>
+          </a:prstGeom>
+          <a:noFill/>
+        </p:spPr>
+        <p:txBody>
+          <a:bodyPr wrap="square">
+            <a:spAutoFit/>
+          </a:bodyPr>
+          <a:lstStyle/>
+          <a:p>
+            <a:r>
+              <a:rPr lang="en-US" dirty="0"/>
+              <a:t>For function invocation in non-strict mode, the invocation context (the this value) is the global object.</a:t>
+            </a:r>
+          </a:p>
+        </p:txBody>
+      </p:sp>
+    </p:spTree>
+    <p:extLst>
+      <p:ext uri="{BB962C8B-B14F-4D97-AF65-F5344CB8AC3E}">
+        <p14:creationId xmlns:p14="http://schemas.microsoft.com/office/powerpoint/2010/main" val="2378189826"/>
+      </p:ext>
+    </p:extLst>
+  </p:cSld>
+  <p:clrMapOvr>
+    <a:masterClrMapping/>
+  </p:clrMapOvr>
+</p:sld>
+</file>
+
+<file path=ppt/slides/slide17.xml><?xml version="1.0" encoding="utf-8"?>
+<p:sld xmlns:a="http://schemas.openxmlformats.org/drawingml/2006/main" xmlns:r="http://schemas.openxmlformats.org/officeDocument/2006/relationships" xmlns:p="http://schemas.openxmlformats.org/presentationml/2006/main">
+  <p:cSld>
+    <p:spTree>
+      <p:nvGrpSpPr>
+        <p:cNvPr id="1" name=""/>
+        <p:cNvGrpSpPr/>
+        <p:nvPr/>
+      </p:nvGrpSpPr>
+      <p:grpSpPr>
+        <a:xfrm>
+          <a:off x="0" y="0"/>
+          <a:ext cx="0" cy="0"/>
+          <a:chOff x="0" y="0"/>
+          <a:chExt cx="0" cy="0"/>
+        </a:xfrm>
+      </p:grpSpPr>
+      <p:sp>
+        <p:nvSpPr>
+          <p:cNvPr id="2" name="Title 1">
+            <a:extLst>
+              <a:ext uri="{FF2B5EF4-FFF2-40B4-BE49-F238E27FC236}">
+                <a16:creationId xmlns:a16="http://schemas.microsoft.com/office/drawing/2014/main" id="{2D4E4121-CDC8-41BA-846E-58655BA90FCF}"/>
+              </a:ext>
+            </a:extLst>
+          </p:cNvPr>
+          <p:cNvSpPr>
+            <a:spLocks noGrp="1"/>
+          </p:cNvSpPr>
+          <p:nvPr>
+            <p:ph type="ctrTitle"/>
+          </p:nvPr>
+        </p:nvSpPr>
+        <p:spPr>
+          <a:xfrm>
+            <a:off x="1507067" y="345351"/>
+            <a:ext cx="7766936" cy="970133"/>
+          </a:xfrm>
+        </p:spPr>
+        <p:txBody>
+          <a:bodyPr/>
+          <a:lstStyle/>
+          <a:p>
+            <a:pPr algn="l"/>
+            <a:r>
+              <a:rPr lang="en-US" dirty="0">
+                <a:solidFill>
+                  <a:schemeClr val="tx1">
+                    <a:lumMod val="85000"/>
+                    <a:lumOff val="15000"/>
+                  </a:schemeClr>
+                </a:solidFill>
+                <a:latin typeface="Segoe UI" panose="020B0502040204020203" pitchFamily="34" charset="0"/>
+                <a:cs typeface="Segoe UI" panose="020B0502040204020203" pitchFamily="34" charset="0"/>
+              </a:rPr>
+              <a:t>JS| </a:t>
+            </a:r>
+            <a:r>
+              <a:rPr lang="en-US" sz="3200" b="1" dirty="0">
+                <a:solidFill>
+                  <a:schemeClr val="tx1">
+                    <a:lumMod val="85000"/>
+                    <a:lumOff val="15000"/>
+                  </a:schemeClr>
+                </a:solidFill>
+                <a:latin typeface="Segoe UI" panose="020B0502040204020203" pitchFamily="34" charset="0"/>
+                <a:cs typeface="Segoe UI" panose="020B0502040204020203" pitchFamily="34" charset="0"/>
+              </a:rPr>
+              <a:t>Function Invocation</a:t>
+            </a:r>
+            <a:endParaRPr lang="en-US" b="1" dirty="0">
+              <a:solidFill>
+                <a:schemeClr val="tx1">
+                  <a:lumMod val="85000"/>
+                  <a:lumOff val="15000"/>
+                </a:schemeClr>
+              </a:solidFill>
+              <a:latin typeface="Segoe UI" panose="020B0502040204020203" pitchFamily="34" charset="0"/>
+              <a:cs typeface="Segoe UI" panose="020B0502040204020203" pitchFamily="34" charset="0"/>
+            </a:endParaRPr>
+          </a:p>
+        </p:txBody>
+      </p:sp>
+      <p:sp>
+        <p:nvSpPr>
+          <p:cNvPr id="11" name="TextBox 10">
+            <a:extLst>
+              <a:ext uri="{FF2B5EF4-FFF2-40B4-BE49-F238E27FC236}">
+                <a16:creationId xmlns:a16="http://schemas.microsoft.com/office/drawing/2014/main" id="{0921938F-6976-4EF2-88E5-03C0BB73B59C}"/>
+              </a:ext>
+            </a:extLst>
+          </p:cNvPr>
+          <p:cNvSpPr txBox="1"/>
+          <p:nvPr/>
+        </p:nvSpPr>
+        <p:spPr>
+          <a:xfrm>
+            <a:off x="1605105" y="1625757"/>
+            <a:ext cx="8639726" cy="1477328"/>
+          </a:xfrm>
+          <a:prstGeom prst="rect">
+            <a:avLst/>
+          </a:prstGeom>
+          <a:noFill/>
+        </p:spPr>
+        <p:txBody>
+          <a:bodyPr wrap="square">
+            <a:spAutoFit/>
+          </a:bodyPr>
+          <a:lstStyle/>
+          <a:p>
+            <a:r>
+              <a:rPr lang="en-US" dirty="0"/>
+              <a:t>For function invocation the </a:t>
+            </a:r>
+            <a:r>
+              <a:rPr lang="en-US" b="1" dirty="0"/>
+              <a:t>invocation context </a:t>
+            </a:r>
+            <a:r>
+              <a:rPr lang="en-US" dirty="0"/>
+              <a:t>(the this value) is:</a:t>
+            </a:r>
+          </a:p>
+          <a:p>
+            <a:endParaRPr lang="en-US" dirty="0"/>
+          </a:p>
+          <a:p>
+            <a:pPr marL="342900" indent="-342900">
+              <a:buFont typeface="+mj-lt"/>
+              <a:buAutoNum type="arabicPeriod"/>
+            </a:pPr>
+            <a:r>
+              <a:rPr lang="en-US" dirty="0"/>
+              <a:t>in </a:t>
+            </a:r>
+            <a:r>
+              <a:rPr lang="en-US" b="1" dirty="0"/>
+              <a:t>no-strict mode </a:t>
+            </a:r>
+            <a:r>
+              <a:rPr lang="en-US" dirty="0"/>
+              <a:t>the </a:t>
+            </a:r>
+            <a:r>
+              <a:rPr lang="en-US" b="1" dirty="0"/>
+              <a:t>global object</a:t>
+            </a:r>
+            <a:r>
+              <a:rPr lang="en-US" dirty="0"/>
+              <a:t>.</a:t>
+            </a:r>
+          </a:p>
+          <a:p>
+            <a:pPr marL="342900" indent="-342900">
+              <a:buFont typeface="+mj-lt"/>
+              <a:buAutoNum type="arabicPeriod"/>
+            </a:pPr>
+            <a:endParaRPr lang="en-US" dirty="0"/>
+          </a:p>
+          <a:p>
+            <a:pPr marL="342900" indent="-342900">
+              <a:buFont typeface="+mj-lt"/>
+              <a:buAutoNum type="arabicPeriod"/>
+            </a:pPr>
+            <a:r>
+              <a:rPr lang="en-US" dirty="0"/>
+              <a:t>in </a:t>
+            </a:r>
+            <a:r>
+              <a:rPr lang="en-US" b="1" dirty="0"/>
+              <a:t>strict mode </a:t>
+            </a:r>
+            <a:r>
+              <a:rPr lang="en-US" dirty="0"/>
+              <a:t>is </a:t>
+            </a:r>
+            <a:r>
+              <a:rPr lang="en-US" b="1" dirty="0"/>
+              <a:t>undefined.</a:t>
+            </a:r>
+          </a:p>
+        </p:txBody>
+      </p:sp>
+    </p:spTree>
+    <p:extLst>
+      <p:ext uri="{BB962C8B-B14F-4D97-AF65-F5344CB8AC3E}">
+        <p14:creationId xmlns:p14="http://schemas.microsoft.com/office/powerpoint/2010/main" val="1277127154"/>
+      </p:ext>
+    </p:extLst>
+  </p:cSld>
+  <p:clrMapOvr>
+    <a:masterClrMapping/>
+  </p:clrMapOvr>
+</p:sld>
+</file>
+
+<file path=ppt/slides/slide18.xml><?xml version="1.0" encoding="utf-8"?>
+<p:sld xmlns:a="http://schemas.openxmlformats.org/drawingml/2006/main" xmlns:r="http://schemas.openxmlformats.org/officeDocument/2006/relationships" xmlns:p="http://schemas.openxmlformats.org/presentationml/2006/main">
+  <p:cSld>
+    <p:spTree>
+      <p:nvGrpSpPr>
+        <p:cNvPr id="1" name=""/>
+        <p:cNvGrpSpPr/>
+        <p:nvPr/>
+      </p:nvGrpSpPr>
+      <p:grpSpPr>
+        <a:xfrm>
+          <a:off x="0" y="0"/>
+          <a:ext cx="0" cy="0"/>
+          <a:chOff x="0" y="0"/>
+          <a:chExt cx="0" cy="0"/>
+        </a:xfrm>
+      </p:grpSpPr>
+      <p:sp>
+        <p:nvSpPr>
+          <p:cNvPr id="2" name="Title 1">
+            <a:extLst>
+              <a:ext uri="{FF2B5EF4-FFF2-40B4-BE49-F238E27FC236}">
+                <a16:creationId xmlns:a16="http://schemas.microsoft.com/office/drawing/2014/main" id="{2D4E4121-CDC8-41BA-846E-58655BA90FCF}"/>
+              </a:ext>
+            </a:extLst>
+          </p:cNvPr>
+          <p:cNvSpPr>
+            <a:spLocks noGrp="1"/>
+          </p:cNvSpPr>
+          <p:nvPr>
+            <p:ph type="ctrTitle"/>
+          </p:nvPr>
+        </p:nvSpPr>
+        <p:spPr>
+          <a:xfrm>
+            <a:off x="1507067" y="345351"/>
+            <a:ext cx="7766936" cy="970133"/>
+          </a:xfrm>
+        </p:spPr>
+        <p:txBody>
+          <a:bodyPr/>
+          <a:lstStyle/>
+          <a:p>
+            <a:pPr algn="l"/>
+            <a:r>
+              <a:rPr lang="en-US" dirty="0">
+                <a:solidFill>
+                  <a:schemeClr val="tx1">
+                    <a:lumMod val="85000"/>
+                    <a:lumOff val="15000"/>
+                  </a:schemeClr>
+                </a:solidFill>
+                <a:latin typeface="Segoe UI" panose="020B0502040204020203" pitchFamily="34" charset="0"/>
+                <a:cs typeface="Segoe UI" panose="020B0502040204020203" pitchFamily="34" charset="0"/>
+              </a:rPr>
+              <a:t>JS| </a:t>
+            </a:r>
+            <a:r>
+              <a:rPr lang="en-US" sz="3200" b="1" dirty="0">
+                <a:solidFill>
+                  <a:schemeClr val="tx1">
+                    <a:lumMod val="85000"/>
+                    <a:lumOff val="15000"/>
+                  </a:schemeClr>
+                </a:solidFill>
+                <a:latin typeface="Segoe UI" panose="020B0502040204020203" pitchFamily="34" charset="0"/>
+                <a:cs typeface="Segoe UI" panose="020B0502040204020203" pitchFamily="34" charset="0"/>
+              </a:rPr>
+              <a:t>Function Invocation</a:t>
+            </a:r>
+            <a:endParaRPr lang="en-US" b="1" dirty="0">
+              <a:solidFill>
+                <a:schemeClr val="tx1">
+                  <a:lumMod val="85000"/>
+                  <a:lumOff val="15000"/>
+                </a:schemeClr>
+              </a:solidFill>
+              <a:latin typeface="Segoe UI" panose="020B0502040204020203" pitchFamily="34" charset="0"/>
+              <a:cs typeface="Segoe UI" panose="020B0502040204020203" pitchFamily="34" charset="0"/>
+            </a:endParaRPr>
+          </a:p>
+        </p:txBody>
+      </p:sp>
+      <p:sp>
+        <p:nvSpPr>
+          <p:cNvPr id="11" name="TextBox 10">
+            <a:extLst>
+              <a:ext uri="{FF2B5EF4-FFF2-40B4-BE49-F238E27FC236}">
+                <a16:creationId xmlns:a16="http://schemas.microsoft.com/office/drawing/2014/main" id="{0921938F-6976-4EF2-88E5-03C0BB73B59C}"/>
+              </a:ext>
+            </a:extLst>
+          </p:cNvPr>
+          <p:cNvSpPr txBox="1"/>
+          <p:nvPr/>
+        </p:nvSpPr>
+        <p:spPr>
+          <a:xfrm>
+            <a:off x="1507067" y="1625757"/>
+            <a:ext cx="9501244" cy="646331"/>
+          </a:xfrm>
+          <a:prstGeom prst="rect">
+            <a:avLst/>
+          </a:prstGeom>
+          <a:noFill/>
+        </p:spPr>
+        <p:txBody>
+          <a:bodyPr wrap="square">
+            <a:spAutoFit/>
+          </a:bodyPr>
+          <a:lstStyle/>
+          <a:p>
+            <a:pPr algn="just"/>
+            <a:r>
+              <a:rPr lang="en-US" dirty="0">
+                <a:latin typeface="Segoe UI" panose="020B0502040204020203" pitchFamily="34" charset="0"/>
+                <a:cs typeface="Segoe UI" panose="020B0502040204020203" pitchFamily="34" charset="0"/>
+              </a:rPr>
+              <a:t>In </a:t>
+            </a:r>
+            <a:r>
+              <a:rPr lang="en-US" b="1" dirty="0">
+                <a:latin typeface="Segoe UI" panose="020B0502040204020203" pitchFamily="34" charset="0"/>
+                <a:cs typeface="Segoe UI" panose="020B0502040204020203" pitchFamily="34" charset="0"/>
+              </a:rPr>
+              <a:t>ES2020</a:t>
+            </a:r>
+            <a:r>
+              <a:rPr lang="en-US" dirty="0">
+                <a:latin typeface="Segoe UI" panose="020B0502040204020203" pitchFamily="34" charset="0"/>
+                <a:cs typeface="Segoe UI" panose="020B0502040204020203" pitchFamily="34" charset="0"/>
+              </a:rPr>
+              <a:t> you can insert </a:t>
+            </a:r>
+            <a:r>
+              <a:rPr lang="en-US" b="1" dirty="0">
+                <a:latin typeface="Segoe UI" panose="020B0502040204020203" pitchFamily="34" charset="0"/>
+                <a:cs typeface="Segoe UI" panose="020B0502040204020203" pitchFamily="34" charset="0"/>
+              </a:rPr>
+              <a:t>?.</a:t>
+            </a:r>
+            <a:r>
+              <a:rPr lang="en-US" dirty="0">
+                <a:latin typeface="Segoe UI" panose="020B0502040204020203" pitchFamily="34" charset="0"/>
+                <a:cs typeface="Segoe UI" panose="020B0502040204020203" pitchFamily="34" charset="0"/>
+              </a:rPr>
+              <a:t> after the function expression and before the open parenthesis in a function invocation in order to invoke the function only if it is not null or undefined.</a:t>
+            </a:r>
+          </a:p>
+        </p:txBody>
+      </p:sp>
+      <p:sp>
+        <p:nvSpPr>
+          <p:cNvPr id="5" name="TextBox 4">
+            <a:extLst>
+              <a:ext uri="{FF2B5EF4-FFF2-40B4-BE49-F238E27FC236}">
+                <a16:creationId xmlns:a16="http://schemas.microsoft.com/office/drawing/2014/main" id="{B04B8525-2B86-46A3-ABEF-52A909FE4C0B}"/>
+              </a:ext>
+            </a:extLst>
+          </p:cNvPr>
+          <p:cNvSpPr txBox="1"/>
+          <p:nvPr/>
+        </p:nvSpPr>
+        <p:spPr>
+          <a:xfrm>
+            <a:off x="5724344" y="3428999"/>
+            <a:ext cx="5283967" cy="369332"/>
+          </a:xfrm>
+          <a:prstGeom prst="rect">
+            <a:avLst/>
+          </a:prstGeom>
+          <a:noFill/>
+          <a:ln w="57150">
+            <a:solidFill>
+              <a:srgbClr val="0070C0"/>
+            </a:solidFill>
+          </a:ln>
+        </p:spPr>
+        <p:txBody>
+          <a:bodyPr wrap="square">
+            <a:spAutoFit/>
+          </a:bodyPr>
+          <a:lstStyle/>
+          <a:p>
+            <a:r>
+              <a:rPr lang="en-US" dirty="0">
+                <a:latin typeface="Segoe UI" panose="020B0502040204020203" pitchFamily="34" charset="0"/>
+                <a:cs typeface="Segoe UI" panose="020B0502040204020203" pitchFamily="34" charset="0"/>
+              </a:rPr>
+              <a:t>(f != = null &amp;&amp; f != = undefined) ? f( x) : undefined</a:t>
+            </a:r>
+          </a:p>
+        </p:txBody>
+      </p:sp>
+      <p:sp>
+        <p:nvSpPr>
+          <p:cNvPr id="7" name="TextBox 6">
+            <a:extLst>
+              <a:ext uri="{FF2B5EF4-FFF2-40B4-BE49-F238E27FC236}">
+                <a16:creationId xmlns:a16="http://schemas.microsoft.com/office/drawing/2014/main" id="{09E0857B-EA81-4C0A-9D51-010A93C0D0BB}"/>
+              </a:ext>
+            </a:extLst>
+          </p:cNvPr>
+          <p:cNvSpPr txBox="1"/>
+          <p:nvPr/>
+        </p:nvSpPr>
+        <p:spPr>
+          <a:xfrm>
+            <a:off x="1604721" y="3428999"/>
+            <a:ext cx="865572" cy="369332"/>
+          </a:xfrm>
+          <a:prstGeom prst="rect">
+            <a:avLst/>
+          </a:prstGeom>
+          <a:noFill/>
+          <a:ln w="57150">
+            <a:solidFill>
+              <a:srgbClr val="0070C0"/>
+            </a:solidFill>
+          </a:ln>
+        </p:spPr>
+        <p:txBody>
+          <a:bodyPr wrap="square">
+            <a:spAutoFit/>
+          </a:bodyPr>
+          <a:lstStyle/>
+          <a:p>
+            <a:r>
+              <a:rPr lang="en-US" dirty="0">
+                <a:latin typeface="Segoe UI" panose="020B0502040204020203" pitchFamily="34" charset="0"/>
+                <a:cs typeface="Segoe UI" panose="020B0502040204020203" pitchFamily="34" charset="0"/>
+              </a:rPr>
+              <a:t>f?.( x)</a:t>
+            </a:r>
+          </a:p>
+        </p:txBody>
+      </p:sp>
+      <p:sp>
+        <p:nvSpPr>
+          <p:cNvPr id="6" name="Equals 5">
+            <a:extLst>
+              <a:ext uri="{FF2B5EF4-FFF2-40B4-BE49-F238E27FC236}">
+                <a16:creationId xmlns:a16="http://schemas.microsoft.com/office/drawing/2014/main" id="{CAA556B1-EE3D-41A1-9C77-98875C2EDB91}"/>
+              </a:ext>
+            </a:extLst>
+          </p:cNvPr>
+          <p:cNvSpPr/>
+          <p:nvPr/>
+        </p:nvSpPr>
+        <p:spPr>
+          <a:xfrm>
+            <a:off x="3591291" y="3200853"/>
+            <a:ext cx="1012054" cy="825623"/>
+          </a:xfrm>
+          <a:prstGeom prst="mathEqual">
+            <a:avLst/>
+          </a:prstGeom>
+          <a:solidFill>
+            <a:srgbClr val="0070C0"/>
+          </a:solidFill>
+          <a:ln w="38100">
+            <a:solidFill>
+              <a:schemeClr val="tx1">
+                <a:lumMod val="85000"/>
+                <a:lumOff val="15000"/>
+              </a:schemeClr>
+            </a:solidFill>
+          </a:ln>
+        </p:spPr>
+        <p:style>
+          <a:lnRef idx="2">
+            <a:schemeClr val="accent1">
+              <a:shade val="50000"/>
+            </a:schemeClr>
+          </a:lnRef>
+          <a:fillRef idx="1">
+            <a:schemeClr val="accent1"/>
+          </a:fillRef>
+          <a:effectRef idx="0">
+            <a:schemeClr val="accent1"/>
+          </a:effectRef>
+          <a:fontRef idx="minor">
+            <a:schemeClr val="lt1"/>
+          </a:fontRef>
+        </p:style>
+        <p:txBody>
+          <a:bodyPr rtlCol="0" anchor="ctr"/>
+          <a:lstStyle/>
+          <a:p>
+            <a:pPr algn="ctr"/>
+            <a:endParaRPr lang="en-US">
+              <a:solidFill>
+                <a:schemeClr val="tx1"/>
+              </a:solidFill>
+            </a:endParaRPr>
+          </a:p>
+        </p:txBody>
+      </p:sp>
+    </p:spTree>
+    <p:extLst>
+      <p:ext uri="{BB962C8B-B14F-4D97-AF65-F5344CB8AC3E}">
+        <p14:creationId xmlns:p14="http://schemas.microsoft.com/office/powerpoint/2010/main" val="1898420673"/>
+      </p:ext>
+    </p:extLst>
+  </p:cSld>
+  <p:clrMapOvr>
+    <a:masterClrMapping/>
+  </p:clrMapOvr>
+</p:sld>
+</file>
+
+<file path=ppt/slides/slide19.xml><?xml version="1.0" encoding="utf-8"?>
+<p:sld xmlns:a="http://schemas.openxmlformats.org/drawingml/2006/main" xmlns:r="http://schemas.openxmlformats.org/officeDocument/2006/relationships" xmlns:p="http://schemas.openxmlformats.org/presentationml/2006/main">
+  <p:cSld>
+    <p:spTree>
+      <p:nvGrpSpPr>
+        <p:cNvPr id="1" name=""/>
+        <p:cNvGrpSpPr/>
+        <p:nvPr/>
+      </p:nvGrpSpPr>
+      <p:grpSpPr>
+        <a:xfrm>
+          <a:off x="0" y="0"/>
+          <a:ext cx="0" cy="0"/>
+          <a:chOff x="0" y="0"/>
+          <a:chExt cx="0" cy="0"/>
+        </a:xfrm>
+      </p:grpSpPr>
+      <p:sp>
+        <p:nvSpPr>
+          <p:cNvPr id="2" name="Title 1">
+            <a:extLst>
+              <a:ext uri="{FF2B5EF4-FFF2-40B4-BE49-F238E27FC236}">
+                <a16:creationId xmlns:a16="http://schemas.microsoft.com/office/drawing/2014/main" id="{2D4E4121-CDC8-41BA-846E-58655BA90FCF}"/>
+              </a:ext>
+            </a:extLst>
+          </p:cNvPr>
+          <p:cNvSpPr>
+            <a:spLocks noGrp="1"/>
+          </p:cNvSpPr>
+          <p:nvPr>
+            <p:ph type="ctrTitle"/>
+          </p:nvPr>
+        </p:nvSpPr>
+        <p:spPr>
+          <a:xfrm>
+            <a:off x="1507067" y="345351"/>
+            <a:ext cx="7766936" cy="970133"/>
+          </a:xfrm>
+        </p:spPr>
+        <p:txBody>
+          <a:bodyPr/>
+          <a:lstStyle/>
+          <a:p>
+            <a:pPr algn="l"/>
+            <a:r>
+              <a:rPr lang="en-US" dirty="0">
+                <a:solidFill>
+                  <a:schemeClr val="tx1">
+                    <a:lumMod val="85000"/>
+                    <a:lumOff val="15000"/>
+                  </a:schemeClr>
+                </a:solidFill>
+                <a:latin typeface="Segoe UI" panose="020B0502040204020203" pitchFamily="34" charset="0"/>
+                <a:cs typeface="Segoe UI" panose="020B0502040204020203" pitchFamily="34" charset="0"/>
+              </a:rPr>
+              <a:t>JS| </a:t>
+            </a:r>
+            <a:r>
+              <a:rPr lang="en-US" sz="3200" b="1" dirty="0">
+                <a:solidFill>
+                  <a:schemeClr val="tx1">
+                    <a:lumMod val="85000"/>
+                    <a:lumOff val="15000"/>
+                  </a:schemeClr>
+                </a:solidFill>
+                <a:latin typeface="Segoe UI" panose="020B0502040204020203" pitchFamily="34" charset="0"/>
+                <a:cs typeface="Segoe UI" panose="020B0502040204020203" pitchFamily="34" charset="0"/>
+              </a:rPr>
+              <a:t>Method Invocation</a:t>
+            </a:r>
+            <a:endParaRPr lang="en-US" b="1" dirty="0">
+              <a:solidFill>
+                <a:schemeClr val="tx1">
+                  <a:lumMod val="85000"/>
+                  <a:lumOff val="15000"/>
+                </a:schemeClr>
+              </a:solidFill>
+              <a:latin typeface="Segoe UI" panose="020B0502040204020203" pitchFamily="34" charset="0"/>
+              <a:cs typeface="Segoe UI" panose="020B0502040204020203" pitchFamily="34" charset="0"/>
+            </a:endParaRPr>
+          </a:p>
+        </p:txBody>
+      </p:sp>
+      <p:sp>
+        <p:nvSpPr>
+          <p:cNvPr id="11" name="TextBox 10">
+            <a:extLst>
+              <a:ext uri="{FF2B5EF4-FFF2-40B4-BE49-F238E27FC236}">
+                <a16:creationId xmlns:a16="http://schemas.microsoft.com/office/drawing/2014/main" id="{0921938F-6976-4EF2-88E5-03C0BB73B59C}"/>
+              </a:ext>
+            </a:extLst>
+          </p:cNvPr>
+          <p:cNvSpPr txBox="1"/>
+          <p:nvPr/>
+        </p:nvSpPr>
+        <p:spPr>
+          <a:xfrm>
+            <a:off x="1507066" y="1625757"/>
+            <a:ext cx="9616653" cy="369332"/>
+          </a:xfrm>
+          <a:prstGeom prst="rect">
+            <a:avLst/>
+          </a:prstGeom>
+          <a:noFill/>
+        </p:spPr>
+        <p:txBody>
+          <a:bodyPr wrap="square">
+            <a:spAutoFit/>
+          </a:bodyPr>
+          <a:lstStyle/>
+          <a:p>
+            <a:pPr algn="just"/>
+            <a:r>
+              <a:rPr lang="en-US" dirty="0">
+                <a:latin typeface="Segoe UI" panose="020B0502040204020203" pitchFamily="34" charset="0"/>
+                <a:cs typeface="Segoe UI" panose="020B0502040204020203" pitchFamily="34" charset="0"/>
+              </a:rPr>
+              <a:t>A </a:t>
+            </a:r>
+            <a:r>
+              <a:rPr lang="en-US" b="1" dirty="0">
+                <a:latin typeface="Segoe UI" panose="020B0502040204020203" pitchFamily="34" charset="0"/>
+                <a:cs typeface="Segoe UI" panose="020B0502040204020203" pitchFamily="34" charset="0"/>
+              </a:rPr>
+              <a:t>method</a:t>
+            </a:r>
+            <a:r>
+              <a:rPr lang="en-US" dirty="0">
+                <a:latin typeface="Segoe UI" panose="020B0502040204020203" pitchFamily="34" charset="0"/>
+                <a:cs typeface="Segoe UI" panose="020B0502040204020203" pitchFamily="34" charset="0"/>
+              </a:rPr>
+              <a:t> is a JavaScript function that is stored in a property of an object.</a:t>
+            </a:r>
+          </a:p>
+        </p:txBody>
+      </p:sp>
+      <p:sp>
+        <p:nvSpPr>
+          <p:cNvPr id="7" name="TextBox 6">
+            <a:extLst>
+              <a:ext uri="{FF2B5EF4-FFF2-40B4-BE49-F238E27FC236}">
+                <a16:creationId xmlns:a16="http://schemas.microsoft.com/office/drawing/2014/main" id="{09E0857B-EA81-4C0A-9D51-010A93C0D0BB}"/>
+              </a:ext>
+            </a:extLst>
+          </p:cNvPr>
+          <p:cNvSpPr txBox="1"/>
+          <p:nvPr/>
+        </p:nvSpPr>
+        <p:spPr>
+          <a:xfrm>
+            <a:off x="1507066" y="2305362"/>
+            <a:ext cx="3446673" cy="369332"/>
+          </a:xfrm>
+          <a:prstGeom prst="rect">
+            <a:avLst/>
+          </a:prstGeom>
+          <a:noFill/>
+          <a:ln w="57150">
+            <a:solidFill>
+              <a:srgbClr val="0070C0"/>
+            </a:solidFill>
+          </a:ln>
+        </p:spPr>
+        <p:txBody>
+          <a:bodyPr wrap="square">
+            <a:spAutoFit/>
+          </a:bodyPr>
+          <a:lstStyle/>
+          <a:p>
+            <a:r>
+              <a:rPr lang="en-US" dirty="0" err="1">
+                <a:latin typeface="Segoe UI" panose="020B0502040204020203" pitchFamily="34" charset="0"/>
+                <a:cs typeface="Segoe UI" panose="020B0502040204020203" pitchFamily="34" charset="0"/>
+              </a:rPr>
+              <a:t>o.m</a:t>
+            </a:r>
+            <a:r>
+              <a:rPr lang="en-US" dirty="0">
+                <a:latin typeface="Segoe UI" panose="020B0502040204020203" pitchFamily="34" charset="0"/>
+                <a:cs typeface="Segoe UI" panose="020B0502040204020203" pitchFamily="34" charset="0"/>
+              </a:rPr>
+              <a:t> = f</a:t>
+            </a:r>
+          </a:p>
+        </p:txBody>
+      </p:sp>
+      <p:sp>
+        <p:nvSpPr>
+          <p:cNvPr id="8" name="TextBox 7">
+            <a:extLst>
+              <a:ext uri="{FF2B5EF4-FFF2-40B4-BE49-F238E27FC236}">
+                <a16:creationId xmlns:a16="http://schemas.microsoft.com/office/drawing/2014/main" id="{7437EB2C-8C00-40FD-BBB0-51195993125C}"/>
+              </a:ext>
+            </a:extLst>
+          </p:cNvPr>
+          <p:cNvSpPr txBox="1"/>
+          <p:nvPr/>
+        </p:nvSpPr>
+        <p:spPr>
+          <a:xfrm>
+            <a:off x="1507065" y="2984967"/>
+            <a:ext cx="9616653" cy="369332"/>
+          </a:xfrm>
+          <a:prstGeom prst="rect">
+            <a:avLst/>
+          </a:prstGeom>
+          <a:noFill/>
+        </p:spPr>
+        <p:txBody>
+          <a:bodyPr wrap="square">
+            <a:spAutoFit/>
+          </a:bodyPr>
+          <a:lstStyle/>
+          <a:p>
+            <a:pPr algn="just"/>
+            <a:r>
+              <a:rPr lang="en-US" dirty="0">
+                <a:latin typeface="Segoe UI" panose="020B0502040204020203" pitchFamily="34" charset="0"/>
+                <a:cs typeface="Segoe UI" panose="020B0502040204020203" pitchFamily="34" charset="0"/>
+              </a:rPr>
+              <a:t>Having defined the </a:t>
+            </a:r>
+            <a:r>
+              <a:rPr lang="en-US" b="1" dirty="0">
+                <a:latin typeface="Segoe UI" panose="020B0502040204020203" pitchFamily="34" charset="0"/>
+                <a:cs typeface="Segoe UI" panose="020B0502040204020203" pitchFamily="34" charset="0"/>
+              </a:rPr>
+              <a:t>method m() </a:t>
+            </a:r>
+            <a:r>
+              <a:rPr lang="en-US" dirty="0">
+                <a:latin typeface="Segoe UI" panose="020B0502040204020203" pitchFamily="34" charset="0"/>
+                <a:cs typeface="Segoe UI" panose="020B0502040204020203" pitchFamily="34" charset="0"/>
+              </a:rPr>
+              <a:t>of the </a:t>
+            </a:r>
+            <a:r>
+              <a:rPr lang="en-US" b="1" dirty="0">
+                <a:latin typeface="Segoe UI" panose="020B0502040204020203" pitchFamily="34" charset="0"/>
+                <a:cs typeface="Segoe UI" panose="020B0502040204020203" pitchFamily="34" charset="0"/>
+              </a:rPr>
+              <a:t>object o</a:t>
+            </a:r>
+            <a:r>
+              <a:rPr lang="en-US" dirty="0">
+                <a:latin typeface="Segoe UI" panose="020B0502040204020203" pitchFamily="34" charset="0"/>
+                <a:cs typeface="Segoe UI" panose="020B0502040204020203" pitchFamily="34" charset="0"/>
+              </a:rPr>
+              <a:t>, invoke it like this:</a:t>
+            </a:r>
+          </a:p>
+        </p:txBody>
+      </p:sp>
+      <p:sp>
+        <p:nvSpPr>
+          <p:cNvPr id="9" name="TextBox 8">
+            <a:extLst>
+              <a:ext uri="{FF2B5EF4-FFF2-40B4-BE49-F238E27FC236}">
+                <a16:creationId xmlns:a16="http://schemas.microsoft.com/office/drawing/2014/main" id="{EE310257-00FD-489C-BF77-40611F17007C}"/>
+              </a:ext>
+            </a:extLst>
+          </p:cNvPr>
+          <p:cNvSpPr txBox="1"/>
+          <p:nvPr/>
+        </p:nvSpPr>
+        <p:spPr>
+          <a:xfrm>
+            <a:off x="1507066" y="3664572"/>
+            <a:ext cx="3446673" cy="369332"/>
+          </a:xfrm>
+          <a:prstGeom prst="rect">
+            <a:avLst/>
+          </a:prstGeom>
+          <a:noFill/>
+          <a:ln w="57150">
+            <a:solidFill>
+              <a:srgbClr val="0070C0"/>
+            </a:solidFill>
+          </a:ln>
+        </p:spPr>
+        <p:txBody>
+          <a:bodyPr wrap="square">
+            <a:spAutoFit/>
+          </a:bodyPr>
+          <a:lstStyle/>
+          <a:p>
+            <a:r>
+              <a:rPr lang="en-US" dirty="0" err="1">
+                <a:latin typeface="Segoe UI" panose="020B0502040204020203" pitchFamily="34" charset="0"/>
+                <a:cs typeface="Segoe UI" panose="020B0502040204020203" pitchFamily="34" charset="0"/>
+              </a:rPr>
+              <a:t>o.m</a:t>
+            </a:r>
+            <a:r>
+              <a:rPr lang="en-US" dirty="0">
+                <a:latin typeface="Segoe UI" panose="020B0502040204020203" pitchFamily="34" charset="0"/>
+                <a:cs typeface="Segoe UI" panose="020B0502040204020203" pitchFamily="34" charset="0"/>
+              </a:rPr>
+              <a:t>()</a:t>
+            </a:r>
+          </a:p>
+        </p:txBody>
+      </p:sp>
+      <p:sp>
+        <p:nvSpPr>
+          <p:cNvPr id="10" name="TextBox 9">
+            <a:extLst>
+              <a:ext uri="{FF2B5EF4-FFF2-40B4-BE49-F238E27FC236}">
+                <a16:creationId xmlns:a16="http://schemas.microsoft.com/office/drawing/2014/main" id="{5169A5D9-B0E2-4745-A336-65A04576BF12}"/>
+              </a:ext>
+            </a:extLst>
+          </p:cNvPr>
+          <p:cNvSpPr txBox="1"/>
+          <p:nvPr/>
+        </p:nvSpPr>
+        <p:spPr>
+          <a:xfrm>
+            <a:off x="1507065" y="4344177"/>
+            <a:ext cx="3446673" cy="369332"/>
+          </a:xfrm>
+          <a:prstGeom prst="rect">
+            <a:avLst/>
+          </a:prstGeom>
+          <a:noFill/>
+          <a:ln w="57150">
+            <a:solidFill>
+              <a:srgbClr val="0070C0"/>
+            </a:solidFill>
+          </a:ln>
+        </p:spPr>
+        <p:txBody>
+          <a:bodyPr wrap="square">
+            <a:spAutoFit/>
+          </a:bodyPr>
+          <a:lstStyle/>
+          <a:p>
+            <a:r>
+              <a:rPr lang="en-US" dirty="0" err="1">
+                <a:latin typeface="Segoe UI" panose="020B0502040204020203" pitchFamily="34" charset="0"/>
+                <a:cs typeface="Segoe UI" panose="020B0502040204020203" pitchFamily="34" charset="0"/>
+              </a:rPr>
+              <a:t>o.m</a:t>
+            </a:r>
+            <a:r>
+              <a:rPr lang="en-US" dirty="0">
+                <a:latin typeface="Segoe UI" panose="020B0502040204020203" pitchFamily="34" charset="0"/>
+                <a:cs typeface="Segoe UI" panose="020B0502040204020203" pitchFamily="34" charset="0"/>
+              </a:rPr>
+              <a:t>(1, ‘argument’)</a:t>
+            </a:r>
+          </a:p>
+        </p:txBody>
+      </p:sp>
+    </p:spTree>
+    <p:extLst>
+      <p:ext uri="{BB962C8B-B14F-4D97-AF65-F5344CB8AC3E}">
+        <p14:creationId xmlns:p14="http://schemas.microsoft.com/office/powerpoint/2010/main" val="395101874"/>
+      </p:ext>
+    </p:extLst>
+  </p:cSld>
+  <p:clrMapOvr>
+    <a:masterClrMapping/>
+  </p:clrMapOvr>
+</p:sld>
+</file>
+
+<file path=ppt/slides/slide2.xml><?xml version="1.0" encoding="utf-8"?>
+<p:sld xmlns:a="http://schemas.openxmlformats.org/drawingml/2006/main" xmlns:r="http://schemas.openxmlformats.org/officeDocument/2006/relationships" xmlns:p="http://schemas.openxmlformats.org/presentationml/2006/main">
+  <p:cSld>
+    <p:spTree>
+      <p:nvGrpSpPr>
+        <p:cNvPr id="1" name=""/>
+        <p:cNvGrpSpPr/>
+        <p:nvPr/>
+      </p:nvGrpSpPr>
+      <p:grpSpPr>
+        <a:xfrm>
+          <a:off x="0" y="0"/>
+          <a:ext cx="0" cy="0"/>
+          <a:chOff x="0" y="0"/>
+          <a:chExt cx="0" cy="0"/>
+        </a:xfrm>
+      </p:grpSpPr>
+      <p:sp>
+        <p:nvSpPr>
+          <p:cNvPr id="2" name="Title 1">
+            <a:extLst>
+              <a:ext uri="{FF2B5EF4-FFF2-40B4-BE49-F238E27FC236}">
+                <a16:creationId xmlns:a16="http://schemas.microsoft.com/office/drawing/2014/main" id="{2D4E4121-CDC8-41BA-846E-58655BA90FCF}"/>
+              </a:ext>
+            </a:extLst>
+          </p:cNvPr>
+          <p:cNvSpPr>
+            <a:spLocks noGrp="1"/>
+          </p:cNvSpPr>
+          <p:nvPr>
+            <p:ph type="ctrTitle"/>
+          </p:nvPr>
+        </p:nvSpPr>
+        <p:spPr>
+          <a:xfrm>
+            <a:off x="1507067" y="345351"/>
+            <a:ext cx="7766936" cy="970133"/>
+          </a:xfrm>
+        </p:spPr>
+        <p:txBody>
+          <a:bodyPr/>
+          <a:lstStyle/>
+          <a:p>
+            <a:pPr algn="l"/>
+            <a:r>
+              <a:rPr lang="en-US" dirty="0">
+                <a:solidFill>
+                  <a:schemeClr val="tx1">
+                    <a:lumMod val="85000"/>
+                    <a:lumOff val="15000"/>
+                  </a:schemeClr>
+                </a:solidFill>
+                <a:latin typeface="Segoe UI" panose="020B0502040204020203" pitchFamily="34" charset="0"/>
+                <a:cs typeface="Segoe UI" panose="020B0502040204020203" pitchFamily="34" charset="0"/>
+              </a:rPr>
+              <a:t>JS| </a:t>
+            </a:r>
+            <a:r>
+              <a:rPr lang="en-US" sz="3200" b="1" dirty="0">
+                <a:solidFill>
+                  <a:schemeClr val="tx1">
+                    <a:lumMod val="85000"/>
+                    <a:lumOff val="15000"/>
+                  </a:schemeClr>
+                </a:solidFill>
+                <a:latin typeface="Segoe UI" panose="020B0502040204020203" pitchFamily="34" charset="0"/>
+                <a:cs typeface="Segoe UI" panose="020B0502040204020203" pitchFamily="34" charset="0"/>
+              </a:rPr>
+              <a:t>Functions</a:t>
+            </a:r>
+            <a:endParaRPr lang="en-US" b="1" dirty="0">
+              <a:solidFill>
+                <a:schemeClr val="tx1">
+                  <a:lumMod val="85000"/>
+                  <a:lumOff val="15000"/>
+                </a:schemeClr>
+              </a:solidFill>
+              <a:latin typeface="Segoe UI" panose="020B0502040204020203" pitchFamily="34" charset="0"/>
+              <a:cs typeface="Segoe UI" panose="020B0502040204020203" pitchFamily="34" charset="0"/>
+            </a:endParaRPr>
+          </a:p>
+        </p:txBody>
+      </p:sp>
+      <p:sp>
+        <p:nvSpPr>
+          <p:cNvPr id="3" name="TextBox 2">
+            <a:extLst>
+              <a:ext uri="{FF2B5EF4-FFF2-40B4-BE49-F238E27FC236}">
+                <a16:creationId xmlns:a16="http://schemas.microsoft.com/office/drawing/2014/main" id="{C895C44F-686B-467A-B89F-FA4A0CDDDA49}"/>
+              </a:ext>
+            </a:extLst>
+          </p:cNvPr>
+          <p:cNvSpPr txBox="1"/>
+          <p:nvPr/>
+        </p:nvSpPr>
+        <p:spPr>
+          <a:xfrm>
+            <a:off x="1605106" y="1616879"/>
+            <a:ext cx="9391548" cy="5209118"/>
+          </a:xfrm>
+          <a:prstGeom prst="rect">
+            <a:avLst/>
+          </a:prstGeom>
+          <a:noFill/>
+        </p:spPr>
+        <p:txBody>
+          <a:bodyPr wrap="square" rtlCol="0">
+            <a:spAutoFit/>
+          </a:bodyPr>
+          <a:lstStyle/>
+          <a:p>
+            <a:pPr algn="just"/>
+            <a:r>
+              <a:rPr lang="en-US" sz="1750" dirty="0">
+                <a:latin typeface="Segoe UI" panose="020B0502040204020203" pitchFamily="34" charset="0"/>
+                <a:cs typeface="Segoe UI" panose="020B0502040204020203" pitchFamily="34" charset="0"/>
+              </a:rPr>
+              <a:t>A </a:t>
+            </a:r>
+            <a:r>
+              <a:rPr lang="en-US" sz="1750" b="1" dirty="0">
+                <a:latin typeface="Segoe UI" panose="020B0502040204020203" pitchFamily="34" charset="0"/>
+                <a:cs typeface="Segoe UI" panose="020B0502040204020203" pitchFamily="34" charset="0"/>
+              </a:rPr>
+              <a:t>function</a:t>
+            </a:r>
+            <a:r>
+              <a:rPr lang="en-US" sz="1750" dirty="0">
+                <a:latin typeface="Segoe UI" panose="020B0502040204020203" pitchFamily="34" charset="0"/>
+                <a:cs typeface="Segoe UI" panose="020B0502040204020203" pitchFamily="34" charset="0"/>
+              </a:rPr>
+              <a:t> is a block of JavaScript code that is defined once but may be executed, or </a:t>
+            </a:r>
+            <a:r>
+              <a:rPr lang="en-US" sz="1750" b="1" dirty="0">
+                <a:latin typeface="Segoe UI" panose="020B0502040204020203" pitchFamily="34" charset="0"/>
+                <a:cs typeface="Segoe UI" panose="020B0502040204020203" pitchFamily="34" charset="0"/>
+              </a:rPr>
+              <a:t>invoked</a:t>
+            </a:r>
+            <a:r>
+              <a:rPr lang="en-US" sz="1750" dirty="0">
+                <a:latin typeface="Segoe UI" panose="020B0502040204020203" pitchFamily="34" charset="0"/>
+                <a:cs typeface="Segoe UI" panose="020B0502040204020203" pitchFamily="34" charset="0"/>
+              </a:rPr>
+              <a:t>, any number of times.</a:t>
+            </a:r>
+          </a:p>
+          <a:p>
+            <a:pPr algn="just"/>
+            <a:endParaRPr lang="en-US" sz="1750" dirty="0">
+              <a:solidFill>
+                <a:schemeClr val="tx1">
+                  <a:lumMod val="85000"/>
+                  <a:lumOff val="15000"/>
+                </a:schemeClr>
+              </a:solidFill>
+              <a:latin typeface="Segoe UI" panose="020B0502040204020203" pitchFamily="34" charset="0"/>
+              <a:cs typeface="Segoe UI" panose="020B0502040204020203" pitchFamily="34" charset="0"/>
+            </a:endParaRPr>
+          </a:p>
+          <a:p>
+            <a:pPr algn="just"/>
+            <a:r>
+              <a:rPr lang="en-US" sz="1750" dirty="0">
+                <a:latin typeface="Segoe UI" panose="020B0502040204020203" pitchFamily="34" charset="0"/>
+                <a:cs typeface="Segoe UI" panose="020B0502040204020203" pitchFamily="34" charset="0"/>
+              </a:rPr>
+              <a:t>Functions are </a:t>
+            </a:r>
+            <a:r>
+              <a:rPr lang="en-US" sz="1750" b="1" dirty="0">
+                <a:latin typeface="Segoe UI" panose="020B0502040204020203" pitchFamily="34" charset="0"/>
+                <a:cs typeface="Segoe UI" panose="020B0502040204020203" pitchFamily="34" charset="0"/>
+              </a:rPr>
+              <a:t>objects</a:t>
+            </a:r>
+            <a:r>
+              <a:rPr lang="en-US" sz="1750" dirty="0">
+                <a:latin typeface="Segoe UI" panose="020B0502040204020203" pitchFamily="34" charset="0"/>
+                <a:cs typeface="Segoe UI" panose="020B0502040204020203" pitchFamily="34" charset="0"/>
+              </a:rPr>
+              <a:t>, and they can be manipulated by programs.</a:t>
+            </a:r>
+            <a:endParaRPr lang="en-US" sz="1750" dirty="0">
+              <a:solidFill>
+                <a:schemeClr val="tx1">
+                  <a:lumMod val="85000"/>
+                  <a:lumOff val="15000"/>
+                </a:schemeClr>
+              </a:solidFill>
+              <a:latin typeface="Segoe UI" panose="020B0502040204020203" pitchFamily="34" charset="0"/>
+              <a:cs typeface="Segoe UI" panose="020B0502040204020203" pitchFamily="34" charset="0"/>
+            </a:endParaRPr>
+          </a:p>
+          <a:p>
+            <a:pPr algn="just"/>
+            <a:endParaRPr lang="en-US" sz="1750" dirty="0">
+              <a:solidFill>
+                <a:schemeClr val="tx1">
+                  <a:lumMod val="85000"/>
+                  <a:lumOff val="15000"/>
+                </a:schemeClr>
+              </a:solidFill>
+              <a:latin typeface="Segoe UI" panose="020B0502040204020203" pitchFamily="34" charset="0"/>
+              <a:cs typeface="Segoe UI" panose="020B0502040204020203" pitchFamily="34" charset="0"/>
+            </a:endParaRPr>
+          </a:p>
+          <a:p>
+            <a:pPr algn="just"/>
+            <a:r>
+              <a:rPr lang="en-US" sz="1750" dirty="0">
+                <a:latin typeface="Segoe UI" panose="020B0502040204020203" pitchFamily="34" charset="0"/>
+                <a:cs typeface="Segoe UI" panose="020B0502040204020203" pitchFamily="34" charset="0"/>
+              </a:rPr>
+              <a:t>Functions are </a:t>
+            </a:r>
+            <a:r>
+              <a:rPr lang="en-US" sz="1750" b="1" dirty="0">
+                <a:latin typeface="Segoe UI" panose="020B0502040204020203" pitchFamily="34" charset="0"/>
+                <a:cs typeface="Segoe UI" panose="020B0502040204020203" pitchFamily="34" charset="0"/>
+              </a:rPr>
+              <a:t>parameterized</a:t>
+            </a:r>
+            <a:r>
+              <a:rPr lang="en-US" sz="1750" dirty="0">
+                <a:latin typeface="Segoe UI" panose="020B0502040204020203" pitchFamily="34" charset="0"/>
+                <a:cs typeface="Segoe UI" panose="020B0502040204020203" pitchFamily="34" charset="0"/>
+              </a:rPr>
+              <a:t>: a function definition may include a list of identifiers, known as </a:t>
+            </a:r>
+            <a:r>
+              <a:rPr lang="en-US" sz="1750" b="1" dirty="0">
+                <a:latin typeface="Segoe UI" panose="020B0502040204020203" pitchFamily="34" charset="0"/>
+                <a:cs typeface="Segoe UI" panose="020B0502040204020203" pitchFamily="34" charset="0"/>
+              </a:rPr>
+              <a:t>parameters</a:t>
+            </a:r>
+            <a:r>
+              <a:rPr lang="en-US" sz="1750" dirty="0">
+                <a:latin typeface="Segoe UI" panose="020B0502040204020203" pitchFamily="34" charset="0"/>
+                <a:cs typeface="Segoe UI" panose="020B0502040204020203" pitchFamily="34" charset="0"/>
+              </a:rPr>
+              <a:t>, that work as local variables for the body of the function; often use their argument values to compute a return value that becomes the value of the function-invocation expression.</a:t>
+            </a:r>
+          </a:p>
+          <a:p>
+            <a:pPr algn="just"/>
+            <a:endParaRPr lang="en-US" sz="1750" dirty="0">
+              <a:solidFill>
+                <a:schemeClr val="tx1">
+                  <a:lumMod val="85000"/>
+                  <a:lumOff val="15000"/>
+                </a:schemeClr>
+              </a:solidFill>
+              <a:latin typeface="Segoe UI" panose="020B0502040204020203" pitchFamily="34" charset="0"/>
+              <a:cs typeface="Segoe UI" panose="020B0502040204020203" pitchFamily="34" charset="0"/>
+            </a:endParaRPr>
+          </a:p>
+          <a:p>
+            <a:pPr algn="just"/>
+            <a:r>
+              <a:rPr lang="en-US" sz="1750" dirty="0">
+                <a:latin typeface="Segoe UI" panose="020B0502040204020203" pitchFamily="34" charset="0"/>
+                <a:cs typeface="Segoe UI" panose="020B0502040204020203" pitchFamily="34" charset="0"/>
+              </a:rPr>
+              <a:t>In addition to the arguments, each invocation has another value: the </a:t>
+            </a:r>
+            <a:r>
+              <a:rPr lang="en-US" sz="1750" b="1" dirty="0">
+                <a:latin typeface="Segoe UI" panose="020B0502040204020203" pitchFamily="34" charset="0"/>
+                <a:cs typeface="Segoe UI" panose="020B0502040204020203" pitchFamily="34" charset="0"/>
+              </a:rPr>
+              <a:t>invocation context</a:t>
+            </a:r>
+            <a:r>
+              <a:rPr lang="en-US" sz="1750" dirty="0">
+                <a:latin typeface="Segoe UI" panose="020B0502040204020203" pitchFamily="34" charset="0"/>
+                <a:cs typeface="Segoe UI" panose="020B0502040204020203" pitchFamily="34" charset="0"/>
+              </a:rPr>
+              <a:t> that is the value of the this keyword</a:t>
+            </a:r>
+            <a:endParaRPr lang="en-US" sz="1750" dirty="0">
+              <a:solidFill>
+                <a:schemeClr val="tx1">
+                  <a:lumMod val="85000"/>
+                  <a:lumOff val="15000"/>
+                </a:schemeClr>
+              </a:solidFill>
+              <a:latin typeface="Segoe UI" panose="020B0502040204020203" pitchFamily="34" charset="0"/>
+              <a:cs typeface="Segoe UI" panose="020B0502040204020203" pitchFamily="34" charset="0"/>
+            </a:endParaRPr>
+          </a:p>
+          <a:p>
+            <a:pPr algn="just"/>
+            <a:endParaRPr lang="en-US" sz="1750" dirty="0">
+              <a:solidFill>
+                <a:schemeClr val="tx1">
+                  <a:lumMod val="85000"/>
+                  <a:lumOff val="15000"/>
+                </a:schemeClr>
+              </a:solidFill>
+              <a:latin typeface="Segoe UI" panose="020B0502040204020203" pitchFamily="34" charset="0"/>
+              <a:cs typeface="Segoe UI" panose="020B0502040204020203" pitchFamily="34" charset="0"/>
+            </a:endParaRPr>
+          </a:p>
+          <a:p>
+            <a:pPr algn="just"/>
+            <a:r>
+              <a:rPr lang="en-US" sz="1750" dirty="0">
+                <a:latin typeface="Segoe UI" panose="020B0502040204020203" pitchFamily="34" charset="0"/>
+                <a:cs typeface="Segoe UI" panose="020B0502040204020203" pitchFamily="34" charset="0"/>
+              </a:rPr>
+              <a:t>If a function is assigned to the property of an object, it is known as a </a:t>
+            </a:r>
+            <a:r>
+              <a:rPr lang="en-US" sz="1750" b="1" dirty="0">
+                <a:latin typeface="Segoe UI" panose="020B0502040204020203" pitchFamily="34" charset="0"/>
+                <a:cs typeface="Segoe UI" panose="020B0502040204020203" pitchFamily="34" charset="0"/>
+              </a:rPr>
+              <a:t>method</a:t>
+            </a:r>
+            <a:r>
+              <a:rPr lang="en-US" sz="1750" dirty="0">
+                <a:latin typeface="Segoe UI" panose="020B0502040204020203" pitchFamily="34" charset="0"/>
+                <a:cs typeface="Segoe UI" panose="020B0502040204020203" pitchFamily="34" charset="0"/>
+              </a:rPr>
+              <a:t> of that object.</a:t>
+            </a:r>
+          </a:p>
+          <a:p>
+            <a:pPr algn="just"/>
+            <a:endParaRPr lang="en-US" sz="1750" dirty="0">
+              <a:latin typeface="Segoe UI" panose="020B0502040204020203" pitchFamily="34" charset="0"/>
+              <a:cs typeface="Segoe UI" panose="020B0502040204020203" pitchFamily="34" charset="0"/>
+            </a:endParaRPr>
+          </a:p>
+          <a:p>
+            <a:pPr algn="just"/>
+            <a:r>
+              <a:rPr lang="en-US" sz="1750" dirty="0">
+                <a:latin typeface="Segoe UI" panose="020B0502040204020203" pitchFamily="34" charset="0"/>
+                <a:cs typeface="Segoe UI" panose="020B0502040204020203" pitchFamily="34" charset="0"/>
+              </a:rPr>
+              <a:t>JavaScript function definitions can be nested within other functions, and they have access to any variables that are in scope where they are defined. This means that JavaScript functions are </a:t>
+            </a:r>
+            <a:r>
+              <a:rPr lang="en-US" sz="1750" b="1" dirty="0">
+                <a:latin typeface="Segoe UI" panose="020B0502040204020203" pitchFamily="34" charset="0"/>
+                <a:cs typeface="Segoe UI" panose="020B0502040204020203" pitchFamily="34" charset="0"/>
+              </a:rPr>
+              <a:t>closures</a:t>
+            </a:r>
+            <a:r>
+              <a:rPr lang="en-US" sz="1750" dirty="0">
+                <a:latin typeface="Segoe UI" panose="020B0502040204020203" pitchFamily="34" charset="0"/>
+                <a:cs typeface="Segoe UI" panose="020B0502040204020203" pitchFamily="34" charset="0"/>
+              </a:rPr>
+              <a:t>.</a:t>
+            </a:r>
+          </a:p>
+          <a:p>
+            <a:pPr algn="just"/>
+            <a:endParaRPr lang="en-US" sz="1750" dirty="0">
+              <a:latin typeface="Segoe UI" panose="020B0502040204020203" pitchFamily="34" charset="0"/>
+              <a:cs typeface="Segoe UI" panose="020B0502040204020203" pitchFamily="34" charset="0"/>
+            </a:endParaRPr>
+          </a:p>
+        </p:txBody>
+      </p:sp>
+    </p:spTree>
+    <p:extLst>
+      <p:ext uri="{BB962C8B-B14F-4D97-AF65-F5344CB8AC3E}">
+        <p14:creationId xmlns:p14="http://schemas.microsoft.com/office/powerpoint/2010/main" val="2215073328"/>
+      </p:ext>
+    </p:extLst>
+  </p:cSld>
+  <p:clrMapOvr>
+    <a:masterClrMapping/>
+  </p:clrMapOvr>
+</p:sld>
+</file>
+
+<file path=ppt/slides/slide20.xml><?xml version="1.0" encoding="utf-8"?>
+<p:sld xmlns:a="http://schemas.openxmlformats.org/drawingml/2006/main" xmlns:r="http://schemas.openxmlformats.org/officeDocument/2006/relationships" xmlns:p="http://schemas.openxmlformats.org/presentationml/2006/main">
+  <p:cSld>
+    <p:spTree>
+      <p:nvGrpSpPr>
+        <p:cNvPr id="1" name=""/>
+        <p:cNvGrpSpPr/>
+        <p:nvPr/>
+      </p:nvGrpSpPr>
+      <p:grpSpPr>
+        <a:xfrm>
+          <a:off x="0" y="0"/>
+          <a:ext cx="0" cy="0"/>
+          <a:chOff x="0" y="0"/>
+          <a:chExt cx="0" cy="0"/>
+        </a:xfrm>
+      </p:grpSpPr>
+      <p:sp>
+        <p:nvSpPr>
+          <p:cNvPr id="12" name="TextBox 11">
+            <a:extLst>
+              <a:ext uri="{FF2B5EF4-FFF2-40B4-BE49-F238E27FC236}">
+                <a16:creationId xmlns:a16="http://schemas.microsoft.com/office/drawing/2014/main" id="{4A84A252-15C0-40F0-8326-05C2B2D5FB3E}"/>
+              </a:ext>
+            </a:extLst>
+          </p:cNvPr>
+          <p:cNvSpPr txBox="1"/>
+          <p:nvPr/>
+        </p:nvSpPr>
+        <p:spPr>
+          <a:xfrm>
+            <a:off x="1507066" y="1625757"/>
+            <a:ext cx="9616652" cy="646331"/>
+          </a:xfrm>
+          <a:prstGeom prst="rect">
+            <a:avLst/>
+          </a:prstGeom>
+          <a:noFill/>
+        </p:spPr>
+        <p:txBody>
+          <a:bodyPr wrap="square">
+            <a:spAutoFit/>
+          </a:bodyPr>
+          <a:lstStyle/>
+          <a:p>
+            <a:r>
+              <a:rPr lang="en-US" dirty="0">
+                <a:latin typeface="Segoe UI" panose="020B0502040204020203" pitchFamily="34" charset="0"/>
+                <a:cs typeface="Segoe UI" panose="020B0502040204020203" pitchFamily="34" charset="0"/>
+              </a:rPr>
+              <a:t>In a </a:t>
+            </a:r>
+            <a:r>
+              <a:rPr lang="en-US" b="1" dirty="0">
+                <a:latin typeface="Segoe UI" panose="020B0502040204020203" pitchFamily="34" charset="0"/>
+                <a:cs typeface="Segoe UI" panose="020B0502040204020203" pitchFamily="34" charset="0"/>
+              </a:rPr>
+              <a:t>method-invocation</a:t>
+            </a:r>
+            <a:r>
+              <a:rPr lang="en-US" dirty="0">
+                <a:latin typeface="Segoe UI" panose="020B0502040204020203" pitchFamily="34" charset="0"/>
+                <a:cs typeface="Segoe UI" panose="020B0502040204020203" pitchFamily="34" charset="0"/>
+              </a:rPr>
+              <a:t> expression, the </a:t>
+            </a:r>
+            <a:r>
+              <a:rPr lang="en-US" b="1" dirty="0">
+                <a:latin typeface="Segoe UI" panose="020B0502040204020203" pitchFamily="34" charset="0"/>
+                <a:cs typeface="Segoe UI" panose="020B0502040204020203" pitchFamily="34" charset="0"/>
+              </a:rPr>
+              <a:t>object o</a:t>
+            </a:r>
+            <a:r>
+              <a:rPr lang="en-US" dirty="0">
+                <a:latin typeface="Segoe UI" panose="020B0502040204020203" pitchFamily="34" charset="0"/>
+                <a:cs typeface="Segoe UI" panose="020B0502040204020203" pitchFamily="34" charset="0"/>
+              </a:rPr>
+              <a:t> becomes the </a:t>
+            </a:r>
+            <a:r>
+              <a:rPr lang="en-US" b="1" dirty="0">
+                <a:latin typeface="Segoe UI" panose="020B0502040204020203" pitchFamily="34" charset="0"/>
+                <a:cs typeface="Segoe UI" panose="020B0502040204020203" pitchFamily="34" charset="0"/>
+              </a:rPr>
+              <a:t>invocation context</a:t>
+            </a:r>
+            <a:r>
+              <a:rPr lang="en-US" dirty="0">
+                <a:latin typeface="Segoe UI" panose="020B0502040204020203" pitchFamily="34" charset="0"/>
+                <a:cs typeface="Segoe UI" panose="020B0502040204020203" pitchFamily="34" charset="0"/>
+              </a:rPr>
+              <a:t>, and the function body can refer to that object by using the keyword this.</a:t>
+            </a:r>
+          </a:p>
+        </p:txBody>
+      </p:sp>
+      <p:sp>
+        <p:nvSpPr>
+          <p:cNvPr id="2" name="Title 1">
+            <a:extLst>
+              <a:ext uri="{FF2B5EF4-FFF2-40B4-BE49-F238E27FC236}">
+                <a16:creationId xmlns:a16="http://schemas.microsoft.com/office/drawing/2014/main" id="{2D4E4121-CDC8-41BA-846E-58655BA90FCF}"/>
+              </a:ext>
+            </a:extLst>
+          </p:cNvPr>
+          <p:cNvSpPr>
+            <a:spLocks noGrp="1"/>
+          </p:cNvSpPr>
+          <p:nvPr>
+            <p:ph type="ctrTitle"/>
+          </p:nvPr>
+        </p:nvSpPr>
+        <p:spPr>
+          <a:xfrm>
+            <a:off x="1507067" y="345351"/>
+            <a:ext cx="7766936" cy="970133"/>
+          </a:xfrm>
+        </p:spPr>
+        <p:txBody>
+          <a:bodyPr/>
+          <a:lstStyle/>
+          <a:p>
+            <a:pPr algn="l"/>
+            <a:r>
+              <a:rPr lang="en-US" dirty="0">
+                <a:solidFill>
+                  <a:schemeClr val="tx1">
+                    <a:lumMod val="85000"/>
+                    <a:lumOff val="15000"/>
+                  </a:schemeClr>
+                </a:solidFill>
+                <a:latin typeface="Segoe UI" panose="020B0502040204020203" pitchFamily="34" charset="0"/>
+                <a:cs typeface="Segoe UI" panose="020B0502040204020203" pitchFamily="34" charset="0"/>
+              </a:rPr>
+              <a:t>JS| </a:t>
+            </a:r>
+            <a:r>
+              <a:rPr lang="en-US" sz="3200" b="1" dirty="0">
+                <a:solidFill>
+                  <a:schemeClr val="tx1">
+                    <a:lumMod val="85000"/>
+                    <a:lumOff val="15000"/>
+                  </a:schemeClr>
+                </a:solidFill>
+                <a:latin typeface="Segoe UI" panose="020B0502040204020203" pitchFamily="34" charset="0"/>
+                <a:cs typeface="Segoe UI" panose="020B0502040204020203" pitchFamily="34" charset="0"/>
+              </a:rPr>
+              <a:t>Method Invocation</a:t>
+            </a:r>
+            <a:endParaRPr lang="en-US" b="1" dirty="0">
+              <a:solidFill>
+                <a:schemeClr val="tx1">
+                  <a:lumMod val="85000"/>
+                  <a:lumOff val="15000"/>
+                </a:schemeClr>
+              </a:solidFill>
+              <a:latin typeface="Segoe UI" panose="020B0502040204020203" pitchFamily="34" charset="0"/>
+              <a:cs typeface="Segoe UI" panose="020B0502040204020203" pitchFamily="34" charset="0"/>
+            </a:endParaRPr>
+          </a:p>
+        </p:txBody>
+      </p:sp>
+      <p:sp>
+        <p:nvSpPr>
+          <p:cNvPr id="9" name="TextBox 8">
+            <a:extLst>
+              <a:ext uri="{FF2B5EF4-FFF2-40B4-BE49-F238E27FC236}">
+                <a16:creationId xmlns:a16="http://schemas.microsoft.com/office/drawing/2014/main" id="{EE310257-00FD-489C-BF77-40611F17007C}"/>
+              </a:ext>
+            </a:extLst>
+          </p:cNvPr>
+          <p:cNvSpPr txBox="1"/>
+          <p:nvPr/>
+        </p:nvSpPr>
+        <p:spPr>
+          <a:xfrm>
+            <a:off x="1507064" y="2582361"/>
+            <a:ext cx="5621705" cy="2308324"/>
+          </a:xfrm>
+          <a:prstGeom prst="rect">
+            <a:avLst/>
+          </a:prstGeom>
+          <a:noFill/>
+          <a:ln w="57150">
+            <a:solidFill>
+              <a:srgbClr val="0070C0"/>
+            </a:solidFill>
+          </a:ln>
+        </p:spPr>
+        <p:txBody>
+          <a:bodyPr wrap="square">
+            <a:spAutoFit/>
+          </a:bodyPr>
+          <a:lstStyle/>
+          <a:p>
+            <a:r>
+              <a:rPr lang="en-US" dirty="0">
+                <a:latin typeface="Segoe UI" panose="020B0502040204020203" pitchFamily="34" charset="0"/>
+                <a:cs typeface="Segoe UI" panose="020B0502040204020203" pitchFamily="34" charset="0"/>
+              </a:rPr>
+              <a:t>let calculator = {</a:t>
+            </a:r>
+          </a:p>
+          <a:p>
+            <a:r>
+              <a:rPr lang="en-US" dirty="0">
+                <a:latin typeface="Segoe UI" panose="020B0502040204020203" pitchFamily="34" charset="0"/>
+                <a:cs typeface="Segoe UI" panose="020B0502040204020203" pitchFamily="34" charset="0"/>
+              </a:rPr>
+              <a:t>	operand1: 1, </a:t>
+            </a:r>
+          </a:p>
+          <a:p>
+            <a:r>
+              <a:rPr lang="en-US" dirty="0">
+                <a:latin typeface="Segoe UI" panose="020B0502040204020203" pitchFamily="34" charset="0"/>
+                <a:cs typeface="Segoe UI" panose="020B0502040204020203" pitchFamily="34" charset="0"/>
+              </a:rPr>
+              <a:t>	operand2: 1, </a:t>
+            </a:r>
+          </a:p>
+          <a:p>
+            <a:endParaRPr lang="en-US" dirty="0">
+              <a:latin typeface="Segoe UI" panose="020B0502040204020203" pitchFamily="34" charset="0"/>
+              <a:cs typeface="Segoe UI" panose="020B0502040204020203" pitchFamily="34" charset="0"/>
+            </a:endParaRPr>
+          </a:p>
+          <a:p>
+            <a:r>
+              <a:rPr lang="en-US" dirty="0">
+                <a:latin typeface="Segoe UI" panose="020B0502040204020203" pitchFamily="34" charset="0"/>
+                <a:cs typeface="Segoe UI" panose="020B0502040204020203" pitchFamily="34" charset="0"/>
+              </a:rPr>
+              <a:t>	add() {	</a:t>
+            </a:r>
+          </a:p>
+          <a:p>
+            <a:r>
+              <a:rPr lang="en-US" dirty="0">
+                <a:latin typeface="Segoe UI" panose="020B0502040204020203" pitchFamily="34" charset="0"/>
+                <a:cs typeface="Segoe UI" panose="020B0502040204020203" pitchFamily="34" charset="0"/>
+              </a:rPr>
+              <a:t>		</a:t>
+            </a:r>
+            <a:r>
+              <a:rPr lang="en-US" dirty="0" err="1">
+                <a:latin typeface="Segoe UI" panose="020B0502040204020203" pitchFamily="34" charset="0"/>
+                <a:cs typeface="Segoe UI" panose="020B0502040204020203" pitchFamily="34" charset="0"/>
+              </a:rPr>
+              <a:t>this.result</a:t>
+            </a:r>
+            <a:r>
+              <a:rPr lang="en-US" dirty="0">
+                <a:latin typeface="Segoe UI" panose="020B0502040204020203" pitchFamily="34" charset="0"/>
+                <a:cs typeface="Segoe UI" panose="020B0502040204020203" pitchFamily="34" charset="0"/>
+              </a:rPr>
+              <a:t> = this.operand1 + this.operand2; </a:t>
+            </a:r>
+          </a:p>
+          <a:p>
+            <a:r>
+              <a:rPr lang="en-US" dirty="0">
+                <a:latin typeface="Segoe UI" panose="020B0502040204020203" pitchFamily="34" charset="0"/>
+                <a:cs typeface="Segoe UI" panose="020B0502040204020203" pitchFamily="34" charset="0"/>
+              </a:rPr>
+              <a:t>	} </a:t>
+            </a:r>
+          </a:p>
+          <a:p>
+            <a:r>
+              <a:rPr lang="en-US" dirty="0">
+                <a:latin typeface="Segoe UI" panose="020B0502040204020203" pitchFamily="34" charset="0"/>
+                <a:cs typeface="Segoe UI" panose="020B0502040204020203" pitchFamily="34" charset="0"/>
+              </a:rPr>
+              <a:t>}; </a:t>
+            </a:r>
+          </a:p>
+        </p:txBody>
+      </p:sp>
+      <p:sp>
+        <p:nvSpPr>
+          <p:cNvPr id="13" name="TextBox 12">
+            <a:extLst>
+              <a:ext uri="{FF2B5EF4-FFF2-40B4-BE49-F238E27FC236}">
+                <a16:creationId xmlns:a16="http://schemas.microsoft.com/office/drawing/2014/main" id="{B57AD1A7-08FF-47E3-B668-6FBEA766F86F}"/>
+              </a:ext>
+            </a:extLst>
+          </p:cNvPr>
+          <p:cNvSpPr txBox="1"/>
+          <p:nvPr/>
+        </p:nvSpPr>
+        <p:spPr>
+          <a:xfrm>
+            <a:off x="1507064" y="5200958"/>
+            <a:ext cx="5621705" cy="646331"/>
+          </a:xfrm>
+          <a:prstGeom prst="rect">
+            <a:avLst/>
+          </a:prstGeom>
+          <a:noFill/>
+          <a:ln w="57150">
+            <a:solidFill>
+              <a:srgbClr val="0070C0"/>
+            </a:solidFill>
+          </a:ln>
+        </p:spPr>
+        <p:txBody>
+          <a:bodyPr wrap="square">
+            <a:spAutoFit/>
+          </a:bodyPr>
+          <a:lstStyle/>
+          <a:p>
+            <a:r>
+              <a:rPr lang="en-US" dirty="0" err="1">
+                <a:latin typeface="Segoe UI" panose="020B0502040204020203" pitchFamily="34" charset="0"/>
+                <a:cs typeface="Segoe UI" panose="020B0502040204020203" pitchFamily="34" charset="0"/>
+              </a:rPr>
+              <a:t>calculator.add</a:t>
+            </a:r>
+            <a:r>
+              <a:rPr lang="en-US" dirty="0">
+                <a:latin typeface="Segoe UI" panose="020B0502040204020203" pitchFamily="34" charset="0"/>
+                <a:cs typeface="Segoe UI" panose="020B0502040204020203" pitchFamily="34" charset="0"/>
+              </a:rPr>
+              <a:t>(); </a:t>
+            </a:r>
+          </a:p>
+          <a:p>
+            <a:r>
+              <a:rPr lang="en-US" dirty="0" err="1">
+                <a:latin typeface="Segoe UI" panose="020B0502040204020203" pitchFamily="34" charset="0"/>
+                <a:cs typeface="Segoe UI" panose="020B0502040204020203" pitchFamily="34" charset="0"/>
+              </a:rPr>
+              <a:t>calculator.result</a:t>
+            </a:r>
+            <a:r>
+              <a:rPr lang="en-US" dirty="0">
+                <a:latin typeface="Segoe UI" panose="020B0502040204020203" pitchFamily="34" charset="0"/>
+                <a:cs typeface="Segoe UI" panose="020B0502040204020203" pitchFamily="34" charset="0"/>
+              </a:rPr>
+              <a:t> // = &gt; 2</a:t>
+            </a:r>
+          </a:p>
+        </p:txBody>
+      </p:sp>
+    </p:spTree>
+    <p:extLst>
+      <p:ext uri="{BB962C8B-B14F-4D97-AF65-F5344CB8AC3E}">
+        <p14:creationId xmlns:p14="http://schemas.microsoft.com/office/powerpoint/2010/main" val="715659936"/>
+      </p:ext>
+    </p:extLst>
+  </p:cSld>
+  <p:clrMapOvr>
+    <a:masterClrMapping/>
+  </p:clrMapOvr>
+</p:sld>
+</file>
+
+<file path=ppt/slides/slide21.xml><?xml version="1.0" encoding="utf-8"?>
+<p:sld xmlns:a="http://schemas.openxmlformats.org/drawingml/2006/main" xmlns:r="http://schemas.openxmlformats.org/officeDocument/2006/relationships" xmlns:p="http://schemas.openxmlformats.org/presentationml/2006/main">
+  <p:cSld>
+    <p:spTree>
+      <p:nvGrpSpPr>
+        <p:cNvPr id="1" name=""/>
+        <p:cNvGrpSpPr/>
+        <p:nvPr/>
+      </p:nvGrpSpPr>
+      <p:grpSpPr>
+        <a:xfrm>
+          <a:off x="0" y="0"/>
+          <a:ext cx="0" cy="0"/>
+          <a:chOff x="0" y="0"/>
+          <a:chExt cx="0" cy="0"/>
+        </a:xfrm>
+      </p:grpSpPr>
+      <p:sp>
+        <p:nvSpPr>
+          <p:cNvPr id="12" name="TextBox 11">
+            <a:extLst>
+              <a:ext uri="{FF2B5EF4-FFF2-40B4-BE49-F238E27FC236}">
+                <a16:creationId xmlns:a16="http://schemas.microsoft.com/office/drawing/2014/main" id="{4A84A252-15C0-40F0-8326-05C2B2D5FB3E}"/>
+              </a:ext>
+            </a:extLst>
+          </p:cNvPr>
+          <p:cNvSpPr txBox="1"/>
+          <p:nvPr/>
+        </p:nvSpPr>
+        <p:spPr>
+          <a:xfrm>
+            <a:off x="1507066" y="1625757"/>
+            <a:ext cx="9616652" cy="646331"/>
+          </a:xfrm>
+          <a:prstGeom prst="rect">
+            <a:avLst/>
+          </a:prstGeom>
+          <a:noFill/>
+        </p:spPr>
+        <p:txBody>
+          <a:bodyPr wrap="square">
+            <a:spAutoFit/>
+          </a:bodyPr>
+          <a:lstStyle/>
+          <a:p>
+            <a:r>
+              <a:rPr lang="en-US" dirty="0">
+                <a:latin typeface="Segoe UI" panose="020B0502040204020203" pitchFamily="34" charset="0"/>
+                <a:cs typeface="Segoe UI" panose="020B0502040204020203" pitchFamily="34" charset="0"/>
+              </a:rPr>
+              <a:t>If a function or method invocation is preceded by the keyword </a:t>
+            </a:r>
+            <a:r>
+              <a:rPr lang="en-US" b="1" dirty="0">
+                <a:latin typeface="Segoe UI" panose="020B0502040204020203" pitchFamily="34" charset="0"/>
+                <a:cs typeface="Segoe UI" panose="020B0502040204020203" pitchFamily="34" charset="0"/>
+              </a:rPr>
+              <a:t>new</a:t>
+            </a:r>
+            <a:r>
+              <a:rPr lang="en-US" dirty="0">
+                <a:latin typeface="Segoe UI" panose="020B0502040204020203" pitchFamily="34" charset="0"/>
+                <a:cs typeface="Segoe UI" panose="020B0502040204020203" pitchFamily="34" charset="0"/>
+              </a:rPr>
+              <a:t>, then it is a </a:t>
+            </a:r>
+            <a:r>
+              <a:rPr lang="en-US" b="1" dirty="0">
+                <a:latin typeface="Segoe UI" panose="020B0502040204020203" pitchFamily="34" charset="0"/>
+                <a:cs typeface="Segoe UI" panose="020B0502040204020203" pitchFamily="34" charset="0"/>
+              </a:rPr>
+              <a:t>constructor</a:t>
+            </a:r>
+            <a:r>
+              <a:rPr lang="en-US" dirty="0">
+                <a:latin typeface="Segoe UI" panose="020B0502040204020203" pitchFamily="34" charset="0"/>
+                <a:cs typeface="Segoe UI" panose="020B0502040204020203" pitchFamily="34" charset="0"/>
+              </a:rPr>
+              <a:t> </a:t>
+            </a:r>
+            <a:r>
+              <a:rPr lang="en-US" b="1" dirty="0">
+                <a:latin typeface="Segoe UI" panose="020B0502040204020203" pitchFamily="34" charset="0"/>
+                <a:cs typeface="Segoe UI" panose="020B0502040204020203" pitchFamily="34" charset="0"/>
+              </a:rPr>
+              <a:t>invocation</a:t>
+            </a:r>
+            <a:r>
+              <a:rPr lang="en-US" dirty="0">
+                <a:latin typeface="Segoe UI" panose="020B0502040204020203" pitchFamily="34" charset="0"/>
+                <a:cs typeface="Segoe UI" panose="020B0502040204020203" pitchFamily="34" charset="0"/>
+              </a:rPr>
+              <a:t>.</a:t>
+            </a:r>
+          </a:p>
+        </p:txBody>
+      </p:sp>
+      <p:sp>
+        <p:nvSpPr>
+          <p:cNvPr id="2" name="Title 1">
+            <a:extLst>
+              <a:ext uri="{FF2B5EF4-FFF2-40B4-BE49-F238E27FC236}">
+                <a16:creationId xmlns:a16="http://schemas.microsoft.com/office/drawing/2014/main" id="{2D4E4121-CDC8-41BA-846E-58655BA90FCF}"/>
+              </a:ext>
+            </a:extLst>
+          </p:cNvPr>
+          <p:cNvSpPr>
+            <a:spLocks noGrp="1"/>
+          </p:cNvSpPr>
+          <p:nvPr>
+            <p:ph type="ctrTitle"/>
+          </p:nvPr>
+        </p:nvSpPr>
+        <p:spPr>
+          <a:xfrm>
+            <a:off x="1507067" y="345351"/>
+            <a:ext cx="7766936" cy="970133"/>
+          </a:xfrm>
+        </p:spPr>
+        <p:txBody>
+          <a:bodyPr/>
+          <a:lstStyle/>
+          <a:p>
+            <a:pPr algn="l"/>
+            <a:r>
+              <a:rPr lang="en-US" dirty="0">
+                <a:solidFill>
+                  <a:schemeClr val="tx1">
+                    <a:lumMod val="85000"/>
+                    <a:lumOff val="15000"/>
+                  </a:schemeClr>
+                </a:solidFill>
+                <a:latin typeface="Segoe UI" panose="020B0502040204020203" pitchFamily="34" charset="0"/>
+                <a:cs typeface="Segoe UI" panose="020B0502040204020203" pitchFamily="34" charset="0"/>
+              </a:rPr>
+              <a:t>JS| </a:t>
+            </a:r>
+            <a:r>
+              <a:rPr lang="en-US" sz="3200" b="1" dirty="0">
+                <a:solidFill>
+                  <a:schemeClr val="tx1">
+                    <a:lumMod val="85000"/>
+                    <a:lumOff val="15000"/>
+                  </a:schemeClr>
+                </a:solidFill>
+                <a:latin typeface="Segoe UI" panose="020B0502040204020203" pitchFamily="34" charset="0"/>
+                <a:cs typeface="Segoe UI" panose="020B0502040204020203" pitchFamily="34" charset="0"/>
+              </a:rPr>
+              <a:t>Constructor Invocation</a:t>
+            </a:r>
+            <a:endParaRPr lang="en-US" b="1" dirty="0">
+              <a:solidFill>
+                <a:schemeClr val="tx1">
+                  <a:lumMod val="85000"/>
+                  <a:lumOff val="15000"/>
+                </a:schemeClr>
+              </a:solidFill>
+              <a:latin typeface="Segoe UI" panose="020B0502040204020203" pitchFamily="34" charset="0"/>
+              <a:cs typeface="Segoe UI" panose="020B0502040204020203" pitchFamily="34" charset="0"/>
+            </a:endParaRPr>
+          </a:p>
+        </p:txBody>
+      </p:sp>
+      <p:sp>
+        <p:nvSpPr>
+          <p:cNvPr id="13" name="TextBox 12">
+            <a:extLst>
+              <a:ext uri="{FF2B5EF4-FFF2-40B4-BE49-F238E27FC236}">
+                <a16:creationId xmlns:a16="http://schemas.microsoft.com/office/drawing/2014/main" id="{B57AD1A7-08FF-47E3-B668-6FBEA766F86F}"/>
+              </a:ext>
+            </a:extLst>
+          </p:cNvPr>
+          <p:cNvSpPr txBox="1"/>
+          <p:nvPr/>
+        </p:nvSpPr>
+        <p:spPr>
+          <a:xfrm>
+            <a:off x="1507067" y="2582361"/>
+            <a:ext cx="2416864" cy="369332"/>
+          </a:xfrm>
+          <a:prstGeom prst="rect">
+            <a:avLst/>
+          </a:prstGeom>
+          <a:noFill/>
+          <a:ln w="57150">
+            <a:solidFill>
+              <a:srgbClr val="0070C0"/>
+            </a:solidFill>
+          </a:ln>
+        </p:spPr>
+        <p:txBody>
+          <a:bodyPr wrap="square">
+            <a:spAutoFit/>
+          </a:bodyPr>
+          <a:lstStyle/>
+          <a:p>
+            <a:r>
+              <a:rPr lang="en-US" dirty="0">
+                <a:latin typeface="Segoe UI" panose="020B0502040204020203" pitchFamily="34" charset="0"/>
+                <a:cs typeface="Segoe UI" panose="020B0502040204020203" pitchFamily="34" charset="0"/>
+              </a:rPr>
+              <a:t>o = new Object(); </a:t>
+            </a:r>
+          </a:p>
+        </p:txBody>
+      </p:sp>
+      <p:sp>
+        <p:nvSpPr>
+          <p:cNvPr id="6" name="TextBox 5">
+            <a:extLst>
+              <a:ext uri="{FF2B5EF4-FFF2-40B4-BE49-F238E27FC236}">
+                <a16:creationId xmlns:a16="http://schemas.microsoft.com/office/drawing/2014/main" id="{8D59F9AC-66F6-4561-A411-4453AA0CF7F8}"/>
+              </a:ext>
+            </a:extLst>
+          </p:cNvPr>
+          <p:cNvSpPr txBox="1"/>
+          <p:nvPr/>
+        </p:nvSpPr>
+        <p:spPr>
+          <a:xfrm>
+            <a:off x="1507066" y="3261966"/>
+            <a:ext cx="2416864" cy="369332"/>
+          </a:xfrm>
+          <a:prstGeom prst="rect">
+            <a:avLst/>
+          </a:prstGeom>
+          <a:noFill/>
+          <a:ln w="57150">
+            <a:solidFill>
+              <a:srgbClr val="0070C0"/>
+            </a:solidFill>
+          </a:ln>
+        </p:spPr>
+        <p:txBody>
+          <a:bodyPr wrap="square">
+            <a:spAutoFit/>
+          </a:bodyPr>
+          <a:lstStyle/>
+          <a:p>
+            <a:r>
+              <a:rPr lang="en-US" dirty="0">
+                <a:latin typeface="Segoe UI" panose="020B0502040204020203" pitchFamily="34" charset="0"/>
+                <a:cs typeface="Segoe UI" panose="020B0502040204020203" pitchFamily="34" charset="0"/>
+              </a:rPr>
+              <a:t>o = new Object;</a:t>
+            </a:r>
+          </a:p>
+        </p:txBody>
+      </p:sp>
+      <p:sp>
+        <p:nvSpPr>
+          <p:cNvPr id="8" name="TextBox 7">
+            <a:extLst>
+              <a:ext uri="{FF2B5EF4-FFF2-40B4-BE49-F238E27FC236}">
+                <a16:creationId xmlns:a16="http://schemas.microsoft.com/office/drawing/2014/main" id="{C98CABDE-EC82-43B3-A1E4-0E57E4DB3E09}"/>
+              </a:ext>
+            </a:extLst>
+          </p:cNvPr>
+          <p:cNvSpPr txBox="1"/>
+          <p:nvPr/>
+        </p:nvSpPr>
+        <p:spPr>
+          <a:xfrm>
+            <a:off x="1507065" y="3941571"/>
+            <a:ext cx="9616651" cy="646331"/>
+          </a:xfrm>
+          <a:prstGeom prst="rect">
+            <a:avLst/>
+          </a:prstGeom>
+          <a:noFill/>
+        </p:spPr>
+        <p:txBody>
+          <a:bodyPr wrap="square">
+            <a:spAutoFit/>
+          </a:bodyPr>
+          <a:lstStyle/>
+          <a:p>
+            <a:r>
+              <a:rPr lang="en-US" dirty="0">
+                <a:latin typeface="Segoe UI" panose="020B0502040204020203" pitchFamily="34" charset="0"/>
+                <a:cs typeface="Segoe UI" panose="020B0502040204020203" pitchFamily="34" charset="0"/>
+              </a:rPr>
+              <a:t>A constructor invocation </a:t>
+            </a:r>
+            <a:r>
+              <a:rPr lang="en-US" b="1" dirty="0">
+                <a:latin typeface="Segoe UI" panose="020B0502040204020203" pitchFamily="34" charset="0"/>
+                <a:cs typeface="Segoe UI" panose="020B0502040204020203" pitchFamily="34" charset="0"/>
+              </a:rPr>
+              <a:t>creates</a:t>
+            </a:r>
+            <a:r>
+              <a:rPr lang="en-US" dirty="0">
+                <a:latin typeface="Segoe UI" panose="020B0502040204020203" pitchFamily="34" charset="0"/>
+                <a:cs typeface="Segoe UI" panose="020B0502040204020203" pitchFamily="34" charset="0"/>
+              </a:rPr>
+              <a:t> a </a:t>
+            </a:r>
+            <a:r>
+              <a:rPr lang="en-US" b="1" dirty="0">
+                <a:latin typeface="Segoe UI" panose="020B0502040204020203" pitchFamily="34" charset="0"/>
+                <a:cs typeface="Segoe UI" panose="020B0502040204020203" pitchFamily="34" charset="0"/>
+              </a:rPr>
+              <a:t>new object</a:t>
+            </a:r>
+            <a:r>
+              <a:rPr lang="en-US" dirty="0">
+                <a:latin typeface="Segoe UI" panose="020B0502040204020203" pitchFamily="34" charset="0"/>
+                <a:cs typeface="Segoe UI" panose="020B0502040204020203" pitchFamily="34" charset="0"/>
+              </a:rPr>
+              <a:t> that </a:t>
+            </a:r>
+            <a:r>
+              <a:rPr lang="en-US" b="1" dirty="0">
+                <a:latin typeface="Segoe UI" panose="020B0502040204020203" pitchFamily="34" charset="0"/>
+                <a:cs typeface="Segoe UI" panose="020B0502040204020203" pitchFamily="34" charset="0"/>
+              </a:rPr>
+              <a:t>inherits</a:t>
+            </a:r>
+            <a:r>
+              <a:rPr lang="en-US" dirty="0">
+                <a:latin typeface="Segoe UI" panose="020B0502040204020203" pitchFamily="34" charset="0"/>
+                <a:cs typeface="Segoe UI" panose="020B0502040204020203" pitchFamily="34" charset="0"/>
+              </a:rPr>
+              <a:t> from the object specified by the </a:t>
+            </a:r>
+            <a:r>
+              <a:rPr lang="en-US" b="1" dirty="0">
+                <a:latin typeface="Segoe UI" panose="020B0502040204020203" pitchFamily="34" charset="0"/>
+                <a:cs typeface="Segoe UI" panose="020B0502040204020203" pitchFamily="34" charset="0"/>
+              </a:rPr>
+              <a:t>prototype</a:t>
+            </a:r>
+            <a:r>
+              <a:rPr lang="en-US" dirty="0">
+                <a:latin typeface="Segoe UI" panose="020B0502040204020203" pitchFamily="34" charset="0"/>
+                <a:cs typeface="Segoe UI" panose="020B0502040204020203" pitchFamily="34" charset="0"/>
+              </a:rPr>
+              <a:t> </a:t>
+            </a:r>
+            <a:r>
+              <a:rPr lang="en-US" b="1" dirty="0">
+                <a:latin typeface="Segoe UI" panose="020B0502040204020203" pitchFamily="34" charset="0"/>
+                <a:cs typeface="Segoe UI" panose="020B0502040204020203" pitchFamily="34" charset="0"/>
+              </a:rPr>
+              <a:t>property</a:t>
+            </a:r>
+            <a:r>
+              <a:rPr lang="en-US" dirty="0">
+                <a:latin typeface="Segoe UI" panose="020B0502040204020203" pitchFamily="34" charset="0"/>
+                <a:cs typeface="Segoe UI" panose="020B0502040204020203" pitchFamily="34" charset="0"/>
+              </a:rPr>
+              <a:t> of the constructor.</a:t>
+            </a:r>
+          </a:p>
+        </p:txBody>
+      </p:sp>
+      <p:sp>
+        <p:nvSpPr>
+          <p:cNvPr id="10" name="TextBox 9">
+            <a:extLst>
+              <a:ext uri="{FF2B5EF4-FFF2-40B4-BE49-F238E27FC236}">
+                <a16:creationId xmlns:a16="http://schemas.microsoft.com/office/drawing/2014/main" id="{99D67ACF-B73A-492C-AB99-A84242560F99}"/>
+              </a:ext>
+            </a:extLst>
+          </p:cNvPr>
+          <p:cNvSpPr txBox="1"/>
+          <p:nvPr/>
+        </p:nvSpPr>
+        <p:spPr>
+          <a:xfrm>
+            <a:off x="1507065" y="4898175"/>
+            <a:ext cx="9616650" cy="923330"/>
+          </a:xfrm>
+          <a:prstGeom prst="rect">
+            <a:avLst/>
+          </a:prstGeom>
+          <a:noFill/>
+        </p:spPr>
+        <p:txBody>
+          <a:bodyPr wrap="square">
+            <a:spAutoFit/>
+          </a:bodyPr>
+          <a:lstStyle/>
+          <a:p>
+            <a:r>
+              <a:rPr lang="en-US" dirty="0"/>
+              <a:t>Constructor functions are </a:t>
+            </a:r>
+            <a:r>
+              <a:rPr lang="en-US" b="1" dirty="0"/>
+              <a:t>intended</a:t>
+            </a:r>
+            <a:r>
+              <a:rPr lang="en-US" dirty="0"/>
+              <a:t> to </a:t>
+            </a:r>
+            <a:r>
+              <a:rPr lang="en-US" b="1" dirty="0"/>
+              <a:t>initialize</a:t>
+            </a:r>
+            <a:r>
+              <a:rPr lang="en-US" dirty="0"/>
+              <a:t> </a:t>
+            </a:r>
+            <a:r>
+              <a:rPr lang="en-US" b="1" dirty="0"/>
+              <a:t>objects</a:t>
+            </a:r>
+            <a:r>
+              <a:rPr lang="en-US" dirty="0"/>
+              <a:t>, and this </a:t>
+            </a:r>
+            <a:r>
+              <a:rPr lang="en-US" b="1" dirty="0"/>
+              <a:t>newly</a:t>
+            </a:r>
+            <a:r>
+              <a:rPr lang="en-US" dirty="0"/>
+              <a:t> created </a:t>
+            </a:r>
+            <a:r>
+              <a:rPr lang="en-US" b="1" dirty="0"/>
+              <a:t>object</a:t>
+            </a:r>
+            <a:r>
+              <a:rPr lang="en-US" dirty="0"/>
+              <a:t> is used as the </a:t>
+            </a:r>
+            <a:r>
+              <a:rPr lang="en-US" b="1" dirty="0"/>
+              <a:t>invocation context</a:t>
+            </a:r>
+            <a:r>
+              <a:rPr lang="en-US" dirty="0"/>
+              <a:t>, so the constructor function can refer to it with the this keyword.</a:t>
+            </a:r>
+          </a:p>
+        </p:txBody>
+      </p:sp>
+    </p:spTree>
+    <p:extLst>
+      <p:ext uri="{BB962C8B-B14F-4D97-AF65-F5344CB8AC3E}">
+        <p14:creationId xmlns:p14="http://schemas.microsoft.com/office/powerpoint/2010/main" val="1791546865"/>
+      </p:ext>
+    </p:extLst>
+  </p:cSld>
+  <p:clrMapOvr>
+    <a:masterClrMapping/>
+  </p:clrMapOvr>
+</p:sld>
+</file>
+
+<file path=ppt/slides/slide22.xml><?xml version="1.0" encoding="utf-8"?>
+<p:sld xmlns:a="http://schemas.openxmlformats.org/drawingml/2006/main" xmlns:r="http://schemas.openxmlformats.org/officeDocument/2006/relationships" xmlns:p="http://schemas.openxmlformats.org/presentationml/2006/main">
+  <p:cSld>
+    <p:spTree>
+      <p:nvGrpSpPr>
+        <p:cNvPr id="1" name=""/>
+        <p:cNvGrpSpPr/>
+        <p:nvPr/>
+      </p:nvGrpSpPr>
+      <p:grpSpPr>
+        <a:xfrm>
+          <a:off x="0" y="0"/>
+          <a:ext cx="0" cy="0"/>
+          <a:chOff x="0" y="0"/>
+          <a:chExt cx="0" cy="0"/>
+        </a:xfrm>
+      </p:grpSpPr>
+      <p:sp>
+        <p:nvSpPr>
+          <p:cNvPr id="12" name="TextBox 11">
+            <a:extLst>
+              <a:ext uri="{FF2B5EF4-FFF2-40B4-BE49-F238E27FC236}">
+                <a16:creationId xmlns:a16="http://schemas.microsoft.com/office/drawing/2014/main" id="{4A84A252-15C0-40F0-8326-05C2B2D5FB3E}"/>
+              </a:ext>
+            </a:extLst>
+          </p:cNvPr>
+          <p:cNvSpPr txBox="1"/>
+          <p:nvPr/>
+        </p:nvSpPr>
+        <p:spPr>
+          <a:xfrm>
+            <a:off x="1507066" y="1625757"/>
+            <a:ext cx="9616652" cy="369332"/>
+          </a:xfrm>
+          <a:prstGeom prst="rect">
+            <a:avLst/>
+          </a:prstGeom>
+          <a:noFill/>
+        </p:spPr>
+        <p:txBody>
+          <a:bodyPr wrap="square">
+            <a:spAutoFit/>
+          </a:bodyPr>
+          <a:lstStyle/>
+          <a:p>
+            <a:r>
+              <a:rPr lang="en-US" dirty="0">
+                <a:latin typeface="Segoe UI" panose="020B0502040204020203" pitchFamily="34" charset="0"/>
+                <a:cs typeface="Segoe UI" panose="020B0502040204020203" pitchFamily="34" charset="0"/>
+              </a:rPr>
+              <a:t>JavaScript </a:t>
+            </a:r>
+            <a:r>
+              <a:rPr lang="en-US" b="1" dirty="0">
+                <a:latin typeface="Segoe UI" panose="020B0502040204020203" pitchFamily="34" charset="0"/>
+                <a:cs typeface="Segoe UI" panose="020B0502040204020203" pitchFamily="34" charset="0"/>
+              </a:rPr>
+              <a:t>functions</a:t>
+            </a:r>
+            <a:r>
+              <a:rPr lang="en-US" dirty="0">
+                <a:latin typeface="Segoe UI" panose="020B0502040204020203" pitchFamily="34" charset="0"/>
+                <a:cs typeface="Segoe UI" panose="020B0502040204020203" pitchFamily="34" charset="0"/>
+              </a:rPr>
+              <a:t> are </a:t>
+            </a:r>
+            <a:r>
+              <a:rPr lang="en-US" b="1" dirty="0">
+                <a:latin typeface="Segoe UI" panose="020B0502040204020203" pitchFamily="34" charset="0"/>
+                <a:cs typeface="Segoe UI" panose="020B0502040204020203" pitchFamily="34" charset="0"/>
+              </a:rPr>
+              <a:t>objects</a:t>
+            </a:r>
+            <a:r>
+              <a:rPr lang="en-US" dirty="0">
+                <a:latin typeface="Segoe UI" panose="020B0502040204020203" pitchFamily="34" charset="0"/>
+                <a:cs typeface="Segoe UI" panose="020B0502040204020203" pitchFamily="34" charset="0"/>
+              </a:rPr>
+              <a:t>, and like all JavaScript objects, they have </a:t>
+            </a:r>
+            <a:r>
+              <a:rPr lang="en-US" b="1" dirty="0">
+                <a:latin typeface="Segoe UI" panose="020B0502040204020203" pitchFamily="34" charset="0"/>
+                <a:cs typeface="Segoe UI" panose="020B0502040204020203" pitchFamily="34" charset="0"/>
+              </a:rPr>
+              <a:t>methods</a:t>
+            </a:r>
+            <a:r>
+              <a:rPr lang="en-US" dirty="0">
+                <a:latin typeface="Segoe UI" panose="020B0502040204020203" pitchFamily="34" charset="0"/>
+                <a:cs typeface="Segoe UI" panose="020B0502040204020203" pitchFamily="34" charset="0"/>
+              </a:rPr>
+              <a:t>.</a:t>
+            </a:r>
+          </a:p>
+        </p:txBody>
+      </p:sp>
+      <p:sp>
+        <p:nvSpPr>
+          <p:cNvPr id="2" name="Title 1">
+            <a:extLst>
+              <a:ext uri="{FF2B5EF4-FFF2-40B4-BE49-F238E27FC236}">
+                <a16:creationId xmlns:a16="http://schemas.microsoft.com/office/drawing/2014/main" id="{2D4E4121-CDC8-41BA-846E-58655BA90FCF}"/>
+              </a:ext>
+            </a:extLst>
+          </p:cNvPr>
+          <p:cNvSpPr>
+            <a:spLocks noGrp="1"/>
+          </p:cNvSpPr>
+          <p:nvPr>
+            <p:ph type="ctrTitle"/>
+          </p:nvPr>
+        </p:nvSpPr>
+        <p:spPr>
+          <a:xfrm>
+            <a:off x="1507067" y="345351"/>
+            <a:ext cx="7766936" cy="970133"/>
+          </a:xfrm>
+        </p:spPr>
+        <p:txBody>
+          <a:bodyPr/>
+          <a:lstStyle/>
+          <a:p>
+            <a:pPr algn="l"/>
+            <a:r>
+              <a:rPr lang="en-US" dirty="0">
+                <a:solidFill>
+                  <a:schemeClr val="tx1">
+                    <a:lumMod val="85000"/>
+                    <a:lumOff val="15000"/>
+                  </a:schemeClr>
+                </a:solidFill>
+                <a:latin typeface="Segoe UI" panose="020B0502040204020203" pitchFamily="34" charset="0"/>
+                <a:cs typeface="Segoe UI" panose="020B0502040204020203" pitchFamily="34" charset="0"/>
+              </a:rPr>
+              <a:t>JS| </a:t>
+            </a:r>
+            <a:r>
+              <a:rPr lang="en-US" sz="3200" b="1" dirty="0">
+                <a:solidFill>
+                  <a:schemeClr val="tx1">
+                    <a:lumMod val="85000"/>
+                    <a:lumOff val="15000"/>
+                  </a:schemeClr>
+                </a:solidFill>
+                <a:latin typeface="Segoe UI" panose="020B0502040204020203" pitchFamily="34" charset="0"/>
+                <a:cs typeface="Segoe UI" panose="020B0502040204020203" pitchFamily="34" charset="0"/>
+              </a:rPr>
+              <a:t>Indirect Invocation</a:t>
+            </a:r>
+            <a:endParaRPr lang="en-US" b="1" dirty="0">
+              <a:solidFill>
+                <a:schemeClr val="tx1">
+                  <a:lumMod val="85000"/>
+                  <a:lumOff val="15000"/>
+                </a:schemeClr>
+              </a:solidFill>
+              <a:latin typeface="Segoe UI" panose="020B0502040204020203" pitchFamily="34" charset="0"/>
+              <a:cs typeface="Segoe UI" panose="020B0502040204020203" pitchFamily="34" charset="0"/>
+            </a:endParaRPr>
+          </a:p>
+        </p:txBody>
+      </p:sp>
+      <p:sp>
+        <p:nvSpPr>
+          <p:cNvPr id="9" name="TextBox 8">
+            <a:extLst>
+              <a:ext uri="{FF2B5EF4-FFF2-40B4-BE49-F238E27FC236}">
+                <a16:creationId xmlns:a16="http://schemas.microsoft.com/office/drawing/2014/main" id="{ECF76DAD-376C-4690-93B2-006E8A1CAF45}"/>
+              </a:ext>
+            </a:extLst>
+          </p:cNvPr>
+          <p:cNvSpPr txBox="1"/>
+          <p:nvPr/>
+        </p:nvSpPr>
+        <p:spPr>
+          <a:xfrm>
+            <a:off x="1507066" y="2305362"/>
+            <a:ext cx="6098958" cy="1477328"/>
+          </a:xfrm>
+          <a:prstGeom prst="rect">
+            <a:avLst/>
+          </a:prstGeom>
+          <a:noFill/>
+        </p:spPr>
+        <p:txBody>
+          <a:bodyPr wrap="square">
+            <a:spAutoFit/>
+          </a:bodyPr>
+          <a:lstStyle/>
+          <a:p>
+            <a:r>
+              <a:rPr lang="en-US" dirty="0">
+                <a:latin typeface="Segoe UI" panose="020B0502040204020203" pitchFamily="34" charset="0"/>
+                <a:cs typeface="Segoe UI" panose="020B0502040204020203" pitchFamily="34" charset="0"/>
+              </a:rPr>
+              <a:t>Two of these methods, invoke the function indirectly:</a:t>
+            </a:r>
+          </a:p>
+          <a:p>
+            <a:endParaRPr lang="en-US" dirty="0">
+              <a:latin typeface="Segoe UI" panose="020B0502040204020203" pitchFamily="34" charset="0"/>
+              <a:cs typeface="Segoe UI" panose="020B0502040204020203" pitchFamily="34" charset="0"/>
+            </a:endParaRPr>
+          </a:p>
+          <a:p>
+            <a:pPr marL="342900" indent="-342900">
+              <a:buFont typeface="+mj-lt"/>
+              <a:buAutoNum type="arabicPeriod"/>
+            </a:pPr>
+            <a:r>
+              <a:rPr lang="en-US" dirty="0">
+                <a:latin typeface="Segoe UI" panose="020B0502040204020203" pitchFamily="34" charset="0"/>
+                <a:cs typeface="Segoe UI" panose="020B0502040204020203" pitchFamily="34" charset="0"/>
+              </a:rPr>
+              <a:t>call() </a:t>
+            </a:r>
+          </a:p>
+          <a:p>
+            <a:pPr marL="342900" indent="-342900">
+              <a:buFont typeface="+mj-lt"/>
+              <a:buAutoNum type="arabicPeriod"/>
+            </a:pPr>
+            <a:endParaRPr lang="en-US" dirty="0">
+              <a:latin typeface="Segoe UI" panose="020B0502040204020203" pitchFamily="34" charset="0"/>
+              <a:cs typeface="Segoe UI" panose="020B0502040204020203" pitchFamily="34" charset="0"/>
+            </a:endParaRPr>
+          </a:p>
+          <a:p>
+            <a:pPr marL="342900" indent="-342900">
+              <a:buFont typeface="+mj-lt"/>
+              <a:buAutoNum type="arabicPeriod"/>
+            </a:pPr>
+            <a:r>
+              <a:rPr lang="en-US" dirty="0">
+                <a:latin typeface="Segoe UI" panose="020B0502040204020203" pitchFamily="34" charset="0"/>
+                <a:cs typeface="Segoe UI" panose="020B0502040204020203" pitchFamily="34" charset="0"/>
+              </a:rPr>
+              <a:t>apply()</a:t>
+            </a:r>
+          </a:p>
+        </p:txBody>
+      </p:sp>
+      <p:sp>
+        <p:nvSpPr>
+          <p:cNvPr id="11" name="TextBox 10">
+            <a:extLst>
+              <a:ext uri="{FF2B5EF4-FFF2-40B4-BE49-F238E27FC236}">
+                <a16:creationId xmlns:a16="http://schemas.microsoft.com/office/drawing/2014/main" id="{D7663704-AB1B-4F29-B2B1-911DED2270DD}"/>
+              </a:ext>
+            </a:extLst>
+          </p:cNvPr>
+          <p:cNvSpPr txBox="1"/>
+          <p:nvPr/>
+        </p:nvSpPr>
+        <p:spPr>
+          <a:xfrm>
+            <a:off x="1507065" y="4092963"/>
+            <a:ext cx="9616651" cy="923330"/>
+          </a:xfrm>
+          <a:prstGeom prst="rect">
+            <a:avLst/>
+          </a:prstGeom>
+          <a:solidFill>
+            <a:schemeClr val="accent1">
+              <a:lumMod val="40000"/>
+              <a:lumOff val="60000"/>
+            </a:schemeClr>
+          </a:solidFill>
+          <a:ln w="57150">
+            <a:solidFill>
+              <a:srgbClr val="0070C0"/>
+            </a:solidFill>
+          </a:ln>
+        </p:spPr>
+        <p:txBody>
+          <a:bodyPr wrap="square">
+            <a:spAutoFit/>
+          </a:bodyPr>
+          <a:lstStyle/>
+          <a:p>
+            <a:r>
+              <a:rPr lang="en-US" dirty="0"/>
+              <a:t>Both methods allow you to </a:t>
+            </a:r>
+            <a:r>
+              <a:rPr lang="en-US" b="1" dirty="0"/>
+              <a:t>explicitly specify the this value </a:t>
+            </a:r>
+            <a:r>
+              <a:rPr lang="en-US" dirty="0"/>
+              <a:t>for the invocation, which means you can invoke any function as a method of any object, even if it is not actually a method of that object.</a:t>
+            </a:r>
+          </a:p>
+        </p:txBody>
+      </p:sp>
+      <p:sp>
+        <p:nvSpPr>
+          <p:cNvPr id="14" name="TextBox 13">
+            <a:extLst>
+              <a:ext uri="{FF2B5EF4-FFF2-40B4-BE49-F238E27FC236}">
+                <a16:creationId xmlns:a16="http://schemas.microsoft.com/office/drawing/2014/main" id="{BCC4C566-CF1E-4451-AD90-36A0CD8FB01E}"/>
+              </a:ext>
+            </a:extLst>
+          </p:cNvPr>
+          <p:cNvSpPr txBox="1"/>
+          <p:nvPr/>
+        </p:nvSpPr>
+        <p:spPr>
+          <a:xfrm>
+            <a:off x="1507065" y="5326566"/>
+            <a:ext cx="9616651" cy="369332"/>
+          </a:xfrm>
+          <a:prstGeom prst="rect">
+            <a:avLst/>
+          </a:prstGeom>
+          <a:solidFill>
+            <a:schemeClr val="accent3">
+              <a:lumMod val="60000"/>
+              <a:lumOff val="40000"/>
+            </a:schemeClr>
+          </a:solidFill>
+          <a:ln w="57150">
+            <a:solidFill>
+              <a:srgbClr val="00B050"/>
+            </a:solidFill>
+          </a:ln>
+        </p:spPr>
+        <p:txBody>
+          <a:bodyPr wrap="square">
+            <a:spAutoFit/>
+          </a:bodyPr>
+          <a:lstStyle/>
+          <a:p>
+            <a:r>
+              <a:rPr lang="en-US" dirty="0"/>
+              <a:t>Both methods also </a:t>
+            </a:r>
+            <a:r>
+              <a:rPr lang="en-US" b="1" dirty="0"/>
+              <a:t>allow</a:t>
+            </a:r>
+            <a:r>
+              <a:rPr lang="en-US" dirty="0"/>
+              <a:t> you to </a:t>
+            </a:r>
+            <a:r>
+              <a:rPr lang="en-US" b="1" dirty="0"/>
+              <a:t>specify</a:t>
+            </a:r>
+            <a:r>
+              <a:rPr lang="en-US" dirty="0"/>
+              <a:t> the </a:t>
+            </a:r>
+            <a:r>
+              <a:rPr lang="en-US" b="1" dirty="0"/>
+              <a:t>arguments</a:t>
+            </a:r>
+            <a:r>
+              <a:rPr lang="en-US" dirty="0"/>
+              <a:t> for the invocation.</a:t>
+            </a:r>
+          </a:p>
+        </p:txBody>
+      </p:sp>
+    </p:spTree>
+    <p:extLst>
+      <p:ext uri="{BB962C8B-B14F-4D97-AF65-F5344CB8AC3E}">
+        <p14:creationId xmlns:p14="http://schemas.microsoft.com/office/powerpoint/2010/main" val="2392922380"/>
+      </p:ext>
+    </p:extLst>
+  </p:cSld>
+  <p:clrMapOvr>
+    <a:masterClrMapping/>
+  </p:clrMapOvr>
+</p:sld>
+</file>
+
+<file path=ppt/slides/slide23.xml><?xml version="1.0" encoding="utf-8"?>
+<p:sld xmlns:a="http://schemas.openxmlformats.org/drawingml/2006/main" xmlns:r="http://schemas.openxmlformats.org/officeDocument/2006/relationships" xmlns:p="http://schemas.openxmlformats.org/presentationml/2006/main">
+  <p:cSld>
+    <p:spTree>
+      <p:nvGrpSpPr>
+        <p:cNvPr id="1" name=""/>
+        <p:cNvGrpSpPr/>
+        <p:nvPr/>
+      </p:nvGrpSpPr>
+      <p:grpSpPr>
+        <a:xfrm>
+          <a:off x="0" y="0"/>
+          <a:ext cx="0" cy="0"/>
+          <a:chOff x="0" y="0"/>
+          <a:chExt cx="0" cy="0"/>
+        </a:xfrm>
+      </p:grpSpPr>
+      <p:sp>
+        <p:nvSpPr>
+          <p:cNvPr id="12" name="TextBox 11">
+            <a:extLst>
+              <a:ext uri="{FF2B5EF4-FFF2-40B4-BE49-F238E27FC236}">
+                <a16:creationId xmlns:a16="http://schemas.microsoft.com/office/drawing/2014/main" id="{4A84A252-15C0-40F0-8326-05C2B2D5FB3E}"/>
+              </a:ext>
+            </a:extLst>
+          </p:cNvPr>
+          <p:cNvSpPr txBox="1"/>
+          <p:nvPr/>
+        </p:nvSpPr>
+        <p:spPr>
+          <a:xfrm>
+            <a:off x="1507066" y="1625757"/>
+            <a:ext cx="9616652" cy="584775"/>
+          </a:xfrm>
+          <a:prstGeom prst="rect">
+            <a:avLst/>
+          </a:prstGeom>
+          <a:noFill/>
+        </p:spPr>
+        <p:txBody>
+          <a:bodyPr wrap="square">
+            <a:spAutoFit/>
+          </a:bodyPr>
+          <a:lstStyle/>
+          <a:p>
+            <a:r>
+              <a:rPr lang="en-US" sz="1600" dirty="0">
+                <a:latin typeface="Segoe UI" panose="020B0502040204020203" pitchFamily="34" charset="0"/>
+                <a:cs typeface="Segoe UI" panose="020B0502040204020203" pitchFamily="34" charset="0"/>
+              </a:rPr>
+              <a:t>There are various JavaScript language features that do not look like function invocations but that cause functions to be invoked.</a:t>
+            </a:r>
+          </a:p>
+        </p:txBody>
+      </p:sp>
+      <p:sp>
+        <p:nvSpPr>
+          <p:cNvPr id="2" name="Title 1">
+            <a:extLst>
+              <a:ext uri="{FF2B5EF4-FFF2-40B4-BE49-F238E27FC236}">
+                <a16:creationId xmlns:a16="http://schemas.microsoft.com/office/drawing/2014/main" id="{2D4E4121-CDC8-41BA-846E-58655BA90FCF}"/>
+              </a:ext>
+            </a:extLst>
+          </p:cNvPr>
+          <p:cNvSpPr>
+            <a:spLocks noGrp="1"/>
+          </p:cNvSpPr>
+          <p:nvPr>
+            <p:ph type="ctrTitle"/>
+          </p:nvPr>
+        </p:nvSpPr>
+        <p:spPr>
+          <a:xfrm>
+            <a:off x="1507067" y="345351"/>
+            <a:ext cx="7766936" cy="970133"/>
+          </a:xfrm>
+        </p:spPr>
+        <p:txBody>
+          <a:bodyPr/>
+          <a:lstStyle/>
+          <a:p>
+            <a:pPr algn="l"/>
+            <a:r>
+              <a:rPr lang="en-US" dirty="0">
+                <a:solidFill>
+                  <a:schemeClr val="tx1">
+                    <a:lumMod val="85000"/>
+                    <a:lumOff val="15000"/>
+                  </a:schemeClr>
+                </a:solidFill>
+                <a:latin typeface="Segoe UI" panose="020B0502040204020203" pitchFamily="34" charset="0"/>
+                <a:cs typeface="Segoe UI" panose="020B0502040204020203" pitchFamily="34" charset="0"/>
+              </a:rPr>
+              <a:t>JS| </a:t>
+            </a:r>
+            <a:r>
+              <a:rPr lang="en-US" sz="3200" b="1" dirty="0">
+                <a:solidFill>
+                  <a:schemeClr val="tx1">
+                    <a:lumMod val="85000"/>
+                    <a:lumOff val="15000"/>
+                  </a:schemeClr>
+                </a:solidFill>
+                <a:latin typeface="Segoe UI" panose="020B0502040204020203" pitchFamily="34" charset="0"/>
+                <a:cs typeface="Segoe UI" panose="020B0502040204020203" pitchFamily="34" charset="0"/>
+              </a:rPr>
+              <a:t>Implicit Flow Invocation</a:t>
+            </a:r>
+            <a:endParaRPr lang="en-US" b="1" dirty="0">
+              <a:solidFill>
+                <a:schemeClr val="tx1">
+                  <a:lumMod val="85000"/>
+                  <a:lumOff val="15000"/>
+                </a:schemeClr>
+              </a:solidFill>
+              <a:latin typeface="Segoe UI" panose="020B0502040204020203" pitchFamily="34" charset="0"/>
+              <a:cs typeface="Segoe UI" panose="020B0502040204020203" pitchFamily="34" charset="0"/>
+            </a:endParaRPr>
+          </a:p>
+        </p:txBody>
+      </p:sp>
+      <p:sp>
+        <p:nvSpPr>
+          <p:cNvPr id="9" name="TextBox 8">
+            <a:extLst>
+              <a:ext uri="{FF2B5EF4-FFF2-40B4-BE49-F238E27FC236}">
+                <a16:creationId xmlns:a16="http://schemas.microsoft.com/office/drawing/2014/main" id="{ECF76DAD-376C-4690-93B2-006E8A1CAF45}"/>
+              </a:ext>
+            </a:extLst>
+          </p:cNvPr>
+          <p:cNvSpPr txBox="1"/>
+          <p:nvPr/>
+        </p:nvSpPr>
+        <p:spPr>
+          <a:xfrm>
+            <a:off x="1507066" y="5927874"/>
+            <a:ext cx="9616652" cy="584775"/>
+          </a:xfrm>
+          <a:prstGeom prst="rect">
+            <a:avLst/>
+          </a:prstGeom>
+          <a:solidFill>
+            <a:srgbClr val="F6B3AA"/>
+          </a:solidFill>
+          <a:ln w="57150">
+            <a:solidFill>
+              <a:srgbClr val="C00000"/>
+            </a:solidFill>
+          </a:ln>
+        </p:spPr>
+        <p:txBody>
+          <a:bodyPr wrap="square">
+            <a:spAutoFit/>
+          </a:bodyPr>
+          <a:lstStyle/>
+          <a:p>
+            <a:r>
+              <a:rPr lang="en-US" sz="1600" dirty="0">
+                <a:latin typeface="Segoe UI" panose="020B0502040204020203" pitchFamily="34" charset="0"/>
+                <a:cs typeface="Segoe UI" panose="020B0502040204020203" pitchFamily="34" charset="0"/>
+              </a:rPr>
+              <a:t>Be </a:t>
+            </a:r>
+            <a:r>
+              <a:rPr lang="en-US" sz="1600" b="1" dirty="0">
+                <a:latin typeface="Segoe UI" panose="020B0502040204020203" pitchFamily="34" charset="0"/>
+                <a:cs typeface="Segoe UI" panose="020B0502040204020203" pitchFamily="34" charset="0"/>
+              </a:rPr>
+              <a:t>extra careful </a:t>
+            </a:r>
+            <a:r>
+              <a:rPr lang="en-US" sz="1600" dirty="0">
+                <a:latin typeface="Segoe UI" panose="020B0502040204020203" pitchFamily="34" charset="0"/>
+                <a:cs typeface="Segoe UI" panose="020B0502040204020203" pitchFamily="34" charset="0"/>
+              </a:rPr>
+              <a:t>when writing functions that may be implicitly invoked, because bugs, side effects, and performance issues</a:t>
+            </a:r>
+          </a:p>
+        </p:txBody>
+      </p:sp>
+      <p:sp>
+        <p:nvSpPr>
+          <p:cNvPr id="8" name="TextBox 7">
+            <a:extLst>
+              <a:ext uri="{FF2B5EF4-FFF2-40B4-BE49-F238E27FC236}">
+                <a16:creationId xmlns:a16="http://schemas.microsoft.com/office/drawing/2014/main" id="{B4EEA59B-1AC3-4C04-997F-D5F1E76365C2}"/>
+              </a:ext>
+            </a:extLst>
+          </p:cNvPr>
+          <p:cNvSpPr txBox="1"/>
+          <p:nvPr/>
+        </p:nvSpPr>
+        <p:spPr>
+          <a:xfrm>
+            <a:off x="1507066" y="2520805"/>
+            <a:ext cx="9945128" cy="2062103"/>
+          </a:xfrm>
+          <a:prstGeom prst="rect">
+            <a:avLst/>
+          </a:prstGeom>
+          <a:noFill/>
+        </p:spPr>
+        <p:txBody>
+          <a:bodyPr wrap="square">
+            <a:spAutoFit/>
+          </a:bodyPr>
+          <a:lstStyle/>
+          <a:p>
+            <a:r>
+              <a:rPr lang="en-US" sz="1600" dirty="0">
+                <a:latin typeface="Segoe UI" panose="020B0502040204020203" pitchFamily="34" charset="0"/>
+                <a:cs typeface="Segoe UI" panose="020B0502040204020203" pitchFamily="34" charset="0"/>
+              </a:rPr>
+              <a:t>The language features that can cause implicit function invocation include:</a:t>
+            </a:r>
+          </a:p>
+          <a:p>
+            <a:endParaRPr lang="en-US" sz="1600" dirty="0">
+              <a:latin typeface="Segoe UI" panose="020B0502040204020203" pitchFamily="34" charset="0"/>
+              <a:cs typeface="Segoe UI" panose="020B0502040204020203" pitchFamily="34" charset="0"/>
+            </a:endParaRPr>
+          </a:p>
+          <a:p>
+            <a:pPr marL="342900" indent="-342900">
+              <a:buFont typeface="+mj-lt"/>
+              <a:buAutoNum type="arabicPeriod"/>
+            </a:pPr>
+            <a:r>
+              <a:rPr lang="en-US" sz="1600" dirty="0">
+                <a:latin typeface="Segoe UI" panose="020B0502040204020203" pitchFamily="34" charset="0"/>
+                <a:cs typeface="Segoe UI" panose="020B0502040204020203" pitchFamily="34" charset="0"/>
+              </a:rPr>
+              <a:t>If an object has getters or setters defined, then querying or setting the value of its properties may invoke those methods.</a:t>
+            </a:r>
+          </a:p>
+          <a:p>
+            <a:pPr marL="342900" indent="-342900">
+              <a:buFont typeface="+mj-lt"/>
+              <a:buAutoNum type="arabicPeriod"/>
+            </a:pPr>
+            <a:endParaRPr lang="en-US" sz="1600" dirty="0">
+              <a:latin typeface="Segoe UI" panose="020B0502040204020203" pitchFamily="34" charset="0"/>
+              <a:cs typeface="Segoe UI" panose="020B0502040204020203" pitchFamily="34" charset="0"/>
+            </a:endParaRPr>
+          </a:p>
+          <a:p>
+            <a:pPr marL="342900" indent="-342900">
+              <a:buFont typeface="+mj-lt"/>
+              <a:buAutoNum type="arabicPeriod"/>
+            </a:pPr>
+            <a:r>
+              <a:rPr lang="en-US" sz="1600" dirty="0">
+                <a:latin typeface="Segoe UI" panose="020B0502040204020203" pitchFamily="34" charset="0"/>
+                <a:cs typeface="Segoe UI" panose="020B0502040204020203" pitchFamily="34" charset="0"/>
+              </a:rPr>
+              <a:t>When an object is used in a string context, its </a:t>
+            </a:r>
+            <a:r>
+              <a:rPr lang="en-US" sz="1600" dirty="0" err="1">
+                <a:latin typeface="Segoe UI" panose="020B0502040204020203" pitchFamily="34" charset="0"/>
+                <a:cs typeface="Segoe UI" panose="020B0502040204020203" pitchFamily="34" charset="0"/>
+              </a:rPr>
+              <a:t>toString</a:t>
+            </a:r>
+            <a:r>
+              <a:rPr lang="en-US" sz="1600" dirty="0">
+                <a:latin typeface="Segoe UI" panose="020B0502040204020203" pitchFamily="34" charset="0"/>
+                <a:cs typeface="Segoe UI" panose="020B0502040204020203" pitchFamily="34" charset="0"/>
+              </a:rPr>
+              <a:t>() method is called. </a:t>
+            </a:r>
+          </a:p>
+          <a:p>
+            <a:pPr marL="342900" indent="-342900">
+              <a:buFont typeface="+mj-lt"/>
+              <a:buAutoNum type="arabicPeriod"/>
+            </a:pPr>
+            <a:endParaRPr lang="en-US" sz="1600" dirty="0">
+              <a:latin typeface="Segoe UI" panose="020B0502040204020203" pitchFamily="34" charset="0"/>
+              <a:cs typeface="Segoe UI" panose="020B0502040204020203" pitchFamily="34" charset="0"/>
+            </a:endParaRPr>
+          </a:p>
+          <a:p>
+            <a:pPr marL="342900" indent="-342900">
+              <a:buFont typeface="+mj-lt"/>
+              <a:buAutoNum type="arabicPeriod"/>
+            </a:pPr>
+            <a:r>
+              <a:rPr lang="en-US" sz="1600" dirty="0">
+                <a:latin typeface="Segoe UI" panose="020B0502040204020203" pitchFamily="34" charset="0"/>
+                <a:cs typeface="Segoe UI" panose="020B0502040204020203" pitchFamily="34" charset="0"/>
+              </a:rPr>
+              <a:t>When you loop over the elements of an </a:t>
+            </a:r>
+            <a:r>
+              <a:rPr lang="en-US" sz="1600" dirty="0" err="1">
+                <a:latin typeface="Segoe UI" panose="020B0502040204020203" pitchFamily="34" charset="0"/>
+                <a:cs typeface="Segoe UI" panose="020B0502040204020203" pitchFamily="34" charset="0"/>
+              </a:rPr>
+              <a:t>iterable</a:t>
+            </a:r>
+            <a:r>
+              <a:rPr lang="en-US" sz="1600" dirty="0">
+                <a:latin typeface="Segoe UI" panose="020B0502040204020203" pitchFamily="34" charset="0"/>
+                <a:cs typeface="Segoe UI" panose="020B0502040204020203" pitchFamily="34" charset="0"/>
+              </a:rPr>
+              <a:t> object, there are a number of method calls that occur.</a:t>
+            </a:r>
+          </a:p>
+        </p:txBody>
+      </p:sp>
+    </p:spTree>
+    <p:extLst>
+      <p:ext uri="{BB962C8B-B14F-4D97-AF65-F5344CB8AC3E}">
+        <p14:creationId xmlns:p14="http://schemas.microsoft.com/office/powerpoint/2010/main" val="3271900624"/>
+      </p:ext>
+    </p:extLst>
+  </p:cSld>
+  <p:clrMapOvr>
+    <a:masterClrMapping/>
+  </p:clrMapOvr>
+</p:sld>
+</file>
+
+<file path=ppt/slides/slide24.xml><?xml version="1.0" encoding="utf-8"?>
+<p:sld xmlns:a="http://schemas.openxmlformats.org/drawingml/2006/main" xmlns:r="http://schemas.openxmlformats.org/officeDocument/2006/relationships" xmlns:p="http://schemas.openxmlformats.org/presentationml/2006/main">
+  <p:cSld>
+    <p:spTree>
+      <p:nvGrpSpPr>
+        <p:cNvPr id="1" name=""/>
+        <p:cNvGrpSpPr/>
+        <p:nvPr/>
+      </p:nvGrpSpPr>
+      <p:grpSpPr>
+        <a:xfrm>
+          <a:off x="0" y="0"/>
+          <a:ext cx="0" cy="0"/>
+          <a:chOff x="0" y="0"/>
+          <a:chExt cx="0" cy="0"/>
+        </a:xfrm>
+      </p:grpSpPr>
+      <p:sp>
+        <p:nvSpPr>
+          <p:cNvPr id="12" name="TextBox 11">
+            <a:extLst>
+              <a:ext uri="{FF2B5EF4-FFF2-40B4-BE49-F238E27FC236}">
+                <a16:creationId xmlns:a16="http://schemas.microsoft.com/office/drawing/2014/main" id="{4A84A252-15C0-40F0-8326-05C2B2D5FB3E}"/>
+              </a:ext>
+            </a:extLst>
+          </p:cNvPr>
+          <p:cNvSpPr txBox="1"/>
+          <p:nvPr/>
+        </p:nvSpPr>
+        <p:spPr>
+          <a:xfrm>
+            <a:off x="1507066" y="1625757"/>
+            <a:ext cx="9616652" cy="1077218"/>
+          </a:xfrm>
+          <a:prstGeom prst="rect">
+            <a:avLst/>
+          </a:prstGeom>
+          <a:noFill/>
+        </p:spPr>
+        <p:txBody>
+          <a:bodyPr wrap="square">
+            <a:spAutoFit/>
+          </a:bodyPr>
+          <a:lstStyle/>
+          <a:p>
+            <a:r>
+              <a:rPr lang="en-US" sz="1600" b="1" dirty="0">
+                <a:latin typeface="Segoe UI" panose="020B0502040204020203" pitchFamily="34" charset="0"/>
+                <a:cs typeface="Segoe UI" panose="020B0502040204020203" pitchFamily="34" charset="0"/>
+              </a:rPr>
+              <a:t>Function definitions</a:t>
+            </a:r>
+            <a:r>
+              <a:rPr lang="en-US" sz="1600" dirty="0">
+                <a:latin typeface="Segoe UI" panose="020B0502040204020203" pitchFamily="34" charset="0"/>
+                <a:cs typeface="Segoe UI" panose="020B0502040204020203" pitchFamily="34" charset="0"/>
+              </a:rPr>
+              <a:t>: do </a:t>
+            </a:r>
+            <a:r>
+              <a:rPr lang="en-US" sz="1600" i="1" dirty="0">
+                <a:latin typeface="Segoe UI" panose="020B0502040204020203" pitchFamily="34" charset="0"/>
+                <a:cs typeface="Segoe UI" panose="020B0502040204020203" pitchFamily="34" charset="0"/>
+              </a:rPr>
+              <a:t>not specify an expected type </a:t>
+            </a:r>
+            <a:r>
+              <a:rPr lang="en-US" sz="1600" dirty="0">
+                <a:latin typeface="Segoe UI" panose="020B0502040204020203" pitchFamily="34" charset="0"/>
+                <a:cs typeface="Segoe UI" panose="020B0502040204020203" pitchFamily="34" charset="0"/>
+              </a:rPr>
+              <a:t>for the function parameters.</a:t>
+            </a:r>
+          </a:p>
+          <a:p>
+            <a:endParaRPr lang="en-US" sz="1600" dirty="0">
+              <a:latin typeface="Segoe UI" panose="020B0502040204020203" pitchFamily="34" charset="0"/>
+              <a:cs typeface="Segoe UI" panose="020B0502040204020203" pitchFamily="34" charset="0"/>
+            </a:endParaRPr>
+          </a:p>
+          <a:p>
+            <a:r>
+              <a:rPr lang="en-US" sz="1600" b="1" dirty="0">
+                <a:latin typeface="Segoe UI" panose="020B0502040204020203" pitchFamily="34" charset="0"/>
+                <a:cs typeface="Segoe UI" panose="020B0502040204020203" pitchFamily="34" charset="0"/>
+              </a:rPr>
+              <a:t>Function invocations: </a:t>
+            </a:r>
+            <a:r>
+              <a:rPr lang="en-US" sz="1600" dirty="0">
+                <a:latin typeface="Segoe UI" panose="020B0502040204020203" pitchFamily="34" charset="0"/>
+                <a:cs typeface="Segoe UI" panose="020B0502040204020203" pitchFamily="34" charset="0"/>
+              </a:rPr>
+              <a:t>do not do any type checking on the argument values you pass, in fact </a:t>
+            </a:r>
+            <a:r>
+              <a:rPr lang="en-US" sz="1600" i="1" dirty="0">
+                <a:latin typeface="Segoe UI" panose="020B0502040204020203" pitchFamily="34" charset="0"/>
+                <a:cs typeface="Segoe UI" panose="020B0502040204020203" pitchFamily="34" charset="0"/>
+              </a:rPr>
+              <a:t>do not even check the number of arguments</a:t>
+            </a:r>
+            <a:r>
+              <a:rPr lang="en-US" sz="1600" b="1" dirty="0">
+                <a:latin typeface="Segoe UI" panose="020B0502040204020203" pitchFamily="34" charset="0"/>
+                <a:cs typeface="Segoe UI" panose="020B0502040204020203" pitchFamily="34" charset="0"/>
+              </a:rPr>
+              <a:t> </a:t>
+            </a:r>
+            <a:r>
+              <a:rPr lang="en-US" sz="1600" dirty="0">
+                <a:latin typeface="Segoe UI" panose="020B0502040204020203" pitchFamily="34" charset="0"/>
+                <a:cs typeface="Segoe UI" panose="020B0502040204020203" pitchFamily="34" charset="0"/>
+              </a:rPr>
+              <a:t>being passed.</a:t>
+            </a:r>
+          </a:p>
+        </p:txBody>
+      </p:sp>
+      <p:sp>
+        <p:nvSpPr>
+          <p:cNvPr id="2" name="Title 1">
+            <a:extLst>
+              <a:ext uri="{FF2B5EF4-FFF2-40B4-BE49-F238E27FC236}">
+                <a16:creationId xmlns:a16="http://schemas.microsoft.com/office/drawing/2014/main" id="{2D4E4121-CDC8-41BA-846E-58655BA90FCF}"/>
+              </a:ext>
+            </a:extLst>
+          </p:cNvPr>
+          <p:cNvSpPr>
+            <a:spLocks noGrp="1"/>
+          </p:cNvSpPr>
+          <p:nvPr>
+            <p:ph type="ctrTitle"/>
+          </p:nvPr>
+        </p:nvSpPr>
+        <p:spPr>
+          <a:xfrm>
+            <a:off x="1507067" y="345351"/>
+            <a:ext cx="7766936" cy="970133"/>
+          </a:xfrm>
+        </p:spPr>
+        <p:txBody>
+          <a:bodyPr/>
+          <a:lstStyle/>
+          <a:p>
+            <a:pPr algn="l"/>
+            <a:r>
+              <a:rPr lang="en-US" dirty="0">
+                <a:solidFill>
+                  <a:schemeClr val="tx1">
+                    <a:lumMod val="85000"/>
+                    <a:lumOff val="15000"/>
+                  </a:schemeClr>
+                </a:solidFill>
+                <a:latin typeface="Segoe UI" panose="020B0502040204020203" pitchFamily="34" charset="0"/>
+                <a:cs typeface="Segoe UI" panose="020B0502040204020203" pitchFamily="34" charset="0"/>
+              </a:rPr>
+              <a:t>JS| </a:t>
+            </a:r>
+            <a:r>
+              <a:rPr lang="en-US" sz="3200" b="1" dirty="0">
+                <a:solidFill>
+                  <a:schemeClr val="tx1">
+                    <a:lumMod val="85000"/>
+                    <a:lumOff val="15000"/>
+                  </a:schemeClr>
+                </a:solidFill>
+                <a:latin typeface="Segoe UI" panose="020B0502040204020203" pitchFamily="34" charset="0"/>
+                <a:cs typeface="Segoe UI" panose="020B0502040204020203" pitchFamily="34" charset="0"/>
+              </a:rPr>
+              <a:t>Arguments and Parameters</a:t>
+            </a:r>
+            <a:endParaRPr lang="en-US" b="1" dirty="0">
+              <a:solidFill>
+                <a:schemeClr val="tx1">
+                  <a:lumMod val="85000"/>
+                  <a:lumOff val="15000"/>
+                </a:schemeClr>
+              </a:solidFill>
+              <a:latin typeface="Segoe UI" panose="020B0502040204020203" pitchFamily="34" charset="0"/>
+              <a:cs typeface="Segoe UI" panose="020B0502040204020203" pitchFamily="34" charset="0"/>
+            </a:endParaRPr>
+          </a:p>
+        </p:txBody>
+      </p:sp>
+    </p:spTree>
+    <p:extLst>
+      <p:ext uri="{BB962C8B-B14F-4D97-AF65-F5344CB8AC3E}">
+        <p14:creationId xmlns:p14="http://schemas.microsoft.com/office/powerpoint/2010/main" val="1390965850"/>
+      </p:ext>
+    </p:extLst>
+  </p:cSld>
+  <p:clrMapOvr>
+    <a:masterClrMapping/>
+  </p:clrMapOvr>
+</p:sld>
+</file>
+
+<file path=ppt/slides/slide25.xml><?xml version="1.0" encoding="utf-8"?>
+<p:sld xmlns:a="http://schemas.openxmlformats.org/drawingml/2006/main" xmlns:r="http://schemas.openxmlformats.org/officeDocument/2006/relationships" xmlns:p="http://schemas.openxmlformats.org/presentationml/2006/main">
+  <p:cSld>
+    <p:spTree>
+      <p:nvGrpSpPr>
+        <p:cNvPr id="1" name=""/>
+        <p:cNvGrpSpPr/>
+        <p:nvPr/>
+      </p:nvGrpSpPr>
+      <p:grpSpPr>
+        <a:xfrm>
+          <a:off x="0" y="0"/>
+          <a:ext cx="0" cy="0"/>
+          <a:chOff x="0" y="0"/>
+          <a:chExt cx="0" cy="0"/>
+        </a:xfrm>
+      </p:grpSpPr>
+      <p:sp>
+        <p:nvSpPr>
+          <p:cNvPr id="12" name="TextBox 11">
+            <a:extLst>
+              <a:ext uri="{FF2B5EF4-FFF2-40B4-BE49-F238E27FC236}">
+                <a16:creationId xmlns:a16="http://schemas.microsoft.com/office/drawing/2014/main" id="{4A84A252-15C0-40F0-8326-05C2B2D5FB3E}"/>
+              </a:ext>
+            </a:extLst>
+          </p:cNvPr>
+          <p:cNvSpPr txBox="1"/>
+          <p:nvPr/>
+        </p:nvSpPr>
+        <p:spPr>
+          <a:xfrm>
+            <a:off x="1507066" y="1625757"/>
+            <a:ext cx="9616652" cy="584775"/>
+          </a:xfrm>
+          <a:prstGeom prst="rect">
+            <a:avLst/>
+          </a:prstGeom>
+          <a:noFill/>
+        </p:spPr>
+        <p:txBody>
+          <a:bodyPr wrap="square">
+            <a:spAutoFit/>
+          </a:bodyPr>
+          <a:lstStyle/>
+          <a:p>
+            <a:r>
+              <a:rPr lang="en-US" sz="1600" dirty="0">
+                <a:latin typeface="Segoe UI" panose="020B0502040204020203" pitchFamily="34" charset="0"/>
+                <a:cs typeface="Segoe UI" panose="020B0502040204020203" pitchFamily="34" charset="0"/>
+              </a:rPr>
+              <a:t>When a function is invoked with </a:t>
+            </a:r>
+            <a:r>
+              <a:rPr lang="en-US" sz="1600" b="1" dirty="0">
+                <a:latin typeface="Segoe UI" panose="020B0502040204020203" pitchFamily="34" charset="0"/>
+                <a:cs typeface="Segoe UI" panose="020B0502040204020203" pitchFamily="34" charset="0"/>
+              </a:rPr>
+              <a:t>fewer arguments </a:t>
+            </a:r>
+            <a:r>
+              <a:rPr lang="en-US" sz="1600" dirty="0">
+                <a:latin typeface="Segoe UI" panose="020B0502040204020203" pitchFamily="34" charset="0"/>
+                <a:cs typeface="Segoe UI" panose="020B0502040204020203" pitchFamily="34" charset="0"/>
+              </a:rPr>
+              <a:t>than declared parameters, the </a:t>
+            </a:r>
+            <a:r>
+              <a:rPr lang="en-US" sz="1600" b="1" dirty="0">
+                <a:latin typeface="Segoe UI" panose="020B0502040204020203" pitchFamily="34" charset="0"/>
+                <a:cs typeface="Segoe UI" panose="020B0502040204020203" pitchFamily="34" charset="0"/>
+              </a:rPr>
+              <a:t>additional parameters </a:t>
+            </a:r>
+            <a:r>
+              <a:rPr lang="en-US" sz="1600" dirty="0">
+                <a:latin typeface="Segoe UI" panose="020B0502040204020203" pitchFamily="34" charset="0"/>
+                <a:cs typeface="Segoe UI" panose="020B0502040204020203" pitchFamily="34" charset="0"/>
+              </a:rPr>
+              <a:t>are set to their </a:t>
+            </a:r>
+            <a:r>
+              <a:rPr lang="en-US" sz="1600" b="1" dirty="0">
+                <a:latin typeface="Segoe UI" panose="020B0502040204020203" pitchFamily="34" charset="0"/>
+                <a:cs typeface="Segoe UI" panose="020B0502040204020203" pitchFamily="34" charset="0"/>
+              </a:rPr>
+              <a:t>default</a:t>
+            </a:r>
+            <a:r>
+              <a:rPr lang="en-US" sz="1600" dirty="0">
+                <a:latin typeface="Segoe UI" panose="020B0502040204020203" pitchFamily="34" charset="0"/>
+                <a:cs typeface="Segoe UI" panose="020B0502040204020203" pitchFamily="34" charset="0"/>
+              </a:rPr>
+              <a:t> value, which is normally </a:t>
+            </a:r>
+            <a:r>
+              <a:rPr lang="en-US" sz="1600" b="1" dirty="0">
+                <a:latin typeface="Segoe UI" panose="020B0502040204020203" pitchFamily="34" charset="0"/>
+                <a:cs typeface="Segoe UI" panose="020B0502040204020203" pitchFamily="34" charset="0"/>
+              </a:rPr>
+              <a:t>undefined</a:t>
+            </a:r>
+            <a:r>
+              <a:rPr lang="en-US" sz="1600" dirty="0">
+                <a:latin typeface="Segoe UI" panose="020B0502040204020203" pitchFamily="34" charset="0"/>
+                <a:cs typeface="Segoe UI" panose="020B0502040204020203" pitchFamily="34" charset="0"/>
+              </a:rPr>
+              <a:t>.</a:t>
+            </a:r>
+          </a:p>
+        </p:txBody>
+      </p:sp>
+      <p:sp>
+        <p:nvSpPr>
+          <p:cNvPr id="2" name="Title 1">
+            <a:extLst>
+              <a:ext uri="{FF2B5EF4-FFF2-40B4-BE49-F238E27FC236}">
+                <a16:creationId xmlns:a16="http://schemas.microsoft.com/office/drawing/2014/main" id="{2D4E4121-CDC8-41BA-846E-58655BA90FCF}"/>
+              </a:ext>
+            </a:extLst>
+          </p:cNvPr>
+          <p:cNvSpPr>
+            <a:spLocks noGrp="1"/>
+          </p:cNvSpPr>
+          <p:nvPr>
+            <p:ph type="ctrTitle"/>
+          </p:nvPr>
+        </p:nvSpPr>
+        <p:spPr>
+          <a:xfrm>
+            <a:off x="1507067" y="345351"/>
+            <a:ext cx="7766936" cy="970133"/>
+          </a:xfrm>
+        </p:spPr>
+        <p:txBody>
+          <a:bodyPr/>
+          <a:lstStyle/>
+          <a:p>
+            <a:pPr algn="l"/>
+            <a:r>
+              <a:rPr lang="en-US" dirty="0">
+                <a:solidFill>
+                  <a:schemeClr val="tx1">
+                    <a:lumMod val="85000"/>
+                    <a:lumOff val="15000"/>
+                  </a:schemeClr>
+                </a:solidFill>
+                <a:latin typeface="Segoe UI" panose="020B0502040204020203" pitchFamily="34" charset="0"/>
+                <a:cs typeface="Segoe UI" panose="020B0502040204020203" pitchFamily="34" charset="0"/>
+              </a:rPr>
+              <a:t>JS| </a:t>
+            </a:r>
+            <a:r>
+              <a:rPr lang="en-US" sz="3200" b="1" dirty="0">
+                <a:solidFill>
+                  <a:schemeClr val="tx1">
+                    <a:lumMod val="85000"/>
+                    <a:lumOff val="15000"/>
+                  </a:schemeClr>
+                </a:solidFill>
+                <a:latin typeface="Segoe UI" panose="020B0502040204020203" pitchFamily="34" charset="0"/>
+                <a:cs typeface="Segoe UI" panose="020B0502040204020203" pitchFamily="34" charset="0"/>
+              </a:rPr>
+              <a:t>Optional Parameters and Default</a:t>
+            </a:r>
+            <a:endParaRPr lang="en-US" b="1" dirty="0">
+              <a:solidFill>
+                <a:schemeClr val="tx1">
+                  <a:lumMod val="85000"/>
+                  <a:lumOff val="15000"/>
+                </a:schemeClr>
+              </a:solidFill>
+              <a:latin typeface="Segoe UI" panose="020B0502040204020203" pitchFamily="34" charset="0"/>
+              <a:cs typeface="Segoe UI" panose="020B0502040204020203" pitchFamily="34" charset="0"/>
+            </a:endParaRPr>
+          </a:p>
+        </p:txBody>
+      </p:sp>
+      <p:sp>
+        <p:nvSpPr>
+          <p:cNvPr id="5" name="TextBox 4">
+            <a:extLst>
+              <a:ext uri="{FF2B5EF4-FFF2-40B4-BE49-F238E27FC236}">
+                <a16:creationId xmlns:a16="http://schemas.microsoft.com/office/drawing/2014/main" id="{52CF992D-B1CE-4106-8E77-135EBF9826E4}"/>
+              </a:ext>
+            </a:extLst>
+          </p:cNvPr>
+          <p:cNvSpPr txBox="1"/>
+          <p:nvPr/>
+        </p:nvSpPr>
+        <p:spPr>
+          <a:xfrm>
+            <a:off x="1507066" y="2520805"/>
+            <a:ext cx="4982511" cy="1815882"/>
+          </a:xfrm>
+          <a:prstGeom prst="rect">
+            <a:avLst/>
+          </a:prstGeom>
+          <a:noFill/>
+          <a:ln w="57150">
+            <a:solidFill>
+              <a:srgbClr val="0070C0"/>
+            </a:solidFill>
+          </a:ln>
+        </p:spPr>
+        <p:txBody>
+          <a:bodyPr wrap="square">
+            <a:spAutoFit/>
+          </a:bodyPr>
+          <a:lstStyle/>
+          <a:p>
+            <a:r>
+              <a:rPr lang="en-US" sz="1600" b="1" dirty="0">
+                <a:latin typeface="Segoe UI" panose="020B0502040204020203" pitchFamily="34" charset="0"/>
+                <a:cs typeface="Segoe UI" panose="020B0502040204020203" pitchFamily="34" charset="0"/>
+              </a:rPr>
+              <a:t>function</a:t>
+            </a:r>
+            <a:r>
+              <a:rPr lang="en-US" sz="1600" dirty="0">
+                <a:latin typeface="Segoe UI" panose="020B0502040204020203" pitchFamily="34" charset="0"/>
+                <a:cs typeface="Segoe UI" panose="020B0502040204020203" pitchFamily="34" charset="0"/>
+              </a:rPr>
+              <a:t> </a:t>
+            </a:r>
+            <a:r>
+              <a:rPr lang="en-US" sz="1600" dirty="0" err="1">
+                <a:latin typeface="Segoe UI" panose="020B0502040204020203" pitchFamily="34" charset="0"/>
+                <a:cs typeface="Segoe UI" panose="020B0502040204020203" pitchFamily="34" charset="0"/>
+              </a:rPr>
+              <a:t>getPropertyNames</a:t>
+            </a:r>
+            <a:r>
+              <a:rPr lang="en-US" sz="1600" dirty="0">
+                <a:latin typeface="Segoe UI" panose="020B0502040204020203" pitchFamily="34" charset="0"/>
+                <a:cs typeface="Segoe UI" panose="020B0502040204020203" pitchFamily="34" charset="0"/>
+              </a:rPr>
+              <a:t>(o, a) {</a:t>
+            </a:r>
+          </a:p>
+          <a:p>
+            <a:r>
+              <a:rPr lang="en-US" sz="1600" dirty="0">
+                <a:latin typeface="Segoe UI" panose="020B0502040204020203" pitchFamily="34" charset="0"/>
+                <a:cs typeface="Segoe UI" panose="020B0502040204020203" pitchFamily="34" charset="0"/>
+              </a:rPr>
+              <a:t>	</a:t>
+            </a:r>
+          </a:p>
+          <a:p>
+            <a:r>
+              <a:rPr lang="en-US" sz="1600" dirty="0">
+                <a:latin typeface="Segoe UI" panose="020B0502040204020203" pitchFamily="34" charset="0"/>
+                <a:cs typeface="Segoe UI" panose="020B0502040204020203" pitchFamily="34" charset="0"/>
+              </a:rPr>
+              <a:t>	a = a | | []; </a:t>
+            </a:r>
+          </a:p>
+          <a:p>
+            <a:r>
+              <a:rPr lang="en-US" sz="1600" dirty="0">
+                <a:latin typeface="Segoe UI" panose="020B0502040204020203" pitchFamily="34" charset="0"/>
+                <a:cs typeface="Segoe UI" panose="020B0502040204020203" pitchFamily="34" charset="0"/>
+              </a:rPr>
+              <a:t>	for( let property in o) </a:t>
+            </a:r>
+            <a:r>
+              <a:rPr lang="en-US" sz="1600" dirty="0" err="1">
+                <a:latin typeface="Segoe UI" panose="020B0502040204020203" pitchFamily="34" charset="0"/>
+                <a:cs typeface="Segoe UI" panose="020B0502040204020203" pitchFamily="34" charset="0"/>
+              </a:rPr>
+              <a:t>a.push</a:t>
+            </a:r>
+            <a:r>
+              <a:rPr lang="en-US" sz="1600" dirty="0">
+                <a:latin typeface="Segoe UI" panose="020B0502040204020203" pitchFamily="34" charset="0"/>
+                <a:cs typeface="Segoe UI" panose="020B0502040204020203" pitchFamily="34" charset="0"/>
+              </a:rPr>
+              <a:t>( property); </a:t>
+            </a:r>
+          </a:p>
+          <a:p>
+            <a:r>
+              <a:rPr lang="en-US" sz="1600" dirty="0">
+                <a:latin typeface="Segoe UI" panose="020B0502040204020203" pitchFamily="34" charset="0"/>
+                <a:cs typeface="Segoe UI" panose="020B0502040204020203" pitchFamily="34" charset="0"/>
+              </a:rPr>
+              <a:t>	</a:t>
+            </a:r>
+          </a:p>
+          <a:p>
+            <a:r>
+              <a:rPr lang="en-US" sz="1600" dirty="0">
+                <a:latin typeface="Segoe UI" panose="020B0502040204020203" pitchFamily="34" charset="0"/>
+                <a:cs typeface="Segoe UI" panose="020B0502040204020203" pitchFamily="34" charset="0"/>
+              </a:rPr>
+              <a:t>	return a; </a:t>
+            </a:r>
+          </a:p>
+          <a:p>
+            <a:r>
+              <a:rPr lang="en-US" sz="1600" dirty="0">
+                <a:latin typeface="Segoe UI" panose="020B0502040204020203" pitchFamily="34" charset="0"/>
+                <a:cs typeface="Segoe UI" panose="020B0502040204020203" pitchFamily="34" charset="0"/>
+              </a:rPr>
+              <a:t>}</a:t>
+            </a:r>
+          </a:p>
+        </p:txBody>
+      </p:sp>
+      <p:sp>
+        <p:nvSpPr>
+          <p:cNvPr id="7" name="TextBox 6">
+            <a:extLst>
+              <a:ext uri="{FF2B5EF4-FFF2-40B4-BE49-F238E27FC236}">
+                <a16:creationId xmlns:a16="http://schemas.microsoft.com/office/drawing/2014/main" id="{C7C61EEB-D6C2-4C34-9F50-A3CA8C53E61B}"/>
+              </a:ext>
+            </a:extLst>
+          </p:cNvPr>
+          <p:cNvSpPr txBox="1"/>
+          <p:nvPr/>
+        </p:nvSpPr>
+        <p:spPr>
+          <a:xfrm>
+            <a:off x="1507066" y="4725541"/>
+            <a:ext cx="4982511" cy="584775"/>
+          </a:xfrm>
+          <a:prstGeom prst="rect">
+            <a:avLst/>
+          </a:prstGeom>
+          <a:noFill/>
+          <a:ln w="57150">
+            <a:solidFill>
+              <a:srgbClr val="0070C0"/>
+            </a:solidFill>
+          </a:ln>
+        </p:spPr>
+        <p:txBody>
+          <a:bodyPr wrap="square">
+            <a:spAutoFit/>
+          </a:bodyPr>
+          <a:lstStyle/>
+          <a:p>
+            <a:r>
+              <a:rPr lang="en-US" sz="1600" dirty="0">
+                <a:latin typeface="Segoe UI" panose="020B0502040204020203" pitchFamily="34" charset="0"/>
+                <a:cs typeface="Segoe UI" panose="020B0502040204020203" pitchFamily="34" charset="0"/>
+              </a:rPr>
+              <a:t>let </a:t>
+            </a:r>
+            <a:r>
+              <a:rPr lang="en-US" sz="1600" b="1" dirty="0">
+                <a:solidFill>
+                  <a:srgbClr val="C00000"/>
+                </a:solidFill>
+                <a:latin typeface="Segoe UI" panose="020B0502040204020203" pitchFamily="34" charset="0"/>
+                <a:cs typeface="Segoe UI" panose="020B0502040204020203" pitchFamily="34" charset="0"/>
+              </a:rPr>
+              <a:t>o</a:t>
+            </a:r>
+            <a:r>
+              <a:rPr lang="en-US" sz="1600" dirty="0">
+                <a:latin typeface="Segoe UI" panose="020B0502040204020203" pitchFamily="34" charset="0"/>
+                <a:cs typeface="Segoe UI" panose="020B0502040204020203" pitchFamily="34" charset="0"/>
+              </a:rPr>
+              <a:t> = {</a:t>
+            </a:r>
+            <a:r>
+              <a:rPr lang="en-US" sz="1600" b="1" dirty="0">
+                <a:solidFill>
+                  <a:srgbClr val="FFC000"/>
+                </a:solidFill>
+                <a:latin typeface="Segoe UI" panose="020B0502040204020203" pitchFamily="34" charset="0"/>
+                <a:cs typeface="Segoe UI" panose="020B0502040204020203" pitchFamily="34" charset="0"/>
+              </a:rPr>
+              <a:t>x</a:t>
+            </a:r>
+            <a:r>
+              <a:rPr lang="en-US" sz="1600" dirty="0">
+                <a:latin typeface="Segoe UI" panose="020B0502040204020203" pitchFamily="34" charset="0"/>
+                <a:cs typeface="Segoe UI" panose="020B0502040204020203" pitchFamily="34" charset="0"/>
+              </a:rPr>
+              <a:t>: 1}; </a:t>
+            </a:r>
+          </a:p>
+          <a:p>
+            <a:r>
+              <a:rPr lang="en-US" sz="1600" dirty="0">
+                <a:latin typeface="Segoe UI" panose="020B0502040204020203" pitchFamily="34" charset="0"/>
+                <a:cs typeface="Segoe UI" panose="020B0502040204020203" pitchFamily="34" charset="0"/>
+              </a:rPr>
+              <a:t>let result = </a:t>
+            </a:r>
+            <a:r>
+              <a:rPr lang="en-US" sz="1600" dirty="0" err="1">
+                <a:latin typeface="Segoe UI" panose="020B0502040204020203" pitchFamily="34" charset="0"/>
+                <a:cs typeface="Segoe UI" panose="020B0502040204020203" pitchFamily="34" charset="0"/>
+              </a:rPr>
+              <a:t>getPropertyNames</a:t>
+            </a:r>
+            <a:r>
+              <a:rPr lang="en-US" sz="1600" dirty="0">
+                <a:latin typeface="Segoe UI" panose="020B0502040204020203" pitchFamily="34" charset="0"/>
+                <a:cs typeface="Segoe UI" panose="020B0502040204020203" pitchFamily="34" charset="0"/>
+              </a:rPr>
+              <a:t>(</a:t>
+            </a:r>
+            <a:r>
+              <a:rPr lang="en-US" sz="1600" b="1" dirty="0">
+                <a:solidFill>
+                  <a:srgbClr val="C00000"/>
+                </a:solidFill>
+                <a:latin typeface="Segoe UI" panose="020B0502040204020203" pitchFamily="34" charset="0"/>
+                <a:cs typeface="Segoe UI" panose="020B0502040204020203" pitchFamily="34" charset="0"/>
+              </a:rPr>
+              <a:t>o</a:t>
+            </a:r>
+            <a:r>
+              <a:rPr lang="en-US" sz="1600" dirty="0">
+                <a:latin typeface="Segoe UI" panose="020B0502040204020203" pitchFamily="34" charset="0"/>
+                <a:cs typeface="Segoe UI" panose="020B0502040204020203" pitchFamily="34" charset="0"/>
+              </a:rPr>
+              <a:t>); </a:t>
+            </a:r>
+          </a:p>
+        </p:txBody>
+      </p:sp>
+      <p:sp>
+        <p:nvSpPr>
+          <p:cNvPr id="9" name="TextBox 8">
+            <a:extLst>
+              <a:ext uri="{FF2B5EF4-FFF2-40B4-BE49-F238E27FC236}">
+                <a16:creationId xmlns:a16="http://schemas.microsoft.com/office/drawing/2014/main" id="{B070FD43-CB78-47AF-BCCD-2923792DB77E}"/>
+              </a:ext>
+            </a:extLst>
+          </p:cNvPr>
+          <p:cNvSpPr txBox="1"/>
+          <p:nvPr/>
+        </p:nvSpPr>
+        <p:spPr>
+          <a:xfrm>
+            <a:off x="1507066" y="5699170"/>
+            <a:ext cx="4982511" cy="830997"/>
+          </a:xfrm>
+          <a:prstGeom prst="rect">
+            <a:avLst/>
+          </a:prstGeom>
+          <a:noFill/>
+          <a:ln w="57150">
+            <a:solidFill>
+              <a:srgbClr val="0070C0"/>
+            </a:solidFill>
+          </a:ln>
+        </p:spPr>
+        <p:txBody>
+          <a:bodyPr wrap="square">
+            <a:spAutoFit/>
+          </a:bodyPr>
+          <a:lstStyle/>
+          <a:p>
+            <a:r>
+              <a:rPr lang="en-US" sz="1600" dirty="0">
+                <a:latin typeface="Segoe UI" panose="020B0502040204020203" pitchFamily="34" charset="0"/>
+                <a:cs typeface="Segoe UI" panose="020B0502040204020203" pitchFamily="34" charset="0"/>
+              </a:rPr>
+              <a:t>let </a:t>
+            </a:r>
+            <a:r>
+              <a:rPr lang="en-US" sz="1600" b="1" dirty="0">
+                <a:solidFill>
+                  <a:srgbClr val="C00000"/>
+                </a:solidFill>
+                <a:latin typeface="Segoe UI" panose="020B0502040204020203" pitchFamily="34" charset="0"/>
+                <a:cs typeface="Segoe UI" panose="020B0502040204020203" pitchFamily="34" charset="0"/>
+              </a:rPr>
+              <a:t>o</a:t>
+            </a:r>
+            <a:r>
+              <a:rPr lang="en-US" sz="1600" dirty="0">
+                <a:latin typeface="Segoe UI" panose="020B0502040204020203" pitchFamily="34" charset="0"/>
+                <a:cs typeface="Segoe UI" panose="020B0502040204020203" pitchFamily="34" charset="0"/>
+              </a:rPr>
+              <a:t> = {</a:t>
+            </a:r>
+            <a:r>
+              <a:rPr lang="en-US" sz="1600" b="1" dirty="0">
+                <a:solidFill>
+                  <a:srgbClr val="FFC000"/>
+                </a:solidFill>
+                <a:latin typeface="Segoe UI" panose="020B0502040204020203" pitchFamily="34" charset="0"/>
+                <a:cs typeface="Segoe UI" panose="020B0502040204020203" pitchFamily="34" charset="0"/>
+              </a:rPr>
+              <a:t>x</a:t>
+            </a:r>
+            <a:r>
+              <a:rPr lang="en-US" sz="1600" dirty="0">
+                <a:latin typeface="Segoe UI" panose="020B0502040204020203" pitchFamily="34" charset="0"/>
+                <a:cs typeface="Segoe UI" panose="020B0502040204020203" pitchFamily="34" charset="0"/>
+              </a:rPr>
+              <a:t>: 1};</a:t>
+            </a:r>
+          </a:p>
+          <a:p>
+            <a:r>
+              <a:rPr lang="en-US" sz="1600" dirty="0">
+                <a:latin typeface="Segoe UI" panose="020B0502040204020203" pitchFamily="34" charset="0"/>
+                <a:cs typeface="Segoe UI" panose="020B0502040204020203" pitchFamily="34" charset="0"/>
+              </a:rPr>
+              <a:t>let </a:t>
+            </a:r>
+            <a:r>
+              <a:rPr lang="en-US" sz="1600" b="1" dirty="0">
+                <a:solidFill>
+                  <a:srgbClr val="0070C0"/>
+                </a:solidFill>
+                <a:latin typeface="Segoe UI" panose="020B0502040204020203" pitchFamily="34" charset="0"/>
+                <a:cs typeface="Segoe UI" panose="020B0502040204020203" pitchFamily="34" charset="0"/>
+              </a:rPr>
+              <a:t>a</a:t>
+            </a:r>
+            <a:r>
+              <a:rPr lang="en-US" sz="1600" dirty="0">
+                <a:latin typeface="Segoe UI" panose="020B0502040204020203" pitchFamily="34" charset="0"/>
+                <a:cs typeface="Segoe UI" panose="020B0502040204020203" pitchFamily="34" charset="0"/>
+              </a:rPr>
+              <a:t> = [‘</a:t>
+            </a:r>
+            <a:r>
+              <a:rPr lang="en-US" sz="1600" b="1" dirty="0">
+                <a:solidFill>
+                  <a:srgbClr val="7030A0"/>
+                </a:solidFill>
+                <a:latin typeface="Segoe UI" panose="020B0502040204020203" pitchFamily="34" charset="0"/>
+                <a:cs typeface="Segoe UI" panose="020B0502040204020203" pitchFamily="34" charset="0"/>
+              </a:rPr>
+              <a:t>y</a:t>
+            </a:r>
+            <a:r>
+              <a:rPr lang="en-US" sz="1600" dirty="0">
+                <a:latin typeface="Segoe UI" panose="020B0502040204020203" pitchFamily="34" charset="0"/>
+                <a:cs typeface="Segoe UI" panose="020B0502040204020203" pitchFamily="34" charset="0"/>
+              </a:rPr>
+              <a:t>’, ‘</a:t>
+            </a:r>
+            <a:r>
+              <a:rPr lang="en-US" sz="1600" b="1" dirty="0">
+                <a:solidFill>
+                  <a:srgbClr val="7030A0"/>
+                </a:solidFill>
+                <a:latin typeface="Segoe UI" panose="020B0502040204020203" pitchFamily="34" charset="0"/>
+                <a:cs typeface="Segoe UI" panose="020B0502040204020203" pitchFamily="34" charset="0"/>
+              </a:rPr>
+              <a:t>z</a:t>
+            </a:r>
+            <a:r>
+              <a:rPr lang="en-US" sz="1600" dirty="0">
+                <a:latin typeface="Segoe UI" panose="020B0502040204020203" pitchFamily="34" charset="0"/>
+                <a:cs typeface="Segoe UI" panose="020B0502040204020203" pitchFamily="34" charset="0"/>
+              </a:rPr>
+              <a:t>’]; </a:t>
+            </a:r>
+          </a:p>
+          <a:p>
+            <a:r>
+              <a:rPr lang="en-US" sz="1600" dirty="0">
+                <a:latin typeface="Segoe UI" panose="020B0502040204020203" pitchFamily="34" charset="0"/>
+                <a:cs typeface="Segoe UI" panose="020B0502040204020203" pitchFamily="34" charset="0"/>
+              </a:rPr>
+              <a:t>let result = </a:t>
+            </a:r>
+            <a:r>
+              <a:rPr lang="en-US" sz="1600" dirty="0" err="1">
+                <a:latin typeface="Segoe UI" panose="020B0502040204020203" pitchFamily="34" charset="0"/>
+                <a:cs typeface="Segoe UI" panose="020B0502040204020203" pitchFamily="34" charset="0"/>
+              </a:rPr>
+              <a:t>getPropertyNames</a:t>
+            </a:r>
+            <a:r>
+              <a:rPr lang="en-US" sz="1600" dirty="0">
+                <a:latin typeface="Segoe UI" panose="020B0502040204020203" pitchFamily="34" charset="0"/>
+                <a:cs typeface="Segoe UI" panose="020B0502040204020203" pitchFamily="34" charset="0"/>
+              </a:rPr>
+              <a:t>(</a:t>
+            </a:r>
+            <a:r>
+              <a:rPr lang="en-US" sz="1600" b="1" dirty="0">
+                <a:solidFill>
+                  <a:srgbClr val="C00000"/>
+                </a:solidFill>
+                <a:latin typeface="Segoe UI" panose="020B0502040204020203" pitchFamily="34" charset="0"/>
+                <a:cs typeface="Segoe UI" panose="020B0502040204020203" pitchFamily="34" charset="0"/>
+              </a:rPr>
+              <a:t>o</a:t>
+            </a:r>
+            <a:r>
+              <a:rPr lang="en-US" sz="1600" dirty="0">
+                <a:solidFill>
+                  <a:schemeClr val="tx1">
+                    <a:lumMod val="95000"/>
+                    <a:lumOff val="5000"/>
+                  </a:schemeClr>
+                </a:solidFill>
+                <a:latin typeface="Segoe UI" panose="020B0502040204020203" pitchFamily="34" charset="0"/>
+                <a:cs typeface="Segoe UI" panose="020B0502040204020203" pitchFamily="34" charset="0"/>
+              </a:rPr>
+              <a:t>,</a:t>
+            </a:r>
+            <a:r>
+              <a:rPr lang="en-US" sz="1600" dirty="0">
+                <a:latin typeface="Segoe UI" panose="020B0502040204020203" pitchFamily="34" charset="0"/>
+                <a:cs typeface="Segoe UI" panose="020B0502040204020203" pitchFamily="34" charset="0"/>
+              </a:rPr>
+              <a:t> </a:t>
+            </a:r>
+            <a:r>
+              <a:rPr lang="en-US" sz="1600" b="1" dirty="0">
+                <a:solidFill>
+                  <a:srgbClr val="0070C0"/>
+                </a:solidFill>
+                <a:latin typeface="Segoe UI" panose="020B0502040204020203" pitchFamily="34" charset="0"/>
+                <a:cs typeface="Segoe UI" panose="020B0502040204020203" pitchFamily="34" charset="0"/>
+              </a:rPr>
+              <a:t>a</a:t>
+            </a:r>
+            <a:r>
+              <a:rPr lang="en-US" sz="1600" dirty="0">
+                <a:latin typeface="Segoe UI" panose="020B0502040204020203" pitchFamily="34" charset="0"/>
+                <a:cs typeface="Segoe UI" panose="020B0502040204020203" pitchFamily="34" charset="0"/>
+              </a:rPr>
+              <a:t>); </a:t>
+            </a:r>
+          </a:p>
+        </p:txBody>
+      </p:sp>
+      <p:sp>
+        <p:nvSpPr>
+          <p:cNvPr id="8" name="Arrow: Right 7">
+            <a:extLst>
+              <a:ext uri="{FF2B5EF4-FFF2-40B4-BE49-F238E27FC236}">
+                <a16:creationId xmlns:a16="http://schemas.microsoft.com/office/drawing/2014/main" id="{F61242DB-5739-45BE-ACB9-2B5F520DD540}"/>
+              </a:ext>
+            </a:extLst>
+          </p:cNvPr>
+          <p:cNvSpPr/>
+          <p:nvPr/>
+        </p:nvSpPr>
+        <p:spPr>
+          <a:xfrm>
+            <a:off x="6764783" y="4725540"/>
+            <a:ext cx="887767" cy="584775"/>
+          </a:xfrm>
+          <a:prstGeom prst="rightArrow">
+            <a:avLst/>
+          </a:prstGeom>
+          <a:solidFill>
+            <a:srgbClr val="0070C0"/>
+          </a:solidFill>
+          <a:ln w="38100">
+            <a:solidFill>
+              <a:schemeClr val="tx1">
+                <a:lumMod val="85000"/>
+                <a:lumOff val="15000"/>
+              </a:schemeClr>
+            </a:solidFill>
+          </a:ln>
+        </p:spPr>
+        <p:style>
+          <a:lnRef idx="2">
+            <a:schemeClr val="accent1">
+              <a:shade val="50000"/>
+            </a:schemeClr>
+          </a:lnRef>
+          <a:fillRef idx="1">
+            <a:schemeClr val="accent1"/>
+          </a:fillRef>
+          <a:effectRef idx="0">
+            <a:schemeClr val="accent1"/>
+          </a:effectRef>
+          <a:fontRef idx="minor">
+            <a:schemeClr val="lt1"/>
+          </a:fontRef>
+        </p:style>
+        <p:txBody>
+          <a:bodyPr rtlCol="0" anchor="ctr"/>
+          <a:lstStyle/>
+          <a:p>
+            <a:pPr algn="ctr"/>
+            <a:endParaRPr lang="en-US" sz="1600">
+              <a:latin typeface="Segoe UI" panose="020B0502040204020203" pitchFamily="34" charset="0"/>
+              <a:cs typeface="Segoe UI" panose="020B0502040204020203" pitchFamily="34" charset="0"/>
+            </a:endParaRPr>
+          </a:p>
+        </p:txBody>
+      </p:sp>
+      <p:sp>
+        <p:nvSpPr>
+          <p:cNvPr id="11" name="Arrow: Right 10">
+            <a:extLst>
+              <a:ext uri="{FF2B5EF4-FFF2-40B4-BE49-F238E27FC236}">
+                <a16:creationId xmlns:a16="http://schemas.microsoft.com/office/drawing/2014/main" id="{856BB632-DBAA-4934-9350-AD5537F01EB4}"/>
+              </a:ext>
+            </a:extLst>
+          </p:cNvPr>
+          <p:cNvSpPr/>
+          <p:nvPr/>
+        </p:nvSpPr>
+        <p:spPr>
+          <a:xfrm>
+            <a:off x="6764783" y="5822280"/>
+            <a:ext cx="887767" cy="584775"/>
+          </a:xfrm>
+          <a:prstGeom prst="rightArrow">
+            <a:avLst/>
+          </a:prstGeom>
+          <a:solidFill>
+            <a:srgbClr val="0070C0"/>
+          </a:solidFill>
+          <a:ln w="38100">
+            <a:solidFill>
+              <a:schemeClr val="tx1">
+                <a:lumMod val="85000"/>
+                <a:lumOff val="15000"/>
+              </a:schemeClr>
+            </a:solidFill>
+          </a:ln>
+        </p:spPr>
+        <p:style>
+          <a:lnRef idx="2">
+            <a:schemeClr val="accent1">
+              <a:shade val="50000"/>
+            </a:schemeClr>
+          </a:lnRef>
+          <a:fillRef idx="1">
+            <a:schemeClr val="accent1"/>
+          </a:fillRef>
+          <a:effectRef idx="0">
+            <a:schemeClr val="accent1"/>
+          </a:effectRef>
+          <a:fontRef idx="minor">
+            <a:schemeClr val="lt1"/>
+          </a:fontRef>
+        </p:style>
+        <p:txBody>
+          <a:bodyPr rtlCol="0" anchor="ctr"/>
+          <a:lstStyle/>
+          <a:p>
+            <a:pPr algn="ctr"/>
+            <a:endParaRPr lang="en-US" sz="1600">
+              <a:latin typeface="Segoe UI" panose="020B0502040204020203" pitchFamily="34" charset="0"/>
+              <a:cs typeface="Segoe UI" panose="020B0502040204020203" pitchFamily="34" charset="0"/>
+            </a:endParaRPr>
+          </a:p>
+        </p:txBody>
+      </p:sp>
+      <p:sp>
+        <p:nvSpPr>
+          <p:cNvPr id="10" name="TextBox 9">
+            <a:extLst>
+              <a:ext uri="{FF2B5EF4-FFF2-40B4-BE49-F238E27FC236}">
+                <a16:creationId xmlns:a16="http://schemas.microsoft.com/office/drawing/2014/main" id="{E96C49C0-4B83-45E8-A419-87E7FC756D46}"/>
+              </a:ext>
+            </a:extLst>
+          </p:cNvPr>
+          <p:cNvSpPr txBox="1"/>
+          <p:nvPr/>
+        </p:nvSpPr>
+        <p:spPr>
+          <a:xfrm>
+            <a:off x="7927756" y="4848650"/>
+            <a:ext cx="2254931" cy="338554"/>
+          </a:xfrm>
+          <a:prstGeom prst="rect">
+            <a:avLst/>
+          </a:prstGeom>
+          <a:noFill/>
+          <a:ln w="57150">
+            <a:solidFill>
+              <a:schemeClr val="tx1">
+                <a:lumMod val="85000"/>
+                <a:lumOff val="15000"/>
+              </a:schemeClr>
+            </a:solidFill>
+          </a:ln>
+        </p:spPr>
+        <p:txBody>
+          <a:bodyPr wrap="square" rtlCol="0" anchor="ctr">
+            <a:spAutoFit/>
+          </a:bodyPr>
+          <a:lstStyle/>
+          <a:p>
+            <a:r>
+              <a:rPr lang="en-US" sz="1600" dirty="0">
+                <a:latin typeface="Segoe UI" panose="020B0502040204020203" pitchFamily="34" charset="0"/>
+                <a:cs typeface="Segoe UI" panose="020B0502040204020203" pitchFamily="34" charset="0"/>
+              </a:rPr>
+              <a:t>result === [‘</a:t>
+            </a:r>
+            <a:r>
+              <a:rPr lang="en-US" sz="1600" b="1" dirty="0">
+                <a:solidFill>
+                  <a:srgbClr val="FFC000"/>
+                </a:solidFill>
+                <a:latin typeface="Segoe UI" panose="020B0502040204020203" pitchFamily="34" charset="0"/>
+                <a:cs typeface="Segoe UI" panose="020B0502040204020203" pitchFamily="34" charset="0"/>
+              </a:rPr>
+              <a:t>x</a:t>
+            </a:r>
+            <a:r>
+              <a:rPr lang="en-US" sz="1600" dirty="0">
+                <a:latin typeface="Segoe UI" panose="020B0502040204020203" pitchFamily="34" charset="0"/>
+                <a:cs typeface="Segoe UI" panose="020B0502040204020203" pitchFamily="34" charset="0"/>
+              </a:rPr>
+              <a:t>’]</a:t>
+            </a:r>
+          </a:p>
+        </p:txBody>
+      </p:sp>
+      <p:sp>
+        <p:nvSpPr>
+          <p:cNvPr id="13" name="TextBox 12">
+            <a:extLst>
+              <a:ext uri="{FF2B5EF4-FFF2-40B4-BE49-F238E27FC236}">
+                <a16:creationId xmlns:a16="http://schemas.microsoft.com/office/drawing/2014/main" id="{8671038C-9760-4DFC-BEBC-230CE5AC3707}"/>
+              </a:ext>
+            </a:extLst>
+          </p:cNvPr>
+          <p:cNvSpPr txBox="1"/>
+          <p:nvPr/>
+        </p:nvSpPr>
+        <p:spPr>
+          <a:xfrm>
+            <a:off x="7927756" y="5945390"/>
+            <a:ext cx="2254931" cy="338554"/>
+          </a:xfrm>
+          <a:prstGeom prst="rect">
+            <a:avLst/>
+          </a:prstGeom>
+          <a:noFill/>
+          <a:ln w="57150">
+            <a:solidFill>
+              <a:schemeClr val="tx1">
+                <a:lumMod val="85000"/>
+                <a:lumOff val="15000"/>
+              </a:schemeClr>
+            </a:solidFill>
+          </a:ln>
+        </p:spPr>
+        <p:txBody>
+          <a:bodyPr wrap="square" rtlCol="0" anchor="ctr">
+            <a:spAutoFit/>
+          </a:bodyPr>
+          <a:lstStyle/>
+          <a:p>
+            <a:r>
+              <a:rPr lang="en-US" sz="1600" dirty="0">
+                <a:latin typeface="Segoe UI" panose="020B0502040204020203" pitchFamily="34" charset="0"/>
+                <a:cs typeface="Segoe UI" panose="020B0502040204020203" pitchFamily="34" charset="0"/>
+              </a:rPr>
+              <a:t>result === [‘</a:t>
+            </a:r>
+            <a:r>
+              <a:rPr lang="en-US" sz="1600" b="1" dirty="0">
+                <a:solidFill>
+                  <a:srgbClr val="FFC000"/>
+                </a:solidFill>
+                <a:latin typeface="Segoe UI" panose="020B0502040204020203" pitchFamily="34" charset="0"/>
+                <a:cs typeface="Segoe UI" panose="020B0502040204020203" pitchFamily="34" charset="0"/>
+              </a:rPr>
+              <a:t>x</a:t>
+            </a:r>
+            <a:r>
+              <a:rPr lang="en-US" sz="1600" dirty="0">
+                <a:latin typeface="Segoe UI" panose="020B0502040204020203" pitchFamily="34" charset="0"/>
+                <a:cs typeface="Segoe UI" panose="020B0502040204020203" pitchFamily="34" charset="0"/>
+              </a:rPr>
+              <a:t>’, ‘</a:t>
+            </a:r>
+            <a:r>
+              <a:rPr lang="en-US" sz="1600" b="1" dirty="0">
+                <a:solidFill>
+                  <a:srgbClr val="7030A0"/>
+                </a:solidFill>
+                <a:latin typeface="Segoe UI" panose="020B0502040204020203" pitchFamily="34" charset="0"/>
+                <a:cs typeface="Segoe UI" panose="020B0502040204020203" pitchFamily="34" charset="0"/>
+              </a:rPr>
+              <a:t>y</a:t>
+            </a:r>
+            <a:r>
+              <a:rPr lang="en-US" sz="1600" dirty="0">
+                <a:latin typeface="Segoe UI" panose="020B0502040204020203" pitchFamily="34" charset="0"/>
+                <a:cs typeface="Segoe UI" panose="020B0502040204020203" pitchFamily="34" charset="0"/>
+              </a:rPr>
+              <a:t>’, ‘</a:t>
+            </a:r>
+            <a:r>
+              <a:rPr lang="en-US" sz="1600" b="1" dirty="0">
+                <a:solidFill>
+                  <a:srgbClr val="7030A0"/>
+                </a:solidFill>
+                <a:latin typeface="Segoe UI" panose="020B0502040204020203" pitchFamily="34" charset="0"/>
+                <a:cs typeface="Segoe UI" panose="020B0502040204020203" pitchFamily="34" charset="0"/>
+              </a:rPr>
+              <a:t>z</a:t>
+            </a:r>
+            <a:r>
+              <a:rPr lang="en-US" sz="1600" dirty="0">
+                <a:latin typeface="Segoe UI" panose="020B0502040204020203" pitchFamily="34" charset="0"/>
+                <a:cs typeface="Segoe UI" panose="020B0502040204020203" pitchFamily="34" charset="0"/>
+              </a:rPr>
+              <a:t>’]</a:t>
+            </a:r>
+          </a:p>
+        </p:txBody>
+      </p:sp>
+    </p:spTree>
+    <p:extLst>
+      <p:ext uri="{BB962C8B-B14F-4D97-AF65-F5344CB8AC3E}">
+        <p14:creationId xmlns:p14="http://schemas.microsoft.com/office/powerpoint/2010/main" val="1650024469"/>
+      </p:ext>
+    </p:extLst>
+  </p:cSld>
+  <p:clrMapOvr>
+    <a:masterClrMapping/>
+  </p:clrMapOvr>
+</p:sld>
+</file>
+
+<file path=ppt/slides/slide26.xml><?xml version="1.0" encoding="utf-8"?>
+<p:sld xmlns:a="http://schemas.openxmlformats.org/drawingml/2006/main" xmlns:r="http://schemas.openxmlformats.org/officeDocument/2006/relationships" xmlns:p="http://schemas.openxmlformats.org/presentationml/2006/main">
+  <p:cSld>
+    <p:spTree>
+      <p:nvGrpSpPr>
+        <p:cNvPr id="1" name=""/>
+        <p:cNvGrpSpPr/>
+        <p:nvPr/>
+      </p:nvGrpSpPr>
+      <p:grpSpPr>
+        <a:xfrm>
+          <a:off x="0" y="0"/>
+          <a:ext cx="0" cy="0"/>
+          <a:chOff x="0" y="0"/>
+          <a:chExt cx="0" cy="0"/>
+        </a:xfrm>
+      </p:grpSpPr>
+      <p:sp>
+        <p:nvSpPr>
+          <p:cNvPr id="12" name="TextBox 11">
+            <a:extLst>
+              <a:ext uri="{FF2B5EF4-FFF2-40B4-BE49-F238E27FC236}">
+                <a16:creationId xmlns:a16="http://schemas.microsoft.com/office/drawing/2014/main" id="{4A84A252-15C0-40F0-8326-05C2B2D5FB3E}"/>
+              </a:ext>
+            </a:extLst>
+          </p:cNvPr>
+          <p:cNvSpPr txBox="1"/>
+          <p:nvPr/>
+        </p:nvSpPr>
+        <p:spPr>
+          <a:xfrm>
+            <a:off x="1507066" y="1625757"/>
+            <a:ext cx="9616652" cy="584775"/>
+          </a:xfrm>
+          <a:prstGeom prst="rect">
+            <a:avLst/>
+          </a:prstGeom>
+          <a:noFill/>
+        </p:spPr>
+        <p:txBody>
+          <a:bodyPr wrap="square">
+            <a:spAutoFit/>
+          </a:bodyPr>
+          <a:lstStyle/>
+          <a:p>
+            <a:r>
+              <a:rPr lang="en-US" sz="1600" dirty="0">
+                <a:latin typeface="Segoe UI" panose="020B0502040204020203" pitchFamily="34" charset="0"/>
+                <a:cs typeface="Segoe UI" panose="020B0502040204020203" pitchFamily="34" charset="0"/>
+              </a:rPr>
+              <a:t>In </a:t>
+            </a:r>
+            <a:r>
+              <a:rPr lang="en-US" sz="1600" b="1" dirty="0">
+                <a:latin typeface="Segoe UI" panose="020B0502040204020203" pitchFamily="34" charset="0"/>
+                <a:cs typeface="Segoe UI" panose="020B0502040204020203" pitchFamily="34" charset="0"/>
+              </a:rPr>
+              <a:t>ES6</a:t>
+            </a:r>
+            <a:r>
+              <a:rPr lang="en-US" sz="1600" dirty="0">
+                <a:latin typeface="Segoe UI" panose="020B0502040204020203" pitchFamily="34" charset="0"/>
+                <a:cs typeface="Segoe UI" panose="020B0502040204020203" pitchFamily="34" charset="0"/>
+              </a:rPr>
+              <a:t> and later, you can define a </a:t>
+            </a:r>
+            <a:r>
+              <a:rPr lang="en-US" sz="1600" b="1" dirty="0">
+                <a:latin typeface="Segoe UI" panose="020B0502040204020203" pitchFamily="34" charset="0"/>
+                <a:cs typeface="Segoe UI" panose="020B0502040204020203" pitchFamily="34" charset="0"/>
+              </a:rPr>
+              <a:t>default value </a:t>
+            </a:r>
+            <a:r>
+              <a:rPr lang="en-US" sz="1600" dirty="0">
+                <a:latin typeface="Segoe UI" panose="020B0502040204020203" pitchFamily="34" charset="0"/>
+                <a:cs typeface="Segoe UI" panose="020B0502040204020203" pitchFamily="34" charset="0"/>
+              </a:rPr>
+              <a:t>for each of your function parameters directly </a:t>
+            </a:r>
+            <a:r>
+              <a:rPr lang="en-US" sz="1600" b="1" dirty="0">
+                <a:latin typeface="Segoe UI" panose="020B0502040204020203" pitchFamily="34" charset="0"/>
+                <a:cs typeface="Segoe UI" panose="020B0502040204020203" pitchFamily="34" charset="0"/>
+              </a:rPr>
+              <a:t>in the parameter list</a:t>
+            </a:r>
+            <a:r>
+              <a:rPr lang="en-US" sz="1600" dirty="0">
+                <a:latin typeface="Segoe UI" panose="020B0502040204020203" pitchFamily="34" charset="0"/>
+                <a:cs typeface="Segoe UI" panose="020B0502040204020203" pitchFamily="34" charset="0"/>
+              </a:rPr>
+              <a:t> of your function. </a:t>
+            </a:r>
+          </a:p>
+        </p:txBody>
+      </p:sp>
+      <p:sp>
+        <p:nvSpPr>
+          <p:cNvPr id="2" name="Title 1">
+            <a:extLst>
+              <a:ext uri="{FF2B5EF4-FFF2-40B4-BE49-F238E27FC236}">
+                <a16:creationId xmlns:a16="http://schemas.microsoft.com/office/drawing/2014/main" id="{2D4E4121-CDC8-41BA-846E-58655BA90FCF}"/>
+              </a:ext>
+            </a:extLst>
+          </p:cNvPr>
+          <p:cNvSpPr>
+            <a:spLocks noGrp="1"/>
+          </p:cNvSpPr>
+          <p:nvPr>
+            <p:ph type="ctrTitle"/>
+          </p:nvPr>
+        </p:nvSpPr>
+        <p:spPr>
+          <a:xfrm>
+            <a:off x="1507067" y="345351"/>
+            <a:ext cx="7766936" cy="970133"/>
+          </a:xfrm>
+        </p:spPr>
+        <p:txBody>
+          <a:bodyPr/>
+          <a:lstStyle/>
+          <a:p>
+            <a:pPr algn="l"/>
+            <a:r>
+              <a:rPr lang="en-US" dirty="0">
+                <a:solidFill>
+                  <a:schemeClr val="tx1">
+                    <a:lumMod val="85000"/>
+                    <a:lumOff val="15000"/>
+                  </a:schemeClr>
+                </a:solidFill>
+                <a:latin typeface="Segoe UI" panose="020B0502040204020203" pitchFamily="34" charset="0"/>
+                <a:cs typeface="Segoe UI" panose="020B0502040204020203" pitchFamily="34" charset="0"/>
+              </a:rPr>
+              <a:t>JS| </a:t>
+            </a:r>
+            <a:r>
+              <a:rPr lang="en-US" sz="3200" b="1" dirty="0">
+                <a:solidFill>
+                  <a:schemeClr val="tx1">
+                    <a:lumMod val="85000"/>
+                    <a:lumOff val="15000"/>
+                  </a:schemeClr>
+                </a:solidFill>
+                <a:latin typeface="Segoe UI" panose="020B0502040204020203" pitchFamily="34" charset="0"/>
+                <a:cs typeface="Segoe UI" panose="020B0502040204020203" pitchFamily="34" charset="0"/>
+              </a:rPr>
+              <a:t>Optional Parameters and Default</a:t>
+            </a:r>
+            <a:endParaRPr lang="en-US" b="1" dirty="0">
+              <a:solidFill>
+                <a:schemeClr val="tx1">
+                  <a:lumMod val="85000"/>
+                  <a:lumOff val="15000"/>
+                </a:schemeClr>
+              </a:solidFill>
+              <a:latin typeface="Segoe UI" panose="020B0502040204020203" pitchFamily="34" charset="0"/>
+              <a:cs typeface="Segoe UI" panose="020B0502040204020203" pitchFamily="34" charset="0"/>
+            </a:endParaRPr>
+          </a:p>
+        </p:txBody>
+      </p:sp>
+      <p:sp>
+        <p:nvSpPr>
+          <p:cNvPr id="7" name="TextBox 6">
+            <a:extLst>
+              <a:ext uri="{FF2B5EF4-FFF2-40B4-BE49-F238E27FC236}">
+                <a16:creationId xmlns:a16="http://schemas.microsoft.com/office/drawing/2014/main" id="{C7C61EEB-D6C2-4C34-9F50-A3CA8C53E61B}"/>
+              </a:ext>
+            </a:extLst>
+          </p:cNvPr>
+          <p:cNvSpPr txBox="1"/>
+          <p:nvPr/>
+        </p:nvSpPr>
+        <p:spPr>
+          <a:xfrm>
+            <a:off x="1507065" y="2520805"/>
+            <a:ext cx="4982511" cy="1323439"/>
+          </a:xfrm>
+          <a:prstGeom prst="rect">
+            <a:avLst/>
+          </a:prstGeom>
+          <a:noFill/>
+          <a:ln w="57150">
+            <a:solidFill>
+              <a:srgbClr val="0070C0"/>
+            </a:solidFill>
+          </a:ln>
+        </p:spPr>
+        <p:txBody>
+          <a:bodyPr wrap="square">
+            <a:spAutoFit/>
+          </a:bodyPr>
+          <a:lstStyle/>
+          <a:p>
+            <a:r>
+              <a:rPr lang="en-US" sz="1600" b="1" dirty="0">
+                <a:latin typeface="Segoe UI" panose="020B0502040204020203" pitchFamily="34" charset="0"/>
+                <a:cs typeface="Segoe UI" panose="020B0502040204020203" pitchFamily="34" charset="0"/>
+              </a:rPr>
+              <a:t>function</a:t>
+            </a:r>
+            <a:r>
+              <a:rPr lang="en-US" sz="1600" dirty="0">
+                <a:latin typeface="Segoe UI" panose="020B0502040204020203" pitchFamily="34" charset="0"/>
+                <a:cs typeface="Segoe UI" panose="020B0502040204020203" pitchFamily="34" charset="0"/>
+              </a:rPr>
+              <a:t> </a:t>
+            </a:r>
+            <a:r>
+              <a:rPr lang="en-US" sz="1600" dirty="0" err="1">
+                <a:latin typeface="Segoe UI" panose="020B0502040204020203" pitchFamily="34" charset="0"/>
+                <a:cs typeface="Segoe UI" panose="020B0502040204020203" pitchFamily="34" charset="0"/>
+              </a:rPr>
+              <a:t>getPropertyNames</a:t>
+            </a:r>
+            <a:r>
+              <a:rPr lang="en-US" sz="1600" dirty="0">
+                <a:latin typeface="Segoe UI" panose="020B0502040204020203" pitchFamily="34" charset="0"/>
+                <a:cs typeface="Segoe UI" panose="020B0502040204020203" pitchFamily="34" charset="0"/>
+              </a:rPr>
+              <a:t>( o, a = []) { </a:t>
+            </a:r>
+          </a:p>
+          <a:p>
+            <a:r>
+              <a:rPr lang="en-US" sz="1600" dirty="0">
+                <a:latin typeface="Segoe UI" panose="020B0502040204020203" pitchFamily="34" charset="0"/>
+                <a:cs typeface="Segoe UI" panose="020B0502040204020203" pitchFamily="34" charset="0"/>
+              </a:rPr>
+              <a:t>	for( let property in o) </a:t>
+            </a:r>
+            <a:r>
+              <a:rPr lang="en-US" sz="1600" dirty="0" err="1">
+                <a:latin typeface="Segoe UI" panose="020B0502040204020203" pitchFamily="34" charset="0"/>
+                <a:cs typeface="Segoe UI" panose="020B0502040204020203" pitchFamily="34" charset="0"/>
+              </a:rPr>
+              <a:t>a.push</a:t>
+            </a:r>
+            <a:r>
+              <a:rPr lang="en-US" sz="1600" dirty="0">
+                <a:latin typeface="Segoe UI" panose="020B0502040204020203" pitchFamily="34" charset="0"/>
+                <a:cs typeface="Segoe UI" panose="020B0502040204020203" pitchFamily="34" charset="0"/>
+              </a:rPr>
+              <a:t>( property); </a:t>
+            </a:r>
+          </a:p>
+          <a:p>
+            <a:r>
+              <a:rPr lang="en-US" sz="1600" dirty="0">
+                <a:latin typeface="Segoe UI" panose="020B0502040204020203" pitchFamily="34" charset="0"/>
+                <a:cs typeface="Segoe UI" panose="020B0502040204020203" pitchFamily="34" charset="0"/>
+              </a:rPr>
+              <a:t>	</a:t>
+            </a:r>
+          </a:p>
+          <a:p>
+            <a:r>
+              <a:rPr lang="en-US" sz="1600" dirty="0">
+                <a:latin typeface="Segoe UI" panose="020B0502040204020203" pitchFamily="34" charset="0"/>
+                <a:cs typeface="Segoe UI" panose="020B0502040204020203" pitchFamily="34" charset="0"/>
+              </a:rPr>
+              <a:t>	return a;</a:t>
+            </a:r>
+          </a:p>
+          <a:p>
+            <a:r>
+              <a:rPr lang="en-US" sz="1600" dirty="0">
+                <a:latin typeface="Segoe UI" panose="020B0502040204020203" pitchFamily="34" charset="0"/>
+                <a:cs typeface="Segoe UI" panose="020B0502040204020203" pitchFamily="34" charset="0"/>
+              </a:rPr>
+              <a:t>}</a:t>
+            </a:r>
+          </a:p>
+        </p:txBody>
+      </p:sp>
+      <p:sp>
+        <p:nvSpPr>
+          <p:cNvPr id="16" name="TextBox 15">
+            <a:extLst>
+              <a:ext uri="{FF2B5EF4-FFF2-40B4-BE49-F238E27FC236}">
+                <a16:creationId xmlns:a16="http://schemas.microsoft.com/office/drawing/2014/main" id="{306CB4B5-5060-435F-B772-42F935044A5D}"/>
+              </a:ext>
+            </a:extLst>
+          </p:cNvPr>
+          <p:cNvSpPr txBox="1"/>
+          <p:nvPr/>
+        </p:nvSpPr>
+        <p:spPr>
+          <a:xfrm>
+            <a:off x="1507065" y="4154517"/>
+            <a:ext cx="9616652" cy="584775"/>
+          </a:xfrm>
+          <a:prstGeom prst="rect">
+            <a:avLst/>
+          </a:prstGeom>
+          <a:solidFill>
+            <a:schemeClr val="accent3">
+              <a:lumMod val="40000"/>
+              <a:lumOff val="60000"/>
+            </a:schemeClr>
+          </a:solidFill>
+          <a:ln w="57150">
+            <a:solidFill>
+              <a:srgbClr val="00B050"/>
+            </a:solidFill>
+          </a:ln>
+        </p:spPr>
+        <p:txBody>
+          <a:bodyPr wrap="square">
+            <a:spAutoFit/>
+          </a:bodyPr>
+          <a:lstStyle/>
+          <a:p>
+            <a:r>
+              <a:rPr lang="en-US" sz="1600" dirty="0">
+                <a:latin typeface="Segoe UI" panose="020B0502040204020203" pitchFamily="34" charset="0"/>
+                <a:cs typeface="Segoe UI" panose="020B0502040204020203" pitchFamily="34" charset="0"/>
+              </a:rPr>
+              <a:t>One interesting case is that, for functions with multiple parameters, you can use the </a:t>
+            </a:r>
+            <a:r>
+              <a:rPr lang="en-US" sz="1600" b="1" dirty="0">
+                <a:latin typeface="Segoe UI" panose="020B0502040204020203" pitchFamily="34" charset="0"/>
+                <a:cs typeface="Segoe UI" panose="020B0502040204020203" pitchFamily="34" charset="0"/>
+              </a:rPr>
+              <a:t>value of a previous </a:t>
+            </a:r>
+            <a:r>
+              <a:rPr lang="en-US" sz="1600" dirty="0">
+                <a:latin typeface="Segoe UI" panose="020B0502040204020203" pitchFamily="34" charset="0"/>
+                <a:cs typeface="Segoe UI" panose="020B0502040204020203" pitchFamily="34" charset="0"/>
+              </a:rPr>
+              <a:t>parameter to define the </a:t>
+            </a:r>
+            <a:r>
+              <a:rPr lang="en-US" sz="1600" b="1" dirty="0">
+                <a:latin typeface="Segoe UI" panose="020B0502040204020203" pitchFamily="34" charset="0"/>
+                <a:cs typeface="Segoe UI" panose="020B0502040204020203" pitchFamily="34" charset="0"/>
+              </a:rPr>
+              <a:t>default value of the parameters that follow </a:t>
+            </a:r>
+            <a:r>
+              <a:rPr lang="en-US" sz="1600" dirty="0">
+                <a:latin typeface="Segoe UI" panose="020B0502040204020203" pitchFamily="34" charset="0"/>
+                <a:cs typeface="Segoe UI" panose="020B0502040204020203" pitchFamily="34" charset="0"/>
+              </a:rPr>
+              <a:t>it.</a:t>
+            </a:r>
+          </a:p>
+        </p:txBody>
+      </p:sp>
+      <p:sp>
+        <p:nvSpPr>
+          <p:cNvPr id="18" name="TextBox 17">
+            <a:extLst>
+              <a:ext uri="{FF2B5EF4-FFF2-40B4-BE49-F238E27FC236}">
+                <a16:creationId xmlns:a16="http://schemas.microsoft.com/office/drawing/2014/main" id="{F4D2B49C-9084-4BFD-B9E3-E1FFB0315C04}"/>
+              </a:ext>
+            </a:extLst>
+          </p:cNvPr>
+          <p:cNvSpPr txBox="1"/>
+          <p:nvPr/>
+        </p:nvSpPr>
+        <p:spPr>
+          <a:xfrm>
+            <a:off x="1507065" y="5049565"/>
+            <a:ext cx="6340795" cy="830997"/>
+          </a:xfrm>
+          <a:prstGeom prst="rect">
+            <a:avLst/>
+          </a:prstGeom>
+          <a:noFill/>
+          <a:ln w="57150">
+            <a:solidFill>
+              <a:srgbClr val="00B050"/>
+            </a:solidFill>
+          </a:ln>
+        </p:spPr>
+        <p:txBody>
+          <a:bodyPr wrap="square">
+            <a:spAutoFit/>
+          </a:bodyPr>
+          <a:lstStyle/>
+          <a:p>
+            <a:r>
+              <a:rPr lang="en-US" sz="1600" dirty="0">
+                <a:latin typeface="Segoe UI" panose="020B0502040204020203" pitchFamily="34" charset="0"/>
+                <a:cs typeface="Segoe UI" panose="020B0502040204020203" pitchFamily="34" charset="0"/>
+              </a:rPr>
+              <a:t>const rectangle = (</a:t>
+            </a:r>
+            <a:r>
+              <a:rPr lang="en-US" sz="1600" b="1" dirty="0">
+                <a:latin typeface="Segoe UI" panose="020B0502040204020203" pitchFamily="34" charset="0"/>
+                <a:cs typeface="Segoe UI" panose="020B0502040204020203" pitchFamily="34" charset="0"/>
+              </a:rPr>
+              <a:t>width</a:t>
+            </a:r>
+            <a:r>
+              <a:rPr lang="en-US" sz="1600" dirty="0">
+                <a:latin typeface="Segoe UI" panose="020B0502040204020203" pitchFamily="34" charset="0"/>
+                <a:cs typeface="Segoe UI" panose="020B0502040204020203" pitchFamily="34" charset="0"/>
+              </a:rPr>
+              <a:t>, height = </a:t>
+            </a:r>
+            <a:r>
+              <a:rPr lang="en-US" sz="1600" b="1" dirty="0">
+                <a:latin typeface="Segoe UI" panose="020B0502040204020203" pitchFamily="34" charset="0"/>
+                <a:cs typeface="Segoe UI" panose="020B0502040204020203" pitchFamily="34" charset="0"/>
+              </a:rPr>
+              <a:t>width </a:t>
+            </a:r>
+            <a:r>
+              <a:rPr lang="en-US" sz="1600" dirty="0">
+                <a:latin typeface="Segoe UI" panose="020B0502040204020203" pitchFamily="34" charset="0"/>
+                <a:cs typeface="Segoe UI" panose="020B0502040204020203" pitchFamily="34" charset="0"/>
+              </a:rPr>
+              <a:t>* 2) = &gt; ({ width, height});</a:t>
+            </a:r>
+          </a:p>
+          <a:p>
+            <a:endParaRPr lang="en-US" sz="1600" dirty="0">
+              <a:latin typeface="Segoe UI" panose="020B0502040204020203" pitchFamily="34" charset="0"/>
+              <a:cs typeface="Segoe UI" panose="020B0502040204020203" pitchFamily="34" charset="0"/>
+            </a:endParaRPr>
+          </a:p>
+          <a:p>
+            <a:r>
+              <a:rPr lang="en-US" sz="1600" dirty="0">
+                <a:latin typeface="Segoe UI" panose="020B0502040204020203" pitchFamily="34" charset="0"/>
+                <a:cs typeface="Segoe UI" panose="020B0502040204020203" pitchFamily="34" charset="0"/>
+              </a:rPr>
+              <a:t>rectangle(1) // = &gt; { width: 1, height: 2 }</a:t>
+            </a:r>
+          </a:p>
+        </p:txBody>
+      </p:sp>
+    </p:spTree>
+    <p:extLst>
+      <p:ext uri="{BB962C8B-B14F-4D97-AF65-F5344CB8AC3E}">
+        <p14:creationId xmlns:p14="http://schemas.microsoft.com/office/powerpoint/2010/main" val="3051643950"/>
+      </p:ext>
+    </p:extLst>
+  </p:cSld>
+  <p:clrMapOvr>
+    <a:masterClrMapping/>
+  </p:clrMapOvr>
+</p:sld>
+</file>
+
+<file path=ppt/slides/slide27.xml><?xml version="1.0" encoding="utf-8"?>
+<p:sld xmlns:a="http://schemas.openxmlformats.org/drawingml/2006/main" xmlns:r="http://schemas.openxmlformats.org/officeDocument/2006/relationships" xmlns:p="http://schemas.openxmlformats.org/presentationml/2006/main">
+  <p:cSld>
+    <p:spTree>
+      <p:nvGrpSpPr>
+        <p:cNvPr id="1" name=""/>
+        <p:cNvGrpSpPr/>
+        <p:nvPr/>
+      </p:nvGrpSpPr>
+      <p:grpSpPr>
+        <a:xfrm>
+          <a:off x="0" y="0"/>
+          <a:ext cx="0" cy="0"/>
+          <a:chOff x="0" y="0"/>
+          <a:chExt cx="0" cy="0"/>
+        </a:xfrm>
+      </p:grpSpPr>
+      <p:sp>
+        <p:nvSpPr>
+          <p:cNvPr id="12" name="TextBox 11">
+            <a:extLst>
+              <a:ext uri="{FF2B5EF4-FFF2-40B4-BE49-F238E27FC236}">
+                <a16:creationId xmlns:a16="http://schemas.microsoft.com/office/drawing/2014/main" id="{4A84A252-15C0-40F0-8326-05C2B2D5FB3E}"/>
+              </a:ext>
+            </a:extLst>
+          </p:cNvPr>
+          <p:cNvSpPr txBox="1"/>
+          <p:nvPr/>
+        </p:nvSpPr>
+        <p:spPr>
+          <a:xfrm>
+            <a:off x="1507066" y="1625757"/>
+            <a:ext cx="9616652" cy="584775"/>
+          </a:xfrm>
+          <a:prstGeom prst="rect">
+            <a:avLst/>
+          </a:prstGeom>
+          <a:noFill/>
+        </p:spPr>
+        <p:txBody>
+          <a:bodyPr wrap="square">
+            <a:spAutoFit/>
+          </a:bodyPr>
+          <a:lstStyle/>
+          <a:p>
+            <a:r>
+              <a:rPr lang="en-US" sz="1600" dirty="0">
+                <a:latin typeface="Segoe UI" panose="020B0502040204020203" pitchFamily="34" charset="0"/>
+                <a:cs typeface="Segoe UI" panose="020B0502040204020203" pitchFamily="34" charset="0"/>
+              </a:rPr>
+              <a:t>From ES6, </a:t>
+            </a:r>
+            <a:r>
+              <a:rPr lang="en-US" sz="1600" b="1" dirty="0">
+                <a:latin typeface="Segoe UI" panose="020B0502040204020203" pitchFamily="34" charset="0"/>
+                <a:cs typeface="Segoe UI" panose="020B0502040204020203" pitchFamily="34" charset="0"/>
+              </a:rPr>
+              <a:t>rest parameters </a:t>
+            </a:r>
+            <a:r>
+              <a:rPr lang="en-US" sz="1600" dirty="0">
+                <a:latin typeface="Segoe UI" panose="020B0502040204020203" pitchFamily="34" charset="0"/>
+                <a:cs typeface="Segoe UI" panose="020B0502040204020203" pitchFamily="34" charset="0"/>
+              </a:rPr>
+              <a:t>allow us to write functions that can be invoked with arbitrarily </a:t>
+            </a:r>
+            <a:r>
+              <a:rPr lang="en-US" sz="1600" b="1" dirty="0">
+                <a:latin typeface="Segoe UI" panose="020B0502040204020203" pitchFamily="34" charset="0"/>
+                <a:cs typeface="Segoe UI" panose="020B0502040204020203" pitchFamily="34" charset="0"/>
+              </a:rPr>
+              <a:t>more arguments </a:t>
+            </a:r>
+            <a:r>
+              <a:rPr lang="en-US" sz="1600" dirty="0">
+                <a:latin typeface="Segoe UI" panose="020B0502040204020203" pitchFamily="34" charset="0"/>
+                <a:cs typeface="Segoe UI" panose="020B0502040204020203" pitchFamily="34" charset="0"/>
+              </a:rPr>
+              <a:t>than parameters.</a:t>
+            </a:r>
+          </a:p>
+        </p:txBody>
+      </p:sp>
+      <p:sp>
+        <p:nvSpPr>
+          <p:cNvPr id="2" name="Title 1">
+            <a:extLst>
+              <a:ext uri="{FF2B5EF4-FFF2-40B4-BE49-F238E27FC236}">
+                <a16:creationId xmlns:a16="http://schemas.microsoft.com/office/drawing/2014/main" id="{2D4E4121-CDC8-41BA-846E-58655BA90FCF}"/>
+              </a:ext>
+            </a:extLst>
+          </p:cNvPr>
+          <p:cNvSpPr>
+            <a:spLocks noGrp="1"/>
+          </p:cNvSpPr>
+          <p:nvPr>
+            <p:ph type="ctrTitle"/>
+          </p:nvPr>
+        </p:nvSpPr>
+        <p:spPr>
+          <a:xfrm>
+            <a:off x="1507067" y="345351"/>
+            <a:ext cx="7766936" cy="970133"/>
+          </a:xfrm>
+        </p:spPr>
+        <p:txBody>
+          <a:bodyPr/>
+          <a:lstStyle/>
+          <a:p>
+            <a:pPr algn="l"/>
+            <a:r>
+              <a:rPr lang="en-US" dirty="0">
+                <a:solidFill>
+                  <a:schemeClr val="tx1">
+                    <a:lumMod val="85000"/>
+                    <a:lumOff val="15000"/>
+                  </a:schemeClr>
+                </a:solidFill>
+                <a:latin typeface="Segoe UI" panose="020B0502040204020203" pitchFamily="34" charset="0"/>
+                <a:cs typeface="Segoe UI" panose="020B0502040204020203" pitchFamily="34" charset="0"/>
+              </a:rPr>
+              <a:t>JS| </a:t>
+            </a:r>
+            <a:r>
+              <a:rPr lang="en-US" sz="3200" b="1" dirty="0">
+                <a:solidFill>
+                  <a:schemeClr val="tx1">
+                    <a:lumMod val="85000"/>
+                    <a:lumOff val="15000"/>
+                  </a:schemeClr>
+                </a:solidFill>
+                <a:latin typeface="Segoe UI" panose="020B0502040204020203" pitchFamily="34" charset="0"/>
+                <a:cs typeface="Segoe UI" panose="020B0502040204020203" pitchFamily="34" charset="0"/>
+              </a:rPr>
+              <a:t>Rest Parameters</a:t>
+            </a:r>
+            <a:endParaRPr lang="en-US" b="1" dirty="0">
+              <a:solidFill>
+                <a:schemeClr val="tx1">
+                  <a:lumMod val="85000"/>
+                  <a:lumOff val="15000"/>
+                </a:schemeClr>
+              </a:solidFill>
+              <a:latin typeface="Segoe UI" panose="020B0502040204020203" pitchFamily="34" charset="0"/>
+              <a:cs typeface="Segoe UI" panose="020B0502040204020203" pitchFamily="34" charset="0"/>
+            </a:endParaRPr>
+          </a:p>
+        </p:txBody>
+      </p:sp>
+      <p:sp>
+        <p:nvSpPr>
+          <p:cNvPr id="5" name="TextBox 4">
+            <a:extLst>
+              <a:ext uri="{FF2B5EF4-FFF2-40B4-BE49-F238E27FC236}">
+                <a16:creationId xmlns:a16="http://schemas.microsoft.com/office/drawing/2014/main" id="{C12A2FA6-5A5E-4F9F-94DD-A1BF19E33E6A}"/>
+              </a:ext>
+            </a:extLst>
+          </p:cNvPr>
+          <p:cNvSpPr txBox="1"/>
+          <p:nvPr/>
+        </p:nvSpPr>
+        <p:spPr>
+          <a:xfrm>
+            <a:off x="1507066" y="2520805"/>
+            <a:ext cx="9616652" cy="584775"/>
+          </a:xfrm>
+          <a:prstGeom prst="rect">
+            <a:avLst/>
+          </a:prstGeom>
+          <a:solidFill>
+            <a:schemeClr val="accent3">
+              <a:lumMod val="40000"/>
+              <a:lumOff val="60000"/>
+            </a:schemeClr>
+          </a:solidFill>
+          <a:ln w="57150">
+            <a:solidFill>
+              <a:srgbClr val="00B050"/>
+            </a:solidFill>
+          </a:ln>
+        </p:spPr>
+        <p:txBody>
+          <a:bodyPr wrap="square">
+            <a:spAutoFit/>
+          </a:bodyPr>
+          <a:lstStyle/>
+          <a:p>
+            <a:r>
+              <a:rPr lang="en-US" sz="1600" dirty="0">
+                <a:latin typeface="Segoe UI" panose="020B0502040204020203" pitchFamily="34" charset="0"/>
+                <a:cs typeface="Segoe UI" panose="020B0502040204020203" pitchFamily="34" charset="0"/>
+              </a:rPr>
+              <a:t>A rest parameter is preceded by </a:t>
+            </a:r>
+            <a:r>
+              <a:rPr lang="en-US" sz="1600" b="1" dirty="0">
+                <a:latin typeface="Segoe UI" panose="020B0502040204020203" pitchFamily="34" charset="0"/>
+                <a:cs typeface="Segoe UI" panose="020B0502040204020203" pitchFamily="34" charset="0"/>
+              </a:rPr>
+              <a:t>three periods </a:t>
+            </a:r>
+            <a:r>
+              <a:rPr lang="en-US" sz="1600" dirty="0">
+                <a:latin typeface="Segoe UI" panose="020B0502040204020203" pitchFamily="34" charset="0"/>
+                <a:cs typeface="Segoe UI" panose="020B0502040204020203" pitchFamily="34" charset="0"/>
+              </a:rPr>
+              <a:t>(…) and it must be the last parameter in a function declaration.</a:t>
+            </a:r>
+          </a:p>
+        </p:txBody>
+      </p:sp>
+      <p:sp>
+        <p:nvSpPr>
+          <p:cNvPr id="7" name="TextBox 6">
+            <a:extLst>
+              <a:ext uri="{FF2B5EF4-FFF2-40B4-BE49-F238E27FC236}">
+                <a16:creationId xmlns:a16="http://schemas.microsoft.com/office/drawing/2014/main" id="{0848B9FA-232A-452E-8A35-C83926579228}"/>
+              </a:ext>
+            </a:extLst>
+          </p:cNvPr>
+          <p:cNvSpPr txBox="1"/>
+          <p:nvPr/>
+        </p:nvSpPr>
+        <p:spPr>
+          <a:xfrm>
+            <a:off x="6427433" y="3362565"/>
+            <a:ext cx="4696285" cy="1323439"/>
+          </a:xfrm>
+          <a:prstGeom prst="rect">
+            <a:avLst/>
+          </a:prstGeom>
+          <a:solidFill>
+            <a:srgbClr val="F6B3AA"/>
+          </a:solidFill>
+          <a:ln w="57150">
+            <a:solidFill>
+              <a:srgbClr val="C00000"/>
+            </a:solidFill>
+          </a:ln>
+        </p:spPr>
+        <p:txBody>
+          <a:bodyPr wrap="square">
+            <a:spAutoFit/>
+          </a:bodyPr>
+          <a:lstStyle/>
+          <a:p>
+            <a:r>
+              <a:rPr lang="en-US" sz="1600" dirty="0">
+                <a:latin typeface="Segoe UI" panose="020B0502040204020203" pitchFamily="34" charset="0"/>
+                <a:cs typeface="Segoe UI" panose="020B0502040204020203" pitchFamily="34" charset="0"/>
+              </a:rPr>
+              <a:t>The value of a rest parameter will always be an </a:t>
+            </a:r>
+            <a:r>
+              <a:rPr lang="en-US" sz="1600" b="1" dirty="0">
+                <a:latin typeface="Segoe UI" panose="020B0502040204020203" pitchFamily="34" charset="0"/>
+                <a:cs typeface="Segoe UI" panose="020B0502040204020203" pitchFamily="34" charset="0"/>
+              </a:rPr>
+              <a:t>array</a:t>
+            </a:r>
+            <a:r>
+              <a:rPr lang="en-US" sz="1600" dirty="0">
+                <a:latin typeface="Segoe UI" panose="020B0502040204020203" pitchFamily="34" charset="0"/>
+                <a:cs typeface="Segoe UI" panose="020B0502040204020203" pitchFamily="34" charset="0"/>
+              </a:rPr>
+              <a:t>. </a:t>
+            </a:r>
+          </a:p>
+          <a:p>
+            <a:endParaRPr lang="en-US" sz="1600" dirty="0">
+              <a:latin typeface="Segoe UI" panose="020B0502040204020203" pitchFamily="34" charset="0"/>
+              <a:cs typeface="Segoe UI" panose="020B0502040204020203" pitchFamily="34" charset="0"/>
+            </a:endParaRPr>
+          </a:p>
+          <a:p>
+            <a:r>
+              <a:rPr lang="en-US" sz="1600" dirty="0">
+                <a:latin typeface="Segoe UI" panose="020B0502040204020203" pitchFamily="34" charset="0"/>
+                <a:cs typeface="Segoe UI" panose="020B0502040204020203" pitchFamily="34" charset="0"/>
+              </a:rPr>
+              <a:t>The array may be </a:t>
+            </a:r>
+            <a:r>
+              <a:rPr lang="en-US" sz="1600" b="1" dirty="0">
+                <a:latin typeface="Segoe UI" panose="020B0502040204020203" pitchFamily="34" charset="0"/>
+                <a:cs typeface="Segoe UI" panose="020B0502040204020203" pitchFamily="34" charset="0"/>
+              </a:rPr>
+              <a:t>empty</a:t>
+            </a:r>
+            <a:r>
+              <a:rPr lang="en-US" sz="1600" dirty="0">
+                <a:latin typeface="Segoe UI" panose="020B0502040204020203" pitchFamily="34" charset="0"/>
+                <a:cs typeface="Segoe UI" panose="020B0502040204020203" pitchFamily="34" charset="0"/>
+              </a:rPr>
+              <a:t>, but a rest parameter will </a:t>
+            </a:r>
+            <a:r>
+              <a:rPr lang="en-US" sz="1600" b="1" dirty="0">
+                <a:latin typeface="Segoe UI" panose="020B0502040204020203" pitchFamily="34" charset="0"/>
+                <a:cs typeface="Segoe UI" panose="020B0502040204020203" pitchFamily="34" charset="0"/>
+              </a:rPr>
+              <a:t>never be undefined</a:t>
+            </a:r>
+            <a:r>
+              <a:rPr lang="en-US" sz="1600" dirty="0">
+                <a:latin typeface="Segoe UI" panose="020B0502040204020203" pitchFamily="34" charset="0"/>
+                <a:cs typeface="Segoe UI" panose="020B0502040204020203" pitchFamily="34" charset="0"/>
+              </a:rPr>
+              <a:t>.</a:t>
+            </a:r>
+          </a:p>
+        </p:txBody>
+      </p:sp>
+      <p:sp>
+        <p:nvSpPr>
+          <p:cNvPr id="9" name="TextBox 8">
+            <a:extLst>
+              <a:ext uri="{FF2B5EF4-FFF2-40B4-BE49-F238E27FC236}">
+                <a16:creationId xmlns:a16="http://schemas.microsoft.com/office/drawing/2014/main" id="{6937661C-996C-458E-BDF2-39FFE384876B}"/>
+              </a:ext>
+            </a:extLst>
+          </p:cNvPr>
+          <p:cNvSpPr txBox="1"/>
+          <p:nvPr/>
+        </p:nvSpPr>
+        <p:spPr>
+          <a:xfrm>
+            <a:off x="1507066" y="3362565"/>
+            <a:ext cx="4032600" cy="3046988"/>
+          </a:xfrm>
+          <a:prstGeom prst="rect">
+            <a:avLst/>
+          </a:prstGeom>
+          <a:noFill/>
+          <a:ln w="57150">
+            <a:solidFill>
+              <a:srgbClr val="0070C0"/>
+            </a:solidFill>
+          </a:ln>
+        </p:spPr>
+        <p:txBody>
+          <a:bodyPr wrap="square">
+            <a:spAutoFit/>
+          </a:bodyPr>
+          <a:lstStyle/>
+          <a:p>
+            <a:r>
+              <a:rPr lang="en-US" sz="1600" b="1" dirty="0">
+                <a:latin typeface="Segoe UI" panose="020B0502040204020203" pitchFamily="34" charset="0"/>
+                <a:cs typeface="Segoe UI" panose="020B0502040204020203" pitchFamily="34" charset="0"/>
+              </a:rPr>
+              <a:t>function</a:t>
+            </a:r>
+            <a:r>
+              <a:rPr lang="en-US" sz="1600" dirty="0">
+                <a:latin typeface="Segoe UI" panose="020B0502040204020203" pitchFamily="34" charset="0"/>
+                <a:cs typeface="Segoe UI" panose="020B0502040204020203" pitchFamily="34" charset="0"/>
+              </a:rPr>
+              <a:t> max( first =-Infinity, ... rest) { </a:t>
+            </a:r>
+          </a:p>
+          <a:p>
+            <a:r>
+              <a:rPr lang="en-US" sz="1600" dirty="0">
+                <a:latin typeface="Segoe UI" panose="020B0502040204020203" pitchFamily="34" charset="0"/>
+                <a:cs typeface="Segoe UI" panose="020B0502040204020203" pitchFamily="34" charset="0"/>
+              </a:rPr>
+              <a:t>	</a:t>
+            </a:r>
+          </a:p>
+          <a:p>
+            <a:r>
+              <a:rPr lang="en-US" sz="1600" dirty="0">
+                <a:latin typeface="Segoe UI" panose="020B0502040204020203" pitchFamily="34" charset="0"/>
+                <a:cs typeface="Segoe UI" panose="020B0502040204020203" pitchFamily="34" charset="0"/>
+              </a:rPr>
+              <a:t>	let </a:t>
+            </a:r>
+            <a:r>
+              <a:rPr lang="en-US" sz="1600" dirty="0" err="1">
+                <a:latin typeface="Segoe UI" panose="020B0502040204020203" pitchFamily="34" charset="0"/>
+                <a:cs typeface="Segoe UI" panose="020B0502040204020203" pitchFamily="34" charset="0"/>
+              </a:rPr>
+              <a:t>maxValue</a:t>
+            </a:r>
+            <a:r>
+              <a:rPr lang="en-US" sz="1600" dirty="0">
+                <a:latin typeface="Segoe UI" panose="020B0502040204020203" pitchFamily="34" charset="0"/>
+                <a:cs typeface="Segoe UI" panose="020B0502040204020203" pitchFamily="34" charset="0"/>
+              </a:rPr>
+              <a:t> = first; </a:t>
+            </a:r>
+          </a:p>
+          <a:p>
+            <a:endParaRPr lang="en-US" sz="1600" dirty="0">
+              <a:latin typeface="Segoe UI" panose="020B0502040204020203" pitchFamily="34" charset="0"/>
+              <a:cs typeface="Segoe UI" panose="020B0502040204020203" pitchFamily="34" charset="0"/>
+            </a:endParaRPr>
+          </a:p>
+          <a:p>
+            <a:r>
+              <a:rPr lang="en-US" sz="1600" dirty="0">
+                <a:latin typeface="Segoe UI" panose="020B0502040204020203" pitchFamily="34" charset="0"/>
+                <a:cs typeface="Segoe UI" panose="020B0502040204020203" pitchFamily="34" charset="0"/>
+              </a:rPr>
+              <a:t>	for( let n of rest) { </a:t>
+            </a:r>
+          </a:p>
+          <a:p>
+            <a:r>
+              <a:rPr lang="en-US" sz="1600" dirty="0">
+                <a:latin typeface="Segoe UI" panose="020B0502040204020203" pitchFamily="34" charset="0"/>
+                <a:cs typeface="Segoe UI" panose="020B0502040204020203" pitchFamily="34" charset="0"/>
+              </a:rPr>
+              <a:t>		if (n &gt; </a:t>
+            </a:r>
+            <a:r>
+              <a:rPr lang="en-US" sz="1600" dirty="0" err="1">
+                <a:latin typeface="Segoe UI" panose="020B0502040204020203" pitchFamily="34" charset="0"/>
+                <a:cs typeface="Segoe UI" panose="020B0502040204020203" pitchFamily="34" charset="0"/>
+              </a:rPr>
+              <a:t>maxValue</a:t>
+            </a:r>
+            <a:r>
+              <a:rPr lang="en-US" sz="1600" dirty="0">
+                <a:latin typeface="Segoe UI" panose="020B0502040204020203" pitchFamily="34" charset="0"/>
+                <a:cs typeface="Segoe UI" panose="020B0502040204020203" pitchFamily="34" charset="0"/>
+              </a:rPr>
+              <a:t>) { </a:t>
+            </a:r>
+          </a:p>
+          <a:p>
+            <a:r>
+              <a:rPr lang="en-US" sz="1600" dirty="0">
+                <a:latin typeface="Segoe UI" panose="020B0502040204020203" pitchFamily="34" charset="0"/>
+                <a:cs typeface="Segoe UI" panose="020B0502040204020203" pitchFamily="34" charset="0"/>
+              </a:rPr>
+              <a:t>			</a:t>
+            </a:r>
+            <a:r>
+              <a:rPr lang="en-US" sz="1600" dirty="0" err="1">
+                <a:latin typeface="Segoe UI" panose="020B0502040204020203" pitchFamily="34" charset="0"/>
+                <a:cs typeface="Segoe UI" panose="020B0502040204020203" pitchFamily="34" charset="0"/>
+              </a:rPr>
+              <a:t>maxValue</a:t>
+            </a:r>
+            <a:r>
+              <a:rPr lang="en-US" sz="1600" dirty="0">
+                <a:latin typeface="Segoe UI" panose="020B0502040204020203" pitchFamily="34" charset="0"/>
+                <a:cs typeface="Segoe UI" panose="020B0502040204020203" pitchFamily="34" charset="0"/>
+              </a:rPr>
+              <a:t> = n; </a:t>
+            </a:r>
+          </a:p>
+          <a:p>
+            <a:r>
+              <a:rPr lang="en-US" sz="1600" dirty="0">
+                <a:latin typeface="Segoe UI" panose="020B0502040204020203" pitchFamily="34" charset="0"/>
+                <a:cs typeface="Segoe UI" panose="020B0502040204020203" pitchFamily="34" charset="0"/>
+              </a:rPr>
+              <a:t>		} </a:t>
+            </a:r>
+          </a:p>
+          <a:p>
+            <a:r>
+              <a:rPr lang="en-US" sz="1600" dirty="0">
+                <a:latin typeface="Segoe UI" panose="020B0502040204020203" pitchFamily="34" charset="0"/>
+                <a:cs typeface="Segoe UI" panose="020B0502040204020203" pitchFamily="34" charset="0"/>
+              </a:rPr>
+              <a:t>	} </a:t>
+            </a:r>
+          </a:p>
+          <a:p>
+            <a:endParaRPr lang="en-US" sz="1600" dirty="0">
+              <a:latin typeface="Segoe UI" panose="020B0502040204020203" pitchFamily="34" charset="0"/>
+              <a:cs typeface="Segoe UI" panose="020B0502040204020203" pitchFamily="34" charset="0"/>
+            </a:endParaRPr>
+          </a:p>
+          <a:p>
+            <a:r>
+              <a:rPr lang="en-US" sz="1600" dirty="0">
+                <a:latin typeface="Segoe UI" panose="020B0502040204020203" pitchFamily="34" charset="0"/>
+                <a:cs typeface="Segoe UI" panose="020B0502040204020203" pitchFamily="34" charset="0"/>
+              </a:rPr>
+              <a:t>	return </a:t>
+            </a:r>
+            <a:r>
+              <a:rPr lang="en-US" sz="1600" dirty="0" err="1">
+                <a:latin typeface="Segoe UI" panose="020B0502040204020203" pitchFamily="34" charset="0"/>
+                <a:cs typeface="Segoe UI" panose="020B0502040204020203" pitchFamily="34" charset="0"/>
+              </a:rPr>
+              <a:t>maxValue</a:t>
+            </a:r>
+            <a:r>
+              <a:rPr lang="en-US" sz="1600" dirty="0">
+                <a:latin typeface="Segoe UI" panose="020B0502040204020203" pitchFamily="34" charset="0"/>
+                <a:cs typeface="Segoe UI" panose="020B0502040204020203" pitchFamily="34" charset="0"/>
+              </a:rPr>
+              <a:t>; </a:t>
+            </a:r>
+          </a:p>
+          <a:p>
+            <a:r>
+              <a:rPr lang="en-US" sz="1600" dirty="0">
+                <a:latin typeface="Segoe UI" panose="020B0502040204020203" pitchFamily="34" charset="0"/>
+                <a:cs typeface="Segoe UI" panose="020B0502040204020203" pitchFamily="34" charset="0"/>
+              </a:rPr>
+              <a:t>}</a:t>
+            </a:r>
+          </a:p>
+        </p:txBody>
+      </p:sp>
+      <p:sp>
+        <p:nvSpPr>
+          <p:cNvPr id="11" name="TextBox 10">
+            <a:extLst>
+              <a:ext uri="{FF2B5EF4-FFF2-40B4-BE49-F238E27FC236}">
+                <a16:creationId xmlns:a16="http://schemas.microsoft.com/office/drawing/2014/main" id="{F9F3D737-977A-44CF-8272-363FF9DA3AB8}"/>
+              </a:ext>
+            </a:extLst>
+          </p:cNvPr>
+          <p:cNvSpPr txBox="1"/>
+          <p:nvPr/>
+        </p:nvSpPr>
+        <p:spPr>
+          <a:xfrm>
+            <a:off x="6427433" y="5332335"/>
+            <a:ext cx="4696285" cy="1077218"/>
+          </a:xfrm>
+          <a:prstGeom prst="rect">
+            <a:avLst/>
+          </a:prstGeom>
+          <a:solidFill>
+            <a:srgbClr val="FFE7B7"/>
+          </a:solidFill>
+          <a:ln w="57150">
+            <a:solidFill>
+              <a:srgbClr val="FFCC66"/>
+            </a:solidFill>
+          </a:ln>
+        </p:spPr>
+        <p:txBody>
+          <a:bodyPr wrap="square">
+            <a:spAutoFit/>
+          </a:bodyPr>
+          <a:lstStyle/>
+          <a:p>
+            <a:r>
+              <a:rPr lang="en-US" sz="1600" dirty="0">
+                <a:latin typeface="Segoe UI" panose="020B0502040204020203" pitchFamily="34" charset="0"/>
+                <a:cs typeface="Segoe UI" panose="020B0502040204020203" pitchFamily="34" charset="0"/>
+              </a:rPr>
+              <a:t>Functions like this are called:</a:t>
+            </a:r>
+          </a:p>
+          <a:p>
+            <a:pPr marL="342900" indent="-342900">
+              <a:buFont typeface="+mj-lt"/>
+              <a:buAutoNum type="arabicPeriod"/>
+            </a:pPr>
+            <a:r>
+              <a:rPr lang="en-US" sz="1600" dirty="0">
+                <a:latin typeface="Segoe UI" panose="020B0502040204020203" pitchFamily="34" charset="0"/>
+                <a:cs typeface="Segoe UI" panose="020B0502040204020203" pitchFamily="34" charset="0"/>
+              </a:rPr>
+              <a:t>variadic functions</a:t>
+            </a:r>
+          </a:p>
+          <a:p>
+            <a:pPr marL="342900" indent="-342900">
+              <a:buFont typeface="+mj-lt"/>
+              <a:buAutoNum type="arabicPeriod"/>
+            </a:pPr>
+            <a:r>
+              <a:rPr lang="en-US" sz="1600" dirty="0">
+                <a:latin typeface="Segoe UI" panose="020B0502040204020203" pitchFamily="34" charset="0"/>
+                <a:cs typeface="Segoe UI" panose="020B0502040204020203" pitchFamily="34" charset="0"/>
+              </a:rPr>
+              <a:t>variable arity functions</a:t>
+            </a:r>
+          </a:p>
+          <a:p>
+            <a:pPr marL="342900" indent="-342900">
+              <a:buFont typeface="+mj-lt"/>
+              <a:buAutoNum type="arabicPeriod"/>
+            </a:pPr>
+            <a:r>
+              <a:rPr lang="en-US" sz="1600" b="1" dirty="0" err="1">
+                <a:latin typeface="Segoe UI" panose="020B0502040204020203" pitchFamily="34" charset="0"/>
+                <a:cs typeface="Segoe UI" panose="020B0502040204020203" pitchFamily="34" charset="0"/>
+              </a:rPr>
+              <a:t>vararg</a:t>
+            </a:r>
+            <a:r>
+              <a:rPr lang="en-US" sz="1600" dirty="0">
+                <a:latin typeface="Segoe UI" panose="020B0502040204020203" pitchFamily="34" charset="0"/>
+                <a:cs typeface="Segoe UI" panose="020B0502040204020203" pitchFamily="34" charset="0"/>
+              </a:rPr>
+              <a:t> </a:t>
+            </a:r>
+            <a:r>
+              <a:rPr lang="en-US" sz="1600" b="1" dirty="0">
+                <a:latin typeface="Segoe UI" panose="020B0502040204020203" pitchFamily="34" charset="0"/>
+                <a:cs typeface="Segoe UI" panose="020B0502040204020203" pitchFamily="34" charset="0"/>
+              </a:rPr>
+              <a:t>functions</a:t>
+            </a:r>
+            <a:r>
+              <a:rPr lang="en-US" sz="1600" dirty="0">
+                <a:latin typeface="Segoe UI" panose="020B0502040204020203" pitchFamily="34" charset="0"/>
+                <a:cs typeface="Segoe UI" panose="020B0502040204020203" pitchFamily="34" charset="0"/>
+              </a:rPr>
+              <a:t>.</a:t>
+            </a:r>
+          </a:p>
+        </p:txBody>
+      </p:sp>
+    </p:spTree>
+    <p:extLst>
+      <p:ext uri="{BB962C8B-B14F-4D97-AF65-F5344CB8AC3E}">
+        <p14:creationId xmlns:p14="http://schemas.microsoft.com/office/powerpoint/2010/main" val="3623647073"/>
+      </p:ext>
+    </p:extLst>
+  </p:cSld>
+  <p:clrMapOvr>
+    <a:masterClrMapping/>
+  </p:clrMapOvr>
+</p:sld>
+</file>
+
+<file path=ppt/slides/slide28.xml><?xml version="1.0" encoding="utf-8"?>
+<p:sld xmlns:a="http://schemas.openxmlformats.org/drawingml/2006/main" xmlns:r="http://schemas.openxmlformats.org/officeDocument/2006/relationships" xmlns:p="http://schemas.openxmlformats.org/presentationml/2006/main">
+  <p:cSld>
+    <p:spTree>
+      <p:nvGrpSpPr>
+        <p:cNvPr id="1" name=""/>
+        <p:cNvGrpSpPr/>
+        <p:nvPr/>
+      </p:nvGrpSpPr>
+      <p:grpSpPr>
+        <a:xfrm>
+          <a:off x="0" y="0"/>
+          <a:ext cx="0" cy="0"/>
+          <a:chOff x="0" y="0"/>
+          <a:chExt cx="0" cy="0"/>
+        </a:xfrm>
+      </p:grpSpPr>
+      <p:sp>
+        <p:nvSpPr>
+          <p:cNvPr id="12" name="TextBox 11">
+            <a:extLst>
+              <a:ext uri="{FF2B5EF4-FFF2-40B4-BE49-F238E27FC236}">
+                <a16:creationId xmlns:a16="http://schemas.microsoft.com/office/drawing/2014/main" id="{4A84A252-15C0-40F0-8326-05C2B2D5FB3E}"/>
+              </a:ext>
+            </a:extLst>
+          </p:cNvPr>
+          <p:cNvSpPr txBox="1"/>
+          <p:nvPr/>
+        </p:nvSpPr>
+        <p:spPr>
+          <a:xfrm>
+            <a:off x="1507066" y="1625757"/>
+            <a:ext cx="9616652" cy="584775"/>
+          </a:xfrm>
+          <a:prstGeom prst="rect">
+            <a:avLst/>
+          </a:prstGeom>
+          <a:noFill/>
+        </p:spPr>
+        <p:txBody>
+          <a:bodyPr wrap="square">
+            <a:spAutoFit/>
+          </a:bodyPr>
+          <a:lstStyle/>
+          <a:p>
+            <a:r>
+              <a:rPr lang="en-US" sz="1600" dirty="0">
+                <a:latin typeface="Segoe UI" panose="020B0502040204020203" pitchFamily="34" charset="0"/>
+                <a:cs typeface="Segoe UI" panose="020B0502040204020203" pitchFamily="34" charset="0"/>
+              </a:rPr>
+              <a:t>Before  ES6, </a:t>
+            </a:r>
+            <a:r>
+              <a:rPr lang="en-US" sz="1600" i="1" dirty="0" err="1">
+                <a:latin typeface="Segoe UI" panose="020B0502040204020203" pitchFamily="34" charset="0"/>
+                <a:cs typeface="Segoe UI" panose="020B0502040204020203" pitchFamily="34" charset="0"/>
+              </a:rPr>
+              <a:t>varargs</a:t>
+            </a:r>
+            <a:r>
+              <a:rPr lang="en-US" sz="1600" i="1" dirty="0">
+                <a:latin typeface="Segoe UI" panose="020B0502040204020203" pitchFamily="34" charset="0"/>
+                <a:cs typeface="Segoe UI" panose="020B0502040204020203" pitchFamily="34" charset="0"/>
+              </a:rPr>
+              <a:t> functions </a:t>
+            </a:r>
+            <a:r>
+              <a:rPr lang="en-US" sz="1600" dirty="0">
+                <a:latin typeface="Segoe UI" panose="020B0502040204020203" pitchFamily="34" charset="0"/>
+                <a:cs typeface="Segoe UI" panose="020B0502040204020203" pitchFamily="34" charset="0"/>
+              </a:rPr>
+              <a:t>were written using the </a:t>
+            </a:r>
+            <a:r>
+              <a:rPr lang="en-US" sz="1600" b="1" dirty="0">
+                <a:latin typeface="Segoe UI" panose="020B0502040204020203" pitchFamily="34" charset="0"/>
+                <a:cs typeface="Segoe UI" panose="020B0502040204020203" pitchFamily="34" charset="0"/>
+              </a:rPr>
+              <a:t>arguments object</a:t>
+            </a:r>
+            <a:r>
+              <a:rPr lang="en-US" sz="1600" dirty="0">
+                <a:latin typeface="Segoe UI" panose="020B0502040204020203" pitchFamily="34" charset="0"/>
+                <a:cs typeface="Segoe UI" panose="020B0502040204020203" pitchFamily="34" charset="0"/>
+              </a:rPr>
+              <a:t>: within the body of any function, the identifier </a:t>
+            </a:r>
+            <a:r>
+              <a:rPr lang="en-US" sz="1600" b="1" i="1" dirty="0">
+                <a:latin typeface="Segoe UI" panose="020B0502040204020203" pitchFamily="34" charset="0"/>
+                <a:cs typeface="Segoe UI" panose="020B0502040204020203" pitchFamily="34" charset="0"/>
+              </a:rPr>
+              <a:t>arguments</a:t>
+            </a:r>
+            <a:r>
+              <a:rPr lang="en-US" sz="1600" dirty="0">
+                <a:latin typeface="Segoe UI" panose="020B0502040204020203" pitchFamily="34" charset="0"/>
+                <a:cs typeface="Segoe UI" panose="020B0502040204020203" pitchFamily="34" charset="0"/>
+              </a:rPr>
+              <a:t> refers to the arguments object for that invocation.</a:t>
+            </a:r>
+          </a:p>
+        </p:txBody>
+      </p:sp>
+      <p:sp>
+        <p:nvSpPr>
+          <p:cNvPr id="2" name="Title 1">
+            <a:extLst>
+              <a:ext uri="{FF2B5EF4-FFF2-40B4-BE49-F238E27FC236}">
+                <a16:creationId xmlns:a16="http://schemas.microsoft.com/office/drawing/2014/main" id="{2D4E4121-CDC8-41BA-846E-58655BA90FCF}"/>
+              </a:ext>
+            </a:extLst>
+          </p:cNvPr>
+          <p:cNvSpPr>
+            <a:spLocks noGrp="1"/>
+          </p:cNvSpPr>
+          <p:nvPr>
+            <p:ph type="ctrTitle"/>
+          </p:nvPr>
+        </p:nvSpPr>
+        <p:spPr>
+          <a:xfrm>
+            <a:off x="1507067" y="345351"/>
+            <a:ext cx="7766936" cy="970133"/>
+          </a:xfrm>
+        </p:spPr>
+        <p:txBody>
+          <a:bodyPr/>
+          <a:lstStyle/>
+          <a:p>
+            <a:pPr algn="l"/>
+            <a:r>
+              <a:rPr lang="en-US" dirty="0">
+                <a:solidFill>
+                  <a:schemeClr val="tx1">
+                    <a:lumMod val="85000"/>
+                    <a:lumOff val="15000"/>
+                  </a:schemeClr>
+                </a:solidFill>
+                <a:latin typeface="Segoe UI" panose="020B0502040204020203" pitchFamily="34" charset="0"/>
+                <a:cs typeface="Segoe UI" panose="020B0502040204020203" pitchFamily="34" charset="0"/>
+              </a:rPr>
+              <a:t>JS| </a:t>
+            </a:r>
+            <a:r>
+              <a:rPr lang="en-US" sz="3200" b="1" dirty="0">
+                <a:solidFill>
+                  <a:schemeClr val="tx1">
+                    <a:lumMod val="85000"/>
+                    <a:lumOff val="15000"/>
+                  </a:schemeClr>
+                </a:solidFill>
+                <a:latin typeface="Segoe UI" panose="020B0502040204020203" pitchFamily="34" charset="0"/>
+                <a:cs typeface="Segoe UI" panose="020B0502040204020203" pitchFamily="34" charset="0"/>
+              </a:rPr>
+              <a:t>Arguments Object</a:t>
+            </a:r>
+            <a:endParaRPr lang="en-US" b="1" dirty="0">
+              <a:solidFill>
+                <a:schemeClr val="tx1">
+                  <a:lumMod val="85000"/>
+                  <a:lumOff val="15000"/>
+                </a:schemeClr>
+              </a:solidFill>
+              <a:latin typeface="Segoe UI" panose="020B0502040204020203" pitchFamily="34" charset="0"/>
+              <a:cs typeface="Segoe UI" panose="020B0502040204020203" pitchFamily="34" charset="0"/>
+            </a:endParaRPr>
+          </a:p>
+        </p:txBody>
+      </p:sp>
+      <p:sp>
+        <p:nvSpPr>
+          <p:cNvPr id="5" name="TextBox 4">
+            <a:extLst>
+              <a:ext uri="{FF2B5EF4-FFF2-40B4-BE49-F238E27FC236}">
+                <a16:creationId xmlns:a16="http://schemas.microsoft.com/office/drawing/2014/main" id="{C12A2FA6-5A5E-4F9F-94DD-A1BF19E33E6A}"/>
+              </a:ext>
+            </a:extLst>
+          </p:cNvPr>
+          <p:cNvSpPr txBox="1"/>
+          <p:nvPr/>
+        </p:nvSpPr>
+        <p:spPr>
+          <a:xfrm>
+            <a:off x="1507066" y="2520805"/>
+            <a:ext cx="9616652" cy="584775"/>
+          </a:xfrm>
+          <a:prstGeom prst="rect">
+            <a:avLst/>
+          </a:prstGeom>
+          <a:solidFill>
+            <a:schemeClr val="accent3">
+              <a:lumMod val="40000"/>
+              <a:lumOff val="60000"/>
+            </a:schemeClr>
+          </a:solidFill>
+          <a:ln w="57150">
+            <a:solidFill>
+              <a:srgbClr val="00B050"/>
+            </a:solidFill>
+          </a:ln>
+        </p:spPr>
+        <p:txBody>
+          <a:bodyPr wrap="square">
+            <a:spAutoFit/>
+          </a:bodyPr>
+          <a:lstStyle/>
+          <a:p>
+            <a:r>
+              <a:rPr lang="en-US" sz="1600" dirty="0">
+                <a:latin typeface="Segoe UI" panose="020B0502040204020203" pitchFamily="34" charset="0"/>
+                <a:cs typeface="Segoe UI" panose="020B0502040204020203" pitchFamily="34" charset="0"/>
+              </a:rPr>
+              <a:t>A rest parameter is preceded by </a:t>
+            </a:r>
+            <a:r>
+              <a:rPr lang="en-US" sz="1600" b="1" dirty="0">
+                <a:latin typeface="Segoe UI" panose="020B0502040204020203" pitchFamily="34" charset="0"/>
+                <a:cs typeface="Segoe UI" panose="020B0502040204020203" pitchFamily="34" charset="0"/>
+              </a:rPr>
+              <a:t>three periods </a:t>
+            </a:r>
+            <a:r>
+              <a:rPr lang="en-US" sz="1600" dirty="0">
+                <a:latin typeface="Segoe UI" panose="020B0502040204020203" pitchFamily="34" charset="0"/>
+                <a:cs typeface="Segoe UI" panose="020B0502040204020203" pitchFamily="34" charset="0"/>
+              </a:rPr>
+              <a:t>(…) and it must be the last parameter in a function declaration.</a:t>
+            </a:r>
+          </a:p>
+        </p:txBody>
+      </p:sp>
+      <p:sp>
+        <p:nvSpPr>
+          <p:cNvPr id="7" name="TextBox 6">
+            <a:extLst>
+              <a:ext uri="{FF2B5EF4-FFF2-40B4-BE49-F238E27FC236}">
+                <a16:creationId xmlns:a16="http://schemas.microsoft.com/office/drawing/2014/main" id="{0848B9FA-232A-452E-8A35-C83926579228}"/>
+              </a:ext>
+            </a:extLst>
+          </p:cNvPr>
+          <p:cNvSpPr txBox="1"/>
+          <p:nvPr/>
+        </p:nvSpPr>
+        <p:spPr>
+          <a:xfrm>
+            <a:off x="1507065" y="5534561"/>
+            <a:ext cx="9616652" cy="584775"/>
+          </a:xfrm>
+          <a:prstGeom prst="rect">
+            <a:avLst/>
+          </a:prstGeom>
+          <a:solidFill>
+            <a:srgbClr val="F6B3AA"/>
+          </a:solidFill>
+          <a:ln w="57150">
+            <a:solidFill>
+              <a:srgbClr val="C00000"/>
+            </a:solidFill>
+          </a:ln>
+        </p:spPr>
+        <p:txBody>
+          <a:bodyPr wrap="square">
+            <a:spAutoFit/>
+          </a:bodyPr>
+          <a:lstStyle/>
+          <a:p>
+            <a:r>
+              <a:rPr lang="en-US" sz="1600" dirty="0">
+                <a:latin typeface="Segoe UI" panose="020B0502040204020203" pitchFamily="34" charset="0"/>
+                <a:cs typeface="Segoe UI" panose="020B0502040204020203" pitchFamily="34" charset="0"/>
+              </a:rPr>
+              <a:t>The arguments object dates back to the earliest days of JavaScript and carries with it some strange historical baggage that makes it inefficient and hard to optimize.</a:t>
+            </a:r>
+          </a:p>
+        </p:txBody>
+      </p:sp>
+      <p:sp>
+        <p:nvSpPr>
+          <p:cNvPr id="9" name="TextBox 8">
+            <a:extLst>
+              <a:ext uri="{FF2B5EF4-FFF2-40B4-BE49-F238E27FC236}">
+                <a16:creationId xmlns:a16="http://schemas.microsoft.com/office/drawing/2014/main" id="{6937661C-996C-458E-BDF2-39FFE384876B}"/>
+              </a:ext>
+            </a:extLst>
+          </p:cNvPr>
+          <p:cNvSpPr txBox="1"/>
+          <p:nvPr/>
+        </p:nvSpPr>
+        <p:spPr>
+          <a:xfrm>
+            <a:off x="1507065" y="3362565"/>
+            <a:ext cx="6145485" cy="1815882"/>
+          </a:xfrm>
+          <a:prstGeom prst="rect">
+            <a:avLst/>
+          </a:prstGeom>
+          <a:noFill/>
+          <a:ln w="57150">
+            <a:solidFill>
+              <a:srgbClr val="0070C0"/>
+            </a:solidFill>
+          </a:ln>
+        </p:spPr>
+        <p:txBody>
+          <a:bodyPr wrap="square">
+            <a:spAutoFit/>
+          </a:bodyPr>
+          <a:lstStyle/>
+          <a:p>
+            <a:r>
+              <a:rPr lang="en-US" sz="1600" b="1" dirty="0">
+                <a:latin typeface="Segoe UI" panose="020B0502040204020203" pitchFamily="34" charset="0"/>
+                <a:cs typeface="Segoe UI" panose="020B0502040204020203" pitchFamily="34" charset="0"/>
+              </a:rPr>
+              <a:t>function</a:t>
+            </a:r>
+            <a:r>
+              <a:rPr lang="en-US" sz="1600" dirty="0">
+                <a:latin typeface="Segoe UI" panose="020B0502040204020203" pitchFamily="34" charset="0"/>
+                <a:cs typeface="Segoe UI" panose="020B0502040204020203" pitchFamily="34" charset="0"/>
+              </a:rPr>
+              <a:t> max(x) { </a:t>
+            </a:r>
+          </a:p>
+          <a:p>
+            <a:r>
+              <a:rPr lang="en-US" sz="1600" dirty="0">
+                <a:latin typeface="Segoe UI" panose="020B0502040204020203" pitchFamily="34" charset="0"/>
+                <a:cs typeface="Segoe UI" panose="020B0502040204020203" pitchFamily="34" charset="0"/>
+              </a:rPr>
+              <a:t>	let </a:t>
+            </a:r>
+            <a:r>
+              <a:rPr lang="en-US" sz="1600" dirty="0" err="1">
+                <a:latin typeface="Segoe UI" panose="020B0502040204020203" pitchFamily="34" charset="0"/>
+                <a:cs typeface="Segoe UI" panose="020B0502040204020203" pitchFamily="34" charset="0"/>
+              </a:rPr>
+              <a:t>maxValue</a:t>
+            </a:r>
+            <a:r>
+              <a:rPr lang="en-US" sz="1600" dirty="0">
+                <a:latin typeface="Segoe UI" panose="020B0502040204020203" pitchFamily="34" charset="0"/>
+                <a:cs typeface="Segoe UI" panose="020B0502040204020203" pitchFamily="34" charset="0"/>
+              </a:rPr>
+              <a:t> = -Infinity; </a:t>
+            </a:r>
+          </a:p>
+          <a:p>
+            <a:endParaRPr lang="en-US" sz="1600" dirty="0">
+              <a:latin typeface="Segoe UI" panose="020B0502040204020203" pitchFamily="34" charset="0"/>
+              <a:cs typeface="Segoe UI" panose="020B0502040204020203" pitchFamily="34" charset="0"/>
+            </a:endParaRPr>
+          </a:p>
+          <a:p>
+            <a:r>
+              <a:rPr lang="en-US" sz="1600" dirty="0">
+                <a:latin typeface="Segoe UI" panose="020B0502040204020203" pitchFamily="34" charset="0"/>
+                <a:cs typeface="Segoe UI" panose="020B0502040204020203" pitchFamily="34" charset="0"/>
+              </a:rPr>
+              <a:t>	for( let </a:t>
+            </a:r>
+            <a:r>
+              <a:rPr lang="en-US" sz="1600" dirty="0" err="1">
+                <a:latin typeface="Segoe UI" panose="020B0502040204020203" pitchFamily="34" charset="0"/>
+                <a:cs typeface="Segoe UI" panose="020B0502040204020203" pitchFamily="34" charset="0"/>
+              </a:rPr>
+              <a:t>i</a:t>
+            </a:r>
+            <a:r>
+              <a:rPr lang="en-US" sz="1600" dirty="0">
+                <a:latin typeface="Segoe UI" panose="020B0502040204020203" pitchFamily="34" charset="0"/>
+                <a:cs typeface="Segoe UI" panose="020B0502040204020203" pitchFamily="34" charset="0"/>
+              </a:rPr>
+              <a:t> = 0; </a:t>
+            </a:r>
+            <a:r>
+              <a:rPr lang="en-US" sz="1600" dirty="0" err="1">
+                <a:latin typeface="Segoe UI" panose="020B0502040204020203" pitchFamily="34" charset="0"/>
+                <a:cs typeface="Segoe UI" panose="020B0502040204020203" pitchFamily="34" charset="0"/>
+              </a:rPr>
+              <a:t>i</a:t>
+            </a:r>
+            <a:r>
+              <a:rPr lang="en-US" sz="1600" dirty="0">
+                <a:latin typeface="Segoe UI" panose="020B0502040204020203" pitchFamily="34" charset="0"/>
+                <a:cs typeface="Segoe UI" panose="020B0502040204020203" pitchFamily="34" charset="0"/>
+              </a:rPr>
+              <a:t> &lt; </a:t>
+            </a:r>
+            <a:r>
+              <a:rPr lang="en-US" sz="1600" dirty="0" err="1">
+                <a:latin typeface="Segoe UI" panose="020B0502040204020203" pitchFamily="34" charset="0"/>
+                <a:cs typeface="Segoe UI" panose="020B0502040204020203" pitchFamily="34" charset="0"/>
+              </a:rPr>
+              <a:t>arguments.length</a:t>
+            </a:r>
+            <a:r>
+              <a:rPr lang="en-US" sz="1600" dirty="0">
+                <a:latin typeface="Segoe UI" panose="020B0502040204020203" pitchFamily="34" charset="0"/>
+                <a:cs typeface="Segoe UI" panose="020B0502040204020203" pitchFamily="34" charset="0"/>
+              </a:rPr>
+              <a:t>; </a:t>
+            </a:r>
+            <a:r>
+              <a:rPr lang="en-US" sz="1600" dirty="0" err="1">
+                <a:latin typeface="Segoe UI" panose="020B0502040204020203" pitchFamily="34" charset="0"/>
+                <a:cs typeface="Segoe UI" panose="020B0502040204020203" pitchFamily="34" charset="0"/>
+              </a:rPr>
+              <a:t>i</a:t>
+            </a:r>
+            <a:r>
+              <a:rPr lang="en-US" sz="1600" dirty="0">
+                <a:latin typeface="Segoe UI" panose="020B0502040204020203" pitchFamily="34" charset="0"/>
+                <a:cs typeface="Segoe UI" panose="020B0502040204020203" pitchFamily="34" charset="0"/>
+              </a:rPr>
+              <a:t> + +) { </a:t>
+            </a:r>
+          </a:p>
+          <a:p>
+            <a:r>
+              <a:rPr lang="en-US" sz="1600" dirty="0">
+                <a:latin typeface="Segoe UI" panose="020B0502040204020203" pitchFamily="34" charset="0"/>
+                <a:cs typeface="Segoe UI" panose="020B0502040204020203" pitchFamily="34" charset="0"/>
+              </a:rPr>
+              <a:t>		if (arguments[ </a:t>
+            </a:r>
+            <a:r>
+              <a:rPr lang="en-US" sz="1600" dirty="0" err="1">
+                <a:latin typeface="Segoe UI" panose="020B0502040204020203" pitchFamily="34" charset="0"/>
+                <a:cs typeface="Segoe UI" panose="020B0502040204020203" pitchFamily="34" charset="0"/>
+              </a:rPr>
+              <a:t>i</a:t>
+            </a:r>
+            <a:r>
+              <a:rPr lang="en-US" sz="1600" dirty="0">
+                <a:latin typeface="Segoe UI" panose="020B0502040204020203" pitchFamily="34" charset="0"/>
+                <a:cs typeface="Segoe UI" panose="020B0502040204020203" pitchFamily="34" charset="0"/>
+              </a:rPr>
+              <a:t>] &gt; </a:t>
+            </a:r>
+            <a:r>
+              <a:rPr lang="en-US" sz="1600" dirty="0" err="1">
+                <a:latin typeface="Segoe UI" panose="020B0502040204020203" pitchFamily="34" charset="0"/>
+                <a:cs typeface="Segoe UI" panose="020B0502040204020203" pitchFamily="34" charset="0"/>
+              </a:rPr>
+              <a:t>maxValue</a:t>
+            </a:r>
+            <a:r>
+              <a:rPr lang="en-US" sz="1600" dirty="0">
+                <a:latin typeface="Segoe UI" panose="020B0502040204020203" pitchFamily="34" charset="0"/>
+                <a:cs typeface="Segoe UI" panose="020B0502040204020203" pitchFamily="34" charset="0"/>
+              </a:rPr>
+              <a:t>) </a:t>
+            </a:r>
+            <a:r>
+              <a:rPr lang="en-US" sz="1600" dirty="0" err="1">
+                <a:latin typeface="Segoe UI" panose="020B0502040204020203" pitchFamily="34" charset="0"/>
+                <a:cs typeface="Segoe UI" panose="020B0502040204020203" pitchFamily="34" charset="0"/>
+              </a:rPr>
+              <a:t>maxValue</a:t>
+            </a:r>
+            <a:r>
+              <a:rPr lang="en-US" sz="1600" dirty="0">
+                <a:latin typeface="Segoe UI" panose="020B0502040204020203" pitchFamily="34" charset="0"/>
+                <a:cs typeface="Segoe UI" panose="020B0502040204020203" pitchFamily="34" charset="0"/>
+              </a:rPr>
+              <a:t> = arguments[ </a:t>
+            </a:r>
+            <a:r>
+              <a:rPr lang="en-US" sz="1600" dirty="0" err="1">
+                <a:latin typeface="Segoe UI" panose="020B0502040204020203" pitchFamily="34" charset="0"/>
+                <a:cs typeface="Segoe UI" panose="020B0502040204020203" pitchFamily="34" charset="0"/>
+              </a:rPr>
+              <a:t>i</a:t>
+            </a:r>
+            <a:r>
+              <a:rPr lang="en-US" sz="1600" dirty="0">
+                <a:latin typeface="Segoe UI" panose="020B0502040204020203" pitchFamily="34" charset="0"/>
+                <a:cs typeface="Segoe UI" panose="020B0502040204020203" pitchFamily="34" charset="0"/>
+              </a:rPr>
+              <a:t>]; 	}</a:t>
+            </a:r>
+          </a:p>
+          <a:p>
+            <a:r>
+              <a:rPr lang="en-US" sz="1600" dirty="0">
+                <a:latin typeface="Segoe UI" panose="020B0502040204020203" pitchFamily="34" charset="0"/>
+                <a:cs typeface="Segoe UI" panose="020B0502040204020203" pitchFamily="34" charset="0"/>
+              </a:rPr>
+              <a:t>}</a:t>
+            </a:r>
+          </a:p>
+        </p:txBody>
+      </p:sp>
+    </p:spTree>
+    <p:extLst>
+      <p:ext uri="{BB962C8B-B14F-4D97-AF65-F5344CB8AC3E}">
+        <p14:creationId xmlns:p14="http://schemas.microsoft.com/office/powerpoint/2010/main" val="1079384099"/>
+      </p:ext>
+    </p:extLst>
+  </p:cSld>
+  <p:clrMapOvr>
+    <a:masterClrMapping/>
+  </p:clrMapOvr>
+</p:sld>
+</file>
+
+<file path=ppt/slides/slide29.xml><?xml version="1.0" encoding="utf-8"?>
+<p:sld xmlns:a="http://schemas.openxmlformats.org/drawingml/2006/main" xmlns:r="http://schemas.openxmlformats.org/officeDocument/2006/relationships" xmlns:p="http://schemas.openxmlformats.org/presentationml/2006/main">
+  <p:cSld>
+    <p:spTree>
+      <p:nvGrpSpPr>
+        <p:cNvPr id="1" name=""/>
+        <p:cNvGrpSpPr/>
+        <p:nvPr/>
+      </p:nvGrpSpPr>
+      <p:grpSpPr>
+        <a:xfrm>
+          <a:off x="0" y="0"/>
+          <a:ext cx="0" cy="0"/>
+          <a:chOff x="0" y="0"/>
+          <a:chExt cx="0" cy="0"/>
+        </a:xfrm>
+      </p:grpSpPr>
+      <p:sp>
+        <p:nvSpPr>
+          <p:cNvPr id="12" name="TextBox 11">
+            <a:extLst>
+              <a:ext uri="{FF2B5EF4-FFF2-40B4-BE49-F238E27FC236}">
+                <a16:creationId xmlns:a16="http://schemas.microsoft.com/office/drawing/2014/main" id="{4A84A252-15C0-40F0-8326-05C2B2D5FB3E}"/>
+              </a:ext>
+            </a:extLst>
+          </p:cNvPr>
+          <p:cNvSpPr txBox="1"/>
+          <p:nvPr/>
+        </p:nvSpPr>
+        <p:spPr>
+          <a:xfrm>
+            <a:off x="1507066" y="1625757"/>
+            <a:ext cx="9616652" cy="584775"/>
+          </a:xfrm>
+          <a:prstGeom prst="rect">
+            <a:avLst/>
+          </a:prstGeom>
+          <a:noFill/>
+        </p:spPr>
+        <p:txBody>
+          <a:bodyPr wrap="square">
+            <a:spAutoFit/>
+          </a:bodyPr>
+          <a:lstStyle/>
+          <a:p>
+            <a:r>
+              <a:rPr lang="en-US" sz="1600" dirty="0">
+                <a:latin typeface="Segoe UI" panose="020B0502040204020203" pitchFamily="34" charset="0"/>
+                <a:cs typeface="Segoe UI" panose="020B0502040204020203" pitchFamily="34" charset="0"/>
+              </a:rPr>
+              <a:t>Before  ES6, </a:t>
+            </a:r>
+            <a:r>
+              <a:rPr lang="en-US" sz="1600" i="1" dirty="0" err="1">
+                <a:latin typeface="Segoe UI" panose="020B0502040204020203" pitchFamily="34" charset="0"/>
+                <a:cs typeface="Segoe UI" panose="020B0502040204020203" pitchFamily="34" charset="0"/>
+              </a:rPr>
+              <a:t>varargs</a:t>
+            </a:r>
+            <a:r>
+              <a:rPr lang="en-US" sz="1600" i="1" dirty="0">
+                <a:latin typeface="Segoe UI" panose="020B0502040204020203" pitchFamily="34" charset="0"/>
+                <a:cs typeface="Segoe UI" panose="020B0502040204020203" pitchFamily="34" charset="0"/>
+              </a:rPr>
+              <a:t> functions </a:t>
+            </a:r>
+            <a:r>
+              <a:rPr lang="en-US" sz="1600" dirty="0">
+                <a:latin typeface="Segoe UI" panose="020B0502040204020203" pitchFamily="34" charset="0"/>
+                <a:cs typeface="Segoe UI" panose="020B0502040204020203" pitchFamily="34" charset="0"/>
+              </a:rPr>
+              <a:t>were written using the </a:t>
+            </a:r>
+            <a:r>
+              <a:rPr lang="en-US" sz="1600" b="1" dirty="0">
+                <a:latin typeface="Segoe UI" panose="020B0502040204020203" pitchFamily="34" charset="0"/>
+                <a:cs typeface="Segoe UI" panose="020B0502040204020203" pitchFamily="34" charset="0"/>
+              </a:rPr>
+              <a:t>arguments object</a:t>
+            </a:r>
+            <a:r>
+              <a:rPr lang="en-US" sz="1600" dirty="0">
+                <a:latin typeface="Segoe UI" panose="020B0502040204020203" pitchFamily="34" charset="0"/>
+                <a:cs typeface="Segoe UI" panose="020B0502040204020203" pitchFamily="34" charset="0"/>
+              </a:rPr>
+              <a:t>: within the body of any function, the identifier </a:t>
+            </a:r>
+            <a:r>
+              <a:rPr lang="en-US" sz="1600" b="1" i="1" dirty="0">
+                <a:latin typeface="Segoe UI" panose="020B0502040204020203" pitchFamily="34" charset="0"/>
+                <a:cs typeface="Segoe UI" panose="020B0502040204020203" pitchFamily="34" charset="0"/>
+              </a:rPr>
+              <a:t>arguments</a:t>
+            </a:r>
+            <a:r>
+              <a:rPr lang="en-US" sz="1600" dirty="0">
+                <a:latin typeface="Segoe UI" panose="020B0502040204020203" pitchFamily="34" charset="0"/>
+                <a:cs typeface="Segoe UI" panose="020B0502040204020203" pitchFamily="34" charset="0"/>
+              </a:rPr>
+              <a:t> refers to the arguments object for that invocation.</a:t>
+            </a:r>
+          </a:p>
+        </p:txBody>
+      </p:sp>
+      <p:sp>
+        <p:nvSpPr>
+          <p:cNvPr id="2" name="Title 1">
+            <a:extLst>
+              <a:ext uri="{FF2B5EF4-FFF2-40B4-BE49-F238E27FC236}">
+                <a16:creationId xmlns:a16="http://schemas.microsoft.com/office/drawing/2014/main" id="{2D4E4121-CDC8-41BA-846E-58655BA90FCF}"/>
+              </a:ext>
+            </a:extLst>
+          </p:cNvPr>
+          <p:cNvSpPr>
+            <a:spLocks noGrp="1"/>
+          </p:cNvSpPr>
+          <p:nvPr>
+            <p:ph type="ctrTitle"/>
+          </p:nvPr>
+        </p:nvSpPr>
+        <p:spPr>
+          <a:xfrm>
+            <a:off x="1507067" y="345351"/>
+            <a:ext cx="7766936" cy="970133"/>
+          </a:xfrm>
+        </p:spPr>
+        <p:txBody>
+          <a:bodyPr/>
+          <a:lstStyle/>
+          <a:p>
+            <a:pPr algn="l"/>
+            <a:r>
+              <a:rPr lang="en-US" dirty="0">
+                <a:solidFill>
+                  <a:schemeClr val="tx1">
+                    <a:lumMod val="85000"/>
+                    <a:lumOff val="15000"/>
+                  </a:schemeClr>
+                </a:solidFill>
+                <a:latin typeface="Segoe UI" panose="020B0502040204020203" pitchFamily="34" charset="0"/>
+                <a:cs typeface="Segoe UI" panose="020B0502040204020203" pitchFamily="34" charset="0"/>
+              </a:rPr>
+              <a:t>JS| </a:t>
+            </a:r>
+            <a:r>
+              <a:rPr lang="en-US" sz="3200" b="1" dirty="0">
+                <a:solidFill>
+                  <a:schemeClr val="tx1">
+                    <a:lumMod val="85000"/>
+                    <a:lumOff val="15000"/>
+                  </a:schemeClr>
+                </a:solidFill>
+                <a:latin typeface="Segoe UI" panose="020B0502040204020203" pitchFamily="34" charset="0"/>
+                <a:cs typeface="Segoe UI" panose="020B0502040204020203" pitchFamily="34" charset="0"/>
+              </a:rPr>
+              <a:t>Arguments Types</a:t>
+            </a:r>
+            <a:endParaRPr lang="en-US" b="1" dirty="0">
+              <a:solidFill>
+                <a:schemeClr val="tx1">
+                  <a:lumMod val="85000"/>
+                  <a:lumOff val="15000"/>
+                </a:schemeClr>
+              </a:solidFill>
+              <a:latin typeface="Segoe UI" panose="020B0502040204020203" pitchFamily="34" charset="0"/>
+              <a:cs typeface="Segoe UI" panose="020B0502040204020203" pitchFamily="34" charset="0"/>
+            </a:endParaRPr>
+          </a:p>
+        </p:txBody>
+      </p:sp>
+      <p:sp>
+        <p:nvSpPr>
+          <p:cNvPr id="5" name="TextBox 4">
+            <a:extLst>
+              <a:ext uri="{FF2B5EF4-FFF2-40B4-BE49-F238E27FC236}">
+                <a16:creationId xmlns:a16="http://schemas.microsoft.com/office/drawing/2014/main" id="{C12A2FA6-5A5E-4F9F-94DD-A1BF19E33E6A}"/>
+              </a:ext>
+            </a:extLst>
+          </p:cNvPr>
+          <p:cNvSpPr txBox="1"/>
+          <p:nvPr/>
+        </p:nvSpPr>
+        <p:spPr>
+          <a:xfrm>
+            <a:off x="1507066" y="2520805"/>
+            <a:ext cx="9616652" cy="584775"/>
+          </a:xfrm>
+          <a:prstGeom prst="rect">
+            <a:avLst/>
+          </a:prstGeom>
+          <a:solidFill>
+            <a:schemeClr val="accent3">
+              <a:lumMod val="40000"/>
+              <a:lumOff val="60000"/>
+            </a:schemeClr>
+          </a:solidFill>
+          <a:ln w="57150">
+            <a:solidFill>
+              <a:srgbClr val="00B050"/>
+            </a:solidFill>
+          </a:ln>
+        </p:spPr>
+        <p:txBody>
+          <a:bodyPr wrap="square">
+            <a:spAutoFit/>
+          </a:bodyPr>
+          <a:lstStyle/>
+          <a:p>
+            <a:r>
+              <a:rPr lang="en-US" sz="1600" dirty="0">
+                <a:latin typeface="Segoe UI" panose="020B0502040204020203" pitchFamily="34" charset="0"/>
+                <a:cs typeface="Segoe UI" panose="020B0502040204020203" pitchFamily="34" charset="0"/>
+              </a:rPr>
+              <a:t>A rest parameter is preceded by </a:t>
+            </a:r>
+            <a:r>
+              <a:rPr lang="en-US" sz="1600" b="1" dirty="0">
+                <a:latin typeface="Segoe UI" panose="020B0502040204020203" pitchFamily="34" charset="0"/>
+                <a:cs typeface="Segoe UI" panose="020B0502040204020203" pitchFamily="34" charset="0"/>
+              </a:rPr>
+              <a:t>three periods </a:t>
+            </a:r>
+            <a:r>
+              <a:rPr lang="en-US" sz="1600" dirty="0">
+                <a:latin typeface="Segoe UI" panose="020B0502040204020203" pitchFamily="34" charset="0"/>
+                <a:cs typeface="Segoe UI" panose="020B0502040204020203" pitchFamily="34" charset="0"/>
+              </a:rPr>
+              <a:t>(…) and it must be the last parameter in a function declaration.</a:t>
+            </a:r>
+          </a:p>
+        </p:txBody>
+      </p:sp>
+      <p:sp>
+        <p:nvSpPr>
+          <p:cNvPr id="7" name="TextBox 6">
+            <a:extLst>
+              <a:ext uri="{FF2B5EF4-FFF2-40B4-BE49-F238E27FC236}">
+                <a16:creationId xmlns:a16="http://schemas.microsoft.com/office/drawing/2014/main" id="{0848B9FA-232A-452E-8A35-C83926579228}"/>
+              </a:ext>
+            </a:extLst>
+          </p:cNvPr>
+          <p:cNvSpPr txBox="1"/>
+          <p:nvPr/>
+        </p:nvSpPr>
+        <p:spPr>
+          <a:xfrm>
+            <a:off x="1507065" y="5534561"/>
+            <a:ext cx="9616652" cy="584775"/>
+          </a:xfrm>
+          <a:prstGeom prst="rect">
+            <a:avLst/>
+          </a:prstGeom>
+          <a:solidFill>
+            <a:srgbClr val="F6B3AA"/>
+          </a:solidFill>
+          <a:ln w="57150">
+            <a:solidFill>
+              <a:srgbClr val="C00000"/>
+            </a:solidFill>
+          </a:ln>
+        </p:spPr>
+        <p:txBody>
+          <a:bodyPr wrap="square">
+            <a:spAutoFit/>
+          </a:bodyPr>
+          <a:lstStyle/>
+          <a:p>
+            <a:r>
+              <a:rPr lang="en-US" sz="1600" dirty="0">
+                <a:latin typeface="Segoe UI" panose="020B0502040204020203" pitchFamily="34" charset="0"/>
+                <a:cs typeface="Segoe UI" panose="020B0502040204020203" pitchFamily="34" charset="0"/>
+              </a:rPr>
+              <a:t>The arguments object dates back to the earliest days of JavaScript and carries with it some strange historical baggage that makes it inefficient and hard to optimize.</a:t>
+            </a:r>
+          </a:p>
+        </p:txBody>
+      </p:sp>
+      <p:sp>
+        <p:nvSpPr>
+          <p:cNvPr id="9" name="TextBox 8">
+            <a:extLst>
+              <a:ext uri="{FF2B5EF4-FFF2-40B4-BE49-F238E27FC236}">
+                <a16:creationId xmlns:a16="http://schemas.microsoft.com/office/drawing/2014/main" id="{6937661C-996C-458E-BDF2-39FFE384876B}"/>
+              </a:ext>
+            </a:extLst>
+          </p:cNvPr>
+          <p:cNvSpPr txBox="1"/>
+          <p:nvPr/>
+        </p:nvSpPr>
+        <p:spPr>
+          <a:xfrm>
+            <a:off x="1507065" y="3362565"/>
+            <a:ext cx="6145485" cy="1815882"/>
+          </a:xfrm>
+          <a:prstGeom prst="rect">
+            <a:avLst/>
+          </a:prstGeom>
+          <a:noFill/>
+          <a:ln w="57150">
+            <a:solidFill>
+              <a:srgbClr val="0070C0"/>
+            </a:solidFill>
+          </a:ln>
+        </p:spPr>
+        <p:txBody>
+          <a:bodyPr wrap="square">
+            <a:spAutoFit/>
+          </a:bodyPr>
+          <a:lstStyle/>
+          <a:p>
+            <a:r>
+              <a:rPr lang="en-US" sz="1600" b="1" dirty="0">
+                <a:latin typeface="Segoe UI" panose="020B0502040204020203" pitchFamily="34" charset="0"/>
+                <a:cs typeface="Segoe UI" panose="020B0502040204020203" pitchFamily="34" charset="0"/>
+              </a:rPr>
+              <a:t>function</a:t>
+            </a:r>
+            <a:r>
+              <a:rPr lang="en-US" sz="1600" dirty="0">
+                <a:latin typeface="Segoe UI" panose="020B0502040204020203" pitchFamily="34" charset="0"/>
+                <a:cs typeface="Segoe UI" panose="020B0502040204020203" pitchFamily="34" charset="0"/>
+              </a:rPr>
+              <a:t> max(x) { </a:t>
+            </a:r>
+          </a:p>
+          <a:p>
+            <a:r>
+              <a:rPr lang="en-US" sz="1600" dirty="0">
+                <a:latin typeface="Segoe UI" panose="020B0502040204020203" pitchFamily="34" charset="0"/>
+                <a:cs typeface="Segoe UI" panose="020B0502040204020203" pitchFamily="34" charset="0"/>
+              </a:rPr>
+              <a:t>	let </a:t>
+            </a:r>
+            <a:r>
+              <a:rPr lang="en-US" sz="1600" dirty="0" err="1">
+                <a:latin typeface="Segoe UI" panose="020B0502040204020203" pitchFamily="34" charset="0"/>
+                <a:cs typeface="Segoe UI" panose="020B0502040204020203" pitchFamily="34" charset="0"/>
+              </a:rPr>
+              <a:t>maxValue</a:t>
+            </a:r>
+            <a:r>
+              <a:rPr lang="en-US" sz="1600" dirty="0">
+                <a:latin typeface="Segoe UI" panose="020B0502040204020203" pitchFamily="34" charset="0"/>
+                <a:cs typeface="Segoe UI" panose="020B0502040204020203" pitchFamily="34" charset="0"/>
+              </a:rPr>
+              <a:t> = -Infinity; </a:t>
+            </a:r>
+          </a:p>
+          <a:p>
+            <a:endParaRPr lang="en-US" sz="1600" dirty="0">
+              <a:latin typeface="Segoe UI" panose="020B0502040204020203" pitchFamily="34" charset="0"/>
+              <a:cs typeface="Segoe UI" panose="020B0502040204020203" pitchFamily="34" charset="0"/>
+            </a:endParaRPr>
+          </a:p>
+          <a:p>
+            <a:r>
+              <a:rPr lang="en-US" sz="1600" dirty="0">
+                <a:latin typeface="Segoe UI" panose="020B0502040204020203" pitchFamily="34" charset="0"/>
+                <a:cs typeface="Segoe UI" panose="020B0502040204020203" pitchFamily="34" charset="0"/>
+              </a:rPr>
+              <a:t>	for( let </a:t>
+            </a:r>
+            <a:r>
+              <a:rPr lang="en-US" sz="1600" dirty="0" err="1">
+                <a:latin typeface="Segoe UI" panose="020B0502040204020203" pitchFamily="34" charset="0"/>
+                <a:cs typeface="Segoe UI" panose="020B0502040204020203" pitchFamily="34" charset="0"/>
+              </a:rPr>
+              <a:t>i</a:t>
+            </a:r>
+            <a:r>
+              <a:rPr lang="en-US" sz="1600" dirty="0">
+                <a:latin typeface="Segoe UI" panose="020B0502040204020203" pitchFamily="34" charset="0"/>
+                <a:cs typeface="Segoe UI" panose="020B0502040204020203" pitchFamily="34" charset="0"/>
+              </a:rPr>
+              <a:t> = 0; </a:t>
+            </a:r>
+            <a:r>
+              <a:rPr lang="en-US" sz="1600" dirty="0" err="1">
+                <a:latin typeface="Segoe UI" panose="020B0502040204020203" pitchFamily="34" charset="0"/>
+                <a:cs typeface="Segoe UI" panose="020B0502040204020203" pitchFamily="34" charset="0"/>
+              </a:rPr>
+              <a:t>i</a:t>
+            </a:r>
+            <a:r>
+              <a:rPr lang="en-US" sz="1600" dirty="0">
+                <a:latin typeface="Segoe UI" panose="020B0502040204020203" pitchFamily="34" charset="0"/>
+                <a:cs typeface="Segoe UI" panose="020B0502040204020203" pitchFamily="34" charset="0"/>
+              </a:rPr>
+              <a:t> &lt; </a:t>
+            </a:r>
+            <a:r>
+              <a:rPr lang="en-US" sz="1600" dirty="0" err="1">
+                <a:latin typeface="Segoe UI" panose="020B0502040204020203" pitchFamily="34" charset="0"/>
+                <a:cs typeface="Segoe UI" panose="020B0502040204020203" pitchFamily="34" charset="0"/>
+              </a:rPr>
+              <a:t>arguments.length</a:t>
+            </a:r>
+            <a:r>
+              <a:rPr lang="en-US" sz="1600" dirty="0">
+                <a:latin typeface="Segoe UI" panose="020B0502040204020203" pitchFamily="34" charset="0"/>
+                <a:cs typeface="Segoe UI" panose="020B0502040204020203" pitchFamily="34" charset="0"/>
+              </a:rPr>
+              <a:t>; </a:t>
+            </a:r>
+            <a:r>
+              <a:rPr lang="en-US" sz="1600" dirty="0" err="1">
+                <a:latin typeface="Segoe UI" panose="020B0502040204020203" pitchFamily="34" charset="0"/>
+                <a:cs typeface="Segoe UI" panose="020B0502040204020203" pitchFamily="34" charset="0"/>
+              </a:rPr>
+              <a:t>i</a:t>
+            </a:r>
+            <a:r>
+              <a:rPr lang="en-US" sz="1600" dirty="0">
+                <a:latin typeface="Segoe UI" panose="020B0502040204020203" pitchFamily="34" charset="0"/>
+                <a:cs typeface="Segoe UI" panose="020B0502040204020203" pitchFamily="34" charset="0"/>
+              </a:rPr>
+              <a:t> + +) { </a:t>
+            </a:r>
+          </a:p>
+          <a:p>
+            <a:r>
+              <a:rPr lang="en-US" sz="1600" dirty="0">
+                <a:latin typeface="Segoe UI" panose="020B0502040204020203" pitchFamily="34" charset="0"/>
+                <a:cs typeface="Segoe UI" panose="020B0502040204020203" pitchFamily="34" charset="0"/>
+              </a:rPr>
+              <a:t>		if (arguments[ </a:t>
+            </a:r>
+            <a:r>
+              <a:rPr lang="en-US" sz="1600" dirty="0" err="1">
+                <a:latin typeface="Segoe UI" panose="020B0502040204020203" pitchFamily="34" charset="0"/>
+                <a:cs typeface="Segoe UI" panose="020B0502040204020203" pitchFamily="34" charset="0"/>
+              </a:rPr>
+              <a:t>i</a:t>
+            </a:r>
+            <a:r>
+              <a:rPr lang="en-US" sz="1600" dirty="0">
+                <a:latin typeface="Segoe UI" panose="020B0502040204020203" pitchFamily="34" charset="0"/>
+                <a:cs typeface="Segoe UI" panose="020B0502040204020203" pitchFamily="34" charset="0"/>
+              </a:rPr>
+              <a:t>] &gt; </a:t>
+            </a:r>
+            <a:r>
+              <a:rPr lang="en-US" sz="1600" dirty="0" err="1">
+                <a:latin typeface="Segoe UI" panose="020B0502040204020203" pitchFamily="34" charset="0"/>
+                <a:cs typeface="Segoe UI" panose="020B0502040204020203" pitchFamily="34" charset="0"/>
+              </a:rPr>
+              <a:t>maxValue</a:t>
+            </a:r>
+            <a:r>
+              <a:rPr lang="en-US" sz="1600" dirty="0">
+                <a:latin typeface="Segoe UI" panose="020B0502040204020203" pitchFamily="34" charset="0"/>
+                <a:cs typeface="Segoe UI" panose="020B0502040204020203" pitchFamily="34" charset="0"/>
+              </a:rPr>
+              <a:t>) </a:t>
+            </a:r>
+            <a:r>
+              <a:rPr lang="en-US" sz="1600" dirty="0" err="1">
+                <a:latin typeface="Segoe UI" panose="020B0502040204020203" pitchFamily="34" charset="0"/>
+                <a:cs typeface="Segoe UI" panose="020B0502040204020203" pitchFamily="34" charset="0"/>
+              </a:rPr>
+              <a:t>maxValue</a:t>
+            </a:r>
+            <a:r>
+              <a:rPr lang="en-US" sz="1600" dirty="0">
+                <a:latin typeface="Segoe UI" panose="020B0502040204020203" pitchFamily="34" charset="0"/>
+                <a:cs typeface="Segoe UI" panose="020B0502040204020203" pitchFamily="34" charset="0"/>
+              </a:rPr>
+              <a:t> = arguments[ </a:t>
+            </a:r>
+            <a:r>
+              <a:rPr lang="en-US" sz="1600" dirty="0" err="1">
+                <a:latin typeface="Segoe UI" panose="020B0502040204020203" pitchFamily="34" charset="0"/>
+                <a:cs typeface="Segoe UI" panose="020B0502040204020203" pitchFamily="34" charset="0"/>
+              </a:rPr>
+              <a:t>i</a:t>
+            </a:r>
+            <a:r>
+              <a:rPr lang="en-US" sz="1600" dirty="0">
+                <a:latin typeface="Segoe UI" panose="020B0502040204020203" pitchFamily="34" charset="0"/>
+                <a:cs typeface="Segoe UI" panose="020B0502040204020203" pitchFamily="34" charset="0"/>
+              </a:rPr>
+              <a:t>]; 	}</a:t>
+            </a:r>
+          </a:p>
+          <a:p>
+            <a:r>
+              <a:rPr lang="en-US" sz="1600" dirty="0">
+                <a:latin typeface="Segoe UI" panose="020B0502040204020203" pitchFamily="34" charset="0"/>
+                <a:cs typeface="Segoe UI" panose="020B0502040204020203" pitchFamily="34" charset="0"/>
+              </a:rPr>
+              <a:t>}</a:t>
+            </a:r>
+          </a:p>
+        </p:txBody>
+      </p:sp>
+    </p:spTree>
+    <p:extLst>
+      <p:ext uri="{BB962C8B-B14F-4D97-AF65-F5344CB8AC3E}">
+        <p14:creationId xmlns:p14="http://schemas.microsoft.com/office/powerpoint/2010/main" val="2790637421"/>
+      </p:ext>
+    </p:extLst>
+  </p:cSld>
+  <p:clrMapOvr>
+    <a:masterClrMapping/>
+  </p:clrMapOvr>
+</p:sld>
+</file>
+
+<file path=ppt/slides/slide3.xml><?xml version="1.0" encoding="utf-8"?>
+<p:sld xmlns:a="http://schemas.openxmlformats.org/drawingml/2006/main" xmlns:r="http://schemas.openxmlformats.org/officeDocument/2006/relationships" xmlns:p="http://schemas.openxmlformats.org/presentationml/2006/main">
+  <p:cSld>
+    <p:spTree>
+      <p:nvGrpSpPr>
+        <p:cNvPr id="1" name=""/>
+        <p:cNvGrpSpPr/>
+        <p:nvPr/>
+      </p:nvGrpSpPr>
+      <p:grpSpPr>
+        <a:xfrm>
+          <a:off x="0" y="0"/>
+          <a:ext cx="0" cy="0"/>
+          <a:chOff x="0" y="0"/>
+          <a:chExt cx="0" cy="0"/>
+        </a:xfrm>
+      </p:grpSpPr>
+      <p:sp>
+        <p:nvSpPr>
+          <p:cNvPr id="2" name="Title 1">
+            <a:extLst>
+              <a:ext uri="{FF2B5EF4-FFF2-40B4-BE49-F238E27FC236}">
+                <a16:creationId xmlns:a16="http://schemas.microsoft.com/office/drawing/2014/main" id="{2D4E4121-CDC8-41BA-846E-58655BA90FCF}"/>
+              </a:ext>
+            </a:extLst>
+          </p:cNvPr>
+          <p:cNvSpPr>
+            <a:spLocks noGrp="1"/>
+          </p:cNvSpPr>
+          <p:nvPr>
+            <p:ph type="ctrTitle"/>
+          </p:nvPr>
+        </p:nvSpPr>
+        <p:spPr>
+          <a:xfrm>
+            <a:off x="1507067" y="345351"/>
+            <a:ext cx="7766936" cy="970133"/>
+          </a:xfrm>
+        </p:spPr>
+        <p:txBody>
+          <a:bodyPr/>
+          <a:lstStyle/>
+          <a:p>
+            <a:pPr algn="l"/>
+            <a:r>
+              <a:rPr lang="en-US" dirty="0">
+                <a:solidFill>
+                  <a:schemeClr val="tx1">
+                    <a:lumMod val="85000"/>
+                    <a:lumOff val="15000"/>
+                  </a:schemeClr>
+                </a:solidFill>
+                <a:latin typeface="Segoe UI" panose="020B0502040204020203" pitchFamily="34" charset="0"/>
+                <a:cs typeface="Segoe UI" panose="020B0502040204020203" pitchFamily="34" charset="0"/>
+              </a:rPr>
+              <a:t>JS| </a:t>
+            </a:r>
+            <a:r>
+              <a:rPr lang="en-US" sz="3200" b="1" dirty="0">
+                <a:solidFill>
+                  <a:schemeClr val="tx1">
+                    <a:lumMod val="85000"/>
+                    <a:lumOff val="15000"/>
+                  </a:schemeClr>
+                </a:solidFill>
+                <a:latin typeface="Segoe UI" panose="020B0502040204020203" pitchFamily="34" charset="0"/>
+                <a:cs typeface="Segoe UI" panose="020B0502040204020203" pitchFamily="34" charset="0"/>
+              </a:rPr>
+              <a:t>Defining Functions</a:t>
+            </a:r>
+            <a:endParaRPr lang="en-US" b="1" dirty="0">
+              <a:solidFill>
+                <a:schemeClr val="tx1">
+                  <a:lumMod val="85000"/>
+                  <a:lumOff val="15000"/>
+                </a:schemeClr>
+              </a:solidFill>
+              <a:latin typeface="Segoe UI" panose="020B0502040204020203" pitchFamily="34" charset="0"/>
+              <a:cs typeface="Segoe UI" panose="020B0502040204020203" pitchFamily="34" charset="0"/>
+            </a:endParaRPr>
+          </a:p>
+        </p:txBody>
+      </p:sp>
+      <p:sp>
+        <p:nvSpPr>
+          <p:cNvPr id="3" name="TextBox 2">
+            <a:extLst>
+              <a:ext uri="{FF2B5EF4-FFF2-40B4-BE49-F238E27FC236}">
+                <a16:creationId xmlns:a16="http://schemas.microsoft.com/office/drawing/2014/main" id="{C895C44F-686B-467A-B89F-FA4A0CDDDA49}"/>
+              </a:ext>
+            </a:extLst>
+          </p:cNvPr>
+          <p:cNvSpPr txBox="1"/>
+          <p:nvPr/>
+        </p:nvSpPr>
+        <p:spPr>
+          <a:xfrm>
+            <a:off x="1605106" y="1616879"/>
+            <a:ext cx="9391548" cy="2516073"/>
+          </a:xfrm>
+          <a:prstGeom prst="rect">
+            <a:avLst/>
+          </a:prstGeom>
+          <a:noFill/>
+        </p:spPr>
+        <p:txBody>
+          <a:bodyPr wrap="square" rtlCol="0">
+            <a:spAutoFit/>
+          </a:bodyPr>
+          <a:lstStyle/>
+          <a:p>
+            <a:pPr algn="just"/>
+            <a:r>
+              <a:rPr lang="en-US" sz="1750" dirty="0">
+                <a:latin typeface="Segoe UI" panose="020B0502040204020203" pitchFamily="34" charset="0"/>
+                <a:cs typeface="Segoe UI" panose="020B0502040204020203" pitchFamily="34" charset="0"/>
+              </a:rPr>
+              <a:t>The most straightforward way to define a JavaScript function is with the </a:t>
+            </a:r>
+            <a:r>
+              <a:rPr lang="en-US" sz="1750" b="1" dirty="0">
+                <a:latin typeface="Segoe UI" panose="020B0502040204020203" pitchFamily="34" charset="0"/>
+                <a:cs typeface="Segoe UI" panose="020B0502040204020203" pitchFamily="34" charset="0"/>
+              </a:rPr>
+              <a:t>function keyword</a:t>
+            </a:r>
+            <a:r>
+              <a:rPr lang="en-US" sz="1750" dirty="0">
+                <a:latin typeface="Segoe UI" panose="020B0502040204020203" pitchFamily="34" charset="0"/>
+                <a:cs typeface="Segoe UI" panose="020B0502040204020203" pitchFamily="34" charset="0"/>
+              </a:rPr>
+              <a:t>, which can be used as a:</a:t>
+            </a:r>
+          </a:p>
+          <a:p>
+            <a:pPr algn="just"/>
+            <a:endParaRPr lang="en-US" sz="1750" dirty="0">
+              <a:latin typeface="Segoe UI" panose="020B0502040204020203" pitchFamily="34" charset="0"/>
+              <a:cs typeface="Segoe UI" panose="020B0502040204020203" pitchFamily="34" charset="0"/>
+            </a:endParaRPr>
+          </a:p>
+          <a:p>
+            <a:pPr marL="342900" indent="-342900" algn="just">
+              <a:buFont typeface="+mj-lt"/>
+              <a:buAutoNum type="arabicPeriod"/>
+            </a:pPr>
+            <a:r>
+              <a:rPr lang="en-US" sz="1750" b="1" dirty="0">
+                <a:latin typeface="Segoe UI" panose="020B0502040204020203" pitchFamily="34" charset="0"/>
+                <a:cs typeface="Segoe UI" panose="020B0502040204020203" pitchFamily="34" charset="0"/>
+              </a:rPr>
+              <a:t>declaration</a:t>
+            </a:r>
+            <a:r>
+              <a:rPr lang="en-US" sz="1750" dirty="0">
+                <a:latin typeface="Segoe UI" panose="020B0502040204020203" pitchFamily="34" charset="0"/>
+                <a:cs typeface="Segoe UI" panose="020B0502040204020203" pitchFamily="34" charset="0"/>
+              </a:rPr>
+              <a:t> </a:t>
+            </a:r>
+          </a:p>
+          <a:p>
+            <a:pPr marL="342900" indent="-342900" algn="just">
+              <a:buFont typeface="+mj-lt"/>
+              <a:buAutoNum type="arabicPeriod"/>
+            </a:pPr>
+            <a:r>
+              <a:rPr lang="en-US" sz="1750" b="1" dirty="0">
+                <a:solidFill>
+                  <a:schemeClr val="tx1">
+                    <a:lumMod val="85000"/>
+                    <a:lumOff val="15000"/>
+                  </a:schemeClr>
+                </a:solidFill>
+                <a:latin typeface="Segoe UI" panose="020B0502040204020203" pitchFamily="34" charset="0"/>
+                <a:cs typeface="Segoe UI" panose="020B0502040204020203" pitchFamily="34" charset="0"/>
+              </a:rPr>
+              <a:t>expression</a:t>
+            </a:r>
+            <a:endParaRPr lang="en-US" sz="1750" b="1" dirty="0">
+              <a:latin typeface="Segoe UI" panose="020B0502040204020203" pitchFamily="34" charset="0"/>
+              <a:cs typeface="Segoe UI" panose="020B0502040204020203" pitchFamily="34" charset="0"/>
+            </a:endParaRPr>
+          </a:p>
+          <a:p>
+            <a:pPr algn="just"/>
+            <a:endParaRPr lang="en-US" sz="1750" dirty="0">
+              <a:latin typeface="Segoe UI" panose="020B0502040204020203" pitchFamily="34" charset="0"/>
+              <a:cs typeface="Segoe UI" panose="020B0502040204020203" pitchFamily="34" charset="0"/>
+            </a:endParaRPr>
+          </a:p>
+          <a:p>
+            <a:pPr algn="just"/>
+            <a:r>
+              <a:rPr lang="en-US" sz="1750" dirty="0">
+                <a:latin typeface="Segoe UI" panose="020B0502040204020203" pitchFamily="34" charset="0"/>
+                <a:cs typeface="Segoe UI" panose="020B0502040204020203" pitchFamily="34" charset="0"/>
+              </a:rPr>
+              <a:t>ES6 defines an important new way to define functions without the function keyword:</a:t>
+            </a:r>
+          </a:p>
+          <a:p>
+            <a:pPr algn="just"/>
+            <a:endParaRPr lang="en-US" sz="1750" dirty="0">
+              <a:latin typeface="Segoe UI" panose="020B0502040204020203" pitchFamily="34" charset="0"/>
+              <a:cs typeface="Segoe UI" panose="020B0502040204020203" pitchFamily="34" charset="0"/>
+            </a:endParaRPr>
+          </a:p>
+          <a:p>
+            <a:pPr marL="342900" indent="-342900" algn="just">
+              <a:buFont typeface="+mj-lt"/>
+              <a:buAutoNum type="arabicPeriod" startAt="3"/>
+            </a:pPr>
+            <a:r>
+              <a:rPr lang="en-US" sz="1750" b="1" dirty="0">
+                <a:latin typeface="Segoe UI" panose="020B0502040204020203" pitchFamily="34" charset="0"/>
+                <a:cs typeface="Segoe UI" panose="020B0502040204020203" pitchFamily="34" charset="0"/>
+              </a:rPr>
+              <a:t> arrow functions </a:t>
+            </a:r>
+            <a:r>
+              <a:rPr lang="en-US" sz="1600" i="1" dirty="0">
+                <a:latin typeface="Segoe UI" panose="020B0502040204020203" pitchFamily="34" charset="0"/>
+                <a:cs typeface="Segoe UI" panose="020B0502040204020203" pitchFamily="34" charset="0"/>
+              </a:rPr>
+              <a:t>(a particularly compact syntax)</a:t>
+            </a:r>
+          </a:p>
+        </p:txBody>
+      </p:sp>
+    </p:spTree>
+    <p:extLst>
+      <p:ext uri="{BB962C8B-B14F-4D97-AF65-F5344CB8AC3E}">
+        <p14:creationId xmlns:p14="http://schemas.microsoft.com/office/powerpoint/2010/main" val="3040585720"/>
+      </p:ext>
+    </p:extLst>
+  </p:cSld>
+  <p:clrMapOvr>
+    <a:masterClrMapping/>
+  </p:clrMapOvr>
+</p:sld>
+</file>
+
+<file path=ppt/slides/slide30.xml><?xml version="1.0" encoding="utf-8"?>
+<p:sld xmlns:a="http://schemas.openxmlformats.org/drawingml/2006/main" xmlns:r="http://schemas.openxmlformats.org/officeDocument/2006/relationships" xmlns:p="http://schemas.openxmlformats.org/presentationml/2006/main">
+  <p:cSld>
+    <p:spTree>
+      <p:nvGrpSpPr>
+        <p:cNvPr id="1" name=""/>
+        <p:cNvGrpSpPr/>
+        <p:nvPr/>
+      </p:nvGrpSpPr>
+      <p:grpSpPr>
+        <a:xfrm>
+          <a:off x="0" y="0"/>
+          <a:ext cx="0" cy="0"/>
+          <a:chOff x="0" y="0"/>
+          <a:chExt cx="0" cy="0"/>
+        </a:xfrm>
+      </p:grpSpPr>
+      <p:sp>
+        <p:nvSpPr>
+          <p:cNvPr id="2" name="Title 1">
+            <a:extLst>
+              <a:ext uri="{FF2B5EF4-FFF2-40B4-BE49-F238E27FC236}">
+                <a16:creationId xmlns:a16="http://schemas.microsoft.com/office/drawing/2014/main" id="{2D4E4121-CDC8-41BA-846E-58655BA90FCF}"/>
+              </a:ext>
+            </a:extLst>
+          </p:cNvPr>
+          <p:cNvSpPr>
+            <a:spLocks noGrp="1"/>
+          </p:cNvSpPr>
+          <p:nvPr>
+            <p:ph type="ctrTitle"/>
+          </p:nvPr>
+        </p:nvSpPr>
+        <p:spPr>
+          <a:xfrm>
+            <a:off x="1507067" y="345351"/>
+            <a:ext cx="7766936" cy="970133"/>
+          </a:xfrm>
+        </p:spPr>
+        <p:txBody>
+          <a:bodyPr/>
+          <a:lstStyle/>
+          <a:p>
+            <a:pPr algn="l"/>
+            <a:r>
+              <a:rPr lang="en-US" dirty="0">
+                <a:solidFill>
+                  <a:schemeClr val="tx1">
+                    <a:lumMod val="85000"/>
+                    <a:lumOff val="15000"/>
+                  </a:schemeClr>
+                </a:solidFill>
+                <a:latin typeface="Segoe UI" panose="020B0502040204020203" pitchFamily="34" charset="0"/>
+                <a:cs typeface="Segoe UI" panose="020B0502040204020203" pitchFamily="34" charset="0"/>
+              </a:rPr>
+              <a:t>JS| </a:t>
+            </a:r>
+            <a:r>
+              <a:rPr lang="en-US" sz="3200" b="1" dirty="0">
+                <a:solidFill>
+                  <a:schemeClr val="tx1">
+                    <a:lumMod val="85000"/>
+                    <a:lumOff val="15000"/>
+                  </a:schemeClr>
+                </a:solidFill>
+                <a:latin typeface="Segoe UI" panose="020B0502040204020203" pitchFamily="34" charset="0"/>
+                <a:cs typeface="Segoe UI" panose="020B0502040204020203" pitchFamily="34" charset="0"/>
+              </a:rPr>
               <a:t>Classes</a:t>
             </a:r>
             <a:endParaRPr lang="en-US" b="1" dirty="0">
@@ -10905,632 +19684,6 @@
     <p:extLst>
       <p:ext uri="{BB962C8B-B14F-4D97-AF65-F5344CB8AC3E}">
         <p14:creationId xmlns:p14="http://schemas.microsoft.com/office/powerpoint/2010/main" val="700715641"/>
-      </p:ext>
-    </p:extLst>
-  </p:cSld>
-  <p:clrMapOvr>
-    <a:masterClrMapping/>
-  </p:clrMapOvr>
-</p:sld>
-</file>
-
-<file path=ppt/slides/slide2.xml><?xml version="1.0" encoding="utf-8"?>
-<p:sld xmlns:a="http://schemas.openxmlformats.org/drawingml/2006/main" xmlns:r="http://schemas.openxmlformats.org/officeDocument/2006/relationships" xmlns:p="http://schemas.openxmlformats.org/presentationml/2006/main">
-  <p:cSld>
-    <p:spTree>
-      <p:nvGrpSpPr>
-        <p:cNvPr id="1" name=""/>
-        <p:cNvGrpSpPr/>
-        <p:nvPr/>
-      </p:nvGrpSpPr>
-      <p:grpSpPr>
-        <a:xfrm>
-          <a:off x="0" y="0"/>
-          <a:ext cx="0" cy="0"/>
-          <a:chOff x="0" y="0"/>
-          <a:chExt cx="0" cy="0"/>
-        </a:xfrm>
-      </p:grpSpPr>
-      <p:sp>
-        <p:nvSpPr>
-          <p:cNvPr id="2" name="Title 1">
-            <a:extLst>
-              <a:ext uri="{FF2B5EF4-FFF2-40B4-BE49-F238E27FC236}">
-                <a16:creationId xmlns:a16="http://schemas.microsoft.com/office/drawing/2014/main" id="{2D4E4121-CDC8-41BA-846E-58655BA90FCF}"/>
-              </a:ext>
-            </a:extLst>
-          </p:cNvPr>
-          <p:cNvSpPr>
-            <a:spLocks noGrp="1"/>
-          </p:cNvSpPr>
-          <p:nvPr>
-            <p:ph type="ctrTitle"/>
-          </p:nvPr>
-        </p:nvSpPr>
-        <p:spPr>
-          <a:xfrm>
-            <a:off x="1507067" y="345351"/>
-            <a:ext cx="7766936" cy="970133"/>
-          </a:xfrm>
-        </p:spPr>
-        <p:txBody>
-          <a:bodyPr/>
-          <a:lstStyle/>
-          <a:p>
-            <a:pPr algn="l"/>
-            <a:r>
-              <a:rPr lang="en-US" dirty="0">
-                <a:solidFill>
-                  <a:schemeClr val="tx1">
-                    <a:lumMod val="85000"/>
-                    <a:lumOff val="15000"/>
-                  </a:schemeClr>
-                </a:solidFill>
-                <a:latin typeface="Segoe UI" panose="020B0502040204020203" pitchFamily="34" charset="0"/>
-                <a:cs typeface="Segoe UI" panose="020B0502040204020203" pitchFamily="34" charset="0"/>
-              </a:rPr>
-              <a:t>JS| </a:t>
-            </a:r>
-            <a:r>
-              <a:rPr lang="en-US" sz="3200" b="1" dirty="0">
-                <a:solidFill>
-                  <a:schemeClr val="tx1">
-                    <a:lumMod val="85000"/>
-                    <a:lumOff val="15000"/>
-                  </a:schemeClr>
-                </a:solidFill>
-                <a:latin typeface="Segoe UI" panose="020B0502040204020203" pitchFamily="34" charset="0"/>
-                <a:cs typeface="Segoe UI" panose="020B0502040204020203" pitchFamily="34" charset="0"/>
-              </a:rPr>
-              <a:t>Functions</a:t>
-            </a:r>
-            <a:endParaRPr lang="en-US" b="1" dirty="0">
-              <a:solidFill>
-                <a:schemeClr val="tx1">
-                  <a:lumMod val="85000"/>
-                  <a:lumOff val="15000"/>
-                </a:schemeClr>
-              </a:solidFill>
-              <a:latin typeface="Segoe UI" panose="020B0502040204020203" pitchFamily="34" charset="0"/>
-              <a:cs typeface="Segoe UI" panose="020B0502040204020203" pitchFamily="34" charset="0"/>
-            </a:endParaRPr>
-          </a:p>
-        </p:txBody>
-      </p:sp>
-      <p:sp>
-        <p:nvSpPr>
-          <p:cNvPr id="3" name="TextBox 2">
-            <a:extLst>
-              <a:ext uri="{FF2B5EF4-FFF2-40B4-BE49-F238E27FC236}">
-                <a16:creationId xmlns:a16="http://schemas.microsoft.com/office/drawing/2014/main" id="{C895C44F-686B-467A-B89F-FA4A0CDDDA49}"/>
-              </a:ext>
-            </a:extLst>
-          </p:cNvPr>
-          <p:cNvSpPr txBox="1"/>
-          <p:nvPr/>
-        </p:nvSpPr>
-        <p:spPr>
-          <a:xfrm>
-            <a:off x="1605106" y="1616879"/>
-            <a:ext cx="9391548" cy="5209118"/>
-          </a:xfrm>
-          <a:prstGeom prst="rect">
-            <a:avLst/>
-          </a:prstGeom>
-          <a:noFill/>
-        </p:spPr>
-        <p:txBody>
-          <a:bodyPr wrap="square" rtlCol="0">
-            <a:spAutoFit/>
-          </a:bodyPr>
-          <a:lstStyle/>
-          <a:p>
-            <a:pPr algn="just"/>
-            <a:r>
-              <a:rPr lang="en-US" sz="1750" dirty="0">
-                <a:latin typeface="Segoe UI" panose="020B0502040204020203" pitchFamily="34" charset="0"/>
-                <a:cs typeface="Segoe UI" panose="020B0502040204020203" pitchFamily="34" charset="0"/>
-              </a:rPr>
-              <a:t>A </a:t>
-            </a:r>
-            <a:r>
-              <a:rPr lang="en-US" sz="1750" b="1" dirty="0">
-                <a:latin typeface="Segoe UI" panose="020B0502040204020203" pitchFamily="34" charset="0"/>
-                <a:cs typeface="Segoe UI" panose="020B0502040204020203" pitchFamily="34" charset="0"/>
-              </a:rPr>
-              <a:t>function</a:t>
-            </a:r>
-            <a:r>
-              <a:rPr lang="en-US" sz="1750" dirty="0">
-                <a:latin typeface="Segoe UI" panose="020B0502040204020203" pitchFamily="34" charset="0"/>
-                <a:cs typeface="Segoe UI" panose="020B0502040204020203" pitchFamily="34" charset="0"/>
-              </a:rPr>
-              <a:t> is a block of JavaScript code that is defined once but may be executed, or </a:t>
-            </a:r>
-            <a:r>
-              <a:rPr lang="en-US" sz="1750" b="1" dirty="0">
-                <a:latin typeface="Segoe UI" panose="020B0502040204020203" pitchFamily="34" charset="0"/>
-                <a:cs typeface="Segoe UI" panose="020B0502040204020203" pitchFamily="34" charset="0"/>
-              </a:rPr>
-              <a:t>invoked</a:t>
-            </a:r>
-            <a:r>
-              <a:rPr lang="en-US" sz="1750" dirty="0">
-                <a:latin typeface="Segoe UI" panose="020B0502040204020203" pitchFamily="34" charset="0"/>
-                <a:cs typeface="Segoe UI" panose="020B0502040204020203" pitchFamily="34" charset="0"/>
-              </a:rPr>
-              <a:t>, any number of times.</a:t>
-            </a:r>
-          </a:p>
-          <a:p>
-            <a:pPr algn="just"/>
-            <a:endParaRPr lang="en-US" sz="1750" dirty="0">
-              <a:solidFill>
-                <a:schemeClr val="tx1">
-                  <a:lumMod val="85000"/>
-                  <a:lumOff val="15000"/>
-                </a:schemeClr>
-              </a:solidFill>
-              <a:latin typeface="Segoe UI" panose="020B0502040204020203" pitchFamily="34" charset="0"/>
-              <a:cs typeface="Segoe UI" panose="020B0502040204020203" pitchFamily="34" charset="0"/>
-            </a:endParaRPr>
-          </a:p>
-          <a:p>
-            <a:pPr algn="just"/>
-            <a:r>
-              <a:rPr lang="en-US" sz="1750" dirty="0">
-                <a:latin typeface="Segoe UI" panose="020B0502040204020203" pitchFamily="34" charset="0"/>
-                <a:cs typeface="Segoe UI" panose="020B0502040204020203" pitchFamily="34" charset="0"/>
-              </a:rPr>
-              <a:t>Functions are </a:t>
-            </a:r>
-            <a:r>
-              <a:rPr lang="en-US" sz="1750" b="1" dirty="0">
-                <a:latin typeface="Segoe UI" panose="020B0502040204020203" pitchFamily="34" charset="0"/>
-                <a:cs typeface="Segoe UI" panose="020B0502040204020203" pitchFamily="34" charset="0"/>
-              </a:rPr>
-              <a:t>objects</a:t>
-            </a:r>
-            <a:r>
-              <a:rPr lang="en-US" sz="1750" dirty="0">
-                <a:latin typeface="Segoe UI" panose="020B0502040204020203" pitchFamily="34" charset="0"/>
-                <a:cs typeface="Segoe UI" panose="020B0502040204020203" pitchFamily="34" charset="0"/>
-              </a:rPr>
-              <a:t>, and they can be manipulated by programs.</a:t>
-            </a:r>
-            <a:endParaRPr lang="en-US" sz="1750" dirty="0">
-              <a:solidFill>
-                <a:schemeClr val="tx1">
-                  <a:lumMod val="85000"/>
-                  <a:lumOff val="15000"/>
-                </a:schemeClr>
-              </a:solidFill>
-              <a:latin typeface="Segoe UI" panose="020B0502040204020203" pitchFamily="34" charset="0"/>
-              <a:cs typeface="Segoe UI" panose="020B0502040204020203" pitchFamily="34" charset="0"/>
-            </a:endParaRPr>
-          </a:p>
-          <a:p>
-            <a:pPr algn="just"/>
-            <a:endParaRPr lang="en-US" sz="1750" dirty="0">
-              <a:solidFill>
-                <a:schemeClr val="tx1">
-                  <a:lumMod val="85000"/>
-                  <a:lumOff val="15000"/>
-                </a:schemeClr>
-              </a:solidFill>
-              <a:latin typeface="Segoe UI" panose="020B0502040204020203" pitchFamily="34" charset="0"/>
-              <a:cs typeface="Segoe UI" panose="020B0502040204020203" pitchFamily="34" charset="0"/>
-            </a:endParaRPr>
-          </a:p>
-          <a:p>
-            <a:pPr algn="just"/>
-            <a:r>
-              <a:rPr lang="en-US" sz="1750" dirty="0">
-                <a:latin typeface="Segoe UI" panose="020B0502040204020203" pitchFamily="34" charset="0"/>
-                <a:cs typeface="Segoe UI" panose="020B0502040204020203" pitchFamily="34" charset="0"/>
-              </a:rPr>
-              <a:t>Functions are </a:t>
-            </a:r>
-            <a:r>
-              <a:rPr lang="en-US" sz="1750" b="1" dirty="0">
-                <a:latin typeface="Segoe UI" panose="020B0502040204020203" pitchFamily="34" charset="0"/>
-                <a:cs typeface="Segoe UI" panose="020B0502040204020203" pitchFamily="34" charset="0"/>
-              </a:rPr>
-              <a:t>parameterized</a:t>
-            </a:r>
-            <a:r>
-              <a:rPr lang="en-US" sz="1750" dirty="0">
-                <a:latin typeface="Segoe UI" panose="020B0502040204020203" pitchFamily="34" charset="0"/>
-                <a:cs typeface="Segoe UI" panose="020B0502040204020203" pitchFamily="34" charset="0"/>
-              </a:rPr>
-              <a:t>: a function definition may include a list of identifiers, known as </a:t>
-            </a:r>
-            <a:r>
-              <a:rPr lang="en-US" sz="1750" b="1" dirty="0">
-                <a:latin typeface="Segoe UI" panose="020B0502040204020203" pitchFamily="34" charset="0"/>
-                <a:cs typeface="Segoe UI" panose="020B0502040204020203" pitchFamily="34" charset="0"/>
-              </a:rPr>
-              <a:t>parameters</a:t>
-            </a:r>
-            <a:r>
-              <a:rPr lang="en-US" sz="1750" dirty="0">
-                <a:latin typeface="Segoe UI" panose="020B0502040204020203" pitchFamily="34" charset="0"/>
-                <a:cs typeface="Segoe UI" panose="020B0502040204020203" pitchFamily="34" charset="0"/>
-              </a:rPr>
-              <a:t>, that work as local variables for the body of the function; often use their argument values to compute a return value that becomes the value of the function-invocation expression.</a:t>
-            </a:r>
-          </a:p>
-          <a:p>
-            <a:pPr algn="just"/>
-            <a:endParaRPr lang="en-US" sz="1750" dirty="0">
-              <a:solidFill>
-                <a:schemeClr val="tx1">
-                  <a:lumMod val="85000"/>
-                  <a:lumOff val="15000"/>
-                </a:schemeClr>
-              </a:solidFill>
-              <a:latin typeface="Segoe UI" panose="020B0502040204020203" pitchFamily="34" charset="0"/>
-              <a:cs typeface="Segoe UI" panose="020B0502040204020203" pitchFamily="34" charset="0"/>
-            </a:endParaRPr>
-          </a:p>
-          <a:p>
-            <a:pPr algn="just"/>
-            <a:r>
-              <a:rPr lang="en-US" sz="1750" dirty="0">
-                <a:latin typeface="Segoe UI" panose="020B0502040204020203" pitchFamily="34" charset="0"/>
-                <a:cs typeface="Segoe UI" panose="020B0502040204020203" pitchFamily="34" charset="0"/>
-              </a:rPr>
-              <a:t>In addition to the arguments, each invocation has another value: the </a:t>
-            </a:r>
-            <a:r>
-              <a:rPr lang="en-US" sz="1750" b="1" dirty="0">
-                <a:latin typeface="Segoe UI" panose="020B0502040204020203" pitchFamily="34" charset="0"/>
-                <a:cs typeface="Segoe UI" panose="020B0502040204020203" pitchFamily="34" charset="0"/>
-              </a:rPr>
-              <a:t>invocation context</a:t>
-            </a:r>
-            <a:r>
-              <a:rPr lang="en-US" sz="1750" dirty="0">
-                <a:latin typeface="Segoe UI" panose="020B0502040204020203" pitchFamily="34" charset="0"/>
-                <a:cs typeface="Segoe UI" panose="020B0502040204020203" pitchFamily="34" charset="0"/>
-              </a:rPr>
-              <a:t> that is the value of the this keyword</a:t>
-            </a:r>
-            <a:endParaRPr lang="en-US" sz="1750" dirty="0">
-              <a:solidFill>
-                <a:schemeClr val="tx1">
-                  <a:lumMod val="85000"/>
-                  <a:lumOff val="15000"/>
-                </a:schemeClr>
-              </a:solidFill>
-              <a:latin typeface="Segoe UI" panose="020B0502040204020203" pitchFamily="34" charset="0"/>
-              <a:cs typeface="Segoe UI" panose="020B0502040204020203" pitchFamily="34" charset="0"/>
-            </a:endParaRPr>
-          </a:p>
-          <a:p>
-            <a:pPr algn="just"/>
-            <a:endParaRPr lang="en-US" sz="1750" dirty="0">
-              <a:solidFill>
-                <a:schemeClr val="tx1">
-                  <a:lumMod val="85000"/>
-                  <a:lumOff val="15000"/>
-                </a:schemeClr>
-              </a:solidFill>
-              <a:latin typeface="Segoe UI" panose="020B0502040204020203" pitchFamily="34" charset="0"/>
-              <a:cs typeface="Segoe UI" panose="020B0502040204020203" pitchFamily="34" charset="0"/>
-            </a:endParaRPr>
-          </a:p>
-          <a:p>
-            <a:pPr algn="just"/>
-            <a:r>
-              <a:rPr lang="en-US" sz="1750" dirty="0">
-                <a:latin typeface="Segoe UI" panose="020B0502040204020203" pitchFamily="34" charset="0"/>
-                <a:cs typeface="Segoe UI" panose="020B0502040204020203" pitchFamily="34" charset="0"/>
-              </a:rPr>
-              <a:t>If a function is assigned to the property of an object, it is known as a </a:t>
-            </a:r>
-            <a:r>
-              <a:rPr lang="en-US" sz="1750" b="1" dirty="0">
-                <a:latin typeface="Segoe UI" panose="020B0502040204020203" pitchFamily="34" charset="0"/>
-                <a:cs typeface="Segoe UI" panose="020B0502040204020203" pitchFamily="34" charset="0"/>
-              </a:rPr>
-              <a:t>method</a:t>
-            </a:r>
-            <a:r>
-              <a:rPr lang="en-US" sz="1750" dirty="0">
-                <a:latin typeface="Segoe UI" panose="020B0502040204020203" pitchFamily="34" charset="0"/>
-                <a:cs typeface="Segoe UI" panose="020B0502040204020203" pitchFamily="34" charset="0"/>
-              </a:rPr>
-              <a:t> of that object.</a:t>
-            </a:r>
-          </a:p>
-          <a:p>
-            <a:pPr algn="just"/>
-            <a:endParaRPr lang="en-US" sz="1750" dirty="0">
-              <a:latin typeface="Segoe UI" panose="020B0502040204020203" pitchFamily="34" charset="0"/>
-              <a:cs typeface="Segoe UI" panose="020B0502040204020203" pitchFamily="34" charset="0"/>
-            </a:endParaRPr>
-          </a:p>
-          <a:p>
-            <a:pPr algn="just"/>
-            <a:r>
-              <a:rPr lang="en-US" sz="1750" dirty="0">
-                <a:latin typeface="Segoe UI" panose="020B0502040204020203" pitchFamily="34" charset="0"/>
-                <a:cs typeface="Segoe UI" panose="020B0502040204020203" pitchFamily="34" charset="0"/>
-              </a:rPr>
-              <a:t>JavaScript function definitions can be nested within other functions, and they have access to any variables that are in scope where they are defined. This means that JavaScript functions are </a:t>
-            </a:r>
-            <a:r>
-              <a:rPr lang="en-US" sz="1750" b="1" dirty="0">
-                <a:latin typeface="Segoe UI" panose="020B0502040204020203" pitchFamily="34" charset="0"/>
-                <a:cs typeface="Segoe UI" panose="020B0502040204020203" pitchFamily="34" charset="0"/>
-              </a:rPr>
-              <a:t>closures</a:t>
-            </a:r>
-            <a:r>
-              <a:rPr lang="en-US" sz="1750" dirty="0">
-                <a:latin typeface="Segoe UI" panose="020B0502040204020203" pitchFamily="34" charset="0"/>
-                <a:cs typeface="Segoe UI" panose="020B0502040204020203" pitchFamily="34" charset="0"/>
-              </a:rPr>
-              <a:t>.</a:t>
-            </a:r>
-          </a:p>
-          <a:p>
-            <a:pPr algn="just"/>
-            <a:endParaRPr lang="en-US" sz="1750" dirty="0">
-              <a:latin typeface="Segoe UI" panose="020B0502040204020203" pitchFamily="34" charset="0"/>
-              <a:cs typeface="Segoe UI" panose="020B0502040204020203" pitchFamily="34" charset="0"/>
-            </a:endParaRPr>
-          </a:p>
-        </p:txBody>
-      </p:sp>
-    </p:spTree>
-    <p:extLst>
-      <p:ext uri="{BB962C8B-B14F-4D97-AF65-F5344CB8AC3E}">
-        <p14:creationId xmlns:p14="http://schemas.microsoft.com/office/powerpoint/2010/main" val="2215073328"/>
-      </p:ext>
-    </p:extLst>
-  </p:cSld>
-  <p:clrMapOvr>
-    <a:masterClrMapping/>
-  </p:clrMapOvr>
-</p:sld>
-</file>
-
-<file path=ppt/slides/slide3.xml><?xml version="1.0" encoding="utf-8"?>
-<p:sld xmlns:a="http://schemas.openxmlformats.org/drawingml/2006/main" xmlns:r="http://schemas.openxmlformats.org/officeDocument/2006/relationships" xmlns:p="http://schemas.openxmlformats.org/presentationml/2006/main">
-  <p:cSld>
-    <p:spTree>
-      <p:nvGrpSpPr>
-        <p:cNvPr id="1" name=""/>
-        <p:cNvGrpSpPr/>
-        <p:nvPr/>
-      </p:nvGrpSpPr>
-      <p:grpSpPr>
-        <a:xfrm>
-          <a:off x="0" y="0"/>
-          <a:ext cx="0" cy="0"/>
-          <a:chOff x="0" y="0"/>
-          <a:chExt cx="0" cy="0"/>
-        </a:xfrm>
-      </p:grpSpPr>
-      <p:sp>
-        <p:nvSpPr>
-          <p:cNvPr id="2" name="Title 1">
-            <a:extLst>
-              <a:ext uri="{FF2B5EF4-FFF2-40B4-BE49-F238E27FC236}">
-                <a16:creationId xmlns:a16="http://schemas.microsoft.com/office/drawing/2014/main" id="{2D4E4121-CDC8-41BA-846E-58655BA90FCF}"/>
-              </a:ext>
-            </a:extLst>
-          </p:cNvPr>
-          <p:cNvSpPr>
-            <a:spLocks noGrp="1"/>
-          </p:cNvSpPr>
-          <p:nvPr>
-            <p:ph type="ctrTitle"/>
-          </p:nvPr>
-        </p:nvSpPr>
-        <p:spPr>
-          <a:xfrm>
-            <a:off x="1507067" y="345351"/>
-            <a:ext cx="7766936" cy="970133"/>
-          </a:xfrm>
-        </p:spPr>
-        <p:txBody>
-          <a:bodyPr/>
-          <a:lstStyle/>
-          <a:p>
-            <a:pPr algn="l"/>
-            <a:r>
-              <a:rPr lang="en-US" dirty="0">
-                <a:solidFill>
-                  <a:schemeClr val="tx1">
-                    <a:lumMod val="85000"/>
-                    <a:lumOff val="15000"/>
-                  </a:schemeClr>
-                </a:solidFill>
-                <a:latin typeface="Segoe UI" panose="020B0502040204020203" pitchFamily="34" charset="0"/>
-                <a:cs typeface="Segoe UI" panose="020B0502040204020203" pitchFamily="34" charset="0"/>
-              </a:rPr>
-              <a:t>JS| </a:t>
-            </a:r>
-            <a:r>
-              <a:rPr lang="en-US" sz="3200" b="1" dirty="0">
-                <a:solidFill>
-                  <a:schemeClr val="tx1">
-                    <a:lumMod val="85000"/>
-                    <a:lumOff val="15000"/>
-                  </a:schemeClr>
-                </a:solidFill>
-                <a:latin typeface="Segoe UI" panose="020B0502040204020203" pitchFamily="34" charset="0"/>
-                <a:cs typeface="Segoe UI" panose="020B0502040204020203" pitchFamily="34" charset="0"/>
-              </a:rPr>
-              <a:t>Defining Functions</a:t>
-            </a:r>
-            <a:endParaRPr lang="en-US" b="1" dirty="0">
-              <a:solidFill>
-                <a:schemeClr val="tx1">
-                  <a:lumMod val="85000"/>
-                  <a:lumOff val="15000"/>
-                </a:schemeClr>
-              </a:solidFill>
-              <a:latin typeface="Segoe UI" panose="020B0502040204020203" pitchFamily="34" charset="0"/>
-              <a:cs typeface="Segoe UI" panose="020B0502040204020203" pitchFamily="34" charset="0"/>
-            </a:endParaRPr>
-          </a:p>
-        </p:txBody>
-      </p:sp>
-      <p:sp>
-        <p:nvSpPr>
-          <p:cNvPr id="3" name="TextBox 2">
-            <a:extLst>
-              <a:ext uri="{FF2B5EF4-FFF2-40B4-BE49-F238E27FC236}">
-                <a16:creationId xmlns:a16="http://schemas.microsoft.com/office/drawing/2014/main" id="{C895C44F-686B-467A-B89F-FA4A0CDDDA49}"/>
-              </a:ext>
-            </a:extLst>
-          </p:cNvPr>
-          <p:cNvSpPr txBox="1"/>
-          <p:nvPr/>
-        </p:nvSpPr>
-        <p:spPr>
-          <a:xfrm>
-            <a:off x="1605106" y="1616879"/>
-            <a:ext cx="9391548" cy="2516073"/>
-          </a:xfrm>
-          <a:prstGeom prst="rect">
-            <a:avLst/>
-          </a:prstGeom>
-          <a:noFill/>
-        </p:spPr>
-        <p:txBody>
-          <a:bodyPr wrap="square" rtlCol="0">
-            <a:spAutoFit/>
-          </a:bodyPr>
-          <a:lstStyle/>
-          <a:p>
-            <a:pPr algn="just"/>
-            <a:r>
-              <a:rPr lang="en-US" sz="1750" dirty="0">
-                <a:latin typeface="Segoe UI" panose="020B0502040204020203" pitchFamily="34" charset="0"/>
-                <a:cs typeface="Segoe UI" panose="020B0502040204020203" pitchFamily="34" charset="0"/>
-              </a:rPr>
-              <a:t>The most straightforward way to define a JavaScript function is with the </a:t>
-            </a:r>
-            <a:r>
-              <a:rPr lang="en-US" sz="1750" b="1" dirty="0">
-                <a:latin typeface="Segoe UI" panose="020B0502040204020203" pitchFamily="34" charset="0"/>
-                <a:cs typeface="Segoe UI" panose="020B0502040204020203" pitchFamily="34" charset="0"/>
-              </a:rPr>
-              <a:t>function keyword</a:t>
-            </a:r>
-            <a:r>
-              <a:rPr lang="en-US" sz="1750" dirty="0">
-                <a:latin typeface="Segoe UI" panose="020B0502040204020203" pitchFamily="34" charset="0"/>
-                <a:cs typeface="Segoe UI" panose="020B0502040204020203" pitchFamily="34" charset="0"/>
-              </a:rPr>
-              <a:t>, which can be used as a:</a:t>
-            </a:r>
-          </a:p>
-          <a:p>
-            <a:pPr algn="just"/>
-            <a:endParaRPr lang="en-US" sz="1750" dirty="0">
-              <a:latin typeface="Segoe UI" panose="020B0502040204020203" pitchFamily="34" charset="0"/>
-              <a:cs typeface="Segoe UI" panose="020B0502040204020203" pitchFamily="34" charset="0"/>
-            </a:endParaRPr>
-          </a:p>
-          <a:p>
-            <a:pPr marL="342900" indent="-342900" algn="just">
-              <a:buFont typeface="+mj-lt"/>
-              <a:buAutoNum type="arabicPeriod"/>
-            </a:pPr>
-            <a:r>
-              <a:rPr lang="en-US" sz="1750" b="1" dirty="0">
-                <a:latin typeface="Segoe UI" panose="020B0502040204020203" pitchFamily="34" charset="0"/>
-                <a:cs typeface="Segoe UI" panose="020B0502040204020203" pitchFamily="34" charset="0"/>
-              </a:rPr>
-              <a:t>declaration</a:t>
-            </a:r>
-            <a:r>
-              <a:rPr lang="en-US" sz="1750" dirty="0">
-                <a:latin typeface="Segoe UI" panose="020B0502040204020203" pitchFamily="34" charset="0"/>
-                <a:cs typeface="Segoe UI" panose="020B0502040204020203" pitchFamily="34" charset="0"/>
-              </a:rPr>
-              <a:t> </a:t>
-            </a:r>
-          </a:p>
-          <a:p>
-            <a:pPr marL="342900" indent="-342900" algn="just">
-              <a:buFont typeface="+mj-lt"/>
-              <a:buAutoNum type="arabicPeriod"/>
-            </a:pPr>
-            <a:r>
-              <a:rPr lang="en-US" sz="1750" b="1" dirty="0">
-                <a:solidFill>
-                  <a:schemeClr val="tx1">
-                    <a:lumMod val="85000"/>
-                    <a:lumOff val="15000"/>
-                  </a:schemeClr>
-                </a:solidFill>
-                <a:latin typeface="Segoe UI" panose="020B0502040204020203" pitchFamily="34" charset="0"/>
-                <a:cs typeface="Segoe UI" panose="020B0502040204020203" pitchFamily="34" charset="0"/>
-              </a:rPr>
-              <a:t>expression</a:t>
-            </a:r>
-            <a:endParaRPr lang="en-US" sz="1750" b="1" dirty="0">
-              <a:latin typeface="Segoe UI" panose="020B0502040204020203" pitchFamily="34" charset="0"/>
-              <a:cs typeface="Segoe UI" panose="020B0502040204020203" pitchFamily="34" charset="0"/>
-            </a:endParaRPr>
-          </a:p>
-          <a:p>
-            <a:pPr algn="just"/>
-            <a:endParaRPr lang="en-US" sz="1750" dirty="0">
-              <a:latin typeface="Segoe UI" panose="020B0502040204020203" pitchFamily="34" charset="0"/>
-              <a:cs typeface="Segoe UI" panose="020B0502040204020203" pitchFamily="34" charset="0"/>
-            </a:endParaRPr>
-          </a:p>
-          <a:p>
-            <a:pPr algn="just"/>
-            <a:r>
-              <a:rPr lang="en-US" sz="1750" dirty="0">
-                <a:latin typeface="Segoe UI" panose="020B0502040204020203" pitchFamily="34" charset="0"/>
-                <a:cs typeface="Segoe UI" panose="020B0502040204020203" pitchFamily="34" charset="0"/>
-              </a:rPr>
-              <a:t>ES6 defines an important new way to define functions without the function keyword:</a:t>
-            </a:r>
-          </a:p>
-          <a:p>
-            <a:pPr algn="just"/>
-            <a:endParaRPr lang="en-US" sz="1750" dirty="0">
-              <a:latin typeface="Segoe UI" panose="020B0502040204020203" pitchFamily="34" charset="0"/>
-              <a:cs typeface="Segoe UI" panose="020B0502040204020203" pitchFamily="34" charset="0"/>
-            </a:endParaRPr>
-          </a:p>
-          <a:p>
-            <a:pPr marL="342900" indent="-342900" algn="just">
-              <a:buFont typeface="+mj-lt"/>
-              <a:buAutoNum type="arabicPeriod" startAt="3"/>
-            </a:pPr>
-            <a:r>
-              <a:rPr lang="en-US" sz="1750" b="1" dirty="0">
-                <a:latin typeface="Segoe UI" panose="020B0502040204020203" pitchFamily="34" charset="0"/>
-                <a:cs typeface="Segoe UI" panose="020B0502040204020203" pitchFamily="34" charset="0"/>
-              </a:rPr>
-              <a:t> arrow functions </a:t>
-            </a:r>
-            <a:r>
-              <a:rPr lang="en-US" sz="1600" i="1" dirty="0">
-                <a:latin typeface="Segoe UI" panose="020B0502040204020203" pitchFamily="34" charset="0"/>
-                <a:cs typeface="Segoe UI" panose="020B0502040204020203" pitchFamily="34" charset="0"/>
-              </a:rPr>
-              <a:t>(a particularly compact syntax)</a:t>
-            </a:r>
-          </a:p>
-        </p:txBody>
-      </p:sp>
-    </p:spTree>
-    <p:extLst>
-      <p:ext uri="{BB962C8B-B14F-4D97-AF65-F5344CB8AC3E}">
-        <p14:creationId xmlns:p14="http://schemas.microsoft.com/office/powerpoint/2010/main" val="3040585720"/>
       </p:ext>
     </p:extLst>
   </p:cSld>
@@ -14003,12 +22156,6 @@
 </file>
 
 <file path=customXml/item1.xml><?xml version="1.0" encoding="utf-8"?>
-<p:properties xmlns:p="http://schemas.microsoft.com/office/2006/metadata/properties" xmlns:xsi="http://www.w3.org/2001/XMLSchema-instance" xmlns:pc="http://schemas.microsoft.com/office/infopath/2007/PartnerControls">
-  <documentManagement/>
-</p:properties>
-</file>
-
-<file path=customXml/item2.xml><?xml version="1.0" encoding="utf-8"?>
 <ct:contentTypeSchema xmlns:ct="http://schemas.microsoft.com/office/2006/metadata/contentType" xmlns:ma="http://schemas.microsoft.com/office/2006/metadata/properties/metaAttributes" ct:_="" ma:_="" ma:contentTypeName="Document" ma:contentTypeID="0x0101009A2BE1F110D95A43A6786136BCEB8641" ma:contentTypeVersion="13" ma:contentTypeDescription="Create a new document." ma:contentTypeScope="" ma:versionID="ce6829bd29cf2307478b9657f9910775">
   <xsd:schema xmlns:xsd="http://www.w3.org/2001/XMLSchema" xmlns:xs="http://www.w3.org/2001/XMLSchema" xmlns:p="http://schemas.microsoft.com/office/2006/metadata/properties" xmlns:ns3="356f36b9-8e44-4ca5-bba7-af1e5462cc3e" xmlns:ns4="4b418e1e-ab92-4533-8118-c23e1e558c8c" targetNamespace="http://schemas.microsoft.com/office/2006/metadata/properties" ma:root="true" ma:fieldsID="786f6e5f8809c9a460249a9b742b0bd2" ns3:_="" ns4:_="">
     <xsd:import namespace="356f36b9-8e44-4ca5-bba7-af1e5462cc3e"/>
@@ -14231,6 +22378,12 @@
 </ct:contentTypeSchema>
 </file>
 
+<file path=customXml/item2.xml><?xml version="1.0" encoding="utf-8"?>
+<p:properties xmlns:p="http://schemas.microsoft.com/office/2006/metadata/properties" xmlns:xsi="http://www.w3.org/2001/XMLSchema-instance" xmlns:pc="http://schemas.microsoft.com/office/infopath/2007/PartnerControls">
+  <documentManagement/>
+</p:properties>
+</file>
+
 <file path=customXml/item3.xml><?xml version="1.0" encoding="utf-8"?>
 <?mso-contentType ?>
 <FormTemplates xmlns="http://schemas.microsoft.com/sharepoint/v3/contenttype/forms">
@@ -14241,23 +22394,6 @@
 </file>
 
 <file path=customXml/itemProps1.xml><?xml version="1.0" encoding="utf-8"?>
-<ds:datastoreItem xmlns:ds="http://schemas.openxmlformats.org/officeDocument/2006/customXml" ds:itemID="{003782F6-33C2-44BE-9931-FD1B0CDE3DA2}">
-  <ds:schemaRefs>
-    <ds:schemaRef ds:uri="http://schemas.microsoft.com/office/2006/documentManagement/types"/>
-    <ds:schemaRef ds:uri="http://schemas.microsoft.com/office/2006/metadata/properties"/>
-    <ds:schemaRef ds:uri="http://purl.org/dc/terms/"/>
-    <ds:schemaRef ds:uri="http://schemas.openxmlformats.org/package/2006/metadata/core-properties"/>
-    <ds:schemaRef ds:uri="356f36b9-8e44-4ca5-bba7-af1e5462cc3e"/>
-    <ds:schemaRef ds:uri="http://purl.org/dc/dcmitype/"/>
-    <ds:schemaRef ds:uri="http://schemas.microsoft.com/office/infopath/2007/PartnerControls"/>
-    <ds:schemaRef ds:uri="4b418e1e-ab92-4533-8118-c23e1e558c8c"/>
-    <ds:schemaRef ds:uri="http://www.w3.org/XML/1998/namespace"/>
-    <ds:schemaRef ds:uri="http://purl.org/dc/elements/1.1/"/>
-  </ds:schemaRefs>
-</ds:datastoreItem>
-</file>
-
-<file path=customXml/itemProps2.xml><?xml version="1.0" encoding="utf-8"?>
 <ds:datastoreItem xmlns:ds="http://schemas.openxmlformats.org/officeDocument/2006/customXml" ds:itemID="{820A405D-3484-4ED2-94D4-9C6C74769E77}">
   <ds:schemaRefs>
     <ds:schemaRef ds:uri="http://schemas.microsoft.com/office/2006/metadata/contentType"/>
@@ -14276,6 +22412,23 @@
 </ds:datastoreItem>
 </file>
 
+<file path=customXml/itemProps2.xml><?xml version="1.0" encoding="utf-8"?>
+<ds:datastoreItem xmlns:ds="http://schemas.openxmlformats.org/officeDocument/2006/customXml" ds:itemID="{003782F6-33C2-44BE-9931-FD1B0CDE3DA2}">
+  <ds:schemaRefs>
+    <ds:schemaRef ds:uri="http://schemas.microsoft.com/office/2006/documentManagement/types"/>
+    <ds:schemaRef ds:uri="http://schemas.microsoft.com/office/2006/metadata/properties"/>
+    <ds:schemaRef ds:uri="http://purl.org/dc/terms/"/>
+    <ds:schemaRef ds:uri="http://schemas.openxmlformats.org/package/2006/metadata/core-properties"/>
+    <ds:schemaRef ds:uri="356f36b9-8e44-4ca5-bba7-af1e5462cc3e"/>
+    <ds:schemaRef ds:uri="http://purl.org/dc/dcmitype/"/>
+    <ds:schemaRef ds:uri="http://schemas.microsoft.com/office/infopath/2007/PartnerControls"/>
+    <ds:schemaRef ds:uri="4b418e1e-ab92-4533-8118-c23e1e558c8c"/>
+    <ds:schemaRef ds:uri="http://www.w3.org/XML/1998/namespace"/>
+    <ds:schemaRef ds:uri="http://purl.org/dc/elements/1.1/"/>
+  </ds:schemaRefs>
+</ds:datastoreItem>
+</file>
+
 <file path=customXml/itemProps3.xml><?xml version="1.0" encoding="utf-8"?>
 <ds:datastoreItem xmlns:ds="http://schemas.openxmlformats.org/officeDocument/2006/customXml" ds:itemID="{66A69156-554A-4CE8-84EF-E59A462C9D8A}">
   <ds:schemaRefs>

--- a/08_Javascript_Classes.pptx
+++ b/08_Javascript_Classes.pptx
@@ -5,7 +5,7 @@
     <p:sldMasterId id="2147483805" r:id="rId4"/>
   </p:sldMasterIdLst>
   <p:notesMasterIdLst>
-    <p:notesMasterId r:id="rId52"/>
+    <p:notesMasterId r:id="rId59"/>
   </p:notesMasterIdLst>
   <p:sldIdLst>
     <p:sldId id="276" r:id="rId5"/>
@@ -54,7 +54,14 @@
     <p:sldId id="328" r:id="rId48"/>
     <p:sldId id="329" r:id="rId49"/>
     <p:sldId id="331" r:id="rId50"/>
-    <p:sldId id="322" r:id="rId51"/>
+    <p:sldId id="332" r:id="rId51"/>
+    <p:sldId id="333" r:id="rId52"/>
+    <p:sldId id="334" r:id="rId53"/>
+    <p:sldId id="336" r:id="rId54"/>
+    <p:sldId id="337" r:id="rId55"/>
+    <p:sldId id="339" r:id="rId56"/>
+    <p:sldId id="338" r:id="rId57"/>
+    <p:sldId id="322" r:id="rId58"/>
   </p:sldIdLst>
   <p:sldSz cx="12192000" cy="6858000"/>
   <p:notesSz cx="6858000" cy="9144000"/>
@@ -6889,7 +6896,311 @@
     </p:spTree>
     <p:extLst>
       <p:ext uri="{BB962C8B-B14F-4D97-AF65-F5344CB8AC3E}">
-        <p14:creationId xmlns:p14="http://schemas.microsoft.com/office/powerpoint/2010/main" val="3980331847"/>
+        <p14:creationId xmlns:p14="http://schemas.microsoft.com/office/powerpoint/2010/main" val="3605263861"/>
+      </p:ext>
+    </p:extLst>
+  </p:cSld>
+  <p:clrMapOvr>
+    <a:masterClrMapping/>
+  </p:clrMapOvr>
+</p:notes>
+</file>
+
+<file path=ppt/notesSlides/notesSlide48.xml><?xml version="1.0" encoding="utf-8"?>
+<p:notes xmlns:a="http://schemas.openxmlformats.org/drawingml/2006/main" xmlns:r="http://schemas.openxmlformats.org/officeDocument/2006/relationships" xmlns:p="http://schemas.openxmlformats.org/presentationml/2006/main">
+  <p:cSld>
+    <p:spTree>
+      <p:nvGrpSpPr>
+        <p:cNvPr id="1" name=""/>
+        <p:cNvGrpSpPr/>
+        <p:nvPr/>
+      </p:nvGrpSpPr>
+      <p:grpSpPr>
+        <a:xfrm>
+          <a:off x="0" y="0"/>
+          <a:ext cx="0" cy="0"/>
+          <a:chOff x="0" y="0"/>
+          <a:chExt cx="0" cy="0"/>
+        </a:xfrm>
+      </p:grpSpPr>
+      <p:sp>
+        <p:nvSpPr>
+          <p:cNvPr id="2" name="Slide Image Placeholder 1"/>
+          <p:cNvSpPr>
+            <a:spLocks noGrp="1" noRot="1" noChangeAspect="1"/>
+          </p:cNvSpPr>
+          <p:nvPr>
+            <p:ph type="sldImg"/>
+          </p:nvPr>
+        </p:nvSpPr>
+        <p:spPr/>
+      </p:sp>
+      <p:sp>
+        <p:nvSpPr>
+          <p:cNvPr id="3" name="Notes Placeholder 2"/>
+          <p:cNvSpPr>
+            <a:spLocks noGrp="1"/>
+          </p:cNvSpPr>
+          <p:nvPr>
+            <p:ph type="body" idx="1"/>
+          </p:nvPr>
+        </p:nvSpPr>
+        <p:spPr/>
+        <p:txBody>
+          <a:bodyPr/>
+          <a:lstStyle/>
+          <a:p>
+            <a:pPr algn="just"/>
+            <a:r>
+              <a:rPr lang="en-US" dirty="0"/>
+              <a:t>Sorry for interrupting the story, but I need to introduce some basic terminology.</a:t>
+            </a:r>
+          </a:p>
+          <a:p>
+            <a:pPr algn="just"/>
+            <a:endParaRPr lang="en-US" dirty="0"/>
+          </a:p>
+          <a:p>
+            <a:pPr algn="just"/>
+            <a:r>
+              <a:rPr lang="en-US" dirty="0"/>
+              <a:t>Alice’s web browser is about to send an HTTP request to a web server—specifically, to the URL </a:t>
+            </a:r>
+            <a:r>
+              <a:rPr lang="en-US" dirty="0">
+                <a:hlinkClick r:id="rId3"/>
+              </a:rPr>
+              <a:t>http://www.youtypeitwepostit.com/</a:t>
+            </a:r>
+            <a:r>
+              <a:rPr lang="en-US" dirty="0"/>
+              <a:t>. One web server may host many different URLs, and each URL grants access to a different bit of the data on the server.</a:t>
+            </a:r>
+          </a:p>
+          <a:p>
+            <a:pPr algn="just"/>
+            <a:endParaRPr lang="en-US" dirty="0"/>
+          </a:p>
+          <a:p>
+            <a:pPr algn="just"/>
+            <a:r>
+              <a:rPr lang="en-US" dirty="0"/>
+              <a:t>We say that a URL is the URL of some thing: a product, a user, the home page. The technical term for the thing named by a URL is </a:t>
+            </a:r>
+            <a:r>
+              <a:rPr lang="en-US" b="1" i="1" dirty="0"/>
+              <a:t>resource</a:t>
+            </a:r>
+            <a:r>
+              <a:rPr lang="en-US" dirty="0"/>
+              <a:t>.</a:t>
+            </a:r>
+          </a:p>
+          <a:p>
+            <a:pPr algn="just"/>
+            <a:endParaRPr lang="en-US" dirty="0"/>
+          </a:p>
+          <a:p>
+            <a:pPr algn="just"/>
+            <a:r>
+              <a:rPr lang="en-US" dirty="0"/>
+              <a:t>The URL </a:t>
+            </a:r>
+            <a:r>
+              <a:rPr lang="en-US" dirty="0">
+                <a:hlinkClick r:id="rId3"/>
+              </a:rPr>
+              <a:t>http://www.youtypeitwepostit.com/</a:t>
+            </a:r>
+            <a:r>
+              <a:rPr lang="en-US" dirty="0"/>
+              <a:t> identifies a resource—probably the home page of the website advertised on the billboard. But you won’t know for sure until we resume the story and Alice’s web browser sends the HTTP request.</a:t>
+            </a:r>
+          </a:p>
+          <a:p>
+            <a:endParaRPr lang="en-US" dirty="0"/>
+          </a:p>
+        </p:txBody>
+      </p:sp>
+      <p:sp>
+        <p:nvSpPr>
+          <p:cNvPr id="4" name="Slide Number Placeholder 3"/>
+          <p:cNvSpPr>
+            <a:spLocks noGrp="1"/>
+          </p:cNvSpPr>
+          <p:nvPr>
+            <p:ph type="sldNum" sz="quarter" idx="5"/>
+          </p:nvPr>
+        </p:nvSpPr>
+        <p:spPr/>
+        <p:txBody>
+          <a:bodyPr/>
+          <a:lstStyle/>
+          <a:p>
+            <a:fld id="{2E22A873-933D-4D09-931E-CDFDF5E37688}" type="slidenum">
+              <a:rPr lang="en-US" smtClean="0"/>
+              <a:t>48</a:t>
+            </a:fld>
+            <a:endParaRPr lang="en-US"/>
+          </a:p>
+        </p:txBody>
+      </p:sp>
+    </p:spTree>
+    <p:extLst>
+      <p:ext uri="{BB962C8B-B14F-4D97-AF65-F5344CB8AC3E}">
+        <p14:creationId xmlns:p14="http://schemas.microsoft.com/office/powerpoint/2010/main" val="694257739"/>
+      </p:ext>
+    </p:extLst>
+  </p:cSld>
+  <p:clrMapOvr>
+    <a:masterClrMapping/>
+  </p:clrMapOvr>
+</p:notes>
+</file>
+
+<file path=ppt/notesSlides/notesSlide49.xml><?xml version="1.0" encoding="utf-8"?>
+<p:notes xmlns:a="http://schemas.openxmlformats.org/drawingml/2006/main" xmlns:r="http://schemas.openxmlformats.org/officeDocument/2006/relationships" xmlns:p="http://schemas.openxmlformats.org/presentationml/2006/main">
+  <p:cSld>
+    <p:spTree>
+      <p:nvGrpSpPr>
+        <p:cNvPr id="1" name=""/>
+        <p:cNvGrpSpPr/>
+        <p:nvPr/>
+      </p:nvGrpSpPr>
+      <p:grpSpPr>
+        <a:xfrm>
+          <a:off x="0" y="0"/>
+          <a:ext cx="0" cy="0"/>
+          <a:chOff x="0" y="0"/>
+          <a:chExt cx="0" cy="0"/>
+        </a:xfrm>
+      </p:grpSpPr>
+      <p:sp>
+        <p:nvSpPr>
+          <p:cNvPr id="2" name="Slide Image Placeholder 1"/>
+          <p:cNvSpPr>
+            <a:spLocks noGrp="1" noRot="1" noChangeAspect="1"/>
+          </p:cNvSpPr>
+          <p:nvPr>
+            <p:ph type="sldImg"/>
+          </p:nvPr>
+        </p:nvSpPr>
+        <p:spPr/>
+      </p:sp>
+      <p:sp>
+        <p:nvSpPr>
+          <p:cNvPr id="3" name="Notes Placeholder 2"/>
+          <p:cNvSpPr>
+            <a:spLocks noGrp="1"/>
+          </p:cNvSpPr>
+          <p:nvPr>
+            <p:ph type="body" idx="1"/>
+          </p:nvPr>
+        </p:nvSpPr>
+        <p:spPr/>
+        <p:txBody>
+          <a:bodyPr/>
+          <a:lstStyle/>
+          <a:p>
+            <a:pPr algn="just"/>
+            <a:r>
+              <a:rPr lang="en-US" dirty="0"/>
+              <a:t>Sorry for interrupting the story, but I need to introduce some basic terminology.</a:t>
+            </a:r>
+          </a:p>
+          <a:p>
+            <a:pPr algn="just"/>
+            <a:endParaRPr lang="en-US" dirty="0"/>
+          </a:p>
+          <a:p>
+            <a:pPr algn="just"/>
+            <a:r>
+              <a:rPr lang="en-US" dirty="0"/>
+              <a:t>Alice’s web browser is about to send an HTTP request to a web server—specifically, to the URL </a:t>
+            </a:r>
+            <a:r>
+              <a:rPr lang="en-US" dirty="0">
+                <a:hlinkClick r:id="rId3"/>
+              </a:rPr>
+              <a:t>http://www.youtypeitwepostit.com/</a:t>
+            </a:r>
+            <a:r>
+              <a:rPr lang="en-US" dirty="0"/>
+              <a:t>. One web server may host many different URLs, and each URL grants access to a different bit of the data on the server.</a:t>
+            </a:r>
+          </a:p>
+          <a:p>
+            <a:pPr algn="just"/>
+            <a:endParaRPr lang="en-US" dirty="0"/>
+          </a:p>
+          <a:p>
+            <a:pPr algn="just"/>
+            <a:r>
+              <a:rPr lang="en-US" dirty="0"/>
+              <a:t>We say that a URL is the URL of some thing: a product, a user, the home page. The technical term for the thing named by a URL is </a:t>
+            </a:r>
+            <a:r>
+              <a:rPr lang="en-US" b="1" i="1" dirty="0"/>
+              <a:t>resource</a:t>
+            </a:r>
+            <a:r>
+              <a:rPr lang="en-US" dirty="0"/>
+              <a:t>.</a:t>
+            </a:r>
+          </a:p>
+          <a:p>
+            <a:pPr algn="just"/>
+            <a:endParaRPr lang="en-US" dirty="0"/>
+          </a:p>
+          <a:p>
+            <a:pPr algn="just"/>
+            <a:r>
+              <a:rPr lang="en-US" dirty="0"/>
+              <a:t>The URL </a:t>
+            </a:r>
+            <a:r>
+              <a:rPr lang="en-US" dirty="0">
+                <a:hlinkClick r:id="rId3"/>
+              </a:rPr>
+              <a:t>http://www.youtypeitwepostit.com/</a:t>
+            </a:r>
+            <a:r>
+              <a:rPr lang="en-US" dirty="0"/>
+              <a:t> identifies a resource—probably the home page of the website advertised on the billboard. But you won’t know for sure until we resume the story and Alice’s web browser sends the HTTP request.</a:t>
+            </a:r>
+          </a:p>
+          <a:p>
+            <a:endParaRPr lang="en-US" dirty="0"/>
+          </a:p>
+        </p:txBody>
+      </p:sp>
+      <p:sp>
+        <p:nvSpPr>
+          <p:cNvPr id="4" name="Slide Number Placeholder 3"/>
+          <p:cNvSpPr>
+            <a:spLocks noGrp="1"/>
+          </p:cNvSpPr>
+          <p:nvPr>
+            <p:ph type="sldNum" sz="quarter" idx="5"/>
+          </p:nvPr>
+        </p:nvSpPr>
+        <p:spPr/>
+        <p:txBody>
+          <a:bodyPr/>
+          <a:lstStyle/>
+          <a:p>
+            <a:fld id="{2E22A873-933D-4D09-931E-CDFDF5E37688}" type="slidenum">
+              <a:rPr lang="en-US" smtClean="0"/>
+              <a:t>49</a:t>
+            </a:fld>
+            <a:endParaRPr lang="en-US"/>
+          </a:p>
+        </p:txBody>
+      </p:sp>
+    </p:spTree>
+    <p:extLst>
+      <p:ext uri="{BB962C8B-B14F-4D97-AF65-F5344CB8AC3E}">
+        <p14:creationId xmlns:p14="http://schemas.microsoft.com/office/powerpoint/2010/main" val="2294622411"/>
       </p:ext>
     </p:extLst>
   </p:cSld>
@@ -7042,6 +7353,766 @@
     <p:extLst>
       <p:ext uri="{BB962C8B-B14F-4D97-AF65-F5344CB8AC3E}">
         <p14:creationId xmlns:p14="http://schemas.microsoft.com/office/powerpoint/2010/main" val="4171964553"/>
+      </p:ext>
+    </p:extLst>
+  </p:cSld>
+  <p:clrMapOvr>
+    <a:masterClrMapping/>
+  </p:clrMapOvr>
+</p:notes>
+</file>
+
+<file path=ppt/notesSlides/notesSlide50.xml><?xml version="1.0" encoding="utf-8"?>
+<p:notes xmlns:a="http://schemas.openxmlformats.org/drawingml/2006/main" xmlns:r="http://schemas.openxmlformats.org/officeDocument/2006/relationships" xmlns:p="http://schemas.openxmlformats.org/presentationml/2006/main">
+  <p:cSld>
+    <p:spTree>
+      <p:nvGrpSpPr>
+        <p:cNvPr id="1" name=""/>
+        <p:cNvGrpSpPr/>
+        <p:nvPr/>
+      </p:nvGrpSpPr>
+      <p:grpSpPr>
+        <a:xfrm>
+          <a:off x="0" y="0"/>
+          <a:ext cx="0" cy="0"/>
+          <a:chOff x="0" y="0"/>
+          <a:chExt cx="0" cy="0"/>
+        </a:xfrm>
+      </p:grpSpPr>
+      <p:sp>
+        <p:nvSpPr>
+          <p:cNvPr id="2" name="Slide Image Placeholder 1"/>
+          <p:cNvSpPr>
+            <a:spLocks noGrp="1" noRot="1" noChangeAspect="1"/>
+          </p:cNvSpPr>
+          <p:nvPr>
+            <p:ph type="sldImg"/>
+          </p:nvPr>
+        </p:nvSpPr>
+        <p:spPr/>
+      </p:sp>
+      <p:sp>
+        <p:nvSpPr>
+          <p:cNvPr id="3" name="Notes Placeholder 2"/>
+          <p:cNvSpPr>
+            <a:spLocks noGrp="1"/>
+          </p:cNvSpPr>
+          <p:nvPr>
+            <p:ph type="body" idx="1"/>
+          </p:nvPr>
+        </p:nvSpPr>
+        <p:spPr/>
+        <p:txBody>
+          <a:bodyPr/>
+          <a:lstStyle/>
+          <a:p>
+            <a:pPr algn="just"/>
+            <a:r>
+              <a:rPr lang="en-US" dirty="0"/>
+              <a:t>Sorry for interrupting the story, but I need to introduce some basic terminology.</a:t>
+            </a:r>
+          </a:p>
+          <a:p>
+            <a:pPr algn="just"/>
+            <a:endParaRPr lang="en-US" dirty="0"/>
+          </a:p>
+          <a:p>
+            <a:pPr algn="just"/>
+            <a:r>
+              <a:rPr lang="en-US" dirty="0"/>
+              <a:t>Alice’s web browser is about to send an HTTP request to a web server—specifically, to the URL </a:t>
+            </a:r>
+            <a:r>
+              <a:rPr lang="en-US" dirty="0">
+                <a:hlinkClick r:id="rId3"/>
+              </a:rPr>
+              <a:t>http://www.youtypeitwepostit.com/</a:t>
+            </a:r>
+            <a:r>
+              <a:rPr lang="en-US" dirty="0"/>
+              <a:t>. One web server may host many different URLs, and each URL grants access to a different bit of the data on the server.</a:t>
+            </a:r>
+          </a:p>
+          <a:p>
+            <a:pPr algn="just"/>
+            <a:endParaRPr lang="en-US" dirty="0"/>
+          </a:p>
+          <a:p>
+            <a:pPr algn="just"/>
+            <a:r>
+              <a:rPr lang="en-US" dirty="0"/>
+              <a:t>We say that a URL is the URL of some thing: a product, a user, the home page. The technical term for the thing named by a URL is </a:t>
+            </a:r>
+            <a:r>
+              <a:rPr lang="en-US" b="1" i="1" dirty="0"/>
+              <a:t>resource</a:t>
+            </a:r>
+            <a:r>
+              <a:rPr lang="en-US" dirty="0"/>
+              <a:t>.</a:t>
+            </a:r>
+          </a:p>
+          <a:p>
+            <a:pPr algn="just"/>
+            <a:endParaRPr lang="en-US" dirty="0"/>
+          </a:p>
+          <a:p>
+            <a:pPr algn="just"/>
+            <a:r>
+              <a:rPr lang="en-US" dirty="0"/>
+              <a:t>The URL </a:t>
+            </a:r>
+            <a:r>
+              <a:rPr lang="en-US" dirty="0">
+                <a:hlinkClick r:id="rId3"/>
+              </a:rPr>
+              <a:t>http://www.youtypeitwepostit.com/</a:t>
+            </a:r>
+            <a:r>
+              <a:rPr lang="en-US" dirty="0"/>
+              <a:t> identifies a resource—probably the home page of the website advertised on the billboard. But you won’t know for sure until we resume the story and Alice’s web browser sends the HTTP request.</a:t>
+            </a:r>
+          </a:p>
+          <a:p>
+            <a:endParaRPr lang="en-US" dirty="0"/>
+          </a:p>
+        </p:txBody>
+      </p:sp>
+      <p:sp>
+        <p:nvSpPr>
+          <p:cNvPr id="4" name="Slide Number Placeholder 3"/>
+          <p:cNvSpPr>
+            <a:spLocks noGrp="1"/>
+          </p:cNvSpPr>
+          <p:nvPr>
+            <p:ph type="sldNum" sz="quarter" idx="5"/>
+          </p:nvPr>
+        </p:nvSpPr>
+        <p:spPr/>
+        <p:txBody>
+          <a:bodyPr/>
+          <a:lstStyle/>
+          <a:p>
+            <a:fld id="{2E22A873-933D-4D09-931E-CDFDF5E37688}" type="slidenum">
+              <a:rPr lang="en-US" smtClean="0"/>
+              <a:t>50</a:t>
+            </a:fld>
+            <a:endParaRPr lang="en-US"/>
+          </a:p>
+        </p:txBody>
+      </p:sp>
+    </p:spTree>
+    <p:extLst>
+      <p:ext uri="{BB962C8B-B14F-4D97-AF65-F5344CB8AC3E}">
+        <p14:creationId xmlns:p14="http://schemas.microsoft.com/office/powerpoint/2010/main" val="2559554720"/>
+      </p:ext>
+    </p:extLst>
+  </p:cSld>
+  <p:clrMapOvr>
+    <a:masterClrMapping/>
+  </p:clrMapOvr>
+</p:notes>
+</file>
+
+<file path=ppt/notesSlides/notesSlide51.xml><?xml version="1.0" encoding="utf-8"?>
+<p:notes xmlns:a="http://schemas.openxmlformats.org/drawingml/2006/main" xmlns:r="http://schemas.openxmlformats.org/officeDocument/2006/relationships" xmlns:p="http://schemas.openxmlformats.org/presentationml/2006/main">
+  <p:cSld>
+    <p:spTree>
+      <p:nvGrpSpPr>
+        <p:cNvPr id="1" name=""/>
+        <p:cNvGrpSpPr/>
+        <p:nvPr/>
+      </p:nvGrpSpPr>
+      <p:grpSpPr>
+        <a:xfrm>
+          <a:off x="0" y="0"/>
+          <a:ext cx="0" cy="0"/>
+          <a:chOff x="0" y="0"/>
+          <a:chExt cx="0" cy="0"/>
+        </a:xfrm>
+      </p:grpSpPr>
+      <p:sp>
+        <p:nvSpPr>
+          <p:cNvPr id="2" name="Slide Image Placeholder 1"/>
+          <p:cNvSpPr>
+            <a:spLocks noGrp="1" noRot="1" noChangeAspect="1"/>
+          </p:cNvSpPr>
+          <p:nvPr>
+            <p:ph type="sldImg"/>
+          </p:nvPr>
+        </p:nvSpPr>
+        <p:spPr/>
+      </p:sp>
+      <p:sp>
+        <p:nvSpPr>
+          <p:cNvPr id="3" name="Notes Placeholder 2"/>
+          <p:cNvSpPr>
+            <a:spLocks noGrp="1"/>
+          </p:cNvSpPr>
+          <p:nvPr>
+            <p:ph type="body" idx="1"/>
+          </p:nvPr>
+        </p:nvSpPr>
+        <p:spPr/>
+        <p:txBody>
+          <a:bodyPr/>
+          <a:lstStyle/>
+          <a:p>
+            <a:pPr algn="just"/>
+            <a:r>
+              <a:rPr lang="en-US" dirty="0"/>
+              <a:t>Sorry for interrupting the story, but I need to introduce some basic terminology.</a:t>
+            </a:r>
+          </a:p>
+          <a:p>
+            <a:pPr algn="just"/>
+            <a:endParaRPr lang="en-US" dirty="0"/>
+          </a:p>
+          <a:p>
+            <a:pPr algn="just"/>
+            <a:r>
+              <a:rPr lang="en-US" dirty="0"/>
+              <a:t>Alice’s web browser is about to send an HTTP request to a web server—specifically, to the URL </a:t>
+            </a:r>
+            <a:r>
+              <a:rPr lang="en-US" dirty="0">
+                <a:hlinkClick r:id="rId3"/>
+              </a:rPr>
+              <a:t>http://www.youtypeitwepostit.com/</a:t>
+            </a:r>
+            <a:r>
+              <a:rPr lang="en-US" dirty="0"/>
+              <a:t>. One web server may host many different URLs, and each URL grants access to a different bit of the data on the server.</a:t>
+            </a:r>
+          </a:p>
+          <a:p>
+            <a:pPr algn="just"/>
+            <a:endParaRPr lang="en-US" dirty="0"/>
+          </a:p>
+          <a:p>
+            <a:pPr algn="just"/>
+            <a:r>
+              <a:rPr lang="en-US" dirty="0"/>
+              <a:t>We say that a URL is the URL of some thing: a product, a user, the home page. The technical term for the thing named by a URL is </a:t>
+            </a:r>
+            <a:r>
+              <a:rPr lang="en-US" b="1" i="1" dirty="0"/>
+              <a:t>resource</a:t>
+            </a:r>
+            <a:r>
+              <a:rPr lang="en-US" dirty="0"/>
+              <a:t>.</a:t>
+            </a:r>
+          </a:p>
+          <a:p>
+            <a:pPr algn="just"/>
+            <a:endParaRPr lang="en-US" dirty="0"/>
+          </a:p>
+          <a:p>
+            <a:pPr algn="just"/>
+            <a:r>
+              <a:rPr lang="en-US" dirty="0"/>
+              <a:t>The URL </a:t>
+            </a:r>
+            <a:r>
+              <a:rPr lang="en-US" dirty="0">
+                <a:hlinkClick r:id="rId3"/>
+              </a:rPr>
+              <a:t>http://www.youtypeitwepostit.com/</a:t>
+            </a:r>
+            <a:r>
+              <a:rPr lang="en-US" dirty="0"/>
+              <a:t> identifies a resource—probably the home page of the website advertised on the billboard. But you won’t know for sure until we resume the story and Alice’s web browser sends the HTTP request.</a:t>
+            </a:r>
+          </a:p>
+          <a:p>
+            <a:endParaRPr lang="en-US" dirty="0"/>
+          </a:p>
+        </p:txBody>
+      </p:sp>
+      <p:sp>
+        <p:nvSpPr>
+          <p:cNvPr id="4" name="Slide Number Placeholder 3"/>
+          <p:cNvSpPr>
+            <a:spLocks noGrp="1"/>
+          </p:cNvSpPr>
+          <p:nvPr>
+            <p:ph type="sldNum" sz="quarter" idx="5"/>
+          </p:nvPr>
+        </p:nvSpPr>
+        <p:spPr/>
+        <p:txBody>
+          <a:bodyPr/>
+          <a:lstStyle/>
+          <a:p>
+            <a:fld id="{2E22A873-933D-4D09-931E-CDFDF5E37688}" type="slidenum">
+              <a:rPr lang="en-US" smtClean="0"/>
+              <a:t>51</a:t>
+            </a:fld>
+            <a:endParaRPr lang="en-US"/>
+          </a:p>
+        </p:txBody>
+      </p:sp>
+    </p:spTree>
+    <p:extLst>
+      <p:ext uri="{BB962C8B-B14F-4D97-AF65-F5344CB8AC3E}">
+        <p14:creationId xmlns:p14="http://schemas.microsoft.com/office/powerpoint/2010/main" val="3985584034"/>
+      </p:ext>
+    </p:extLst>
+  </p:cSld>
+  <p:clrMapOvr>
+    <a:masterClrMapping/>
+  </p:clrMapOvr>
+</p:notes>
+</file>
+
+<file path=ppt/notesSlides/notesSlide52.xml><?xml version="1.0" encoding="utf-8"?>
+<p:notes xmlns:a="http://schemas.openxmlformats.org/drawingml/2006/main" xmlns:r="http://schemas.openxmlformats.org/officeDocument/2006/relationships" xmlns:p="http://schemas.openxmlformats.org/presentationml/2006/main">
+  <p:cSld>
+    <p:spTree>
+      <p:nvGrpSpPr>
+        <p:cNvPr id="1" name=""/>
+        <p:cNvGrpSpPr/>
+        <p:nvPr/>
+      </p:nvGrpSpPr>
+      <p:grpSpPr>
+        <a:xfrm>
+          <a:off x="0" y="0"/>
+          <a:ext cx="0" cy="0"/>
+          <a:chOff x="0" y="0"/>
+          <a:chExt cx="0" cy="0"/>
+        </a:xfrm>
+      </p:grpSpPr>
+      <p:sp>
+        <p:nvSpPr>
+          <p:cNvPr id="2" name="Slide Image Placeholder 1"/>
+          <p:cNvSpPr>
+            <a:spLocks noGrp="1" noRot="1" noChangeAspect="1"/>
+          </p:cNvSpPr>
+          <p:nvPr>
+            <p:ph type="sldImg"/>
+          </p:nvPr>
+        </p:nvSpPr>
+        <p:spPr/>
+      </p:sp>
+      <p:sp>
+        <p:nvSpPr>
+          <p:cNvPr id="3" name="Notes Placeholder 2"/>
+          <p:cNvSpPr>
+            <a:spLocks noGrp="1"/>
+          </p:cNvSpPr>
+          <p:nvPr>
+            <p:ph type="body" idx="1"/>
+          </p:nvPr>
+        </p:nvSpPr>
+        <p:spPr/>
+        <p:txBody>
+          <a:bodyPr/>
+          <a:lstStyle/>
+          <a:p>
+            <a:pPr algn="just"/>
+            <a:r>
+              <a:rPr lang="en-US" dirty="0"/>
+              <a:t>Sorry for interrupting the story, but I need to introduce some basic terminology.</a:t>
+            </a:r>
+          </a:p>
+          <a:p>
+            <a:pPr algn="just"/>
+            <a:endParaRPr lang="en-US" dirty="0"/>
+          </a:p>
+          <a:p>
+            <a:pPr algn="just"/>
+            <a:r>
+              <a:rPr lang="en-US" dirty="0"/>
+              <a:t>Alice’s web browser is about to send an HTTP request to a web server—specifically, to the URL </a:t>
+            </a:r>
+            <a:r>
+              <a:rPr lang="en-US" dirty="0">
+                <a:hlinkClick r:id="rId3"/>
+              </a:rPr>
+              <a:t>http://www.youtypeitwepostit.com/</a:t>
+            </a:r>
+            <a:r>
+              <a:rPr lang="en-US" dirty="0"/>
+              <a:t>. One web server may host many different URLs, and each URL grants access to a different bit of the data on the server.</a:t>
+            </a:r>
+          </a:p>
+          <a:p>
+            <a:pPr algn="just"/>
+            <a:endParaRPr lang="en-US" dirty="0"/>
+          </a:p>
+          <a:p>
+            <a:pPr algn="just"/>
+            <a:r>
+              <a:rPr lang="en-US" dirty="0"/>
+              <a:t>We say that a URL is the URL of some thing: a product, a user, the home page. The technical term for the thing named by a URL is </a:t>
+            </a:r>
+            <a:r>
+              <a:rPr lang="en-US" b="1" i="1" dirty="0"/>
+              <a:t>resource</a:t>
+            </a:r>
+            <a:r>
+              <a:rPr lang="en-US" dirty="0"/>
+              <a:t>.</a:t>
+            </a:r>
+          </a:p>
+          <a:p>
+            <a:pPr algn="just"/>
+            <a:endParaRPr lang="en-US" dirty="0"/>
+          </a:p>
+          <a:p>
+            <a:pPr algn="just"/>
+            <a:r>
+              <a:rPr lang="en-US" dirty="0"/>
+              <a:t>The URL </a:t>
+            </a:r>
+            <a:r>
+              <a:rPr lang="en-US" dirty="0">
+                <a:hlinkClick r:id="rId3"/>
+              </a:rPr>
+              <a:t>http://www.youtypeitwepostit.com/</a:t>
+            </a:r>
+            <a:r>
+              <a:rPr lang="en-US" dirty="0"/>
+              <a:t> identifies a resource—probably the home page of the website advertised on the billboard. But you won’t know for sure until we resume the story and Alice’s web browser sends the HTTP request.</a:t>
+            </a:r>
+          </a:p>
+          <a:p>
+            <a:endParaRPr lang="en-US" dirty="0"/>
+          </a:p>
+        </p:txBody>
+      </p:sp>
+      <p:sp>
+        <p:nvSpPr>
+          <p:cNvPr id="4" name="Slide Number Placeholder 3"/>
+          <p:cNvSpPr>
+            <a:spLocks noGrp="1"/>
+          </p:cNvSpPr>
+          <p:nvPr>
+            <p:ph type="sldNum" sz="quarter" idx="5"/>
+          </p:nvPr>
+        </p:nvSpPr>
+        <p:spPr/>
+        <p:txBody>
+          <a:bodyPr/>
+          <a:lstStyle/>
+          <a:p>
+            <a:fld id="{2E22A873-933D-4D09-931E-CDFDF5E37688}" type="slidenum">
+              <a:rPr lang="en-US" smtClean="0"/>
+              <a:t>52</a:t>
+            </a:fld>
+            <a:endParaRPr lang="en-US"/>
+          </a:p>
+        </p:txBody>
+      </p:sp>
+    </p:spTree>
+    <p:extLst>
+      <p:ext uri="{BB962C8B-B14F-4D97-AF65-F5344CB8AC3E}">
+        <p14:creationId xmlns:p14="http://schemas.microsoft.com/office/powerpoint/2010/main" val="520695387"/>
+      </p:ext>
+    </p:extLst>
+  </p:cSld>
+  <p:clrMapOvr>
+    <a:masterClrMapping/>
+  </p:clrMapOvr>
+</p:notes>
+</file>
+
+<file path=ppt/notesSlides/notesSlide53.xml><?xml version="1.0" encoding="utf-8"?>
+<p:notes xmlns:a="http://schemas.openxmlformats.org/drawingml/2006/main" xmlns:r="http://schemas.openxmlformats.org/officeDocument/2006/relationships" xmlns:p="http://schemas.openxmlformats.org/presentationml/2006/main">
+  <p:cSld>
+    <p:spTree>
+      <p:nvGrpSpPr>
+        <p:cNvPr id="1" name=""/>
+        <p:cNvGrpSpPr/>
+        <p:nvPr/>
+      </p:nvGrpSpPr>
+      <p:grpSpPr>
+        <a:xfrm>
+          <a:off x="0" y="0"/>
+          <a:ext cx="0" cy="0"/>
+          <a:chOff x="0" y="0"/>
+          <a:chExt cx="0" cy="0"/>
+        </a:xfrm>
+      </p:grpSpPr>
+      <p:sp>
+        <p:nvSpPr>
+          <p:cNvPr id="2" name="Slide Image Placeholder 1"/>
+          <p:cNvSpPr>
+            <a:spLocks noGrp="1" noRot="1" noChangeAspect="1"/>
+          </p:cNvSpPr>
+          <p:nvPr>
+            <p:ph type="sldImg"/>
+          </p:nvPr>
+        </p:nvSpPr>
+        <p:spPr/>
+      </p:sp>
+      <p:sp>
+        <p:nvSpPr>
+          <p:cNvPr id="3" name="Notes Placeholder 2"/>
+          <p:cNvSpPr>
+            <a:spLocks noGrp="1"/>
+          </p:cNvSpPr>
+          <p:nvPr>
+            <p:ph type="body" idx="1"/>
+          </p:nvPr>
+        </p:nvSpPr>
+        <p:spPr/>
+        <p:txBody>
+          <a:bodyPr/>
+          <a:lstStyle/>
+          <a:p>
+            <a:pPr algn="just"/>
+            <a:r>
+              <a:rPr lang="en-US" dirty="0"/>
+              <a:t>Sorry for interrupting the story, but I need to introduce some basic terminology.</a:t>
+            </a:r>
+          </a:p>
+          <a:p>
+            <a:pPr algn="just"/>
+            <a:endParaRPr lang="en-US" dirty="0"/>
+          </a:p>
+          <a:p>
+            <a:pPr algn="just"/>
+            <a:r>
+              <a:rPr lang="en-US" dirty="0"/>
+              <a:t>Alice’s web browser is about to send an HTTP request to a web server—specifically, to the URL </a:t>
+            </a:r>
+            <a:r>
+              <a:rPr lang="en-US" dirty="0">
+                <a:hlinkClick r:id="rId3"/>
+              </a:rPr>
+              <a:t>http://www.youtypeitwepostit.com/</a:t>
+            </a:r>
+            <a:r>
+              <a:rPr lang="en-US" dirty="0"/>
+              <a:t>. One web server may host many different URLs, and each URL grants access to a different bit of the data on the server.</a:t>
+            </a:r>
+          </a:p>
+          <a:p>
+            <a:pPr algn="just"/>
+            <a:endParaRPr lang="en-US" dirty="0"/>
+          </a:p>
+          <a:p>
+            <a:pPr algn="just"/>
+            <a:r>
+              <a:rPr lang="en-US" dirty="0"/>
+              <a:t>We say that a URL is the URL of some thing: a product, a user, the home page. The technical term for the thing named by a URL is </a:t>
+            </a:r>
+            <a:r>
+              <a:rPr lang="en-US" b="1" i="1" dirty="0"/>
+              <a:t>resource</a:t>
+            </a:r>
+            <a:r>
+              <a:rPr lang="en-US" dirty="0"/>
+              <a:t>.</a:t>
+            </a:r>
+          </a:p>
+          <a:p>
+            <a:pPr algn="just"/>
+            <a:endParaRPr lang="en-US" dirty="0"/>
+          </a:p>
+          <a:p>
+            <a:pPr algn="just"/>
+            <a:r>
+              <a:rPr lang="en-US" dirty="0"/>
+              <a:t>The URL </a:t>
+            </a:r>
+            <a:r>
+              <a:rPr lang="en-US" dirty="0">
+                <a:hlinkClick r:id="rId3"/>
+              </a:rPr>
+              <a:t>http://www.youtypeitwepostit.com/</a:t>
+            </a:r>
+            <a:r>
+              <a:rPr lang="en-US" dirty="0"/>
+              <a:t> identifies a resource—probably the home page of the website advertised on the billboard. But you won’t know for sure until we resume the story and Alice’s web browser sends the HTTP request.</a:t>
+            </a:r>
+          </a:p>
+          <a:p>
+            <a:endParaRPr lang="en-US" dirty="0"/>
+          </a:p>
+        </p:txBody>
+      </p:sp>
+      <p:sp>
+        <p:nvSpPr>
+          <p:cNvPr id="4" name="Slide Number Placeholder 3"/>
+          <p:cNvSpPr>
+            <a:spLocks noGrp="1"/>
+          </p:cNvSpPr>
+          <p:nvPr>
+            <p:ph type="sldNum" sz="quarter" idx="5"/>
+          </p:nvPr>
+        </p:nvSpPr>
+        <p:spPr/>
+        <p:txBody>
+          <a:bodyPr/>
+          <a:lstStyle/>
+          <a:p>
+            <a:fld id="{2E22A873-933D-4D09-931E-CDFDF5E37688}" type="slidenum">
+              <a:rPr lang="en-US" smtClean="0"/>
+              <a:t>53</a:t>
+            </a:fld>
+            <a:endParaRPr lang="en-US"/>
+          </a:p>
+        </p:txBody>
+      </p:sp>
+    </p:spTree>
+    <p:extLst>
+      <p:ext uri="{BB962C8B-B14F-4D97-AF65-F5344CB8AC3E}">
+        <p14:creationId xmlns:p14="http://schemas.microsoft.com/office/powerpoint/2010/main" val="2132345273"/>
+      </p:ext>
+    </p:extLst>
+  </p:cSld>
+  <p:clrMapOvr>
+    <a:masterClrMapping/>
+  </p:clrMapOvr>
+</p:notes>
+</file>
+
+<file path=ppt/notesSlides/notesSlide54.xml><?xml version="1.0" encoding="utf-8"?>
+<p:notes xmlns:a="http://schemas.openxmlformats.org/drawingml/2006/main" xmlns:r="http://schemas.openxmlformats.org/officeDocument/2006/relationships" xmlns:p="http://schemas.openxmlformats.org/presentationml/2006/main">
+  <p:cSld>
+    <p:spTree>
+      <p:nvGrpSpPr>
+        <p:cNvPr id="1" name=""/>
+        <p:cNvGrpSpPr/>
+        <p:nvPr/>
+      </p:nvGrpSpPr>
+      <p:grpSpPr>
+        <a:xfrm>
+          <a:off x="0" y="0"/>
+          <a:ext cx="0" cy="0"/>
+          <a:chOff x="0" y="0"/>
+          <a:chExt cx="0" cy="0"/>
+        </a:xfrm>
+      </p:grpSpPr>
+      <p:sp>
+        <p:nvSpPr>
+          <p:cNvPr id="2" name="Slide Image Placeholder 1"/>
+          <p:cNvSpPr>
+            <a:spLocks noGrp="1" noRot="1" noChangeAspect="1"/>
+          </p:cNvSpPr>
+          <p:nvPr>
+            <p:ph type="sldImg"/>
+          </p:nvPr>
+        </p:nvSpPr>
+        <p:spPr/>
+      </p:sp>
+      <p:sp>
+        <p:nvSpPr>
+          <p:cNvPr id="3" name="Notes Placeholder 2"/>
+          <p:cNvSpPr>
+            <a:spLocks noGrp="1"/>
+          </p:cNvSpPr>
+          <p:nvPr>
+            <p:ph type="body" idx="1"/>
+          </p:nvPr>
+        </p:nvSpPr>
+        <p:spPr/>
+        <p:txBody>
+          <a:bodyPr/>
+          <a:lstStyle/>
+          <a:p>
+            <a:pPr algn="just"/>
+            <a:r>
+              <a:rPr lang="en-US" dirty="0"/>
+              <a:t>Sorry for interrupting the story, but I need to introduce some basic terminology.</a:t>
+            </a:r>
+          </a:p>
+          <a:p>
+            <a:pPr algn="just"/>
+            <a:endParaRPr lang="en-US" dirty="0"/>
+          </a:p>
+          <a:p>
+            <a:pPr algn="just"/>
+            <a:r>
+              <a:rPr lang="en-US" dirty="0"/>
+              <a:t>Alice’s web browser is about to send an HTTP request to a web server—specifically, to the URL </a:t>
+            </a:r>
+            <a:r>
+              <a:rPr lang="en-US" dirty="0">
+                <a:hlinkClick r:id="rId3"/>
+              </a:rPr>
+              <a:t>http://www.youtypeitwepostit.com/</a:t>
+            </a:r>
+            <a:r>
+              <a:rPr lang="en-US" dirty="0"/>
+              <a:t>. One web server may host many different URLs, and each URL grants access to a different bit of the data on the server.</a:t>
+            </a:r>
+          </a:p>
+          <a:p>
+            <a:pPr algn="just"/>
+            <a:endParaRPr lang="en-US" dirty="0"/>
+          </a:p>
+          <a:p>
+            <a:pPr algn="just"/>
+            <a:r>
+              <a:rPr lang="en-US" dirty="0"/>
+              <a:t>We say that a URL is the URL of some thing: a product, a user, the home page. The technical term for the thing named by a URL is </a:t>
+            </a:r>
+            <a:r>
+              <a:rPr lang="en-US" b="1" i="1" dirty="0"/>
+              <a:t>resource</a:t>
+            </a:r>
+            <a:r>
+              <a:rPr lang="en-US" dirty="0"/>
+              <a:t>.</a:t>
+            </a:r>
+          </a:p>
+          <a:p>
+            <a:pPr algn="just"/>
+            <a:endParaRPr lang="en-US" dirty="0"/>
+          </a:p>
+          <a:p>
+            <a:pPr algn="just"/>
+            <a:r>
+              <a:rPr lang="en-US" dirty="0"/>
+              <a:t>The URL </a:t>
+            </a:r>
+            <a:r>
+              <a:rPr lang="en-US" dirty="0">
+                <a:hlinkClick r:id="rId3"/>
+              </a:rPr>
+              <a:t>http://www.youtypeitwepostit.com/</a:t>
+            </a:r>
+            <a:r>
+              <a:rPr lang="en-US" dirty="0"/>
+              <a:t> identifies a resource—probably the home page of the website advertised on the billboard. But you won’t know for sure until we resume the story and Alice’s web browser sends the HTTP request.</a:t>
+            </a:r>
+          </a:p>
+          <a:p>
+            <a:endParaRPr lang="en-US" dirty="0"/>
+          </a:p>
+        </p:txBody>
+      </p:sp>
+      <p:sp>
+        <p:nvSpPr>
+          <p:cNvPr id="4" name="Slide Number Placeholder 3"/>
+          <p:cNvSpPr>
+            <a:spLocks noGrp="1"/>
+          </p:cNvSpPr>
+          <p:nvPr>
+            <p:ph type="sldNum" sz="quarter" idx="5"/>
+          </p:nvPr>
+        </p:nvSpPr>
+        <p:spPr/>
+        <p:txBody>
+          <a:bodyPr/>
+          <a:lstStyle/>
+          <a:p>
+            <a:fld id="{2E22A873-933D-4D09-931E-CDFDF5E37688}" type="slidenum">
+              <a:rPr lang="en-US" smtClean="0"/>
+              <a:t>54</a:t>
+            </a:fld>
+            <a:endParaRPr lang="en-US"/>
+          </a:p>
+        </p:txBody>
+      </p:sp>
+    </p:spTree>
+    <p:extLst>
+      <p:ext uri="{BB962C8B-B14F-4D97-AF65-F5344CB8AC3E}">
+        <p14:creationId xmlns:p14="http://schemas.microsoft.com/office/powerpoint/2010/main" val="3980331847"/>
       </p:ext>
     </p:extLst>
   </p:cSld>
@@ -30306,6 +31377,2590 @@
                 <a:latin typeface="Segoe UI" panose="020B0502040204020203" pitchFamily="34" charset="0"/>
                 <a:cs typeface="Segoe UI" panose="020B0502040204020203" pitchFamily="34" charset="0"/>
               </a:rPr>
+              <a:t>Functions are Objects</a:t>
+            </a:r>
+            <a:endParaRPr lang="en-US" b="1" dirty="0">
+              <a:solidFill>
+                <a:schemeClr val="tx1">
+                  <a:lumMod val="85000"/>
+                  <a:lumOff val="15000"/>
+                </a:schemeClr>
+              </a:solidFill>
+              <a:latin typeface="Segoe UI" panose="020B0502040204020203" pitchFamily="34" charset="0"/>
+              <a:cs typeface="Segoe UI" panose="020B0502040204020203" pitchFamily="34" charset="0"/>
+            </a:endParaRPr>
+          </a:p>
+        </p:txBody>
+      </p:sp>
+      <p:sp>
+        <p:nvSpPr>
+          <p:cNvPr id="6" name="TextBox 5">
+            <a:extLst>
+              <a:ext uri="{FF2B5EF4-FFF2-40B4-BE49-F238E27FC236}">
+                <a16:creationId xmlns:a16="http://schemas.microsoft.com/office/drawing/2014/main" id="{F308816D-562E-4F4D-9CFF-7FF02259B6DA}"/>
+              </a:ext>
+            </a:extLst>
+          </p:cNvPr>
+          <p:cNvSpPr txBox="1"/>
+          <p:nvPr/>
+        </p:nvSpPr>
+        <p:spPr>
+          <a:xfrm>
+            <a:off x="1507066" y="1643512"/>
+            <a:ext cx="9616652" cy="584775"/>
+          </a:xfrm>
+          <a:prstGeom prst="rect">
+            <a:avLst/>
+          </a:prstGeom>
+          <a:solidFill>
+            <a:schemeClr val="accent1">
+              <a:lumMod val="40000"/>
+              <a:lumOff val="60000"/>
+            </a:schemeClr>
+          </a:solidFill>
+          <a:ln w="57150">
+            <a:solidFill>
+              <a:srgbClr val="0070C0"/>
+            </a:solidFill>
+          </a:ln>
+        </p:spPr>
+        <p:txBody>
+          <a:bodyPr wrap="square">
+            <a:spAutoFit/>
+          </a:bodyPr>
+          <a:lstStyle/>
+          <a:p>
+            <a:pPr algn="just"/>
+            <a:r>
+              <a:rPr lang="en-US" sz="1600" dirty="0">
+                <a:latin typeface="Segoe UI" panose="020B0502040204020203" pitchFamily="34" charset="0"/>
+                <a:cs typeface="Segoe UI" panose="020B0502040204020203" pitchFamily="34" charset="0"/>
+              </a:rPr>
+              <a:t>We’ve seen that </a:t>
+            </a:r>
+            <a:r>
+              <a:rPr lang="en-US" sz="1600" b="1" dirty="0">
+                <a:latin typeface="Segoe UI" panose="020B0502040204020203" pitchFamily="34" charset="0"/>
+                <a:cs typeface="Segoe UI" panose="020B0502040204020203" pitchFamily="34" charset="0"/>
+              </a:rPr>
+              <a:t>functions are values </a:t>
+            </a:r>
+            <a:r>
+              <a:rPr lang="en-US" sz="1600" dirty="0">
+                <a:latin typeface="Segoe UI" panose="020B0502040204020203" pitchFamily="34" charset="0"/>
+                <a:cs typeface="Segoe UI" panose="020B0502040204020203" pitchFamily="34" charset="0"/>
+              </a:rPr>
+              <a:t>in JavaScript programs., but functions are </a:t>
+            </a:r>
+            <a:r>
+              <a:rPr lang="en-US" sz="1600" b="1" dirty="0">
+                <a:latin typeface="Segoe UI" panose="020B0502040204020203" pitchFamily="34" charset="0"/>
+                <a:cs typeface="Segoe UI" panose="020B0502040204020203" pitchFamily="34" charset="0"/>
+              </a:rPr>
+              <a:t>really a specialized kind of object</a:t>
+            </a:r>
+            <a:r>
+              <a:rPr lang="en-US" sz="1600" dirty="0">
+                <a:latin typeface="Segoe UI" panose="020B0502040204020203" pitchFamily="34" charset="0"/>
+                <a:cs typeface="Segoe UI" panose="020B0502040204020203" pitchFamily="34" charset="0"/>
+              </a:rPr>
+              <a:t>.</a:t>
+            </a:r>
+          </a:p>
+        </p:txBody>
+      </p:sp>
+      <p:sp>
+        <p:nvSpPr>
+          <p:cNvPr id="7" name="TextBox 6">
+            <a:extLst>
+              <a:ext uri="{FF2B5EF4-FFF2-40B4-BE49-F238E27FC236}">
+                <a16:creationId xmlns:a16="http://schemas.microsoft.com/office/drawing/2014/main" id="{5E2DCB2F-B157-4F5F-89AF-56D918302835}"/>
+              </a:ext>
+            </a:extLst>
+          </p:cNvPr>
+          <p:cNvSpPr txBox="1"/>
+          <p:nvPr/>
+        </p:nvSpPr>
+        <p:spPr>
+          <a:xfrm>
+            <a:off x="1507066" y="2556315"/>
+            <a:ext cx="9616652" cy="338554"/>
+          </a:xfrm>
+          <a:prstGeom prst="rect">
+            <a:avLst/>
+          </a:prstGeom>
+          <a:solidFill>
+            <a:schemeClr val="accent1">
+              <a:lumMod val="40000"/>
+              <a:lumOff val="60000"/>
+            </a:schemeClr>
+          </a:solidFill>
+          <a:ln w="57150">
+            <a:solidFill>
+              <a:srgbClr val="0070C0"/>
+            </a:solidFill>
+          </a:ln>
+        </p:spPr>
+        <p:txBody>
+          <a:bodyPr wrap="square">
+            <a:spAutoFit/>
+          </a:bodyPr>
+          <a:lstStyle/>
+          <a:p>
+            <a:pPr algn="just"/>
+            <a:r>
+              <a:rPr lang="en-US" sz="1600" dirty="0">
+                <a:latin typeface="Segoe UI" panose="020B0502040204020203" pitchFamily="34" charset="0"/>
+                <a:cs typeface="Segoe UI" panose="020B0502040204020203" pitchFamily="34" charset="0"/>
+              </a:rPr>
+              <a:t>Since functions are objects, they can have </a:t>
+            </a:r>
+            <a:r>
+              <a:rPr lang="en-US" sz="1600" b="1" dirty="0">
+                <a:latin typeface="Segoe UI" panose="020B0502040204020203" pitchFamily="34" charset="0"/>
+                <a:cs typeface="Segoe UI" panose="020B0502040204020203" pitchFamily="34" charset="0"/>
+              </a:rPr>
+              <a:t>properties</a:t>
+            </a:r>
+            <a:r>
+              <a:rPr lang="en-US" sz="1600" dirty="0">
+                <a:latin typeface="Segoe UI" panose="020B0502040204020203" pitchFamily="34" charset="0"/>
+                <a:cs typeface="Segoe UI" panose="020B0502040204020203" pitchFamily="34" charset="0"/>
+              </a:rPr>
+              <a:t> and </a:t>
+            </a:r>
+            <a:r>
+              <a:rPr lang="en-US" sz="1600" b="1" dirty="0">
+                <a:latin typeface="Segoe UI" panose="020B0502040204020203" pitchFamily="34" charset="0"/>
+                <a:cs typeface="Segoe UI" panose="020B0502040204020203" pitchFamily="34" charset="0"/>
+              </a:rPr>
+              <a:t>methods</a:t>
+            </a:r>
+            <a:r>
+              <a:rPr lang="en-US" sz="1600" dirty="0">
+                <a:latin typeface="Segoe UI" panose="020B0502040204020203" pitchFamily="34" charset="0"/>
+                <a:cs typeface="Segoe UI" panose="020B0502040204020203" pitchFamily="34" charset="0"/>
+              </a:rPr>
+              <a:t>, just like any other object.</a:t>
+            </a:r>
+          </a:p>
+        </p:txBody>
+      </p:sp>
+    </p:spTree>
+    <p:extLst>
+      <p:ext uri="{BB962C8B-B14F-4D97-AF65-F5344CB8AC3E}">
+        <p14:creationId xmlns:p14="http://schemas.microsoft.com/office/powerpoint/2010/main" val="3916503520"/>
+      </p:ext>
+    </p:extLst>
+  </p:cSld>
+  <p:clrMapOvr>
+    <a:masterClrMapping/>
+  </p:clrMapOvr>
+</p:sld>
+</file>
+
+<file path=ppt/slides/slide48.xml><?xml version="1.0" encoding="utf-8"?>
+<p:sld xmlns:a="http://schemas.openxmlformats.org/drawingml/2006/main" xmlns:r="http://schemas.openxmlformats.org/officeDocument/2006/relationships" xmlns:p="http://schemas.openxmlformats.org/presentationml/2006/main">
+  <p:cSld>
+    <p:spTree>
+      <p:nvGrpSpPr>
+        <p:cNvPr id="1" name=""/>
+        <p:cNvGrpSpPr/>
+        <p:nvPr/>
+      </p:nvGrpSpPr>
+      <p:grpSpPr>
+        <a:xfrm>
+          <a:off x="0" y="0"/>
+          <a:ext cx="0" cy="0"/>
+          <a:chOff x="0" y="0"/>
+          <a:chExt cx="0" cy="0"/>
+        </a:xfrm>
+      </p:grpSpPr>
+      <p:sp>
+        <p:nvSpPr>
+          <p:cNvPr id="2" name="Title 1">
+            <a:extLst>
+              <a:ext uri="{FF2B5EF4-FFF2-40B4-BE49-F238E27FC236}">
+                <a16:creationId xmlns:a16="http://schemas.microsoft.com/office/drawing/2014/main" id="{2D4E4121-CDC8-41BA-846E-58655BA90FCF}"/>
+              </a:ext>
+            </a:extLst>
+          </p:cNvPr>
+          <p:cNvSpPr>
+            <a:spLocks noGrp="1"/>
+          </p:cNvSpPr>
+          <p:nvPr>
+            <p:ph type="ctrTitle"/>
+          </p:nvPr>
+        </p:nvSpPr>
+        <p:spPr>
+          <a:xfrm>
+            <a:off x="1507067" y="345351"/>
+            <a:ext cx="7766936" cy="970133"/>
+          </a:xfrm>
+        </p:spPr>
+        <p:txBody>
+          <a:bodyPr/>
+          <a:lstStyle/>
+          <a:p>
+            <a:pPr algn="l"/>
+            <a:r>
+              <a:rPr lang="en-US" dirty="0">
+                <a:solidFill>
+                  <a:schemeClr val="tx1">
+                    <a:lumMod val="85000"/>
+                    <a:lumOff val="15000"/>
+                  </a:schemeClr>
+                </a:solidFill>
+                <a:latin typeface="Segoe UI" panose="020B0502040204020203" pitchFamily="34" charset="0"/>
+                <a:cs typeface="Segoe UI" panose="020B0502040204020203" pitchFamily="34" charset="0"/>
+              </a:rPr>
+              <a:t>JS| </a:t>
+            </a:r>
+            <a:r>
+              <a:rPr lang="en-US" sz="3200" b="1" dirty="0">
+                <a:solidFill>
+                  <a:schemeClr val="tx1">
+                    <a:lumMod val="85000"/>
+                    <a:lumOff val="15000"/>
+                  </a:schemeClr>
+                </a:solidFill>
+                <a:latin typeface="Segoe UI" panose="020B0502040204020203" pitchFamily="34" charset="0"/>
+                <a:cs typeface="Segoe UI" panose="020B0502040204020203" pitchFamily="34" charset="0"/>
+              </a:rPr>
+              <a:t>Functions Properties</a:t>
+            </a:r>
+            <a:endParaRPr lang="en-US" b="1" dirty="0">
+              <a:solidFill>
+                <a:schemeClr val="tx1">
+                  <a:lumMod val="85000"/>
+                  <a:lumOff val="15000"/>
+                </a:schemeClr>
+              </a:solidFill>
+              <a:latin typeface="Segoe UI" panose="020B0502040204020203" pitchFamily="34" charset="0"/>
+              <a:cs typeface="Segoe UI" panose="020B0502040204020203" pitchFamily="34" charset="0"/>
+            </a:endParaRPr>
+          </a:p>
+        </p:txBody>
+      </p:sp>
+      <p:graphicFrame>
+        <p:nvGraphicFramePr>
+          <p:cNvPr id="3" name="Table 3">
+            <a:extLst>
+              <a:ext uri="{FF2B5EF4-FFF2-40B4-BE49-F238E27FC236}">
+                <a16:creationId xmlns:a16="http://schemas.microsoft.com/office/drawing/2014/main" id="{65C95392-F28C-4B9A-9DAC-BDF2F7294653}"/>
+              </a:ext>
+            </a:extLst>
+          </p:cNvPr>
+          <p:cNvGraphicFramePr>
+            <a:graphicFrameLocks noGrp="1"/>
+          </p:cNvGraphicFramePr>
+          <p:nvPr>
+            <p:extLst>
+              <p:ext uri="{D42A27DB-BD31-4B8C-83A1-F6EECF244321}">
+                <p14:modId xmlns:p14="http://schemas.microsoft.com/office/powerpoint/2010/main" val="2681976357"/>
+              </p:ext>
+            </p:extLst>
+          </p:nvPr>
+        </p:nvGraphicFramePr>
+        <p:xfrm>
+          <a:off x="1507065" y="1643512"/>
+          <a:ext cx="9616651" cy="2352040"/>
+        </p:xfrm>
+        <a:graphic>
+          <a:graphicData uri="http://schemas.openxmlformats.org/drawingml/2006/table">
+            <a:tbl>
+              <a:tblPr firstRow="1" bandRow="1">
+                <a:tableStyleId>{5C22544A-7EE6-4342-B048-85BDC9FD1C3A}</a:tableStyleId>
+              </a:tblPr>
+              <a:tblGrid>
+                <a:gridCol w="1872174">
+                  <a:extLst>
+                    <a:ext uri="{9D8B030D-6E8A-4147-A177-3AD203B41FA5}">
+                      <a16:colId xmlns:a16="http://schemas.microsoft.com/office/drawing/2014/main" val="641866772"/>
+                    </a:ext>
+                  </a:extLst>
+                </a:gridCol>
+                <a:gridCol w="7744477">
+                  <a:extLst>
+                    <a:ext uri="{9D8B030D-6E8A-4147-A177-3AD203B41FA5}">
+                      <a16:colId xmlns:a16="http://schemas.microsoft.com/office/drawing/2014/main" val="1998540311"/>
+                    </a:ext>
+                  </a:extLst>
+                </a:gridCol>
+              </a:tblGrid>
+              <a:tr h="370840">
+                <a:tc>
+                  <a:txBody>
+                    <a:bodyPr/>
+                    <a:lstStyle/>
+                    <a:p>
+                      <a:pPr algn="ctr"/>
+                      <a:r>
+                        <a:rPr lang="en-US" sz="1600" dirty="0">
+                          <a:solidFill>
+                            <a:schemeClr val="tx1"/>
+                          </a:solidFill>
+                          <a:latin typeface="Segoe UI" panose="020B0502040204020203" pitchFamily="34" charset="0"/>
+                          <a:cs typeface="Segoe UI" panose="020B0502040204020203" pitchFamily="34" charset="0"/>
+                        </a:rPr>
+                        <a:t>Property</a:t>
+                      </a:r>
+                    </a:p>
+                  </a:txBody>
+                  <a:tcPr anchor="ctr"/>
+                </a:tc>
+                <a:tc>
+                  <a:txBody>
+                    <a:bodyPr/>
+                    <a:lstStyle/>
+                    <a:p>
+                      <a:pPr algn="ctr"/>
+                      <a:r>
+                        <a:rPr lang="en-US" sz="1600" dirty="0">
+                          <a:solidFill>
+                            <a:schemeClr val="tx1"/>
+                          </a:solidFill>
+                          <a:latin typeface="Segoe UI" panose="020B0502040204020203" pitchFamily="34" charset="0"/>
+                          <a:cs typeface="Segoe UI" panose="020B0502040204020203" pitchFamily="34" charset="0"/>
+                        </a:rPr>
+                        <a:t>Description</a:t>
+                      </a:r>
+                    </a:p>
+                  </a:txBody>
+                  <a:tcPr anchor="ctr"/>
+                </a:tc>
+                <a:extLst>
+                  <a:ext uri="{0D108BD9-81ED-4DB2-BD59-A6C34878D82A}">
+                    <a16:rowId xmlns:a16="http://schemas.microsoft.com/office/drawing/2014/main" val="2204528887"/>
+                  </a:ext>
+                </a:extLst>
+              </a:tr>
+              <a:tr h="370840">
+                <a:tc>
+                  <a:txBody>
+                    <a:bodyPr/>
+                    <a:lstStyle/>
+                    <a:p>
+                      <a:r>
+                        <a:rPr lang="en-US" sz="1600" b="1" dirty="0">
+                          <a:latin typeface="Segoe UI" panose="020B0502040204020203" pitchFamily="34" charset="0"/>
+                          <a:cs typeface="Segoe UI" panose="020B0502040204020203" pitchFamily="34" charset="0"/>
+                        </a:rPr>
+                        <a:t>Length</a:t>
+                      </a:r>
+                    </a:p>
+                  </a:txBody>
+                  <a:tcPr anchor="ctr"/>
+                </a:tc>
+                <a:tc>
+                  <a:txBody>
+                    <a:bodyPr/>
+                    <a:lstStyle/>
+                    <a:p>
+                      <a:r>
+                        <a:rPr lang="en-US" sz="1600" dirty="0">
+                          <a:latin typeface="Segoe UI" panose="020B0502040204020203" pitchFamily="34" charset="0"/>
+                          <a:cs typeface="Segoe UI" panose="020B0502040204020203" pitchFamily="34" charset="0"/>
+                        </a:rPr>
+                        <a:t>The </a:t>
+                      </a:r>
+                      <a:r>
+                        <a:rPr lang="en-US" sz="1600" b="1" dirty="0">
+                          <a:latin typeface="Segoe UI" panose="020B0502040204020203" pitchFamily="34" charset="0"/>
+                          <a:cs typeface="Segoe UI" panose="020B0502040204020203" pitchFamily="34" charset="0"/>
+                        </a:rPr>
+                        <a:t>read-only</a:t>
+                      </a:r>
+                      <a:r>
+                        <a:rPr lang="en-US" sz="1600" dirty="0">
+                          <a:latin typeface="Segoe UI" panose="020B0502040204020203" pitchFamily="34" charset="0"/>
+                          <a:cs typeface="Segoe UI" panose="020B0502040204020203" pitchFamily="34" charset="0"/>
+                        </a:rPr>
+                        <a:t> length property of a function specifies the </a:t>
+                      </a:r>
+                      <a:r>
+                        <a:rPr lang="en-US" sz="1600" b="1" dirty="0">
+                          <a:latin typeface="Segoe UI" panose="020B0502040204020203" pitchFamily="34" charset="0"/>
+                          <a:cs typeface="Segoe UI" panose="020B0502040204020203" pitchFamily="34" charset="0"/>
+                        </a:rPr>
+                        <a:t>arity</a:t>
+                      </a:r>
+                      <a:r>
+                        <a:rPr lang="en-US" sz="1600" dirty="0">
+                          <a:latin typeface="Segoe UI" panose="020B0502040204020203" pitchFamily="34" charset="0"/>
+                          <a:cs typeface="Segoe UI" panose="020B0502040204020203" pitchFamily="34" charset="0"/>
+                        </a:rPr>
+                        <a:t> of the function.</a:t>
+                      </a:r>
+                    </a:p>
+                    <a:p>
+                      <a:r>
+                        <a:rPr lang="en-US" sz="1600" dirty="0">
+                          <a:latin typeface="Segoe UI" panose="020B0502040204020203" pitchFamily="34" charset="0"/>
+                          <a:cs typeface="Segoe UI" panose="020B0502040204020203" pitchFamily="34" charset="0"/>
+                        </a:rPr>
+                        <a:t>The </a:t>
+                      </a:r>
+                      <a:r>
+                        <a:rPr lang="en-US" sz="1600" b="1" dirty="0">
+                          <a:latin typeface="Segoe UI" panose="020B0502040204020203" pitchFamily="34" charset="0"/>
+                          <a:cs typeface="Segoe UI" panose="020B0502040204020203" pitchFamily="34" charset="0"/>
+                        </a:rPr>
+                        <a:t>number of parameters </a:t>
+                      </a:r>
+                      <a:r>
+                        <a:rPr lang="en-US" sz="1600" dirty="0">
+                          <a:latin typeface="Segoe UI" panose="020B0502040204020203" pitchFamily="34" charset="0"/>
+                          <a:cs typeface="Segoe UI" panose="020B0502040204020203" pitchFamily="34" charset="0"/>
+                        </a:rPr>
+                        <a:t>it declares in its parameter list, which is usually the </a:t>
+                      </a:r>
+                      <a:r>
+                        <a:rPr lang="en-US" sz="1600" b="1" dirty="0">
+                          <a:latin typeface="Segoe UI" panose="020B0502040204020203" pitchFamily="34" charset="0"/>
+                          <a:cs typeface="Segoe UI" panose="020B0502040204020203" pitchFamily="34" charset="0"/>
+                        </a:rPr>
+                        <a:t>number of arguments </a:t>
+                      </a:r>
+                      <a:r>
+                        <a:rPr lang="en-US" sz="1600" dirty="0">
+                          <a:latin typeface="Segoe UI" panose="020B0502040204020203" pitchFamily="34" charset="0"/>
+                          <a:cs typeface="Segoe UI" panose="020B0502040204020203" pitchFamily="34" charset="0"/>
+                        </a:rPr>
+                        <a:t>that the function expects.</a:t>
+                      </a:r>
+                    </a:p>
+                  </a:txBody>
+                  <a:tcPr anchor="ctr"/>
+                </a:tc>
+                <a:extLst>
+                  <a:ext uri="{0D108BD9-81ED-4DB2-BD59-A6C34878D82A}">
+                    <a16:rowId xmlns:a16="http://schemas.microsoft.com/office/drawing/2014/main" val="2887405685"/>
+                  </a:ext>
+                </a:extLst>
+              </a:tr>
+              <a:tr h="370840">
+                <a:tc>
+                  <a:txBody>
+                    <a:bodyPr/>
+                    <a:lstStyle/>
+                    <a:p>
+                      <a:r>
+                        <a:rPr lang="en-US" sz="1600" b="1" dirty="0">
+                          <a:latin typeface="Segoe UI" panose="020B0502040204020203" pitchFamily="34" charset="0"/>
+                          <a:cs typeface="Segoe UI" panose="020B0502040204020203" pitchFamily="34" charset="0"/>
+                        </a:rPr>
+                        <a:t>Name</a:t>
+                      </a:r>
+                    </a:p>
+                  </a:txBody>
+                  <a:tcPr anchor="ctr"/>
+                </a:tc>
+                <a:tc>
+                  <a:txBody>
+                    <a:bodyPr/>
+                    <a:lstStyle/>
+                    <a:p>
+                      <a:r>
+                        <a:rPr lang="en-US" sz="1600" dirty="0">
+                          <a:latin typeface="Segoe UI" panose="020B0502040204020203" pitchFamily="34" charset="0"/>
+                          <a:cs typeface="Segoe UI" panose="020B0502040204020203" pitchFamily="34" charset="0"/>
+                        </a:rPr>
+                        <a:t>The </a:t>
+                      </a:r>
+                      <a:r>
+                        <a:rPr lang="en-US" sz="1600" b="1" dirty="0">
+                          <a:latin typeface="Segoe UI" panose="020B0502040204020203" pitchFamily="34" charset="0"/>
+                          <a:cs typeface="Segoe UI" panose="020B0502040204020203" pitchFamily="34" charset="0"/>
+                        </a:rPr>
+                        <a:t>read-only</a:t>
+                      </a:r>
+                      <a:r>
+                        <a:rPr lang="en-US" sz="1600" dirty="0">
+                          <a:latin typeface="Segoe UI" panose="020B0502040204020203" pitchFamily="34" charset="0"/>
+                          <a:cs typeface="Segoe UI" panose="020B0502040204020203" pitchFamily="34" charset="0"/>
+                        </a:rPr>
+                        <a:t> name property of a function specifies the name that was used when the function was defined,</a:t>
+                      </a:r>
+                    </a:p>
+                  </a:txBody>
+                  <a:tcPr anchor="ctr"/>
+                </a:tc>
+                <a:extLst>
+                  <a:ext uri="{0D108BD9-81ED-4DB2-BD59-A6C34878D82A}">
+                    <a16:rowId xmlns:a16="http://schemas.microsoft.com/office/drawing/2014/main" val="1418400334"/>
+                  </a:ext>
+                </a:extLst>
+              </a:tr>
+              <a:tr h="370840">
+                <a:tc>
+                  <a:txBody>
+                    <a:bodyPr/>
+                    <a:lstStyle/>
+                    <a:p>
+                      <a:r>
+                        <a:rPr lang="en-US" sz="1600" b="1" dirty="0">
+                          <a:latin typeface="Segoe UI" panose="020B0502040204020203" pitchFamily="34" charset="0"/>
+                          <a:cs typeface="Segoe UI" panose="020B0502040204020203" pitchFamily="34" charset="0"/>
+                        </a:rPr>
+                        <a:t>Prototype</a:t>
+                      </a:r>
+                    </a:p>
+                  </a:txBody>
+                  <a:tcPr anchor="ctr"/>
+                </a:tc>
+                <a:tc>
+                  <a:txBody>
+                    <a:bodyPr/>
+                    <a:lstStyle/>
+                    <a:p>
+                      <a:r>
+                        <a:rPr lang="en-US" sz="1600" dirty="0">
+                          <a:latin typeface="Segoe UI" panose="020B0502040204020203" pitchFamily="34" charset="0"/>
+                          <a:cs typeface="Segoe UI" panose="020B0502040204020203" pitchFamily="34" charset="0"/>
+                        </a:rPr>
+                        <a:t>All functions, except arrow functions, have a prototype property that </a:t>
+                      </a:r>
+                      <a:r>
+                        <a:rPr lang="en-US" sz="1600" b="1" dirty="0">
+                          <a:latin typeface="Segoe UI" panose="020B0502040204020203" pitchFamily="34" charset="0"/>
+                          <a:cs typeface="Segoe UI" panose="020B0502040204020203" pitchFamily="34" charset="0"/>
+                        </a:rPr>
+                        <a:t>refers</a:t>
+                      </a:r>
+                      <a:r>
+                        <a:rPr lang="en-US" sz="1600" dirty="0">
+                          <a:latin typeface="Segoe UI" panose="020B0502040204020203" pitchFamily="34" charset="0"/>
+                          <a:cs typeface="Segoe UI" panose="020B0502040204020203" pitchFamily="34" charset="0"/>
+                        </a:rPr>
+                        <a:t> to an object known as the </a:t>
+                      </a:r>
+                      <a:r>
+                        <a:rPr lang="en-US" sz="1600" b="1" dirty="0">
+                          <a:latin typeface="Segoe UI" panose="020B0502040204020203" pitchFamily="34" charset="0"/>
+                          <a:cs typeface="Segoe UI" panose="020B0502040204020203" pitchFamily="34" charset="0"/>
+                        </a:rPr>
+                        <a:t>prototype</a:t>
+                      </a:r>
+                      <a:r>
+                        <a:rPr lang="en-US" sz="1600" dirty="0">
+                          <a:latin typeface="Segoe UI" panose="020B0502040204020203" pitchFamily="34" charset="0"/>
+                          <a:cs typeface="Segoe UI" panose="020B0502040204020203" pitchFamily="34" charset="0"/>
+                        </a:rPr>
+                        <a:t> </a:t>
+                      </a:r>
+                      <a:r>
+                        <a:rPr lang="en-US" sz="1600" b="1" dirty="0">
+                          <a:latin typeface="Segoe UI" panose="020B0502040204020203" pitchFamily="34" charset="0"/>
+                          <a:cs typeface="Segoe UI" panose="020B0502040204020203" pitchFamily="34" charset="0"/>
+                        </a:rPr>
+                        <a:t>object</a:t>
+                      </a:r>
+                      <a:r>
+                        <a:rPr lang="en-US" sz="1600" dirty="0">
+                          <a:latin typeface="Segoe UI" panose="020B0502040204020203" pitchFamily="34" charset="0"/>
+                          <a:cs typeface="Segoe UI" panose="020B0502040204020203" pitchFamily="34" charset="0"/>
+                        </a:rPr>
+                        <a:t>.</a:t>
+                      </a:r>
+                    </a:p>
+                  </a:txBody>
+                  <a:tcPr anchor="ctr"/>
+                </a:tc>
+                <a:extLst>
+                  <a:ext uri="{0D108BD9-81ED-4DB2-BD59-A6C34878D82A}">
+                    <a16:rowId xmlns:a16="http://schemas.microsoft.com/office/drawing/2014/main" val="907471095"/>
+                  </a:ext>
+                </a:extLst>
+              </a:tr>
+            </a:tbl>
+          </a:graphicData>
+        </a:graphic>
+      </p:graphicFrame>
+    </p:spTree>
+    <p:extLst>
+      <p:ext uri="{BB962C8B-B14F-4D97-AF65-F5344CB8AC3E}">
+        <p14:creationId xmlns:p14="http://schemas.microsoft.com/office/powerpoint/2010/main" val="4159599001"/>
+      </p:ext>
+    </p:extLst>
+  </p:cSld>
+  <p:clrMapOvr>
+    <a:masterClrMapping/>
+  </p:clrMapOvr>
+</p:sld>
+</file>
+
+<file path=ppt/slides/slide49.xml><?xml version="1.0" encoding="utf-8"?>
+<p:sld xmlns:a="http://schemas.openxmlformats.org/drawingml/2006/main" xmlns:r="http://schemas.openxmlformats.org/officeDocument/2006/relationships" xmlns:p="http://schemas.openxmlformats.org/presentationml/2006/main">
+  <p:cSld>
+    <p:spTree>
+      <p:nvGrpSpPr>
+        <p:cNvPr id="1" name=""/>
+        <p:cNvGrpSpPr/>
+        <p:nvPr/>
+      </p:nvGrpSpPr>
+      <p:grpSpPr>
+        <a:xfrm>
+          <a:off x="0" y="0"/>
+          <a:ext cx="0" cy="0"/>
+          <a:chOff x="0" y="0"/>
+          <a:chExt cx="0" cy="0"/>
+        </a:xfrm>
+      </p:grpSpPr>
+      <p:sp>
+        <p:nvSpPr>
+          <p:cNvPr id="2" name="Title 1">
+            <a:extLst>
+              <a:ext uri="{FF2B5EF4-FFF2-40B4-BE49-F238E27FC236}">
+                <a16:creationId xmlns:a16="http://schemas.microsoft.com/office/drawing/2014/main" id="{2D4E4121-CDC8-41BA-846E-58655BA90FCF}"/>
+              </a:ext>
+            </a:extLst>
+          </p:cNvPr>
+          <p:cNvSpPr>
+            <a:spLocks noGrp="1"/>
+          </p:cNvSpPr>
+          <p:nvPr>
+            <p:ph type="ctrTitle"/>
+          </p:nvPr>
+        </p:nvSpPr>
+        <p:spPr>
+          <a:xfrm>
+            <a:off x="1507067" y="345351"/>
+            <a:ext cx="7766936" cy="970133"/>
+          </a:xfrm>
+        </p:spPr>
+        <p:txBody>
+          <a:bodyPr/>
+          <a:lstStyle/>
+          <a:p>
+            <a:pPr algn="l"/>
+            <a:r>
+              <a:rPr lang="en-US" dirty="0">
+                <a:solidFill>
+                  <a:schemeClr val="tx1">
+                    <a:lumMod val="85000"/>
+                    <a:lumOff val="15000"/>
+                  </a:schemeClr>
+                </a:solidFill>
+                <a:latin typeface="Segoe UI" panose="020B0502040204020203" pitchFamily="34" charset="0"/>
+                <a:cs typeface="Segoe UI" panose="020B0502040204020203" pitchFamily="34" charset="0"/>
+              </a:rPr>
+              <a:t>JS| </a:t>
+            </a:r>
+            <a:r>
+              <a:rPr lang="en-US" sz="3200" b="1" dirty="0">
+                <a:solidFill>
+                  <a:schemeClr val="tx1">
+                    <a:lumMod val="85000"/>
+                    <a:lumOff val="15000"/>
+                  </a:schemeClr>
+                </a:solidFill>
+                <a:latin typeface="Segoe UI" panose="020B0502040204020203" pitchFamily="34" charset="0"/>
+                <a:cs typeface="Segoe UI" panose="020B0502040204020203" pitchFamily="34" charset="0"/>
+              </a:rPr>
+              <a:t>Functions Methos - Call</a:t>
+            </a:r>
+            <a:endParaRPr lang="en-US" b="1" dirty="0">
+              <a:solidFill>
+                <a:schemeClr val="tx1">
+                  <a:lumMod val="85000"/>
+                  <a:lumOff val="15000"/>
+                </a:schemeClr>
+              </a:solidFill>
+              <a:latin typeface="Segoe UI" panose="020B0502040204020203" pitchFamily="34" charset="0"/>
+              <a:cs typeface="Segoe UI" panose="020B0502040204020203" pitchFamily="34" charset="0"/>
+            </a:endParaRPr>
+          </a:p>
+        </p:txBody>
+      </p:sp>
+      <p:sp>
+        <p:nvSpPr>
+          <p:cNvPr id="5" name="TextBox 4">
+            <a:extLst>
+              <a:ext uri="{FF2B5EF4-FFF2-40B4-BE49-F238E27FC236}">
+                <a16:creationId xmlns:a16="http://schemas.microsoft.com/office/drawing/2014/main" id="{4CD014A6-AE50-491B-8A43-4EDBA1ECD36C}"/>
+              </a:ext>
+            </a:extLst>
+          </p:cNvPr>
+          <p:cNvSpPr txBox="1"/>
+          <p:nvPr/>
+        </p:nvSpPr>
+        <p:spPr>
+          <a:xfrm>
+            <a:off x="1507066" y="1643512"/>
+            <a:ext cx="9616652" cy="1569660"/>
+          </a:xfrm>
+          <a:prstGeom prst="rect">
+            <a:avLst/>
+          </a:prstGeom>
+          <a:noFill/>
+        </p:spPr>
+        <p:txBody>
+          <a:bodyPr wrap="square">
+            <a:spAutoFit/>
+          </a:bodyPr>
+          <a:lstStyle/>
+          <a:p>
+            <a:pPr algn="just"/>
+            <a:r>
+              <a:rPr lang="en-US" sz="1600" dirty="0">
+                <a:latin typeface="Segoe UI" panose="020B0502040204020203" pitchFamily="34" charset="0"/>
+                <a:cs typeface="Segoe UI" panose="020B0502040204020203" pitchFamily="34" charset="0"/>
+              </a:rPr>
+              <a:t>Allow you to </a:t>
+            </a:r>
+            <a:r>
+              <a:rPr lang="en-US" sz="1600" b="1" dirty="0">
+                <a:latin typeface="Segoe UI" panose="020B0502040204020203" pitchFamily="34" charset="0"/>
+                <a:cs typeface="Segoe UI" panose="020B0502040204020203" pitchFamily="34" charset="0"/>
+              </a:rPr>
+              <a:t>indirectly invoke </a:t>
+            </a:r>
+            <a:r>
+              <a:rPr lang="en-US" sz="1600" dirty="0">
+                <a:latin typeface="Segoe UI" panose="020B0502040204020203" pitchFamily="34" charset="0"/>
+                <a:cs typeface="Segoe UI" panose="020B0502040204020203" pitchFamily="34" charset="0"/>
+              </a:rPr>
+              <a:t>a function as if it were a method of some other object. </a:t>
+            </a:r>
+          </a:p>
+          <a:p>
+            <a:pPr algn="just"/>
+            <a:endParaRPr lang="en-US" sz="1600" dirty="0">
+              <a:latin typeface="Segoe UI" panose="020B0502040204020203" pitchFamily="34" charset="0"/>
+              <a:cs typeface="Segoe UI" panose="020B0502040204020203" pitchFamily="34" charset="0"/>
+            </a:endParaRPr>
+          </a:p>
+          <a:p>
+            <a:pPr algn="just"/>
+            <a:r>
+              <a:rPr lang="en-US" sz="1600" dirty="0">
+                <a:latin typeface="Segoe UI" panose="020B0502040204020203" pitchFamily="34" charset="0"/>
+                <a:cs typeface="Segoe UI" panose="020B0502040204020203" pitchFamily="34" charset="0"/>
+              </a:rPr>
+              <a:t>The </a:t>
+            </a:r>
+            <a:r>
+              <a:rPr lang="en-US" sz="1600" b="1" dirty="0">
+                <a:latin typeface="Segoe UI" panose="020B0502040204020203" pitchFamily="34" charset="0"/>
+                <a:cs typeface="Segoe UI" panose="020B0502040204020203" pitchFamily="34" charset="0"/>
+              </a:rPr>
+              <a:t>first argument </a:t>
+            </a:r>
+            <a:r>
+              <a:rPr lang="en-US" sz="1600" dirty="0">
+                <a:latin typeface="Segoe UI" panose="020B0502040204020203" pitchFamily="34" charset="0"/>
+                <a:cs typeface="Segoe UI" panose="020B0502040204020203" pitchFamily="34" charset="0"/>
+              </a:rPr>
+              <a:t>is the object on which the function is to be invoked; this argument is the </a:t>
+            </a:r>
+            <a:r>
+              <a:rPr lang="en-US" sz="1600" b="1" dirty="0">
+                <a:latin typeface="Segoe UI" panose="020B0502040204020203" pitchFamily="34" charset="0"/>
+                <a:cs typeface="Segoe UI" panose="020B0502040204020203" pitchFamily="34" charset="0"/>
+              </a:rPr>
+              <a:t>invocation context </a:t>
+            </a:r>
+            <a:r>
+              <a:rPr lang="en-US" sz="1600" dirty="0">
+                <a:latin typeface="Segoe UI" panose="020B0502040204020203" pitchFamily="34" charset="0"/>
+                <a:cs typeface="Segoe UI" panose="020B0502040204020203" pitchFamily="34" charset="0"/>
+              </a:rPr>
+              <a:t>and becomes the value of the </a:t>
+            </a:r>
+            <a:r>
+              <a:rPr lang="en-US" sz="1600" b="1" dirty="0">
+                <a:latin typeface="Segoe UI" panose="020B0502040204020203" pitchFamily="34" charset="0"/>
+                <a:cs typeface="Segoe UI" panose="020B0502040204020203" pitchFamily="34" charset="0"/>
+              </a:rPr>
+              <a:t>this </a:t>
+            </a:r>
+            <a:r>
+              <a:rPr lang="en-US" sz="1600" dirty="0">
+                <a:latin typeface="Segoe UI" panose="020B0502040204020203" pitchFamily="34" charset="0"/>
+                <a:cs typeface="Segoe UI" panose="020B0502040204020203" pitchFamily="34" charset="0"/>
+              </a:rPr>
+              <a:t>keyword within the body of the function.</a:t>
+            </a:r>
+          </a:p>
+          <a:p>
+            <a:pPr algn="just"/>
+            <a:endParaRPr lang="en-US" sz="1600" dirty="0">
+              <a:latin typeface="Segoe UI" panose="020B0502040204020203" pitchFamily="34" charset="0"/>
+              <a:cs typeface="Segoe UI" panose="020B0502040204020203" pitchFamily="34" charset="0"/>
+            </a:endParaRPr>
+          </a:p>
+          <a:p>
+            <a:pPr algn="just"/>
+            <a:r>
+              <a:rPr lang="en-US" sz="1600" dirty="0">
+                <a:latin typeface="Segoe UI" panose="020B0502040204020203" pitchFamily="34" charset="0"/>
+                <a:cs typeface="Segoe UI" panose="020B0502040204020203" pitchFamily="34" charset="0"/>
+              </a:rPr>
+              <a:t>Any arguments to call() </a:t>
+            </a:r>
+            <a:r>
+              <a:rPr lang="en-US" sz="1600" b="1" dirty="0">
+                <a:latin typeface="Segoe UI" panose="020B0502040204020203" pitchFamily="34" charset="0"/>
+                <a:cs typeface="Segoe UI" panose="020B0502040204020203" pitchFamily="34" charset="0"/>
+              </a:rPr>
+              <a:t>after the first</a:t>
+            </a:r>
+            <a:r>
+              <a:rPr lang="en-US" sz="1600" dirty="0">
+                <a:latin typeface="Segoe UI" panose="020B0502040204020203" pitchFamily="34" charset="0"/>
+                <a:cs typeface="Segoe UI" panose="020B0502040204020203" pitchFamily="34" charset="0"/>
+              </a:rPr>
+              <a:t> are the </a:t>
+            </a:r>
+            <a:r>
+              <a:rPr lang="en-US" sz="1600" b="1" dirty="0">
+                <a:latin typeface="Segoe UI" panose="020B0502040204020203" pitchFamily="34" charset="0"/>
+                <a:cs typeface="Segoe UI" panose="020B0502040204020203" pitchFamily="34" charset="0"/>
+              </a:rPr>
+              <a:t>values </a:t>
+            </a:r>
+            <a:r>
+              <a:rPr lang="en-US" sz="1600" dirty="0">
+                <a:latin typeface="Segoe UI" panose="020B0502040204020203" pitchFamily="34" charset="0"/>
+                <a:cs typeface="Segoe UI" panose="020B0502040204020203" pitchFamily="34" charset="0"/>
+              </a:rPr>
+              <a:t>that are </a:t>
+            </a:r>
+            <a:r>
+              <a:rPr lang="en-US" sz="1600" b="1" dirty="0">
+                <a:latin typeface="Segoe UI" panose="020B0502040204020203" pitchFamily="34" charset="0"/>
+                <a:cs typeface="Segoe UI" panose="020B0502040204020203" pitchFamily="34" charset="0"/>
+              </a:rPr>
+              <a:t>passed </a:t>
+            </a:r>
+            <a:r>
+              <a:rPr lang="en-US" sz="1600" dirty="0">
+                <a:latin typeface="Segoe UI" panose="020B0502040204020203" pitchFamily="34" charset="0"/>
+                <a:cs typeface="Segoe UI" panose="020B0502040204020203" pitchFamily="34" charset="0"/>
+              </a:rPr>
+              <a:t>to the function that is invoked:</a:t>
+            </a:r>
+          </a:p>
+        </p:txBody>
+      </p:sp>
+      <p:sp>
+        <p:nvSpPr>
+          <p:cNvPr id="7" name="TextBox 6">
+            <a:extLst>
+              <a:ext uri="{FF2B5EF4-FFF2-40B4-BE49-F238E27FC236}">
+                <a16:creationId xmlns:a16="http://schemas.microsoft.com/office/drawing/2014/main" id="{5F818836-65B3-4384-8B51-4FB093241FAE}"/>
+              </a:ext>
+            </a:extLst>
+          </p:cNvPr>
+          <p:cNvSpPr txBox="1"/>
+          <p:nvPr/>
+        </p:nvSpPr>
+        <p:spPr>
+          <a:xfrm>
+            <a:off x="1507066" y="3541200"/>
+            <a:ext cx="1653384" cy="369332"/>
+          </a:xfrm>
+          <a:prstGeom prst="rect">
+            <a:avLst/>
+          </a:prstGeom>
+          <a:noFill/>
+          <a:ln w="57150">
+            <a:solidFill>
+              <a:srgbClr val="0070C0"/>
+            </a:solidFill>
+          </a:ln>
+        </p:spPr>
+        <p:txBody>
+          <a:bodyPr wrap="square">
+            <a:spAutoFit/>
+          </a:bodyPr>
+          <a:lstStyle/>
+          <a:p>
+            <a:pPr algn="just"/>
+            <a:r>
+              <a:rPr lang="en-US" sz="1800" dirty="0" err="1">
+                <a:latin typeface="Segoe UI" panose="020B0502040204020203" pitchFamily="34" charset="0"/>
+                <a:cs typeface="Segoe UI" panose="020B0502040204020203" pitchFamily="34" charset="0"/>
+              </a:rPr>
+              <a:t>f.call</a:t>
+            </a:r>
+            <a:r>
+              <a:rPr lang="en-US" sz="1800" dirty="0">
+                <a:latin typeface="Segoe UI" panose="020B0502040204020203" pitchFamily="34" charset="0"/>
+                <a:cs typeface="Segoe UI" panose="020B0502040204020203" pitchFamily="34" charset="0"/>
+              </a:rPr>
+              <a:t>( o, 1, 2);</a:t>
+            </a:r>
+          </a:p>
+        </p:txBody>
+      </p:sp>
+      <p:sp>
+        <p:nvSpPr>
+          <p:cNvPr id="9" name="TextBox 8">
+            <a:extLst>
+              <a:ext uri="{FF2B5EF4-FFF2-40B4-BE49-F238E27FC236}">
+                <a16:creationId xmlns:a16="http://schemas.microsoft.com/office/drawing/2014/main" id="{38611520-9551-41FB-B8F2-D71385F2971B}"/>
+              </a:ext>
+            </a:extLst>
+          </p:cNvPr>
+          <p:cNvSpPr txBox="1"/>
+          <p:nvPr/>
+        </p:nvSpPr>
+        <p:spPr>
+          <a:xfrm>
+            <a:off x="1507065" y="4238560"/>
+            <a:ext cx="9616651" cy="338554"/>
+          </a:xfrm>
+          <a:prstGeom prst="rect">
+            <a:avLst/>
+          </a:prstGeom>
+          <a:solidFill>
+            <a:srgbClr val="FFE7B7"/>
+          </a:solidFill>
+          <a:ln w="57150">
+            <a:solidFill>
+              <a:srgbClr val="FFC000"/>
+            </a:solidFill>
+          </a:ln>
+        </p:spPr>
+        <p:txBody>
+          <a:bodyPr wrap="square">
+            <a:spAutoFit/>
+          </a:bodyPr>
+          <a:lstStyle/>
+          <a:p>
+            <a:r>
+              <a:rPr lang="en-US" sz="1600" dirty="0">
+                <a:latin typeface="Segoe UI" panose="020B0502040204020203" pitchFamily="34" charset="0"/>
+                <a:cs typeface="Segoe UI" panose="020B0502040204020203" pitchFamily="34" charset="0"/>
+              </a:rPr>
+              <a:t>Remember that arrow functions inherit the this value of the context where they are defined.</a:t>
+            </a:r>
+          </a:p>
+        </p:txBody>
+      </p:sp>
+    </p:spTree>
+    <p:extLst>
+      <p:ext uri="{BB962C8B-B14F-4D97-AF65-F5344CB8AC3E}">
+        <p14:creationId xmlns:p14="http://schemas.microsoft.com/office/powerpoint/2010/main" val="3457922124"/>
+      </p:ext>
+    </p:extLst>
+  </p:cSld>
+  <p:clrMapOvr>
+    <a:masterClrMapping/>
+  </p:clrMapOvr>
+</p:sld>
+</file>
+
+<file path=ppt/slides/slide5.xml><?xml version="1.0" encoding="utf-8"?>
+<p:sld xmlns:a="http://schemas.openxmlformats.org/drawingml/2006/main" xmlns:r="http://schemas.openxmlformats.org/officeDocument/2006/relationships" xmlns:p="http://schemas.openxmlformats.org/presentationml/2006/main">
+  <p:cSld>
+    <p:spTree>
+      <p:nvGrpSpPr>
+        <p:cNvPr id="1" name=""/>
+        <p:cNvGrpSpPr/>
+        <p:nvPr/>
+      </p:nvGrpSpPr>
+      <p:grpSpPr>
+        <a:xfrm>
+          <a:off x="0" y="0"/>
+          <a:ext cx="0" cy="0"/>
+          <a:chOff x="0" y="0"/>
+          <a:chExt cx="0" cy="0"/>
+        </a:xfrm>
+      </p:grpSpPr>
+      <p:sp>
+        <p:nvSpPr>
+          <p:cNvPr id="6" name="TextBox 5">
+            <a:extLst>
+              <a:ext uri="{FF2B5EF4-FFF2-40B4-BE49-F238E27FC236}">
+                <a16:creationId xmlns:a16="http://schemas.microsoft.com/office/drawing/2014/main" id="{58347EA0-F5FD-4C3F-8B86-AD1D1071EF8B}"/>
+              </a:ext>
+            </a:extLst>
+          </p:cNvPr>
+          <p:cNvSpPr txBox="1"/>
+          <p:nvPr/>
+        </p:nvSpPr>
+        <p:spPr>
+          <a:xfrm>
+            <a:off x="1507066" y="2564605"/>
+            <a:ext cx="9489586" cy="923330"/>
+          </a:xfrm>
+          <a:prstGeom prst="rect">
+            <a:avLst/>
+          </a:prstGeom>
+          <a:solidFill>
+            <a:schemeClr val="accent3">
+              <a:lumMod val="60000"/>
+              <a:lumOff val="40000"/>
+            </a:schemeClr>
+          </a:solidFill>
+          <a:ln w="57150">
+            <a:solidFill>
+              <a:srgbClr val="00B050"/>
+            </a:solidFill>
+          </a:ln>
+        </p:spPr>
+        <p:txBody>
+          <a:bodyPr wrap="square">
+            <a:spAutoFit/>
+          </a:bodyPr>
+          <a:lstStyle/>
+          <a:p>
+            <a:r>
+              <a:rPr lang="en-US" b="1" dirty="0">
+                <a:latin typeface="Segoe UI" panose="020B0502040204020203" pitchFamily="34" charset="0"/>
+                <a:cs typeface="Segoe UI" panose="020B0502040204020203" pitchFamily="34" charset="0"/>
+              </a:rPr>
+              <a:t>EXECUTION-CONTEXT:</a:t>
+            </a:r>
+          </a:p>
+          <a:p>
+            <a:endParaRPr lang="en-US" dirty="0">
+              <a:latin typeface="Segoe UI" panose="020B0502040204020203" pitchFamily="34" charset="0"/>
+              <a:cs typeface="Segoe UI" panose="020B0502040204020203" pitchFamily="34" charset="0"/>
+            </a:endParaRPr>
+          </a:p>
+          <a:p>
+            <a:r>
+              <a:rPr lang="en-US" dirty="0">
+                <a:latin typeface="Segoe UI" panose="020B0502040204020203" pitchFamily="34" charset="0"/>
+                <a:cs typeface="Segoe UI" panose="020B0502040204020203" pitchFamily="34" charset="0"/>
+              </a:rPr>
+              <a:t>They defining their own invocation context.</a:t>
+            </a:r>
+          </a:p>
+        </p:txBody>
+      </p:sp>
+      <p:sp>
+        <p:nvSpPr>
+          <p:cNvPr id="9" name="TextBox 8">
+            <a:extLst>
+              <a:ext uri="{FF2B5EF4-FFF2-40B4-BE49-F238E27FC236}">
+                <a16:creationId xmlns:a16="http://schemas.microsoft.com/office/drawing/2014/main" id="{0E5D8058-EB78-4D5B-B4C3-0B087F783CEE}"/>
+              </a:ext>
+            </a:extLst>
+          </p:cNvPr>
+          <p:cNvSpPr txBox="1"/>
+          <p:nvPr/>
+        </p:nvSpPr>
+        <p:spPr>
+          <a:xfrm>
+            <a:off x="1507066" y="1616879"/>
+            <a:ext cx="9489586" cy="646331"/>
+          </a:xfrm>
+          <a:prstGeom prst="rect">
+            <a:avLst/>
+          </a:prstGeom>
+          <a:solidFill>
+            <a:srgbClr val="F6B3AA"/>
+          </a:solidFill>
+          <a:ln w="57150">
+            <a:solidFill>
+              <a:srgbClr val="C00000"/>
+            </a:solidFill>
+          </a:ln>
+        </p:spPr>
+        <p:txBody>
+          <a:bodyPr wrap="square">
+            <a:spAutoFit/>
+          </a:bodyPr>
+          <a:lstStyle/>
+          <a:p>
+            <a:r>
+              <a:rPr lang="en-US" dirty="0">
+                <a:latin typeface="Segoe UI" panose="020B0502040204020203" pitchFamily="34" charset="0"/>
+                <a:cs typeface="Segoe UI" panose="020B0502040204020203" pitchFamily="34" charset="0"/>
+              </a:rPr>
+              <a:t>They </a:t>
+            </a:r>
+            <a:r>
+              <a:rPr lang="en-US" b="1" dirty="0">
+                <a:latin typeface="Segoe UI" panose="020B0502040204020203" pitchFamily="34" charset="0"/>
+                <a:cs typeface="Segoe UI" panose="020B0502040204020203" pitchFamily="34" charset="0"/>
+              </a:rPr>
+              <a:t>have a prototype property, </a:t>
+            </a:r>
+            <a:r>
+              <a:rPr lang="en-US" dirty="0">
+                <a:latin typeface="Segoe UI" panose="020B0502040204020203" pitchFamily="34" charset="0"/>
+                <a:cs typeface="Segoe UI" panose="020B0502040204020203" pitchFamily="34" charset="0"/>
+              </a:rPr>
+              <a:t>which means that they can be used as constructor functions for new classes.</a:t>
+            </a:r>
+          </a:p>
+        </p:txBody>
+      </p:sp>
+      <p:sp>
+        <p:nvSpPr>
+          <p:cNvPr id="2" name="Title 1">
+            <a:extLst>
+              <a:ext uri="{FF2B5EF4-FFF2-40B4-BE49-F238E27FC236}">
+                <a16:creationId xmlns:a16="http://schemas.microsoft.com/office/drawing/2014/main" id="{2D4E4121-CDC8-41BA-846E-58655BA90FCF}"/>
+              </a:ext>
+            </a:extLst>
+          </p:cNvPr>
+          <p:cNvSpPr>
+            <a:spLocks noGrp="1"/>
+          </p:cNvSpPr>
+          <p:nvPr>
+            <p:ph type="ctrTitle"/>
+          </p:nvPr>
+        </p:nvSpPr>
+        <p:spPr>
+          <a:xfrm>
+            <a:off x="1507067" y="345351"/>
+            <a:ext cx="7766936" cy="970133"/>
+          </a:xfrm>
+        </p:spPr>
+        <p:txBody>
+          <a:bodyPr/>
+          <a:lstStyle/>
+          <a:p>
+            <a:pPr algn="l"/>
+            <a:r>
+              <a:rPr lang="en-US" dirty="0">
+                <a:solidFill>
+                  <a:schemeClr val="tx1">
+                    <a:lumMod val="85000"/>
+                    <a:lumOff val="15000"/>
+                  </a:schemeClr>
+                </a:solidFill>
+                <a:latin typeface="Segoe UI" panose="020B0502040204020203" pitchFamily="34" charset="0"/>
+                <a:cs typeface="Segoe UI" panose="020B0502040204020203" pitchFamily="34" charset="0"/>
+              </a:rPr>
+              <a:t>JS| </a:t>
+            </a:r>
+            <a:r>
+              <a:rPr lang="en-US" sz="3200" b="1" dirty="0">
+                <a:solidFill>
+                  <a:schemeClr val="tx1">
+                    <a:lumMod val="85000"/>
+                    <a:lumOff val="15000"/>
+                  </a:schemeClr>
+                </a:solidFill>
+                <a:latin typeface="Segoe UI" panose="020B0502040204020203" pitchFamily="34" charset="0"/>
+                <a:cs typeface="Segoe UI" panose="020B0502040204020203" pitchFamily="34" charset="0"/>
+              </a:rPr>
+              <a:t>Functions Declaration</a:t>
+            </a:r>
+            <a:endParaRPr lang="en-US" b="1" dirty="0">
+              <a:solidFill>
+                <a:schemeClr val="tx1">
+                  <a:lumMod val="85000"/>
+                  <a:lumOff val="15000"/>
+                </a:schemeClr>
+              </a:solidFill>
+              <a:latin typeface="Segoe UI" panose="020B0502040204020203" pitchFamily="34" charset="0"/>
+              <a:cs typeface="Segoe UI" panose="020B0502040204020203" pitchFamily="34" charset="0"/>
+            </a:endParaRPr>
+          </a:p>
+        </p:txBody>
+      </p:sp>
+      <p:pic>
+        <p:nvPicPr>
+          <p:cNvPr id="7" name="Picture 6">
+            <a:extLst>
+              <a:ext uri="{FF2B5EF4-FFF2-40B4-BE49-F238E27FC236}">
+                <a16:creationId xmlns:a16="http://schemas.microsoft.com/office/drawing/2014/main" id="{0DF3C225-5C88-461B-8E3B-80625D0C8597}"/>
+              </a:ext>
+            </a:extLst>
+          </p:cNvPr>
+          <p:cNvPicPr>
+            <a:picLocks noChangeAspect="1"/>
+          </p:cNvPicPr>
+          <p:nvPr/>
+        </p:nvPicPr>
+        <p:blipFill>
+          <a:blip r:embed="rId3"/>
+          <a:stretch>
+            <a:fillRect/>
+          </a:stretch>
+        </p:blipFill>
+        <p:spPr>
+          <a:xfrm>
+            <a:off x="541537" y="2489985"/>
+            <a:ext cx="1079515" cy="1079515"/>
+          </a:xfrm>
+          <a:prstGeom prst="rect">
+            <a:avLst/>
+          </a:prstGeom>
+        </p:spPr>
+      </p:pic>
+    </p:spTree>
+    <p:extLst>
+      <p:ext uri="{BB962C8B-B14F-4D97-AF65-F5344CB8AC3E}">
+        <p14:creationId xmlns:p14="http://schemas.microsoft.com/office/powerpoint/2010/main" val="1827091788"/>
+      </p:ext>
+    </p:extLst>
+  </p:cSld>
+  <p:clrMapOvr>
+    <a:masterClrMapping/>
+  </p:clrMapOvr>
+</p:sld>
+</file>
+
+<file path=ppt/slides/slide50.xml><?xml version="1.0" encoding="utf-8"?>
+<p:sld xmlns:a="http://schemas.openxmlformats.org/drawingml/2006/main" xmlns:r="http://schemas.openxmlformats.org/officeDocument/2006/relationships" xmlns:p="http://schemas.openxmlformats.org/presentationml/2006/main">
+  <p:cSld>
+    <p:spTree>
+      <p:nvGrpSpPr>
+        <p:cNvPr id="1" name=""/>
+        <p:cNvGrpSpPr/>
+        <p:nvPr/>
+      </p:nvGrpSpPr>
+      <p:grpSpPr>
+        <a:xfrm>
+          <a:off x="0" y="0"/>
+          <a:ext cx="0" cy="0"/>
+          <a:chOff x="0" y="0"/>
+          <a:chExt cx="0" cy="0"/>
+        </a:xfrm>
+      </p:grpSpPr>
+      <p:sp>
+        <p:nvSpPr>
+          <p:cNvPr id="2" name="Title 1">
+            <a:extLst>
+              <a:ext uri="{FF2B5EF4-FFF2-40B4-BE49-F238E27FC236}">
+                <a16:creationId xmlns:a16="http://schemas.microsoft.com/office/drawing/2014/main" id="{2D4E4121-CDC8-41BA-846E-58655BA90FCF}"/>
+              </a:ext>
+            </a:extLst>
+          </p:cNvPr>
+          <p:cNvSpPr>
+            <a:spLocks noGrp="1"/>
+          </p:cNvSpPr>
+          <p:nvPr>
+            <p:ph type="ctrTitle"/>
+          </p:nvPr>
+        </p:nvSpPr>
+        <p:spPr>
+          <a:xfrm>
+            <a:off x="1507067" y="345351"/>
+            <a:ext cx="7766936" cy="970133"/>
+          </a:xfrm>
+        </p:spPr>
+        <p:txBody>
+          <a:bodyPr/>
+          <a:lstStyle/>
+          <a:p>
+            <a:pPr algn="l"/>
+            <a:r>
+              <a:rPr lang="en-US" dirty="0">
+                <a:solidFill>
+                  <a:schemeClr val="tx1">
+                    <a:lumMod val="85000"/>
+                    <a:lumOff val="15000"/>
+                  </a:schemeClr>
+                </a:solidFill>
+                <a:latin typeface="Segoe UI" panose="020B0502040204020203" pitchFamily="34" charset="0"/>
+                <a:cs typeface="Segoe UI" panose="020B0502040204020203" pitchFamily="34" charset="0"/>
+              </a:rPr>
+              <a:t>JS| </a:t>
+            </a:r>
+            <a:r>
+              <a:rPr lang="en-US" sz="3200" b="1" dirty="0">
+                <a:solidFill>
+                  <a:schemeClr val="tx1">
+                    <a:lumMod val="85000"/>
+                    <a:lumOff val="15000"/>
+                  </a:schemeClr>
+                </a:solidFill>
+                <a:latin typeface="Segoe UI" panose="020B0502040204020203" pitchFamily="34" charset="0"/>
+                <a:cs typeface="Segoe UI" panose="020B0502040204020203" pitchFamily="34" charset="0"/>
+              </a:rPr>
+              <a:t>Functions Methos - Apply</a:t>
+            </a:r>
+            <a:endParaRPr lang="en-US" b="1" dirty="0">
+              <a:solidFill>
+                <a:schemeClr val="tx1">
+                  <a:lumMod val="85000"/>
+                  <a:lumOff val="15000"/>
+                </a:schemeClr>
+              </a:solidFill>
+              <a:latin typeface="Segoe UI" panose="020B0502040204020203" pitchFamily="34" charset="0"/>
+              <a:cs typeface="Segoe UI" panose="020B0502040204020203" pitchFamily="34" charset="0"/>
+            </a:endParaRPr>
+          </a:p>
+        </p:txBody>
+      </p:sp>
+      <p:sp>
+        <p:nvSpPr>
+          <p:cNvPr id="6" name="TextBox 5">
+            <a:extLst>
+              <a:ext uri="{FF2B5EF4-FFF2-40B4-BE49-F238E27FC236}">
+                <a16:creationId xmlns:a16="http://schemas.microsoft.com/office/drawing/2014/main" id="{2B7B81F7-6A0C-41F3-8DFF-FCF27F70557B}"/>
+              </a:ext>
+            </a:extLst>
+          </p:cNvPr>
+          <p:cNvSpPr txBox="1"/>
+          <p:nvPr/>
+        </p:nvSpPr>
+        <p:spPr>
+          <a:xfrm>
+            <a:off x="1507066" y="1643512"/>
+            <a:ext cx="9616652" cy="1569660"/>
+          </a:xfrm>
+          <a:prstGeom prst="rect">
+            <a:avLst/>
+          </a:prstGeom>
+          <a:noFill/>
+        </p:spPr>
+        <p:txBody>
+          <a:bodyPr wrap="square">
+            <a:spAutoFit/>
+          </a:bodyPr>
+          <a:lstStyle/>
+          <a:p>
+            <a:pPr algn="just"/>
+            <a:r>
+              <a:rPr lang="en-US" sz="1600" dirty="0">
+                <a:latin typeface="Segoe UI" panose="020B0502040204020203" pitchFamily="34" charset="0"/>
+                <a:cs typeface="Segoe UI" panose="020B0502040204020203" pitchFamily="34" charset="0"/>
+              </a:rPr>
+              <a:t>Allow you to </a:t>
+            </a:r>
+            <a:r>
+              <a:rPr lang="en-US" sz="1600" b="1" dirty="0">
+                <a:latin typeface="Segoe UI" panose="020B0502040204020203" pitchFamily="34" charset="0"/>
+                <a:cs typeface="Segoe UI" panose="020B0502040204020203" pitchFamily="34" charset="0"/>
+              </a:rPr>
+              <a:t>indirectly invoke </a:t>
+            </a:r>
+            <a:r>
+              <a:rPr lang="en-US" sz="1600" dirty="0">
+                <a:latin typeface="Segoe UI" panose="020B0502040204020203" pitchFamily="34" charset="0"/>
+                <a:cs typeface="Segoe UI" panose="020B0502040204020203" pitchFamily="34" charset="0"/>
+              </a:rPr>
+              <a:t>a function as if it were a method of some other object. </a:t>
+            </a:r>
+          </a:p>
+          <a:p>
+            <a:pPr algn="just"/>
+            <a:endParaRPr lang="en-US" sz="1600" dirty="0">
+              <a:latin typeface="Segoe UI" panose="020B0502040204020203" pitchFamily="34" charset="0"/>
+              <a:cs typeface="Segoe UI" panose="020B0502040204020203" pitchFamily="34" charset="0"/>
+            </a:endParaRPr>
+          </a:p>
+          <a:p>
+            <a:pPr algn="just"/>
+            <a:r>
+              <a:rPr lang="en-US" sz="1600" dirty="0">
+                <a:latin typeface="Segoe UI" panose="020B0502040204020203" pitchFamily="34" charset="0"/>
+                <a:cs typeface="Segoe UI" panose="020B0502040204020203" pitchFamily="34" charset="0"/>
+              </a:rPr>
+              <a:t>The </a:t>
+            </a:r>
+            <a:r>
+              <a:rPr lang="en-US" sz="1600" b="1" dirty="0">
+                <a:latin typeface="Segoe UI" panose="020B0502040204020203" pitchFamily="34" charset="0"/>
+                <a:cs typeface="Segoe UI" panose="020B0502040204020203" pitchFamily="34" charset="0"/>
+              </a:rPr>
+              <a:t>first argument </a:t>
+            </a:r>
+            <a:r>
+              <a:rPr lang="en-US" sz="1600" dirty="0">
+                <a:latin typeface="Segoe UI" panose="020B0502040204020203" pitchFamily="34" charset="0"/>
+                <a:cs typeface="Segoe UI" panose="020B0502040204020203" pitchFamily="34" charset="0"/>
+              </a:rPr>
+              <a:t>is the object on which the function is to be invoked; this argument is the </a:t>
+            </a:r>
+            <a:r>
+              <a:rPr lang="en-US" sz="1600" b="1" dirty="0">
+                <a:latin typeface="Segoe UI" panose="020B0502040204020203" pitchFamily="34" charset="0"/>
+                <a:cs typeface="Segoe UI" panose="020B0502040204020203" pitchFamily="34" charset="0"/>
+              </a:rPr>
+              <a:t>invocation context </a:t>
+            </a:r>
+            <a:r>
+              <a:rPr lang="en-US" sz="1600" dirty="0">
+                <a:latin typeface="Segoe UI" panose="020B0502040204020203" pitchFamily="34" charset="0"/>
+                <a:cs typeface="Segoe UI" panose="020B0502040204020203" pitchFamily="34" charset="0"/>
+              </a:rPr>
+              <a:t>and becomes the value of the </a:t>
+            </a:r>
+            <a:r>
+              <a:rPr lang="en-US" sz="1600" b="1" dirty="0">
+                <a:latin typeface="Segoe UI" panose="020B0502040204020203" pitchFamily="34" charset="0"/>
+                <a:cs typeface="Segoe UI" panose="020B0502040204020203" pitchFamily="34" charset="0"/>
+              </a:rPr>
+              <a:t>this </a:t>
+            </a:r>
+            <a:r>
+              <a:rPr lang="en-US" sz="1600" dirty="0">
+                <a:latin typeface="Segoe UI" panose="020B0502040204020203" pitchFamily="34" charset="0"/>
+                <a:cs typeface="Segoe UI" panose="020B0502040204020203" pitchFamily="34" charset="0"/>
+              </a:rPr>
+              <a:t>keyword within the body of the function.</a:t>
+            </a:r>
+          </a:p>
+          <a:p>
+            <a:pPr algn="just"/>
+            <a:endParaRPr lang="en-US" sz="1600" dirty="0">
+              <a:latin typeface="Segoe UI" panose="020B0502040204020203" pitchFamily="34" charset="0"/>
+              <a:cs typeface="Segoe UI" panose="020B0502040204020203" pitchFamily="34" charset="0"/>
+            </a:endParaRPr>
+          </a:p>
+          <a:p>
+            <a:r>
+              <a:rPr lang="en-US" sz="1600" dirty="0">
+                <a:latin typeface="Segoe UI" panose="020B0502040204020203" pitchFamily="34" charset="0"/>
+                <a:cs typeface="Segoe UI" panose="020B0502040204020203" pitchFamily="34" charset="0"/>
+              </a:rPr>
+              <a:t>The apply() method, except as </a:t>
+            </a:r>
+            <a:r>
+              <a:rPr lang="en-US" sz="1600" b="1" dirty="0">
+                <a:latin typeface="Segoe UI" panose="020B0502040204020203" pitchFamily="34" charset="0"/>
+                <a:cs typeface="Segoe UI" panose="020B0502040204020203" pitchFamily="34" charset="0"/>
+              </a:rPr>
+              <a:t>second argument</a:t>
+            </a:r>
+            <a:r>
+              <a:rPr lang="en-US" sz="1600" dirty="0">
+                <a:latin typeface="Segoe UI" panose="020B0502040204020203" pitchFamily="34" charset="0"/>
+                <a:cs typeface="Segoe UI" panose="020B0502040204020203" pitchFamily="34" charset="0"/>
+              </a:rPr>
+              <a:t> to be passed to the function are specified as an </a:t>
+            </a:r>
+            <a:r>
+              <a:rPr lang="en-US" sz="1600" b="1" dirty="0">
+                <a:latin typeface="Segoe UI" panose="020B0502040204020203" pitchFamily="34" charset="0"/>
+                <a:cs typeface="Segoe UI" panose="020B0502040204020203" pitchFamily="34" charset="0"/>
+              </a:rPr>
+              <a:t>array</a:t>
+            </a:r>
+            <a:r>
+              <a:rPr lang="en-US" sz="1600" dirty="0">
+                <a:latin typeface="Segoe UI" panose="020B0502040204020203" pitchFamily="34" charset="0"/>
+                <a:cs typeface="Segoe UI" panose="020B0502040204020203" pitchFamily="34" charset="0"/>
+              </a:rPr>
+              <a:t> </a:t>
+            </a:r>
+          </a:p>
+        </p:txBody>
+      </p:sp>
+      <p:sp>
+        <p:nvSpPr>
+          <p:cNvPr id="8" name="TextBox 7">
+            <a:extLst>
+              <a:ext uri="{FF2B5EF4-FFF2-40B4-BE49-F238E27FC236}">
+                <a16:creationId xmlns:a16="http://schemas.microsoft.com/office/drawing/2014/main" id="{49809AD7-C229-4F47-AD12-F19C8AAF69B2}"/>
+              </a:ext>
+            </a:extLst>
+          </p:cNvPr>
+          <p:cNvSpPr txBox="1"/>
+          <p:nvPr/>
+        </p:nvSpPr>
+        <p:spPr>
+          <a:xfrm>
+            <a:off x="1507065" y="3541200"/>
+            <a:ext cx="2026247" cy="369332"/>
+          </a:xfrm>
+          <a:prstGeom prst="rect">
+            <a:avLst/>
+          </a:prstGeom>
+          <a:noFill/>
+          <a:ln w="57150">
+            <a:solidFill>
+              <a:srgbClr val="0070C0"/>
+            </a:solidFill>
+          </a:ln>
+        </p:spPr>
+        <p:txBody>
+          <a:bodyPr wrap="square">
+            <a:spAutoFit/>
+          </a:bodyPr>
+          <a:lstStyle/>
+          <a:p>
+            <a:pPr algn="just"/>
+            <a:r>
+              <a:rPr lang="en-US" sz="1800" dirty="0" err="1">
+                <a:latin typeface="Segoe UI" panose="020B0502040204020203" pitchFamily="34" charset="0"/>
+                <a:cs typeface="Segoe UI" panose="020B0502040204020203" pitchFamily="34" charset="0"/>
+              </a:rPr>
+              <a:t>f.apply</a:t>
+            </a:r>
+            <a:r>
+              <a:rPr lang="en-US" sz="1800" dirty="0">
+                <a:latin typeface="Segoe UI" panose="020B0502040204020203" pitchFamily="34" charset="0"/>
+                <a:cs typeface="Segoe UI" panose="020B0502040204020203" pitchFamily="34" charset="0"/>
+              </a:rPr>
+              <a:t>(o, [1,2]);</a:t>
+            </a:r>
+          </a:p>
+        </p:txBody>
+      </p:sp>
+      <p:sp>
+        <p:nvSpPr>
+          <p:cNvPr id="9" name="TextBox 8">
+            <a:extLst>
+              <a:ext uri="{FF2B5EF4-FFF2-40B4-BE49-F238E27FC236}">
+                <a16:creationId xmlns:a16="http://schemas.microsoft.com/office/drawing/2014/main" id="{B1761187-2E99-4C92-94CE-78AA9C8978DB}"/>
+              </a:ext>
+            </a:extLst>
+          </p:cNvPr>
+          <p:cNvSpPr txBox="1"/>
+          <p:nvPr/>
+        </p:nvSpPr>
+        <p:spPr>
+          <a:xfrm>
+            <a:off x="1507065" y="4238560"/>
+            <a:ext cx="9616651" cy="338554"/>
+          </a:xfrm>
+          <a:prstGeom prst="rect">
+            <a:avLst/>
+          </a:prstGeom>
+          <a:solidFill>
+            <a:srgbClr val="FFE7B7"/>
+          </a:solidFill>
+          <a:ln w="57150">
+            <a:solidFill>
+              <a:srgbClr val="FFC000"/>
+            </a:solidFill>
+          </a:ln>
+        </p:spPr>
+        <p:txBody>
+          <a:bodyPr wrap="square">
+            <a:spAutoFit/>
+          </a:bodyPr>
+          <a:lstStyle/>
+          <a:p>
+            <a:r>
+              <a:rPr lang="en-US" sz="1600" dirty="0">
+                <a:latin typeface="Segoe UI" panose="020B0502040204020203" pitchFamily="34" charset="0"/>
+                <a:cs typeface="Segoe UI" panose="020B0502040204020203" pitchFamily="34" charset="0"/>
+              </a:rPr>
+              <a:t>Remember that arrow functions inherit the this value of the context where they are defined.</a:t>
+            </a:r>
+          </a:p>
+        </p:txBody>
+      </p:sp>
+    </p:spTree>
+    <p:extLst>
+      <p:ext uri="{BB962C8B-B14F-4D97-AF65-F5344CB8AC3E}">
+        <p14:creationId xmlns:p14="http://schemas.microsoft.com/office/powerpoint/2010/main" val="4177312885"/>
+      </p:ext>
+    </p:extLst>
+  </p:cSld>
+  <p:clrMapOvr>
+    <a:masterClrMapping/>
+  </p:clrMapOvr>
+</p:sld>
+</file>
+
+<file path=ppt/slides/slide51.xml><?xml version="1.0" encoding="utf-8"?>
+<p:sld xmlns:a="http://schemas.openxmlformats.org/drawingml/2006/main" xmlns:r="http://schemas.openxmlformats.org/officeDocument/2006/relationships" xmlns:p="http://schemas.openxmlformats.org/presentationml/2006/main">
+  <p:cSld>
+    <p:spTree>
+      <p:nvGrpSpPr>
+        <p:cNvPr id="1" name=""/>
+        <p:cNvGrpSpPr/>
+        <p:nvPr/>
+      </p:nvGrpSpPr>
+      <p:grpSpPr>
+        <a:xfrm>
+          <a:off x="0" y="0"/>
+          <a:ext cx="0" cy="0"/>
+          <a:chOff x="0" y="0"/>
+          <a:chExt cx="0" cy="0"/>
+        </a:xfrm>
+      </p:grpSpPr>
+      <p:sp>
+        <p:nvSpPr>
+          <p:cNvPr id="2" name="Title 1">
+            <a:extLst>
+              <a:ext uri="{FF2B5EF4-FFF2-40B4-BE49-F238E27FC236}">
+                <a16:creationId xmlns:a16="http://schemas.microsoft.com/office/drawing/2014/main" id="{2D4E4121-CDC8-41BA-846E-58655BA90FCF}"/>
+              </a:ext>
+            </a:extLst>
+          </p:cNvPr>
+          <p:cNvSpPr>
+            <a:spLocks noGrp="1"/>
+          </p:cNvSpPr>
+          <p:nvPr>
+            <p:ph type="ctrTitle"/>
+          </p:nvPr>
+        </p:nvSpPr>
+        <p:spPr>
+          <a:xfrm>
+            <a:off x="1507067" y="345351"/>
+            <a:ext cx="7766936" cy="970133"/>
+          </a:xfrm>
+        </p:spPr>
+        <p:txBody>
+          <a:bodyPr/>
+          <a:lstStyle/>
+          <a:p>
+            <a:pPr algn="l"/>
+            <a:r>
+              <a:rPr lang="en-US" dirty="0">
+                <a:solidFill>
+                  <a:schemeClr val="tx1">
+                    <a:lumMod val="85000"/>
+                    <a:lumOff val="15000"/>
+                  </a:schemeClr>
+                </a:solidFill>
+                <a:latin typeface="Segoe UI" panose="020B0502040204020203" pitchFamily="34" charset="0"/>
+                <a:cs typeface="Segoe UI" panose="020B0502040204020203" pitchFamily="34" charset="0"/>
+              </a:rPr>
+              <a:t>JS| </a:t>
+            </a:r>
+            <a:r>
+              <a:rPr lang="en-US" sz="3200" b="1" dirty="0">
+                <a:solidFill>
+                  <a:schemeClr val="tx1">
+                    <a:lumMod val="85000"/>
+                    <a:lumOff val="15000"/>
+                  </a:schemeClr>
+                </a:solidFill>
+                <a:latin typeface="Segoe UI" panose="020B0502040204020203" pitchFamily="34" charset="0"/>
+                <a:cs typeface="Segoe UI" panose="020B0502040204020203" pitchFamily="34" charset="0"/>
+              </a:rPr>
+              <a:t>Functions Methos - Bind</a:t>
+            </a:r>
+            <a:endParaRPr lang="en-US" b="1" dirty="0">
+              <a:solidFill>
+                <a:schemeClr val="tx1">
+                  <a:lumMod val="85000"/>
+                  <a:lumOff val="15000"/>
+                </a:schemeClr>
+              </a:solidFill>
+              <a:latin typeface="Segoe UI" panose="020B0502040204020203" pitchFamily="34" charset="0"/>
+              <a:cs typeface="Segoe UI" panose="020B0502040204020203" pitchFamily="34" charset="0"/>
+            </a:endParaRPr>
+          </a:p>
+        </p:txBody>
+      </p:sp>
+      <p:sp>
+        <p:nvSpPr>
+          <p:cNvPr id="6" name="TextBox 5">
+            <a:extLst>
+              <a:ext uri="{FF2B5EF4-FFF2-40B4-BE49-F238E27FC236}">
+                <a16:creationId xmlns:a16="http://schemas.microsoft.com/office/drawing/2014/main" id="{2B7B81F7-6A0C-41F3-8DFF-FCF27F70557B}"/>
+              </a:ext>
+            </a:extLst>
+          </p:cNvPr>
+          <p:cNvSpPr txBox="1"/>
+          <p:nvPr/>
+        </p:nvSpPr>
+        <p:spPr>
+          <a:xfrm>
+            <a:off x="1507066" y="1643512"/>
+            <a:ext cx="9616652" cy="1569660"/>
+          </a:xfrm>
+          <a:prstGeom prst="rect">
+            <a:avLst/>
+          </a:prstGeom>
+          <a:noFill/>
+        </p:spPr>
+        <p:txBody>
+          <a:bodyPr wrap="square">
+            <a:spAutoFit/>
+          </a:bodyPr>
+          <a:lstStyle/>
+          <a:p>
+            <a:r>
+              <a:rPr lang="en-US" sz="1600" dirty="0">
+                <a:latin typeface="Segoe UI" panose="020B0502040204020203" pitchFamily="34" charset="0"/>
+                <a:cs typeface="Segoe UI" panose="020B0502040204020203" pitchFamily="34" charset="0"/>
+              </a:rPr>
+              <a:t>The primary purpose of bind() is to </a:t>
+            </a:r>
+            <a:r>
+              <a:rPr lang="en-US" sz="1600" b="1" dirty="0">
+                <a:latin typeface="Segoe UI" panose="020B0502040204020203" pitchFamily="34" charset="0"/>
+                <a:cs typeface="Segoe UI" panose="020B0502040204020203" pitchFamily="34" charset="0"/>
+              </a:rPr>
+              <a:t>bind</a:t>
+            </a:r>
+            <a:r>
+              <a:rPr lang="en-US" sz="1600" dirty="0">
+                <a:latin typeface="Segoe UI" panose="020B0502040204020203" pitchFamily="34" charset="0"/>
+                <a:cs typeface="Segoe UI" panose="020B0502040204020203" pitchFamily="34" charset="0"/>
+              </a:rPr>
+              <a:t> a </a:t>
+            </a:r>
+            <a:r>
+              <a:rPr lang="en-US" sz="1600" b="1" dirty="0">
+                <a:latin typeface="Segoe UI" panose="020B0502040204020203" pitchFamily="34" charset="0"/>
+                <a:cs typeface="Segoe UI" panose="020B0502040204020203" pitchFamily="34" charset="0"/>
+              </a:rPr>
+              <a:t>function</a:t>
+            </a:r>
+            <a:r>
+              <a:rPr lang="en-US" sz="1600" dirty="0">
+                <a:latin typeface="Segoe UI" panose="020B0502040204020203" pitchFamily="34" charset="0"/>
+                <a:cs typeface="Segoe UI" panose="020B0502040204020203" pitchFamily="34" charset="0"/>
+              </a:rPr>
+              <a:t> to an </a:t>
+            </a:r>
+            <a:r>
+              <a:rPr lang="en-US" sz="1600" b="1" dirty="0">
+                <a:latin typeface="Segoe UI" panose="020B0502040204020203" pitchFamily="34" charset="0"/>
+                <a:cs typeface="Segoe UI" panose="020B0502040204020203" pitchFamily="34" charset="0"/>
+              </a:rPr>
+              <a:t>object</a:t>
+            </a:r>
+            <a:r>
+              <a:rPr lang="en-US" sz="1600" dirty="0">
+                <a:latin typeface="Segoe UI" panose="020B0502040204020203" pitchFamily="34" charset="0"/>
+                <a:cs typeface="Segoe UI" panose="020B0502040204020203" pitchFamily="34" charset="0"/>
+              </a:rPr>
+              <a:t>. </a:t>
+            </a:r>
+          </a:p>
+          <a:p>
+            <a:endParaRPr lang="en-US" sz="1600" dirty="0">
+              <a:latin typeface="Segoe UI" panose="020B0502040204020203" pitchFamily="34" charset="0"/>
+              <a:cs typeface="Segoe UI" panose="020B0502040204020203" pitchFamily="34" charset="0"/>
+            </a:endParaRPr>
+          </a:p>
+          <a:p>
+            <a:r>
+              <a:rPr lang="en-US" sz="1600" dirty="0">
+                <a:latin typeface="Segoe UI" panose="020B0502040204020203" pitchFamily="34" charset="0"/>
+                <a:cs typeface="Segoe UI" panose="020B0502040204020203" pitchFamily="34" charset="0"/>
+              </a:rPr>
+              <a:t>When you </a:t>
+            </a:r>
+            <a:r>
+              <a:rPr lang="en-US" sz="1600" b="1" dirty="0">
+                <a:latin typeface="Segoe UI" panose="020B0502040204020203" pitchFamily="34" charset="0"/>
+                <a:cs typeface="Segoe UI" panose="020B0502040204020203" pitchFamily="34" charset="0"/>
+              </a:rPr>
+              <a:t>invoke</a:t>
+            </a:r>
+            <a:r>
+              <a:rPr lang="en-US" sz="1600" dirty="0">
+                <a:latin typeface="Segoe UI" panose="020B0502040204020203" pitchFamily="34" charset="0"/>
+                <a:cs typeface="Segoe UI" panose="020B0502040204020203" pitchFamily="34" charset="0"/>
+              </a:rPr>
+              <a:t> the </a:t>
+            </a:r>
+            <a:r>
+              <a:rPr lang="en-US" sz="1600" b="1" dirty="0">
+                <a:latin typeface="Segoe UI" panose="020B0502040204020203" pitchFamily="34" charset="0"/>
+                <a:cs typeface="Segoe UI" panose="020B0502040204020203" pitchFamily="34" charset="0"/>
+              </a:rPr>
+              <a:t>bind</a:t>
+            </a:r>
+            <a:r>
+              <a:rPr lang="en-US" sz="1600" dirty="0">
+                <a:latin typeface="Segoe UI" panose="020B0502040204020203" pitchFamily="34" charset="0"/>
+                <a:cs typeface="Segoe UI" panose="020B0502040204020203" pitchFamily="34" charset="0"/>
+              </a:rPr>
+              <a:t>() method on a </a:t>
+            </a:r>
+            <a:r>
+              <a:rPr lang="en-US" sz="1600" b="1" dirty="0">
+                <a:latin typeface="Segoe UI" panose="020B0502040204020203" pitchFamily="34" charset="0"/>
+                <a:cs typeface="Segoe UI" panose="020B0502040204020203" pitchFamily="34" charset="0"/>
+              </a:rPr>
+              <a:t>function</a:t>
+            </a:r>
+            <a:r>
+              <a:rPr lang="en-US" sz="1600" dirty="0">
+                <a:latin typeface="Segoe UI" panose="020B0502040204020203" pitchFamily="34" charset="0"/>
+                <a:cs typeface="Segoe UI" panose="020B0502040204020203" pitchFamily="34" charset="0"/>
+              </a:rPr>
+              <a:t> f and pass an </a:t>
+            </a:r>
+            <a:r>
+              <a:rPr lang="en-US" sz="1600" b="1" dirty="0">
+                <a:latin typeface="Segoe UI" panose="020B0502040204020203" pitchFamily="34" charset="0"/>
+                <a:cs typeface="Segoe UI" panose="020B0502040204020203" pitchFamily="34" charset="0"/>
+              </a:rPr>
+              <a:t>object</a:t>
+            </a:r>
+            <a:r>
+              <a:rPr lang="en-US" sz="1600" dirty="0">
+                <a:latin typeface="Segoe UI" panose="020B0502040204020203" pitchFamily="34" charset="0"/>
+                <a:cs typeface="Segoe UI" panose="020B0502040204020203" pitchFamily="34" charset="0"/>
+              </a:rPr>
+              <a:t> o, the method returns a new function. </a:t>
+            </a:r>
+          </a:p>
+          <a:p>
+            <a:endParaRPr lang="en-US" sz="1600" dirty="0">
+              <a:latin typeface="Segoe UI" panose="020B0502040204020203" pitchFamily="34" charset="0"/>
+              <a:cs typeface="Segoe UI" panose="020B0502040204020203" pitchFamily="34" charset="0"/>
+            </a:endParaRPr>
+          </a:p>
+          <a:p>
+            <a:r>
+              <a:rPr lang="en-US" sz="1600" dirty="0">
+                <a:latin typeface="Segoe UI" panose="020B0502040204020203" pitchFamily="34" charset="0"/>
+                <a:cs typeface="Segoe UI" panose="020B0502040204020203" pitchFamily="34" charset="0"/>
+              </a:rPr>
+              <a:t>Invoking the new function (as a function) </a:t>
+            </a:r>
+            <a:r>
+              <a:rPr lang="en-US" sz="1600" b="1" dirty="0">
+                <a:latin typeface="Segoe UI" panose="020B0502040204020203" pitchFamily="34" charset="0"/>
+                <a:cs typeface="Segoe UI" panose="020B0502040204020203" pitchFamily="34" charset="0"/>
+              </a:rPr>
+              <a:t>invokes</a:t>
+            </a:r>
+            <a:r>
+              <a:rPr lang="en-US" sz="1600" dirty="0">
+                <a:latin typeface="Segoe UI" panose="020B0502040204020203" pitchFamily="34" charset="0"/>
+                <a:cs typeface="Segoe UI" panose="020B0502040204020203" pitchFamily="34" charset="0"/>
+              </a:rPr>
+              <a:t> the </a:t>
+            </a:r>
+            <a:r>
+              <a:rPr lang="en-US" sz="1600" b="1" dirty="0">
+                <a:latin typeface="Segoe UI" panose="020B0502040204020203" pitchFamily="34" charset="0"/>
+                <a:cs typeface="Segoe UI" panose="020B0502040204020203" pitchFamily="34" charset="0"/>
+              </a:rPr>
+              <a:t>original function </a:t>
+            </a:r>
+            <a:r>
+              <a:rPr lang="en-US" sz="1600" dirty="0">
+                <a:latin typeface="Segoe UI" panose="020B0502040204020203" pitchFamily="34" charset="0"/>
+                <a:cs typeface="Segoe UI" panose="020B0502040204020203" pitchFamily="34" charset="0"/>
+              </a:rPr>
+              <a:t>f as a </a:t>
+            </a:r>
+            <a:r>
+              <a:rPr lang="en-US" sz="1600" b="1" dirty="0">
+                <a:latin typeface="Segoe UI" panose="020B0502040204020203" pitchFamily="34" charset="0"/>
+                <a:cs typeface="Segoe UI" panose="020B0502040204020203" pitchFamily="34" charset="0"/>
+              </a:rPr>
+              <a:t>method</a:t>
+            </a:r>
+            <a:r>
+              <a:rPr lang="en-US" sz="1600" dirty="0">
+                <a:latin typeface="Segoe UI" panose="020B0502040204020203" pitchFamily="34" charset="0"/>
+                <a:cs typeface="Segoe UI" panose="020B0502040204020203" pitchFamily="34" charset="0"/>
+              </a:rPr>
+              <a:t> of </a:t>
+            </a:r>
+            <a:r>
+              <a:rPr lang="en-US" sz="1600" b="1" dirty="0">
+                <a:latin typeface="Segoe UI" panose="020B0502040204020203" pitchFamily="34" charset="0"/>
+                <a:cs typeface="Segoe UI" panose="020B0502040204020203" pitchFamily="34" charset="0"/>
+              </a:rPr>
+              <a:t>o</a:t>
+            </a:r>
+            <a:r>
+              <a:rPr lang="en-US" sz="1600" dirty="0">
+                <a:latin typeface="Segoe UI" panose="020B0502040204020203" pitchFamily="34" charset="0"/>
+                <a:cs typeface="Segoe UI" panose="020B0502040204020203" pitchFamily="34" charset="0"/>
+              </a:rPr>
+              <a:t>.</a:t>
+            </a:r>
+          </a:p>
+        </p:txBody>
+      </p:sp>
+      <p:sp>
+        <p:nvSpPr>
+          <p:cNvPr id="8" name="TextBox 7">
+            <a:extLst>
+              <a:ext uri="{FF2B5EF4-FFF2-40B4-BE49-F238E27FC236}">
+                <a16:creationId xmlns:a16="http://schemas.microsoft.com/office/drawing/2014/main" id="{49809AD7-C229-4F47-AD12-F19C8AAF69B2}"/>
+              </a:ext>
+            </a:extLst>
+          </p:cNvPr>
+          <p:cNvSpPr txBox="1"/>
+          <p:nvPr/>
+        </p:nvSpPr>
+        <p:spPr>
+          <a:xfrm>
+            <a:off x="1507065" y="3541200"/>
+            <a:ext cx="2629929" cy="369332"/>
+          </a:xfrm>
+          <a:prstGeom prst="rect">
+            <a:avLst/>
+          </a:prstGeom>
+          <a:noFill/>
+          <a:ln w="57150">
+            <a:solidFill>
+              <a:srgbClr val="0070C0"/>
+            </a:solidFill>
+          </a:ln>
+        </p:spPr>
+        <p:txBody>
+          <a:bodyPr wrap="square">
+            <a:spAutoFit/>
+          </a:bodyPr>
+          <a:lstStyle/>
+          <a:p>
+            <a:pPr algn="just"/>
+            <a:r>
+              <a:rPr lang="en-US" sz="1800" dirty="0">
+                <a:latin typeface="Segoe UI" panose="020B0502040204020203" pitchFamily="34" charset="0"/>
+                <a:cs typeface="Segoe UI" panose="020B0502040204020203" pitchFamily="34" charset="0"/>
+              </a:rPr>
+              <a:t>let g = </a:t>
+            </a:r>
+            <a:r>
+              <a:rPr lang="en-US" sz="1800" dirty="0" err="1">
+                <a:latin typeface="Segoe UI" panose="020B0502040204020203" pitchFamily="34" charset="0"/>
+                <a:cs typeface="Segoe UI" panose="020B0502040204020203" pitchFamily="34" charset="0"/>
+              </a:rPr>
+              <a:t>f.bind</a:t>
+            </a:r>
+            <a:r>
+              <a:rPr lang="en-US" sz="1800" dirty="0">
+                <a:latin typeface="Segoe UI" panose="020B0502040204020203" pitchFamily="34" charset="0"/>
+                <a:cs typeface="Segoe UI" panose="020B0502040204020203" pitchFamily="34" charset="0"/>
+              </a:rPr>
+              <a:t>({ x: 1}, 2);</a:t>
+            </a:r>
+          </a:p>
+        </p:txBody>
+      </p:sp>
+      <p:sp>
+        <p:nvSpPr>
+          <p:cNvPr id="7" name="TextBox 6">
+            <a:extLst>
+              <a:ext uri="{FF2B5EF4-FFF2-40B4-BE49-F238E27FC236}">
+                <a16:creationId xmlns:a16="http://schemas.microsoft.com/office/drawing/2014/main" id="{DBE1F978-548F-48AE-8297-6DB05C596EF3}"/>
+              </a:ext>
+            </a:extLst>
+          </p:cNvPr>
+          <p:cNvSpPr txBox="1"/>
+          <p:nvPr/>
+        </p:nvSpPr>
+        <p:spPr>
+          <a:xfrm>
+            <a:off x="1507064" y="4238560"/>
+            <a:ext cx="9616651" cy="584775"/>
+          </a:xfrm>
+          <a:prstGeom prst="rect">
+            <a:avLst/>
+          </a:prstGeom>
+          <a:solidFill>
+            <a:srgbClr val="FFE7B7"/>
+          </a:solidFill>
+          <a:ln w="57150">
+            <a:solidFill>
+              <a:srgbClr val="FFC000"/>
+            </a:solidFill>
+          </a:ln>
+        </p:spPr>
+        <p:txBody>
+          <a:bodyPr wrap="square">
+            <a:spAutoFit/>
+          </a:bodyPr>
+          <a:lstStyle/>
+          <a:p>
+            <a:r>
+              <a:rPr lang="en-US" sz="1600" dirty="0">
+                <a:latin typeface="Segoe UI" panose="020B0502040204020203" pitchFamily="34" charset="0"/>
+                <a:cs typeface="Segoe UI" panose="020B0502040204020203" pitchFamily="34" charset="0"/>
+              </a:rPr>
+              <a:t>Arrow functions inherit their this value from the environment in which they are defined, and that value cannot be overridden with bind(). </a:t>
+            </a:r>
+          </a:p>
+        </p:txBody>
+      </p:sp>
+    </p:spTree>
+    <p:extLst>
+      <p:ext uri="{BB962C8B-B14F-4D97-AF65-F5344CB8AC3E}">
+        <p14:creationId xmlns:p14="http://schemas.microsoft.com/office/powerpoint/2010/main" val="1313316622"/>
+      </p:ext>
+    </p:extLst>
+  </p:cSld>
+  <p:clrMapOvr>
+    <a:masterClrMapping/>
+  </p:clrMapOvr>
+</p:sld>
+</file>
+
+<file path=ppt/slides/slide52.xml><?xml version="1.0" encoding="utf-8"?>
+<p:sld xmlns:a="http://schemas.openxmlformats.org/drawingml/2006/main" xmlns:r="http://schemas.openxmlformats.org/officeDocument/2006/relationships" xmlns:p="http://schemas.openxmlformats.org/presentationml/2006/main">
+  <p:cSld>
+    <p:spTree>
+      <p:nvGrpSpPr>
+        <p:cNvPr id="1" name=""/>
+        <p:cNvGrpSpPr/>
+        <p:nvPr/>
+      </p:nvGrpSpPr>
+      <p:grpSpPr>
+        <a:xfrm>
+          <a:off x="0" y="0"/>
+          <a:ext cx="0" cy="0"/>
+          <a:chOff x="0" y="0"/>
+          <a:chExt cx="0" cy="0"/>
+        </a:xfrm>
+      </p:grpSpPr>
+      <p:sp>
+        <p:nvSpPr>
+          <p:cNvPr id="2" name="Title 1">
+            <a:extLst>
+              <a:ext uri="{FF2B5EF4-FFF2-40B4-BE49-F238E27FC236}">
+                <a16:creationId xmlns:a16="http://schemas.microsoft.com/office/drawing/2014/main" id="{2D4E4121-CDC8-41BA-846E-58655BA90FCF}"/>
+              </a:ext>
+            </a:extLst>
+          </p:cNvPr>
+          <p:cNvSpPr>
+            <a:spLocks noGrp="1"/>
+          </p:cNvSpPr>
+          <p:nvPr>
+            <p:ph type="ctrTitle"/>
+          </p:nvPr>
+        </p:nvSpPr>
+        <p:spPr>
+          <a:xfrm>
+            <a:off x="1507067" y="345351"/>
+            <a:ext cx="7766936" cy="970133"/>
+          </a:xfrm>
+        </p:spPr>
+        <p:txBody>
+          <a:bodyPr/>
+          <a:lstStyle/>
+          <a:p>
+            <a:pPr algn="l"/>
+            <a:r>
+              <a:rPr lang="en-US" dirty="0">
+                <a:solidFill>
+                  <a:schemeClr val="tx1">
+                    <a:lumMod val="85000"/>
+                    <a:lumOff val="15000"/>
+                  </a:schemeClr>
+                </a:solidFill>
+                <a:latin typeface="Segoe UI" panose="020B0502040204020203" pitchFamily="34" charset="0"/>
+                <a:cs typeface="Segoe UI" panose="020B0502040204020203" pitchFamily="34" charset="0"/>
+              </a:rPr>
+              <a:t>JS| </a:t>
+            </a:r>
+            <a:r>
+              <a:rPr lang="en-US" sz="3200" b="1" dirty="0">
+                <a:solidFill>
+                  <a:schemeClr val="tx1">
+                    <a:lumMod val="85000"/>
+                    <a:lumOff val="15000"/>
+                  </a:schemeClr>
+                </a:solidFill>
+                <a:latin typeface="Segoe UI" panose="020B0502040204020203" pitchFamily="34" charset="0"/>
+                <a:cs typeface="Segoe UI" panose="020B0502040204020203" pitchFamily="34" charset="0"/>
+              </a:rPr>
+              <a:t>Functions Methos - </a:t>
+            </a:r>
+            <a:r>
+              <a:rPr lang="en-US" sz="3200" b="1" dirty="0" err="1">
+                <a:solidFill>
+                  <a:schemeClr val="tx1">
+                    <a:lumMod val="85000"/>
+                    <a:lumOff val="15000"/>
+                  </a:schemeClr>
+                </a:solidFill>
+                <a:latin typeface="Segoe UI" panose="020B0502040204020203" pitchFamily="34" charset="0"/>
+                <a:cs typeface="Segoe UI" panose="020B0502040204020203" pitchFamily="34" charset="0"/>
+              </a:rPr>
+              <a:t>ToString</a:t>
+            </a:r>
+            <a:endParaRPr lang="en-US" b="1" dirty="0">
+              <a:solidFill>
+                <a:schemeClr val="tx1">
+                  <a:lumMod val="85000"/>
+                  <a:lumOff val="15000"/>
+                </a:schemeClr>
+              </a:solidFill>
+              <a:latin typeface="Segoe UI" panose="020B0502040204020203" pitchFamily="34" charset="0"/>
+              <a:cs typeface="Segoe UI" panose="020B0502040204020203" pitchFamily="34" charset="0"/>
+            </a:endParaRPr>
+          </a:p>
+        </p:txBody>
+      </p:sp>
+      <p:sp>
+        <p:nvSpPr>
+          <p:cNvPr id="6" name="TextBox 5">
+            <a:extLst>
+              <a:ext uri="{FF2B5EF4-FFF2-40B4-BE49-F238E27FC236}">
+                <a16:creationId xmlns:a16="http://schemas.microsoft.com/office/drawing/2014/main" id="{2B7B81F7-6A0C-41F3-8DFF-FCF27F70557B}"/>
+              </a:ext>
+            </a:extLst>
+          </p:cNvPr>
+          <p:cNvSpPr txBox="1"/>
+          <p:nvPr/>
+        </p:nvSpPr>
+        <p:spPr>
+          <a:xfrm>
+            <a:off x="1507066" y="1643512"/>
+            <a:ext cx="9616652" cy="1815882"/>
+          </a:xfrm>
+          <a:prstGeom prst="rect">
+            <a:avLst/>
+          </a:prstGeom>
+          <a:noFill/>
+        </p:spPr>
+        <p:txBody>
+          <a:bodyPr wrap="square">
+            <a:spAutoFit/>
+          </a:bodyPr>
+          <a:lstStyle/>
+          <a:p>
+            <a:r>
+              <a:rPr lang="en-US" sz="1600" dirty="0">
+                <a:latin typeface="Segoe UI" panose="020B0502040204020203" pitchFamily="34" charset="0"/>
+                <a:cs typeface="Segoe UI" panose="020B0502040204020203" pitchFamily="34" charset="0"/>
+              </a:rPr>
+              <a:t>Like all JavaScript objects, functions have a </a:t>
+            </a:r>
+            <a:r>
+              <a:rPr lang="en-US" sz="1600" dirty="0" err="1">
+                <a:latin typeface="Segoe UI" panose="020B0502040204020203" pitchFamily="34" charset="0"/>
+                <a:cs typeface="Segoe UI" panose="020B0502040204020203" pitchFamily="34" charset="0"/>
+              </a:rPr>
+              <a:t>toString</a:t>
+            </a:r>
+            <a:r>
+              <a:rPr lang="en-US" sz="1600" dirty="0">
+                <a:latin typeface="Segoe UI" panose="020B0502040204020203" pitchFamily="34" charset="0"/>
+                <a:cs typeface="Segoe UI" panose="020B0502040204020203" pitchFamily="34" charset="0"/>
+              </a:rPr>
+              <a:t>() method. </a:t>
+            </a:r>
+          </a:p>
+          <a:p>
+            <a:endParaRPr lang="en-US" sz="1600" dirty="0">
+              <a:latin typeface="Segoe UI" panose="020B0502040204020203" pitchFamily="34" charset="0"/>
+              <a:cs typeface="Segoe UI" panose="020B0502040204020203" pitchFamily="34" charset="0"/>
+            </a:endParaRPr>
+          </a:p>
+          <a:p>
+            <a:r>
+              <a:rPr lang="en-US" sz="1600" dirty="0">
+                <a:latin typeface="Segoe UI" panose="020B0502040204020203" pitchFamily="34" charset="0"/>
+                <a:cs typeface="Segoe UI" panose="020B0502040204020203" pitchFamily="34" charset="0"/>
+              </a:rPr>
+              <a:t>The ECMAScript spec requires this method to return a string that follows the syntax of the function declaration statement. </a:t>
+            </a:r>
+          </a:p>
+          <a:p>
+            <a:endParaRPr lang="en-US" sz="1600" dirty="0">
+              <a:latin typeface="Segoe UI" panose="020B0502040204020203" pitchFamily="34" charset="0"/>
+              <a:cs typeface="Segoe UI" panose="020B0502040204020203" pitchFamily="34" charset="0"/>
+            </a:endParaRPr>
+          </a:p>
+          <a:p>
+            <a:r>
+              <a:rPr lang="en-US" sz="1600" dirty="0">
+                <a:latin typeface="Segoe UI" panose="020B0502040204020203" pitchFamily="34" charset="0"/>
+                <a:cs typeface="Segoe UI" panose="020B0502040204020203" pitchFamily="34" charset="0"/>
+              </a:rPr>
+              <a:t>In practice, most (but not all) implementations of this </a:t>
+            </a:r>
+            <a:r>
+              <a:rPr lang="en-US" sz="1600" dirty="0" err="1">
+                <a:latin typeface="Segoe UI" panose="020B0502040204020203" pitchFamily="34" charset="0"/>
+                <a:cs typeface="Segoe UI" panose="020B0502040204020203" pitchFamily="34" charset="0"/>
+              </a:rPr>
+              <a:t>toString</a:t>
+            </a:r>
+            <a:r>
+              <a:rPr lang="en-US" sz="1600" dirty="0">
+                <a:latin typeface="Segoe UI" panose="020B0502040204020203" pitchFamily="34" charset="0"/>
+                <a:cs typeface="Segoe UI" panose="020B0502040204020203" pitchFamily="34" charset="0"/>
+              </a:rPr>
+              <a:t>() method return the complete source code for the function</a:t>
+            </a:r>
+          </a:p>
+        </p:txBody>
+      </p:sp>
+    </p:spTree>
+    <p:extLst>
+      <p:ext uri="{BB962C8B-B14F-4D97-AF65-F5344CB8AC3E}">
+        <p14:creationId xmlns:p14="http://schemas.microsoft.com/office/powerpoint/2010/main" val="1864523797"/>
+      </p:ext>
+    </p:extLst>
+  </p:cSld>
+  <p:clrMapOvr>
+    <a:masterClrMapping/>
+  </p:clrMapOvr>
+</p:sld>
+</file>
+
+<file path=ppt/slides/slide53.xml><?xml version="1.0" encoding="utf-8"?>
+<p:sld xmlns:a="http://schemas.openxmlformats.org/drawingml/2006/main" xmlns:r="http://schemas.openxmlformats.org/officeDocument/2006/relationships" xmlns:p="http://schemas.openxmlformats.org/presentationml/2006/main">
+  <p:cSld>
+    <p:spTree>
+      <p:nvGrpSpPr>
+        <p:cNvPr id="1" name=""/>
+        <p:cNvGrpSpPr/>
+        <p:nvPr/>
+      </p:nvGrpSpPr>
+      <p:grpSpPr>
+        <a:xfrm>
+          <a:off x="0" y="0"/>
+          <a:ext cx="0" cy="0"/>
+          <a:chOff x="0" y="0"/>
+          <a:chExt cx="0" cy="0"/>
+        </a:xfrm>
+      </p:grpSpPr>
+      <p:sp>
+        <p:nvSpPr>
+          <p:cNvPr id="2" name="Title 1">
+            <a:extLst>
+              <a:ext uri="{FF2B5EF4-FFF2-40B4-BE49-F238E27FC236}">
+                <a16:creationId xmlns:a16="http://schemas.microsoft.com/office/drawing/2014/main" id="{2D4E4121-CDC8-41BA-846E-58655BA90FCF}"/>
+              </a:ext>
+            </a:extLst>
+          </p:cNvPr>
+          <p:cNvSpPr>
+            <a:spLocks noGrp="1"/>
+          </p:cNvSpPr>
+          <p:nvPr>
+            <p:ph type="ctrTitle"/>
+          </p:nvPr>
+        </p:nvSpPr>
+        <p:spPr>
+          <a:xfrm>
+            <a:off x="1507067" y="345351"/>
+            <a:ext cx="7766936" cy="970133"/>
+          </a:xfrm>
+        </p:spPr>
+        <p:txBody>
+          <a:bodyPr/>
+          <a:lstStyle/>
+          <a:p>
+            <a:pPr algn="l"/>
+            <a:r>
+              <a:rPr lang="en-US" dirty="0">
+                <a:solidFill>
+                  <a:schemeClr val="tx1">
+                    <a:lumMod val="85000"/>
+                    <a:lumOff val="15000"/>
+                  </a:schemeClr>
+                </a:solidFill>
+                <a:latin typeface="Segoe UI" panose="020B0502040204020203" pitchFamily="34" charset="0"/>
+                <a:cs typeface="Segoe UI" panose="020B0502040204020203" pitchFamily="34" charset="0"/>
+              </a:rPr>
+              <a:t>JS| </a:t>
+            </a:r>
+            <a:r>
+              <a:rPr lang="en-US" sz="3200" b="1" dirty="0">
+                <a:solidFill>
+                  <a:schemeClr val="tx1">
+                    <a:lumMod val="85000"/>
+                    <a:lumOff val="15000"/>
+                  </a:schemeClr>
+                </a:solidFill>
+                <a:latin typeface="Segoe UI" panose="020B0502040204020203" pitchFamily="34" charset="0"/>
+                <a:cs typeface="Segoe UI" panose="020B0502040204020203" pitchFamily="34" charset="0"/>
+              </a:rPr>
+              <a:t>Functions Constructor</a:t>
+            </a:r>
+            <a:endParaRPr lang="en-US" b="1" dirty="0">
+              <a:solidFill>
+                <a:schemeClr val="tx1">
+                  <a:lumMod val="85000"/>
+                  <a:lumOff val="15000"/>
+                </a:schemeClr>
+              </a:solidFill>
+              <a:latin typeface="Segoe UI" panose="020B0502040204020203" pitchFamily="34" charset="0"/>
+              <a:cs typeface="Segoe UI" panose="020B0502040204020203" pitchFamily="34" charset="0"/>
+            </a:endParaRPr>
+          </a:p>
+        </p:txBody>
+      </p:sp>
+      <p:sp>
+        <p:nvSpPr>
+          <p:cNvPr id="6" name="TextBox 5">
+            <a:extLst>
+              <a:ext uri="{FF2B5EF4-FFF2-40B4-BE49-F238E27FC236}">
+                <a16:creationId xmlns:a16="http://schemas.microsoft.com/office/drawing/2014/main" id="{2B7B81F7-6A0C-41F3-8DFF-FCF27F70557B}"/>
+              </a:ext>
+            </a:extLst>
+          </p:cNvPr>
+          <p:cNvSpPr txBox="1"/>
+          <p:nvPr/>
+        </p:nvSpPr>
+        <p:spPr>
+          <a:xfrm>
+            <a:off x="1507066" y="1643512"/>
+            <a:ext cx="9616652" cy="1569660"/>
+          </a:xfrm>
+          <a:prstGeom prst="rect">
+            <a:avLst/>
+          </a:prstGeom>
+          <a:noFill/>
+        </p:spPr>
+        <p:txBody>
+          <a:bodyPr wrap="square">
+            <a:spAutoFit/>
+          </a:bodyPr>
+          <a:lstStyle/>
+          <a:p>
+            <a:r>
+              <a:rPr lang="en-US" sz="1600" dirty="0">
+                <a:latin typeface="Segoe UI" panose="020B0502040204020203" pitchFamily="34" charset="0"/>
+                <a:cs typeface="Segoe UI" panose="020B0502040204020203" pitchFamily="34" charset="0"/>
+              </a:rPr>
+              <a:t>The primary purpose of bind() is to </a:t>
+            </a:r>
+            <a:r>
+              <a:rPr lang="en-US" sz="1600" b="1" dirty="0">
+                <a:latin typeface="Segoe UI" panose="020B0502040204020203" pitchFamily="34" charset="0"/>
+                <a:cs typeface="Segoe UI" panose="020B0502040204020203" pitchFamily="34" charset="0"/>
+              </a:rPr>
+              <a:t>bind</a:t>
+            </a:r>
+            <a:r>
+              <a:rPr lang="en-US" sz="1600" dirty="0">
+                <a:latin typeface="Segoe UI" panose="020B0502040204020203" pitchFamily="34" charset="0"/>
+                <a:cs typeface="Segoe UI" panose="020B0502040204020203" pitchFamily="34" charset="0"/>
+              </a:rPr>
+              <a:t> a </a:t>
+            </a:r>
+            <a:r>
+              <a:rPr lang="en-US" sz="1600" b="1" dirty="0">
+                <a:latin typeface="Segoe UI" panose="020B0502040204020203" pitchFamily="34" charset="0"/>
+                <a:cs typeface="Segoe UI" panose="020B0502040204020203" pitchFamily="34" charset="0"/>
+              </a:rPr>
+              <a:t>function</a:t>
+            </a:r>
+            <a:r>
+              <a:rPr lang="en-US" sz="1600" dirty="0">
+                <a:latin typeface="Segoe UI" panose="020B0502040204020203" pitchFamily="34" charset="0"/>
+                <a:cs typeface="Segoe UI" panose="020B0502040204020203" pitchFamily="34" charset="0"/>
+              </a:rPr>
+              <a:t> to an </a:t>
+            </a:r>
+            <a:r>
+              <a:rPr lang="en-US" sz="1600" b="1" dirty="0">
+                <a:latin typeface="Segoe UI" panose="020B0502040204020203" pitchFamily="34" charset="0"/>
+                <a:cs typeface="Segoe UI" panose="020B0502040204020203" pitchFamily="34" charset="0"/>
+              </a:rPr>
+              <a:t>object</a:t>
+            </a:r>
+            <a:r>
+              <a:rPr lang="en-US" sz="1600" dirty="0">
+                <a:latin typeface="Segoe UI" panose="020B0502040204020203" pitchFamily="34" charset="0"/>
+                <a:cs typeface="Segoe UI" panose="020B0502040204020203" pitchFamily="34" charset="0"/>
+              </a:rPr>
+              <a:t>. </a:t>
+            </a:r>
+          </a:p>
+          <a:p>
+            <a:endParaRPr lang="en-US" sz="1600" dirty="0">
+              <a:latin typeface="Segoe UI" panose="020B0502040204020203" pitchFamily="34" charset="0"/>
+              <a:cs typeface="Segoe UI" panose="020B0502040204020203" pitchFamily="34" charset="0"/>
+            </a:endParaRPr>
+          </a:p>
+          <a:p>
+            <a:r>
+              <a:rPr lang="en-US" sz="1600" dirty="0">
+                <a:latin typeface="Segoe UI" panose="020B0502040204020203" pitchFamily="34" charset="0"/>
+                <a:cs typeface="Segoe UI" panose="020B0502040204020203" pitchFamily="34" charset="0"/>
+              </a:rPr>
+              <a:t>When you </a:t>
+            </a:r>
+            <a:r>
+              <a:rPr lang="en-US" sz="1600" b="1" dirty="0">
+                <a:latin typeface="Segoe UI" panose="020B0502040204020203" pitchFamily="34" charset="0"/>
+                <a:cs typeface="Segoe UI" panose="020B0502040204020203" pitchFamily="34" charset="0"/>
+              </a:rPr>
+              <a:t>invoke</a:t>
+            </a:r>
+            <a:r>
+              <a:rPr lang="en-US" sz="1600" dirty="0">
+                <a:latin typeface="Segoe UI" panose="020B0502040204020203" pitchFamily="34" charset="0"/>
+                <a:cs typeface="Segoe UI" panose="020B0502040204020203" pitchFamily="34" charset="0"/>
+              </a:rPr>
+              <a:t> the </a:t>
+            </a:r>
+            <a:r>
+              <a:rPr lang="en-US" sz="1600" b="1" dirty="0">
+                <a:latin typeface="Segoe UI" panose="020B0502040204020203" pitchFamily="34" charset="0"/>
+                <a:cs typeface="Segoe UI" panose="020B0502040204020203" pitchFamily="34" charset="0"/>
+              </a:rPr>
+              <a:t>bind</a:t>
+            </a:r>
+            <a:r>
+              <a:rPr lang="en-US" sz="1600" dirty="0">
+                <a:latin typeface="Segoe UI" panose="020B0502040204020203" pitchFamily="34" charset="0"/>
+                <a:cs typeface="Segoe UI" panose="020B0502040204020203" pitchFamily="34" charset="0"/>
+              </a:rPr>
+              <a:t>() method on a </a:t>
+            </a:r>
+            <a:r>
+              <a:rPr lang="en-US" sz="1600" b="1" dirty="0">
+                <a:latin typeface="Segoe UI" panose="020B0502040204020203" pitchFamily="34" charset="0"/>
+                <a:cs typeface="Segoe UI" panose="020B0502040204020203" pitchFamily="34" charset="0"/>
+              </a:rPr>
+              <a:t>function</a:t>
+            </a:r>
+            <a:r>
+              <a:rPr lang="en-US" sz="1600" dirty="0">
+                <a:latin typeface="Segoe UI" panose="020B0502040204020203" pitchFamily="34" charset="0"/>
+                <a:cs typeface="Segoe UI" panose="020B0502040204020203" pitchFamily="34" charset="0"/>
+              </a:rPr>
+              <a:t> f and pass an </a:t>
+            </a:r>
+            <a:r>
+              <a:rPr lang="en-US" sz="1600" b="1" dirty="0">
+                <a:latin typeface="Segoe UI" panose="020B0502040204020203" pitchFamily="34" charset="0"/>
+                <a:cs typeface="Segoe UI" panose="020B0502040204020203" pitchFamily="34" charset="0"/>
+              </a:rPr>
+              <a:t>object</a:t>
+            </a:r>
+            <a:r>
+              <a:rPr lang="en-US" sz="1600" dirty="0">
+                <a:latin typeface="Segoe UI" panose="020B0502040204020203" pitchFamily="34" charset="0"/>
+                <a:cs typeface="Segoe UI" panose="020B0502040204020203" pitchFamily="34" charset="0"/>
+              </a:rPr>
+              <a:t> o, the method returns a new function. </a:t>
+            </a:r>
+          </a:p>
+          <a:p>
+            <a:endParaRPr lang="en-US" sz="1600" dirty="0">
+              <a:latin typeface="Segoe UI" panose="020B0502040204020203" pitchFamily="34" charset="0"/>
+              <a:cs typeface="Segoe UI" panose="020B0502040204020203" pitchFamily="34" charset="0"/>
+            </a:endParaRPr>
+          </a:p>
+          <a:p>
+            <a:r>
+              <a:rPr lang="en-US" sz="1600" dirty="0">
+                <a:latin typeface="Segoe UI" panose="020B0502040204020203" pitchFamily="34" charset="0"/>
+                <a:cs typeface="Segoe UI" panose="020B0502040204020203" pitchFamily="34" charset="0"/>
+              </a:rPr>
+              <a:t>Invoking the new function (as a function) </a:t>
+            </a:r>
+            <a:r>
+              <a:rPr lang="en-US" sz="1600" b="1" dirty="0">
+                <a:latin typeface="Segoe UI" panose="020B0502040204020203" pitchFamily="34" charset="0"/>
+                <a:cs typeface="Segoe UI" panose="020B0502040204020203" pitchFamily="34" charset="0"/>
+              </a:rPr>
+              <a:t>invokes</a:t>
+            </a:r>
+            <a:r>
+              <a:rPr lang="en-US" sz="1600" dirty="0">
+                <a:latin typeface="Segoe UI" panose="020B0502040204020203" pitchFamily="34" charset="0"/>
+                <a:cs typeface="Segoe UI" panose="020B0502040204020203" pitchFamily="34" charset="0"/>
+              </a:rPr>
+              <a:t> the </a:t>
+            </a:r>
+            <a:r>
+              <a:rPr lang="en-US" sz="1600" b="1" dirty="0">
+                <a:latin typeface="Segoe UI" panose="020B0502040204020203" pitchFamily="34" charset="0"/>
+                <a:cs typeface="Segoe UI" panose="020B0502040204020203" pitchFamily="34" charset="0"/>
+              </a:rPr>
+              <a:t>original function </a:t>
+            </a:r>
+            <a:r>
+              <a:rPr lang="en-US" sz="1600" dirty="0">
+                <a:latin typeface="Segoe UI" panose="020B0502040204020203" pitchFamily="34" charset="0"/>
+                <a:cs typeface="Segoe UI" panose="020B0502040204020203" pitchFamily="34" charset="0"/>
+              </a:rPr>
+              <a:t>f as a </a:t>
+            </a:r>
+            <a:r>
+              <a:rPr lang="en-US" sz="1600" b="1" dirty="0">
+                <a:latin typeface="Segoe UI" panose="020B0502040204020203" pitchFamily="34" charset="0"/>
+                <a:cs typeface="Segoe UI" panose="020B0502040204020203" pitchFamily="34" charset="0"/>
+              </a:rPr>
+              <a:t>method</a:t>
+            </a:r>
+            <a:r>
+              <a:rPr lang="en-US" sz="1600" dirty="0">
+                <a:latin typeface="Segoe UI" panose="020B0502040204020203" pitchFamily="34" charset="0"/>
+                <a:cs typeface="Segoe UI" panose="020B0502040204020203" pitchFamily="34" charset="0"/>
+              </a:rPr>
+              <a:t> of </a:t>
+            </a:r>
+            <a:r>
+              <a:rPr lang="en-US" sz="1600" b="1" dirty="0">
+                <a:latin typeface="Segoe UI" panose="020B0502040204020203" pitchFamily="34" charset="0"/>
+                <a:cs typeface="Segoe UI" panose="020B0502040204020203" pitchFamily="34" charset="0"/>
+              </a:rPr>
+              <a:t>o</a:t>
+            </a:r>
+            <a:r>
+              <a:rPr lang="en-US" sz="1600" dirty="0">
+                <a:latin typeface="Segoe UI" panose="020B0502040204020203" pitchFamily="34" charset="0"/>
+                <a:cs typeface="Segoe UI" panose="020B0502040204020203" pitchFamily="34" charset="0"/>
+              </a:rPr>
+              <a:t>.</a:t>
+            </a:r>
+          </a:p>
+        </p:txBody>
+      </p:sp>
+    </p:spTree>
+    <p:extLst>
+      <p:ext uri="{BB962C8B-B14F-4D97-AF65-F5344CB8AC3E}">
+        <p14:creationId xmlns:p14="http://schemas.microsoft.com/office/powerpoint/2010/main" val="1962931493"/>
+      </p:ext>
+    </p:extLst>
+  </p:cSld>
+  <p:clrMapOvr>
+    <a:masterClrMapping/>
+  </p:clrMapOvr>
+</p:sld>
+</file>
+
+<file path=ppt/slides/slide54.xml><?xml version="1.0" encoding="utf-8"?>
+<p:sld xmlns:a="http://schemas.openxmlformats.org/drawingml/2006/main" xmlns:r="http://schemas.openxmlformats.org/officeDocument/2006/relationships" xmlns:p="http://schemas.openxmlformats.org/presentationml/2006/main">
+  <p:cSld>
+    <p:spTree>
+      <p:nvGrpSpPr>
+        <p:cNvPr id="1" name=""/>
+        <p:cNvGrpSpPr/>
+        <p:nvPr/>
+      </p:nvGrpSpPr>
+      <p:grpSpPr>
+        <a:xfrm>
+          <a:off x="0" y="0"/>
+          <a:ext cx="0" cy="0"/>
+          <a:chOff x="0" y="0"/>
+          <a:chExt cx="0" cy="0"/>
+        </a:xfrm>
+      </p:grpSpPr>
+      <p:sp>
+        <p:nvSpPr>
+          <p:cNvPr id="2" name="Title 1">
+            <a:extLst>
+              <a:ext uri="{FF2B5EF4-FFF2-40B4-BE49-F238E27FC236}">
+                <a16:creationId xmlns:a16="http://schemas.microsoft.com/office/drawing/2014/main" id="{2D4E4121-CDC8-41BA-846E-58655BA90FCF}"/>
+              </a:ext>
+            </a:extLst>
+          </p:cNvPr>
+          <p:cNvSpPr>
+            <a:spLocks noGrp="1"/>
+          </p:cNvSpPr>
+          <p:nvPr>
+            <p:ph type="ctrTitle"/>
+          </p:nvPr>
+        </p:nvSpPr>
+        <p:spPr>
+          <a:xfrm>
+            <a:off x="1507067" y="345351"/>
+            <a:ext cx="7766936" cy="970133"/>
+          </a:xfrm>
+        </p:spPr>
+        <p:txBody>
+          <a:bodyPr/>
+          <a:lstStyle/>
+          <a:p>
+            <a:pPr algn="l"/>
+            <a:r>
+              <a:rPr lang="en-US" dirty="0">
+                <a:solidFill>
+                  <a:schemeClr val="tx1">
+                    <a:lumMod val="85000"/>
+                    <a:lumOff val="15000"/>
+                  </a:schemeClr>
+                </a:solidFill>
+                <a:latin typeface="Segoe UI" panose="020B0502040204020203" pitchFamily="34" charset="0"/>
+                <a:cs typeface="Segoe UI" panose="020B0502040204020203" pitchFamily="34" charset="0"/>
+              </a:rPr>
+              <a:t>JS| </a:t>
+            </a:r>
+            <a:r>
+              <a:rPr lang="en-US" sz="3200" b="1" dirty="0">
+                <a:solidFill>
+                  <a:schemeClr val="tx1">
+                    <a:lumMod val="85000"/>
+                    <a:lumOff val="15000"/>
+                  </a:schemeClr>
+                </a:solidFill>
+                <a:latin typeface="Segoe UI" panose="020B0502040204020203" pitchFamily="34" charset="0"/>
+                <a:cs typeface="Segoe UI" panose="020B0502040204020203" pitchFamily="34" charset="0"/>
+              </a:rPr>
               <a:t>Classes</a:t>
             </a:r>
             <a:endParaRPr lang="en-US" b="1" dirty="0">
@@ -30592,254 +34247,6 @@
     <p:extLst>
       <p:ext uri="{BB962C8B-B14F-4D97-AF65-F5344CB8AC3E}">
         <p14:creationId xmlns:p14="http://schemas.microsoft.com/office/powerpoint/2010/main" val="1795469329"/>
-      </p:ext>
-    </p:extLst>
-  </p:cSld>
-  <p:clrMapOvr>
-    <a:masterClrMapping/>
-  </p:clrMapOvr>
-</p:sld>
-</file>
-
-<file path=ppt/slides/slide5.xml><?xml version="1.0" encoding="utf-8"?>
-<p:sld xmlns:a="http://schemas.openxmlformats.org/drawingml/2006/main" xmlns:r="http://schemas.openxmlformats.org/officeDocument/2006/relationships" xmlns:p="http://schemas.openxmlformats.org/presentationml/2006/main">
-  <p:cSld>
-    <p:spTree>
-      <p:nvGrpSpPr>
-        <p:cNvPr id="1" name=""/>
-        <p:cNvGrpSpPr/>
-        <p:nvPr/>
-      </p:nvGrpSpPr>
-      <p:grpSpPr>
-        <a:xfrm>
-          <a:off x="0" y="0"/>
-          <a:ext cx="0" cy="0"/>
-          <a:chOff x="0" y="0"/>
-          <a:chExt cx="0" cy="0"/>
-        </a:xfrm>
-      </p:grpSpPr>
-      <p:sp>
-        <p:nvSpPr>
-          <p:cNvPr id="6" name="TextBox 5">
-            <a:extLst>
-              <a:ext uri="{FF2B5EF4-FFF2-40B4-BE49-F238E27FC236}">
-                <a16:creationId xmlns:a16="http://schemas.microsoft.com/office/drawing/2014/main" id="{58347EA0-F5FD-4C3F-8B86-AD1D1071EF8B}"/>
-              </a:ext>
-            </a:extLst>
-          </p:cNvPr>
-          <p:cNvSpPr txBox="1"/>
-          <p:nvPr/>
-        </p:nvSpPr>
-        <p:spPr>
-          <a:xfrm>
-            <a:off x="1507066" y="2564605"/>
-            <a:ext cx="9489586" cy="923330"/>
-          </a:xfrm>
-          <a:prstGeom prst="rect">
-            <a:avLst/>
-          </a:prstGeom>
-          <a:solidFill>
-            <a:schemeClr val="accent3">
-              <a:lumMod val="60000"/>
-              <a:lumOff val="40000"/>
-            </a:schemeClr>
-          </a:solidFill>
-          <a:ln w="57150">
-            <a:solidFill>
-              <a:srgbClr val="00B050"/>
-            </a:solidFill>
-          </a:ln>
-        </p:spPr>
-        <p:txBody>
-          <a:bodyPr wrap="square">
-            <a:spAutoFit/>
-          </a:bodyPr>
-          <a:lstStyle/>
-          <a:p>
-            <a:r>
-              <a:rPr lang="en-US" b="1" dirty="0">
-                <a:latin typeface="Segoe UI" panose="020B0502040204020203" pitchFamily="34" charset="0"/>
-                <a:cs typeface="Segoe UI" panose="020B0502040204020203" pitchFamily="34" charset="0"/>
-              </a:rPr>
-              <a:t>EXECUTION-CONTEXT:</a:t>
-            </a:r>
-          </a:p>
-          <a:p>
-            <a:endParaRPr lang="en-US" dirty="0">
-              <a:latin typeface="Segoe UI" panose="020B0502040204020203" pitchFamily="34" charset="0"/>
-              <a:cs typeface="Segoe UI" panose="020B0502040204020203" pitchFamily="34" charset="0"/>
-            </a:endParaRPr>
-          </a:p>
-          <a:p>
-            <a:r>
-              <a:rPr lang="en-US" dirty="0">
-                <a:latin typeface="Segoe UI" panose="020B0502040204020203" pitchFamily="34" charset="0"/>
-                <a:cs typeface="Segoe UI" panose="020B0502040204020203" pitchFamily="34" charset="0"/>
-              </a:rPr>
-              <a:t>They defining their own invocation context.</a:t>
-            </a:r>
-          </a:p>
-        </p:txBody>
-      </p:sp>
-      <p:sp>
-        <p:nvSpPr>
-          <p:cNvPr id="9" name="TextBox 8">
-            <a:extLst>
-              <a:ext uri="{FF2B5EF4-FFF2-40B4-BE49-F238E27FC236}">
-                <a16:creationId xmlns:a16="http://schemas.microsoft.com/office/drawing/2014/main" id="{0E5D8058-EB78-4D5B-B4C3-0B087F783CEE}"/>
-              </a:ext>
-            </a:extLst>
-          </p:cNvPr>
-          <p:cNvSpPr txBox="1"/>
-          <p:nvPr/>
-        </p:nvSpPr>
-        <p:spPr>
-          <a:xfrm>
-            <a:off x="1507066" y="1616879"/>
-            <a:ext cx="9489586" cy="646331"/>
-          </a:xfrm>
-          <a:prstGeom prst="rect">
-            <a:avLst/>
-          </a:prstGeom>
-          <a:solidFill>
-            <a:srgbClr val="F6B3AA"/>
-          </a:solidFill>
-          <a:ln w="57150">
-            <a:solidFill>
-              <a:srgbClr val="C00000"/>
-            </a:solidFill>
-          </a:ln>
-        </p:spPr>
-        <p:txBody>
-          <a:bodyPr wrap="square">
-            <a:spAutoFit/>
-          </a:bodyPr>
-          <a:lstStyle/>
-          <a:p>
-            <a:r>
-              <a:rPr lang="en-US" dirty="0">
-                <a:latin typeface="Segoe UI" panose="020B0502040204020203" pitchFamily="34" charset="0"/>
-                <a:cs typeface="Segoe UI" panose="020B0502040204020203" pitchFamily="34" charset="0"/>
-              </a:rPr>
-              <a:t>They </a:t>
-            </a:r>
-            <a:r>
-              <a:rPr lang="en-US" b="1" dirty="0">
-                <a:latin typeface="Segoe UI" panose="020B0502040204020203" pitchFamily="34" charset="0"/>
-                <a:cs typeface="Segoe UI" panose="020B0502040204020203" pitchFamily="34" charset="0"/>
-              </a:rPr>
-              <a:t>have a prototype property, </a:t>
-            </a:r>
-            <a:r>
-              <a:rPr lang="en-US" dirty="0">
-                <a:latin typeface="Segoe UI" panose="020B0502040204020203" pitchFamily="34" charset="0"/>
-                <a:cs typeface="Segoe UI" panose="020B0502040204020203" pitchFamily="34" charset="0"/>
-              </a:rPr>
-              <a:t>which means that they can be used as constructor functions for new classes.</a:t>
-            </a:r>
-          </a:p>
-        </p:txBody>
-      </p:sp>
-      <p:sp>
-        <p:nvSpPr>
-          <p:cNvPr id="2" name="Title 1">
-            <a:extLst>
-              <a:ext uri="{FF2B5EF4-FFF2-40B4-BE49-F238E27FC236}">
-                <a16:creationId xmlns:a16="http://schemas.microsoft.com/office/drawing/2014/main" id="{2D4E4121-CDC8-41BA-846E-58655BA90FCF}"/>
-              </a:ext>
-            </a:extLst>
-          </p:cNvPr>
-          <p:cNvSpPr>
-            <a:spLocks noGrp="1"/>
-          </p:cNvSpPr>
-          <p:nvPr>
-            <p:ph type="ctrTitle"/>
-          </p:nvPr>
-        </p:nvSpPr>
-        <p:spPr>
-          <a:xfrm>
-            <a:off x="1507067" y="345351"/>
-            <a:ext cx="7766936" cy="970133"/>
-          </a:xfrm>
-        </p:spPr>
-        <p:txBody>
-          <a:bodyPr/>
-          <a:lstStyle/>
-          <a:p>
-            <a:pPr algn="l"/>
-            <a:r>
-              <a:rPr lang="en-US" dirty="0">
-                <a:solidFill>
-                  <a:schemeClr val="tx1">
-                    <a:lumMod val="85000"/>
-                    <a:lumOff val="15000"/>
-                  </a:schemeClr>
-                </a:solidFill>
-                <a:latin typeface="Segoe UI" panose="020B0502040204020203" pitchFamily="34" charset="0"/>
-                <a:cs typeface="Segoe UI" panose="020B0502040204020203" pitchFamily="34" charset="0"/>
-              </a:rPr>
-              <a:t>JS| </a:t>
-            </a:r>
-            <a:r>
-              <a:rPr lang="en-US" sz="3200" b="1" dirty="0">
-                <a:solidFill>
-                  <a:schemeClr val="tx1">
-                    <a:lumMod val="85000"/>
-                    <a:lumOff val="15000"/>
-                  </a:schemeClr>
-                </a:solidFill>
-                <a:latin typeface="Segoe UI" panose="020B0502040204020203" pitchFamily="34" charset="0"/>
-                <a:cs typeface="Segoe UI" panose="020B0502040204020203" pitchFamily="34" charset="0"/>
-              </a:rPr>
-              <a:t>Functions Declaration</a:t>
-            </a:r>
-            <a:endParaRPr lang="en-US" b="1" dirty="0">
-              <a:solidFill>
-                <a:schemeClr val="tx1">
-                  <a:lumMod val="85000"/>
-                  <a:lumOff val="15000"/>
-                </a:schemeClr>
-              </a:solidFill>
-              <a:latin typeface="Segoe UI" panose="020B0502040204020203" pitchFamily="34" charset="0"/>
-              <a:cs typeface="Segoe UI" panose="020B0502040204020203" pitchFamily="34" charset="0"/>
-            </a:endParaRPr>
-          </a:p>
-        </p:txBody>
-      </p:sp>
-      <p:pic>
-        <p:nvPicPr>
-          <p:cNvPr id="7" name="Picture 6">
-            <a:extLst>
-              <a:ext uri="{FF2B5EF4-FFF2-40B4-BE49-F238E27FC236}">
-                <a16:creationId xmlns:a16="http://schemas.microsoft.com/office/drawing/2014/main" id="{0DF3C225-5C88-461B-8E3B-80625D0C8597}"/>
-              </a:ext>
-            </a:extLst>
-          </p:cNvPr>
-          <p:cNvPicPr>
-            <a:picLocks noChangeAspect="1"/>
-          </p:cNvPicPr>
-          <p:nvPr/>
-        </p:nvPicPr>
-        <p:blipFill>
-          <a:blip r:embed="rId3"/>
-          <a:stretch>
-            <a:fillRect/>
-          </a:stretch>
-        </p:blipFill>
-        <p:spPr>
-          <a:xfrm>
-            <a:off x="541537" y="2489985"/>
-            <a:ext cx="1079515" cy="1079515"/>
-          </a:xfrm>
-          <a:prstGeom prst="rect">
-            <a:avLst/>
-          </a:prstGeom>
-        </p:spPr>
-      </p:pic>
-    </p:spTree>
-    <p:extLst>
-      <p:ext uri="{BB962C8B-B14F-4D97-AF65-F5344CB8AC3E}">
-        <p14:creationId xmlns:p14="http://schemas.microsoft.com/office/powerpoint/2010/main" val="1827091788"/>
       </p:ext>
     </p:extLst>
   </p:cSld>
